--- a/pptcfg.pptx
+++ b/pptcfg.pptx
@@ -110,6 +110,2726 @@
     </a:lvl9pPr>
   </p:defaultTextStyle>
 </p:presentation>
+</file>
+
+<file path=ppt/diagrams/colors1.xml><?xml version="1.0" encoding="utf-8"?>
+<dgm:colorsDef xmlns:dgm="http://schemas.openxmlformats.org/drawingml/2006/diagram" xmlns:a="http://schemas.openxmlformats.org/drawingml/2006/main" uniqueId="urn:microsoft.com/office/officeart/2005/8/colors/colorful3">
+  <dgm:title val=""/>
+  <dgm:desc val=""/>
+  <dgm:catLst>
+    <dgm:cat type="colorful" pri="10300"/>
+  </dgm:catLst>
+  <dgm:styleLbl name="node0">
+    <dgm:fillClrLst meth="repeat">
+      <a:schemeClr val="accent2"/>
+    </dgm:fillClrLst>
+    <dgm:linClrLst meth="repeat">
+      <a:schemeClr val="lt1"/>
+    </dgm:linClrLst>
+    <dgm:effectClrLst/>
+    <dgm:txLinClrLst/>
+    <dgm:txFillClrLst/>
+    <dgm:txEffectClrLst/>
+  </dgm:styleLbl>
+  <dgm:styleLbl name="node1">
+    <dgm:fillClrLst>
+      <a:schemeClr val="accent3"/>
+      <a:schemeClr val="accent4"/>
+    </dgm:fillClrLst>
+    <dgm:linClrLst meth="repeat">
+      <a:schemeClr val="lt1"/>
+    </dgm:linClrLst>
+    <dgm:effectClrLst/>
+    <dgm:txLinClrLst/>
+    <dgm:txFillClrLst/>
+    <dgm:txEffectClrLst/>
+  </dgm:styleLbl>
+  <dgm:styleLbl name="alignNode1">
+    <dgm:fillClrLst>
+      <a:schemeClr val="accent3"/>
+      <a:schemeClr val="accent4"/>
+    </dgm:fillClrLst>
+    <dgm:linClrLst>
+      <a:schemeClr val="accent3"/>
+      <a:schemeClr val="accent4"/>
+    </dgm:linClrLst>
+    <dgm:effectClrLst/>
+    <dgm:txLinClrLst/>
+    <dgm:txFillClrLst/>
+    <dgm:txEffectClrLst/>
+  </dgm:styleLbl>
+  <dgm:styleLbl name="lnNode1">
+    <dgm:fillClrLst>
+      <a:schemeClr val="accent3"/>
+      <a:schemeClr val="accent4"/>
+    </dgm:fillClrLst>
+    <dgm:linClrLst meth="repeat">
+      <a:schemeClr val="lt1"/>
+    </dgm:linClrLst>
+    <dgm:effectClrLst/>
+    <dgm:txLinClrLst/>
+    <dgm:txFillClrLst/>
+    <dgm:txEffectClrLst/>
+  </dgm:styleLbl>
+  <dgm:styleLbl name="vennNode1">
+    <dgm:fillClrLst>
+      <a:schemeClr val="accent3">
+        <a:alpha val="50000"/>
+      </a:schemeClr>
+      <a:schemeClr val="accent4">
+        <a:alpha val="50000"/>
+      </a:schemeClr>
+    </dgm:fillClrLst>
+    <dgm:linClrLst meth="repeat">
+      <a:schemeClr val="lt1"/>
+    </dgm:linClrLst>
+    <dgm:effectClrLst/>
+    <dgm:txLinClrLst/>
+    <dgm:txFillClrLst/>
+    <dgm:txEffectClrLst/>
+  </dgm:styleLbl>
+  <dgm:styleLbl name="node2">
+    <dgm:fillClrLst>
+      <a:schemeClr val="accent4"/>
+    </dgm:fillClrLst>
+    <dgm:linClrLst meth="repeat">
+      <a:schemeClr val="lt1"/>
+    </dgm:linClrLst>
+    <dgm:effectClrLst/>
+    <dgm:txLinClrLst/>
+    <dgm:txFillClrLst/>
+    <dgm:txEffectClrLst/>
+  </dgm:styleLbl>
+  <dgm:styleLbl name="node3">
+    <dgm:fillClrLst>
+      <a:schemeClr val="accent5"/>
+    </dgm:fillClrLst>
+    <dgm:linClrLst meth="repeat">
+      <a:schemeClr val="lt1"/>
+    </dgm:linClrLst>
+    <dgm:effectClrLst/>
+    <dgm:txLinClrLst/>
+    <dgm:txFillClrLst/>
+    <dgm:txEffectClrLst/>
+  </dgm:styleLbl>
+  <dgm:styleLbl name="node4">
+    <dgm:fillClrLst>
+      <a:schemeClr val="accent6"/>
+    </dgm:fillClrLst>
+    <dgm:linClrLst meth="repeat">
+      <a:schemeClr val="lt1"/>
+    </dgm:linClrLst>
+    <dgm:effectClrLst/>
+    <dgm:txLinClrLst/>
+    <dgm:txFillClrLst/>
+    <dgm:txEffectClrLst/>
+  </dgm:styleLbl>
+  <dgm:styleLbl name="fgImgPlace1">
+    <dgm:fillClrLst>
+      <a:schemeClr val="accent3">
+        <a:tint val="50000"/>
+      </a:schemeClr>
+      <a:schemeClr val="accent4">
+        <a:tint val="50000"/>
+      </a:schemeClr>
+    </dgm:fillClrLst>
+    <dgm:linClrLst meth="repeat">
+      <a:schemeClr val="lt1"/>
+    </dgm:linClrLst>
+    <dgm:effectClrLst/>
+    <dgm:txLinClrLst/>
+    <dgm:txFillClrLst meth="repeat">
+      <a:schemeClr val="lt1"/>
+    </dgm:txFillClrLst>
+    <dgm:txEffectClrLst/>
+  </dgm:styleLbl>
+  <dgm:styleLbl name="alignImgPlace1">
+    <dgm:fillClrLst>
+      <a:schemeClr val="accent3">
+        <a:tint val="50000"/>
+      </a:schemeClr>
+      <a:schemeClr val="accent4">
+        <a:tint val="20000"/>
+      </a:schemeClr>
+    </dgm:fillClrLst>
+    <dgm:linClrLst meth="repeat">
+      <a:schemeClr val="lt1"/>
+    </dgm:linClrLst>
+    <dgm:effectClrLst/>
+    <dgm:txLinClrLst/>
+    <dgm:txFillClrLst meth="repeat">
+      <a:schemeClr val="lt1"/>
+    </dgm:txFillClrLst>
+    <dgm:txEffectClrLst/>
+  </dgm:styleLbl>
+  <dgm:styleLbl name="bgImgPlace1">
+    <dgm:fillClrLst>
+      <a:schemeClr val="accent3">
+        <a:tint val="50000"/>
+      </a:schemeClr>
+      <a:schemeClr val="accent4">
+        <a:tint val="20000"/>
+      </a:schemeClr>
+    </dgm:fillClrLst>
+    <dgm:linClrLst meth="repeat">
+      <a:schemeClr val="lt1"/>
+    </dgm:linClrLst>
+    <dgm:effectClrLst/>
+    <dgm:txLinClrLst/>
+    <dgm:txFillClrLst meth="repeat">
+      <a:schemeClr val="lt1"/>
+    </dgm:txFillClrLst>
+    <dgm:txEffectClrLst/>
+  </dgm:styleLbl>
+  <dgm:styleLbl name="sibTrans2D1">
+    <dgm:fillClrLst>
+      <a:schemeClr val="accent3"/>
+      <a:schemeClr val="accent4"/>
+    </dgm:fillClrLst>
+    <dgm:linClrLst meth="repeat">
+      <a:schemeClr val="lt1"/>
+    </dgm:linClrLst>
+    <dgm:effectClrLst/>
+    <dgm:txLinClrLst/>
+    <dgm:txFillClrLst/>
+    <dgm:txEffectClrLst/>
+  </dgm:styleLbl>
+  <dgm:styleLbl name="fgSibTrans2D1">
+    <dgm:fillClrLst>
+      <a:schemeClr val="accent3"/>
+      <a:schemeClr val="accent4"/>
+    </dgm:fillClrLst>
+    <dgm:linClrLst meth="repeat">
+      <a:schemeClr val="lt1"/>
+    </dgm:linClrLst>
+    <dgm:effectClrLst/>
+    <dgm:txLinClrLst/>
+    <dgm:txFillClrLst meth="repeat">
+      <a:schemeClr val="lt1"/>
+    </dgm:txFillClrLst>
+    <dgm:txEffectClrLst/>
+  </dgm:styleLbl>
+  <dgm:styleLbl name="bgSibTrans2D1">
+    <dgm:fillClrLst>
+      <a:schemeClr val="accent3"/>
+      <a:schemeClr val="accent4"/>
+    </dgm:fillClrLst>
+    <dgm:linClrLst meth="repeat">
+      <a:schemeClr val="lt1"/>
+    </dgm:linClrLst>
+    <dgm:effectClrLst/>
+    <dgm:txLinClrLst/>
+    <dgm:txFillClrLst meth="repeat">
+      <a:schemeClr val="lt1"/>
+    </dgm:txFillClrLst>
+    <dgm:txEffectClrLst/>
+  </dgm:styleLbl>
+  <dgm:styleLbl name="sibTrans1D1">
+    <dgm:fillClrLst/>
+    <dgm:linClrLst>
+      <a:schemeClr val="accent3"/>
+      <a:schemeClr val="accent4"/>
+    </dgm:linClrLst>
+    <dgm:effectClrLst/>
+    <dgm:txLinClrLst/>
+    <dgm:txFillClrLst meth="repeat">
+      <a:schemeClr val="tx1"/>
+    </dgm:txFillClrLst>
+    <dgm:txEffectClrLst/>
+  </dgm:styleLbl>
+  <dgm:styleLbl name="callout">
+    <dgm:fillClrLst meth="repeat">
+      <a:schemeClr val="accent3"/>
+    </dgm:fillClrLst>
+    <dgm:linClrLst meth="repeat">
+      <a:schemeClr val="accent3">
+        <a:tint val="50000"/>
+      </a:schemeClr>
+    </dgm:linClrLst>
+    <dgm:effectClrLst/>
+    <dgm:txLinClrLst/>
+    <dgm:txFillClrLst meth="repeat">
+      <a:schemeClr val="tx1"/>
+    </dgm:txFillClrLst>
+    <dgm:txEffectClrLst/>
+  </dgm:styleLbl>
+  <dgm:styleLbl name="asst0">
+    <dgm:fillClrLst meth="repeat">
+      <a:schemeClr val="accent3"/>
+    </dgm:fillClrLst>
+    <dgm:linClrLst meth="repeat">
+      <a:schemeClr val="lt1">
+        <a:shade val="80000"/>
+      </a:schemeClr>
+    </dgm:linClrLst>
+    <dgm:effectClrLst/>
+    <dgm:txLinClrLst/>
+    <dgm:txFillClrLst/>
+    <dgm:txEffectClrLst/>
+  </dgm:styleLbl>
+  <dgm:styleLbl name="asst1">
+    <dgm:fillClrLst meth="repeat">
+      <a:schemeClr val="accent4"/>
+    </dgm:fillClrLst>
+    <dgm:linClrLst meth="repeat">
+      <a:schemeClr val="lt1">
+        <a:shade val="80000"/>
+      </a:schemeClr>
+    </dgm:linClrLst>
+    <dgm:effectClrLst/>
+    <dgm:txLinClrLst/>
+    <dgm:txFillClrLst/>
+    <dgm:txEffectClrLst/>
+  </dgm:styleLbl>
+  <dgm:styleLbl name="asst2">
+    <dgm:fillClrLst>
+      <a:schemeClr val="accent5"/>
+    </dgm:fillClrLst>
+    <dgm:linClrLst meth="repeat">
+      <a:schemeClr val="lt1"/>
+    </dgm:linClrLst>
+    <dgm:effectClrLst/>
+    <dgm:txLinClrLst/>
+    <dgm:txFillClrLst/>
+    <dgm:txEffectClrLst/>
+  </dgm:styleLbl>
+  <dgm:styleLbl name="asst3">
+    <dgm:fillClrLst>
+      <a:schemeClr val="accent6"/>
+    </dgm:fillClrLst>
+    <dgm:linClrLst meth="repeat">
+      <a:schemeClr val="lt1"/>
+    </dgm:linClrLst>
+    <dgm:effectClrLst/>
+    <dgm:txLinClrLst/>
+    <dgm:txFillClrLst/>
+    <dgm:txEffectClrLst/>
+  </dgm:styleLbl>
+  <dgm:styleLbl name="asst4">
+    <dgm:fillClrLst>
+      <a:schemeClr val="accent1"/>
+    </dgm:fillClrLst>
+    <dgm:linClrLst meth="repeat">
+      <a:schemeClr val="lt1"/>
+    </dgm:linClrLst>
+    <dgm:effectClrLst/>
+    <dgm:txLinClrLst/>
+    <dgm:txFillClrLst/>
+    <dgm:txEffectClrLst/>
+  </dgm:styleLbl>
+  <dgm:styleLbl name="parChTrans2D1">
+    <dgm:fillClrLst meth="repeat">
+      <a:schemeClr val="accent2"/>
+    </dgm:fillClrLst>
+    <dgm:linClrLst meth="repeat">
+      <a:schemeClr val="lt1"/>
+    </dgm:linClrLst>
+    <dgm:effectClrLst/>
+    <dgm:txLinClrLst/>
+    <dgm:txFillClrLst meth="repeat">
+      <a:schemeClr val="lt1"/>
+    </dgm:txFillClrLst>
+    <dgm:txEffectClrLst/>
+  </dgm:styleLbl>
+  <dgm:styleLbl name="parChTrans2D2">
+    <dgm:fillClrLst meth="repeat">
+      <a:schemeClr val="accent3"/>
+    </dgm:fillClrLst>
+    <dgm:linClrLst meth="repeat">
+      <a:schemeClr val="lt1"/>
+    </dgm:linClrLst>
+    <dgm:effectClrLst/>
+    <dgm:txLinClrLst/>
+    <dgm:txFillClrLst/>
+    <dgm:txEffectClrLst/>
+  </dgm:styleLbl>
+  <dgm:styleLbl name="parChTrans2D3">
+    <dgm:fillClrLst meth="repeat">
+      <a:schemeClr val="accent4"/>
+    </dgm:fillClrLst>
+    <dgm:linClrLst meth="repeat">
+      <a:schemeClr val="lt1"/>
+    </dgm:linClrLst>
+    <dgm:effectClrLst/>
+    <dgm:txLinClrLst/>
+    <dgm:txFillClrLst/>
+    <dgm:txEffectClrLst/>
+  </dgm:styleLbl>
+  <dgm:styleLbl name="parChTrans2D4">
+    <dgm:fillClrLst meth="repeat">
+      <a:schemeClr val="accent5"/>
+    </dgm:fillClrLst>
+    <dgm:linClrLst meth="repeat">
+      <a:schemeClr val="lt1"/>
+    </dgm:linClrLst>
+    <dgm:effectClrLst/>
+    <dgm:txLinClrLst/>
+    <dgm:txFillClrLst meth="repeat">
+      <a:schemeClr val="lt1"/>
+    </dgm:txFillClrLst>
+    <dgm:txEffectClrLst/>
+  </dgm:styleLbl>
+  <dgm:styleLbl name="parChTrans1D1">
+    <dgm:fillClrLst meth="repeat">
+      <a:schemeClr val="accent3"/>
+    </dgm:fillClrLst>
+    <dgm:linClrLst meth="repeat">
+      <a:schemeClr val="accent3"/>
+    </dgm:linClrLst>
+    <dgm:effectClrLst/>
+    <dgm:txLinClrLst/>
+    <dgm:txFillClrLst meth="repeat">
+      <a:schemeClr val="tx1"/>
+    </dgm:txFillClrLst>
+    <dgm:txEffectClrLst/>
+  </dgm:styleLbl>
+  <dgm:styleLbl name="parChTrans1D2">
+    <dgm:fillClrLst meth="repeat">
+      <a:schemeClr val="accent2">
+        <a:tint val="90000"/>
+      </a:schemeClr>
+    </dgm:fillClrLst>
+    <dgm:linClrLst meth="repeat">
+      <a:schemeClr val="accent4"/>
+    </dgm:linClrLst>
+    <dgm:effectClrLst/>
+    <dgm:txLinClrLst/>
+    <dgm:txFillClrLst meth="repeat">
+      <a:schemeClr val="tx1"/>
+    </dgm:txFillClrLst>
+    <dgm:txEffectClrLst/>
+  </dgm:styleLbl>
+  <dgm:styleLbl name="parChTrans1D3">
+    <dgm:fillClrLst meth="repeat">
+      <a:schemeClr val="accent2">
+        <a:tint val="70000"/>
+      </a:schemeClr>
+    </dgm:fillClrLst>
+    <dgm:linClrLst meth="repeat">
+      <a:schemeClr val="accent5"/>
+    </dgm:linClrLst>
+    <dgm:effectClrLst/>
+    <dgm:txLinClrLst/>
+    <dgm:txFillClrLst meth="repeat">
+      <a:schemeClr val="tx1"/>
+    </dgm:txFillClrLst>
+    <dgm:txEffectClrLst/>
+  </dgm:styleLbl>
+  <dgm:styleLbl name="parChTrans1D4">
+    <dgm:fillClrLst meth="repeat">
+      <a:schemeClr val="accent6">
+        <a:tint val="50000"/>
+      </a:schemeClr>
+    </dgm:fillClrLst>
+    <dgm:linClrLst meth="repeat">
+      <a:schemeClr val="accent6"/>
+    </dgm:linClrLst>
+    <dgm:effectClrLst/>
+    <dgm:txLinClrLst/>
+    <dgm:txFillClrLst meth="repeat">
+      <a:schemeClr val="tx1"/>
+    </dgm:txFillClrLst>
+    <dgm:txEffectClrLst/>
+  </dgm:styleLbl>
+  <dgm:styleLbl name="fgAcc1">
+    <dgm:fillClrLst meth="repeat">
+      <a:schemeClr val="lt1">
+        <a:alpha val="90000"/>
+      </a:schemeClr>
+    </dgm:fillClrLst>
+    <dgm:linClrLst>
+      <a:schemeClr val="accent3"/>
+      <a:schemeClr val="accent4"/>
+    </dgm:linClrLst>
+    <dgm:effectClrLst/>
+    <dgm:txLinClrLst/>
+    <dgm:txFillClrLst meth="repeat">
+      <a:schemeClr val="dk1"/>
+    </dgm:txFillClrLst>
+    <dgm:txEffectClrLst/>
+  </dgm:styleLbl>
+  <dgm:styleLbl name="conFgAcc1">
+    <dgm:fillClrLst meth="repeat">
+      <a:schemeClr val="lt1">
+        <a:alpha val="90000"/>
+      </a:schemeClr>
+    </dgm:fillClrLst>
+    <dgm:linClrLst>
+      <a:schemeClr val="accent3"/>
+      <a:schemeClr val="accent4"/>
+    </dgm:linClrLst>
+    <dgm:effectClrLst/>
+    <dgm:txLinClrLst/>
+    <dgm:txFillClrLst meth="repeat">
+      <a:schemeClr val="dk1"/>
+    </dgm:txFillClrLst>
+    <dgm:txEffectClrLst/>
+  </dgm:styleLbl>
+  <dgm:styleLbl name="alignAcc1">
+    <dgm:fillClrLst meth="repeat">
+      <a:schemeClr val="lt1">
+        <a:alpha val="90000"/>
+      </a:schemeClr>
+    </dgm:fillClrLst>
+    <dgm:linClrLst>
+      <a:schemeClr val="accent3"/>
+      <a:schemeClr val="accent4"/>
+    </dgm:linClrLst>
+    <dgm:effectClrLst/>
+    <dgm:txLinClrLst/>
+    <dgm:txFillClrLst meth="repeat">
+      <a:schemeClr val="dk1"/>
+    </dgm:txFillClrLst>
+    <dgm:txEffectClrLst/>
+  </dgm:styleLbl>
+  <dgm:styleLbl name="trAlignAcc1">
+    <dgm:fillClrLst meth="repeat">
+      <a:schemeClr val="lt1">
+        <a:alpha val="40000"/>
+      </a:schemeClr>
+    </dgm:fillClrLst>
+    <dgm:linClrLst meth="repeat">
+      <a:schemeClr val="accent2"/>
+    </dgm:linClrLst>
+    <dgm:effectClrLst/>
+    <dgm:txLinClrLst/>
+    <dgm:txFillClrLst meth="repeat">
+      <a:schemeClr val="dk1"/>
+    </dgm:txFillClrLst>
+    <dgm:txEffectClrLst/>
+  </dgm:styleLbl>
+  <dgm:styleLbl name="bgAcc1">
+    <dgm:fillClrLst meth="repeat">
+      <a:schemeClr val="lt1">
+        <a:alpha val="90000"/>
+      </a:schemeClr>
+    </dgm:fillClrLst>
+    <dgm:linClrLst>
+      <a:schemeClr val="accent3"/>
+      <a:schemeClr val="accent4"/>
+    </dgm:linClrLst>
+    <dgm:effectClrLst/>
+    <dgm:txLinClrLst/>
+    <dgm:txFillClrLst meth="repeat">
+      <a:schemeClr val="dk1"/>
+    </dgm:txFillClrLst>
+    <dgm:txEffectClrLst/>
+  </dgm:styleLbl>
+  <dgm:styleLbl name="solidFgAcc1">
+    <dgm:fillClrLst meth="repeat">
+      <a:schemeClr val="lt1"/>
+    </dgm:fillClrLst>
+    <dgm:linClrLst>
+      <a:schemeClr val="accent3"/>
+      <a:schemeClr val="accent4"/>
+    </dgm:linClrLst>
+    <dgm:effectClrLst/>
+    <dgm:txLinClrLst/>
+    <dgm:txFillClrLst meth="repeat">
+      <a:schemeClr val="dk1"/>
+    </dgm:txFillClrLst>
+    <dgm:txEffectClrLst/>
+  </dgm:styleLbl>
+  <dgm:styleLbl name="solidAlignAcc1">
+    <dgm:fillClrLst meth="repeat">
+      <a:schemeClr val="lt1"/>
+    </dgm:fillClrLst>
+    <dgm:linClrLst>
+      <a:schemeClr val="accent3"/>
+      <a:schemeClr val="accent4"/>
+    </dgm:linClrLst>
+    <dgm:effectClrLst/>
+    <dgm:txLinClrLst/>
+    <dgm:txFillClrLst meth="repeat">
+      <a:schemeClr val="dk1"/>
+    </dgm:txFillClrLst>
+    <dgm:txEffectClrLst/>
+  </dgm:styleLbl>
+  <dgm:styleLbl name="solidBgAcc1">
+    <dgm:fillClrLst meth="repeat">
+      <a:schemeClr val="lt1"/>
+    </dgm:fillClrLst>
+    <dgm:linClrLst>
+      <a:schemeClr val="accent3"/>
+      <a:schemeClr val="accent4"/>
+    </dgm:linClrLst>
+    <dgm:effectClrLst/>
+    <dgm:txLinClrLst/>
+    <dgm:txFillClrLst meth="repeat">
+      <a:schemeClr val="dk1"/>
+    </dgm:txFillClrLst>
+    <dgm:txEffectClrLst/>
+  </dgm:styleLbl>
+  <dgm:styleLbl name="fgAccFollowNode1">
+    <dgm:fillClrLst>
+      <a:schemeClr val="accent3">
+        <a:tint val="40000"/>
+        <a:alpha val="90000"/>
+      </a:schemeClr>
+      <a:schemeClr val="accent4">
+        <a:tint val="40000"/>
+        <a:alpha val="90000"/>
+      </a:schemeClr>
+    </dgm:fillClrLst>
+    <dgm:linClrLst>
+      <a:schemeClr val="accent3">
+        <a:tint val="40000"/>
+        <a:alpha val="90000"/>
+      </a:schemeClr>
+      <a:schemeClr val="accent4">
+        <a:tint val="40000"/>
+        <a:alpha val="90000"/>
+      </a:schemeClr>
+    </dgm:linClrLst>
+    <dgm:effectClrLst/>
+    <dgm:txLinClrLst/>
+    <dgm:txFillClrLst meth="repeat">
+      <a:schemeClr val="dk1"/>
+    </dgm:txFillClrLst>
+    <dgm:txEffectClrLst/>
+  </dgm:styleLbl>
+  <dgm:styleLbl name="alignAccFollowNode1">
+    <dgm:fillClrLst>
+      <a:schemeClr val="accent3">
+        <a:tint val="40000"/>
+        <a:alpha val="90000"/>
+      </a:schemeClr>
+      <a:schemeClr val="accent4">
+        <a:tint val="40000"/>
+        <a:alpha val="90000"/>
+      </a:schemeClr>
+    </dgm:fillClrLst>
+    <dgm:linClrLst>
+      <a:schemeClr val="accent3">
+        <a:tint val="40000"/>
+        <a:alpha val="90000"/>
+      </a:schemeClr>
+      <a:schemeClr val="accent4">
+        <a:tint val="40000"/>
+        <a:alpha val="90000"/>
+      </a:schemeClr>
+    </dgm:linClrLst>
+    <dgm:effectClrLst/>
+    <dgm:txLinClrLst/>
+    <dgm:txFillClrLst meth="repeat">
+      <a:schemeClr val="dk1"/>
+    </dgm:txFillClrLst>
+    <dgm:txEffectClrLst/>
+  </dgm:styleLbl>
+  <dgm:styleLbl name="bgAccFollowNode1">
+    <dgm:fillClrLst>
+      <a:schemeClr val="accent3">
+        <a:tint val="40000"/>
+        <a:alpha val="90000"/>
+      </a:schemeClr>
+      <a:schemeClr val="accent4">
+        <a:tint val="40000"/>
+        <a:alpha val="90000"/>
+      </a:schemeClr>
+    </dgm:fillClrLst>
+    <dgm:linClrLst>
+      <a:schemeClr val="accent3">
+        <a:tint val="40000"/>
+        <a:alpha val="90000"/>
+      </a:schemeClr>
+      <a:schemeClr val="accent4">
+        <a:tint val="40000"/>
+        <a:alpha val="90000"/>
+      </a:schemeClr>
+    </dgm:linClrLst>
+    <dgm:effectClrLst/>
+    <dgm:txLinClrLst/>
+    <dgm:txFillClrLst meth="repeat">
+      <a:schemeClr val="dk1"/>
+    </dgm:txFillClrLst>
+    <dgm:txEffectClrLst/>
+  </dgm:styleLbl>
+  <dgm:styleLbl name="fgAcc0">
+    <dgm:fillClrLst meth="repeat">
+      <a:schemeClr val="lt1">
+        <a:alpha val="90000"/>
+      </a:schemeClr>
+    </dgm:fillClrLst>
+    <dgm:linClrLst>
+      <a:schemeClr val="accent2"/>
+    </dgm:linClrLst>
+    <dgm:effectClrLst/>
+    <dgm:txLinClrLst/>
+    <dgm:txFillClrLst meth="repeat">
+      <a:schemeClr val="dk1"/>
+    </dgm:txFillClrLst>
+    <dgm:txEffectClrLst/>
+  </dgm:styleLbl>
+  <dgm:styleLbl name="fgAcc2">
+    <dgm:fillClrLst meth="repeat">
+      <a:schemeClr val="lt1">
+        <a:alpha val="90000"/>
+      </a:schemeClr>
+    </dgm:fillClrLst>
+    <dgm:linClrLst>
+      <a:schemeClr val="accent4"/>
+    </dgm:linClrLst>
+    <dgm:effectClrLst/>
+    <dgm:txLinClrLst/>
+    <dgm:txFillClrLst meth="repeat">
+      <a:schemeClr val="dk1"/>
+    </dgm:txFillClrLst>
+    <dgm:txEffectClrLst/>
+  </dgm:styleLbl>
+  <dgm:styleLbl name="fgAcc3">
+    <dgm:fillClrLst meth="repeat">
+      <a:schemeClr val="lt1">
+        <a:alpha val="90000"/>
+      </a:schemeClr>
+    </dgm:fillClrLst>
+    <dgm:linClrLst>
+      <a:schemeClr val="accent5"/>
+    </dgm:linClrLst>
+    <dgm:effectClrLst/>
+    <dgm:txLinClrLst/>
+    <dgm:txFillClrLst meth="repeat">
+      <a:schemeClr val="dk1"/>
+    </dgm:txFillClrLst>
+    <dgm:txEffectClrLst/>
+  </dgm:styleLbl>
+  <dgm:styleLbl name="fgAcc4">
+    <dgm:fillClrLst meth="repeat">
+      <a:schemeClr val="lt1">
+        <a:alpha val="90000"/>
+      </a:schemeClr>
+    </dgm:fillClrLst>
+    <dgm:linClrLst>
+      <a:schemeClr val="accent6"/>
+    </dgm:linClrLst>
+    <dgm:effectClrLst/>
+    <dgm:txLinClrLst/>
+    <dgm:txFillClrLst meth="repeat">
+      <a:schemeClr val="dk1"/>
+    </dgm:txFillClrLst>
+    <dgm:txEffectClrLst/>
+  </dgm:styleLbl>
+  <dgm:styleLbl name="bgShp">
+    <dgm:fillClrLst meth="repeat">
+      <a:schemeClr val="accent3">
+        <a:tint val="40000"/>
+      </a:schemeClr>
+    </dgm:fillClrLst>
+    <dgm:linClrLst meth="repeat">
+      <a:schemeClr val="dk1"/>
+    </dgm:linClrLst>
+    <dgm:effectClrLst/>
+    <dgm:txLinClrLst/>
+    <dgm:txFillClrLst meth="repeat">
+      <a:schemeClr val="dk1"/>
+    </dgm:txFillClrLst>
+    <dgm:txEffectClrLst/>
+  </dgm:styleLbl>
+  <dgm:styleLbl name="dkBgShp">
+    <dgm:fillClrLst meth="repeat">
+      <a:schemeClr val="accent3">
+        <a:shade val="90000"/>
+      </a:schemeClr>
+    </dgm:fillClrLst>
+    <dgm:linClrLst meth="repeat">
+      <a:schemeClr val="dk1"/>
+    </dgm:linClrLst>
+    <dgm:effectClrLst/>
+    <dgm:txLinClrLst/>
+    <dgm:txFillClrLst meth="repeat">
+      <a:schemeClr val="lt1"/>
+    </dgm:txFillClrLst>
+    <dgm:txEffectClrLst/>
+  </dgm:styleLbl>
+  <dgm:styleLbl name="trBgShp">
+    <dgm:fillClrLst meth="repeat">
+      <a:schemeClr val="accent2">
+        <a:tint val="50000"/>
+        <a:alpha val="40000"/>
+      </a:schemeClr>
+    </dgm:fillClrLst>
+    <dgm:linClrLst meth="repeat">
+      <a:schemeClr val="accent3"/>
+    </dgm:linClrLst>
+    <dgm:effectClrLst/>
+    <dgm:txLinClrLst/>
+    <dgm:txFillClrLst meth="repeat">
+      <a:schemeClr val="lt1"/>
+    </dgm:txFillClrLst>
+    <dgm:txEffectClrLst/>
+  </dgm:styleLbl>
+  <dgm:styleLbl name="fgShp">
+    <dgm:fillClrLst meth="repeat">
+      <a:schemeClr val="accent3">
+        <a:tint val="40000"/>
+      </a:schemeClr>
+    </dgm:fillClrLst>
+    <dgm:linClrLst meth="repeat">
+      <a:schemeClr val="lt1"/>
+    </dgm:linClrLst>
+    <dgm:effectClrLst/>
+    <dgm:txLinClrLst/>
+    <dgm:txFillClrLst meth="repeat">
+      <a:schemeClr val="dk1"/>
+    </dgm:txFillClrLst>
+    <dgm:txEffectClrLst/>
+  </dgm:styleLbl>
+  <dgm:styleLbl name="revTx">
+    <dgm:fillClrLst meth="repeat">
+      <a:schemeClr val="lt1">
+        <a:alpha val="0"/>
+      </a:schemeClr>
+    </dgm:fillClrLst>
+    <dgm:linClrLst meth="repeat">
+      <a:schemeClr val="dk1">
+        <a:alpha val="0"/>
+      </a:schemeClr>
+    </dgm:linClrLst>
+    <dgm:effectClrLst/>
+    <dgm:txLinClrLst/>
+    <dgm:txFillClrLst meth="repeat">
+      <a:schemeClr val="tx1"/>
+    </dgm:txFillClrLst>
+    <dgm:txEffectClrLst/>
+  </dgm:styleLbl>
+</dgm:colorsDef>
+</file>
+
+<file path=ppt/diagrams/data1.xml><?xml version="1.0" encoding="utf-8"?>
+<dgm:dataModel xmlns:dgm="http://schemas.openxmlformats.org/drawingml/2006/diagram" xmlns:a="http://schemas.openxmlformats.org/drawingml/2006/main">
+  <dgm:ptLst>
+    <dgm:pt modelId="{061437CF-F391-4183-8166-7A6B5568C031}" type="doc">
+      <dgm:prSet loTypeId="urn:microsoft.com/office/officeart/2005/8/layout/chevron1" loCatId="process" qsTypeId="urn:microsoft.com/office/officeart/2005/8/quickstyle/simple1" qsCatId="simple" csTypeId="urn:microsoft.com/office/officeart/2005/8/colors/colorful3" csCatId="colorful" phldr="1"/>
+      <dgm:spPr/>
+    </dgm:pt>
+    <dgm:pt modelId="{51500D4D-0E8B-41BF-B170-2C44D705406E}">
+      <dgm:prSet phldrT="[Text]" custT="1"/>
+      <dgm:spPr/>
+      <dgm:t>
+        <a:bodyPr/>
+        <a:lstStyle/>
+        <a:p>
+          <a:r>
+            <a:rPr lang="en-US" sz="3200" b="1" dirty="0" smtClean="0">
+              <a:solidFill>
+                <a:schemeClr val="tx1"/>
+              </a:solidFill>
+            </a:rPr>
+            <a:t>Tie-Up</a:t>
+          </a:r>
+          <a:endParaRPr lang="en-US" sz="3200" b="1" dirty="0">
+            <a:solidFill>
+              <a:schemeClr val="tx1"/>
+            </a:solidFill>
+          </a:endParaRPr>
+        </a:p>
+      </dgm:t>
+    </dgm:pt>
+    <dgm:pt modelId="{6834F5DE-7692-42CA-B906-53916F96C8D0}" type="parTrans" cxnId="{7D645742-15B4-4D84-ABCC-914EC0F1C1F2}">
+      <dgm:prSet/>
+      <dgm:spPr/>
+      <dgm:t>
+        <a:bodyPr/>
+        <a:lstStyle/>
+        <a:p>
+          <a:endParaRPr lang="en-US"/>
+        </a:p>
+      </dgm:t>
+    </dgm:pt>
+    <dgm:pt modelId="{E0DAE8AD-D8E1-43ED-A976-DC07C5D0A08F}" type="sibTrans" cxnId="{7D645742-15B4-4D84-ABCC-914EC0F1C1F2}">
+      <dgm:prSet/>
+      <dgm:spPr/>
+      <dgm:t>
+        <a:bodyPr/>
+        <a:lstStyle/>
+        <a:p>
+          <a:endParaRPr lang="en-US"/>
+        </a:p>
+      </dgm:t>
+    </dgm:pt>
+    <dgm:pt modelId="{2681DF11-52D7-43F4-90A9-6214A83AE208}">
+      <dgm:prSet phldrT="[Text]"/>
+      <dgm:spPr/>
+      <dgm:t>
+        <a:bodyPr/>
+        <a:lstStyle/>
+        <a:p>
+          <a:r>
+            <a:rPr lang="en-US" b="1" dirty="0" smtClean="0">
+              <a:solidFill>
+                <a:schemeClr val="tx1"/>
+              </a:solidFill>
+            </a:rPr>
+            <a:t>Raw School List</a:t>
+          </a:r>
+          <a:endParaRPr lang="en-US" b="1" dirty="0">
+            <a:solidFill>
+              <a:schemeClr val="tx1"/>
+            </a:solidFill>
+          </a:endParaRPr>
+        </a:p>
+      </dgm:t>
+    </dgm:pt>
+    <dgm:pt modelId="{A9FAABC0-4C60-44AF-AF12-4688D7F78073}" type="parTrans" cxnId="{F443720B-99D7-42C8-9B2C-8AB2C9340218}">
+      <dgm:prSet/>
+      <dgm:spPr/>
+      <dgm:t>
+        <a:bodyPr/>
+        <a:lstStyle/>
+        <a:p>
+          <a:endParaRPr lang="en-US"/>
+        </a:p>
+      </dgm:t>
+    </dgm:pt>
+    <dgm:pt modelId="{1ADE2E5D-316F-4F1A-8BBC-3BDBFE2F6FD2}" type="sibTrans" cxnId="{F443720B-99D7-42C8-9B2C-8AB2C9340218}">
+      <dgm:prSet/>
+      <dgm:spPr/>
+      <dgm:t>
+        <a:bodyPr/>
+        <a:lstStyle/>
+        <a:p>
+          <a:endParaRPr lang="en-US"/>
+        </a:p>
+      </dgm:t>
+    </dgm:pt>
+    <dgm:pt modelId="{C1D19315-F898-47FE-8760-2A15D285EAD7}">
+      <dgm:prSet phldrT="[Text]"/>
+      <dgm:spPr/>
+      <dgm:t>
+        <a:bodyPr/>
+        <a:lstStyle/>
+        <a:p>
+          <a:r>
+            <a:rPr lang="en-US" b="1" dirty="0" smtClean="0"/>
+            <a:t>Select School</a:t>
+          </a:r>
+          <a:endParaRPr lang="en-US" b="1" dirty="0"/>
+        </a:p>
+      </dgm:t>
+    </dgm:pt>
+    <dgm:pt modelId="{8B4D4238-1DA9-4B7A-80CC-9F4C54EDA374}" type="parTrans" cxnId="{C54D8930-58CA-422E-A93D-2F1812FA9B84}">
+      <dgm:prSet/>
+      <dgm:spPr/>
+      <dgm:t>
+        <a:bodyPr/>
+        <a:lstStyle/>
+        <a:p>
+          <a:endParaRPr lang="en-US"/>
+        </a:p>
+      </dgm:t>
+    </dgm:pt>
+    <dgm:pt modelId="{413D1B7B-06DE-4CD4-8616-753062E83A29}" type="sibTrans" cxnId="{C54D8930-58CA-422E-A93D-2F1812FA9B84}">
+      <dgm:prSet/>
+      <dgm:spPr/>
+      <dgm:t>
+        <a:bodyPr/>
+        <a:lstStyle/>
+        <a:p>
+          <a:endParaRPr lang="en-US"/>
+        </a:p>
+      </dgm:t>
+    </dgm:pt>
+    <dgm:pt modelId="{C8B909BF-F70B-43D6-BCD5-E1A703EEA726}">
+      <dgm:prSet phldrT="[Text]"/>
+      <dgm:spPr/>
+      <dgm:t>
+        <a:bodyPr/>
+        <a:lstStyle/>
+        <a:p>
+          <a:r>
+            <a:rPr lang="en-US" b="1" dirty="0" smtClean="0">
+              <a:solidFill>
+                <a:schemeClr val="tx1"/>
+              </a:solidFill>
+            </a:rPr>
+            <a:t>Survey</a:t>
+          </a:r>
+          <a:endParaRPr lang="en-US" b="1" dirty="0">
+            <a:solidFill>
+              <a:schemeClr val="tx1"/>
+            </a:solidFill>
+          </a:endParaRPr>
+        </a:p>
+      </dgm:t>
+    </dgm:pt>
+    <dgm:pt modelId="{F0ED310D-6CE2-4071-B2ED-1F463A51B346}" type="parTrans" cxnId="{72002FFC-39FE-4E5C-A8F3-0D7EEEEF5147}">
+      <dgm:prSet/>
+      <dgm:spPr/>
+      <dgm:t>
+        <a:bodyPr/>
+        <a:lstStyle/>
+        <a:p>
+          <a:endParaRPr lang="en-US"/>
+        </a:p>
+      </dgm:t>
+    </dgm:pt>
+    <dgm:pt modelId="{4ED9354B-EED9-4A4C-85CB-3C8DCD2D9D24}" type="sibTrans" cxnId="{72002FFC-39FE-4E5C-A8F3-0D7EEEEF5147}">
+      <dgm:prSet/>
+      <dgm:spPr/>
+      <dgm:t>
+        <a:bodyPr/>
+        <a:lstStyle/>
+        <a:p>
+          <a:endParaRPr lang="en-US"/>
+        </a:p>
+      </dgm:t>
+    </dgm:pt>
+    <dgm:pt modelId="{19934E51-D32D-4CAF-B1C4-8972C149230A}" type="pres">
+      <dgm:prSet presAssocID="{061437CF-F391-4183-8166-7A6B5568C031}" presName="Name0" presStyleCnt="0">
+        <dgm:presLayoutVars>
+          <dgm:dir/>
+          <dgm:animLvl val="lvl"/>
+          <dgm:resizeHandles val="exact"/>
+        </dgm:presLayoutVars>
+      </dgm:prSet>
+      <dgm:spPr/>
+    </dgm:pt>
+    <dgm:pt modelId="{250E5D6E-4EB6-49F6-BB01-0E3046046877}" type="pres">
+      <dgm:prSet presAssocID="{51500D4D-0E8B-41BF-B170-2C44D705406E}" presName="parTxOnly" presStyleLbl="node1" presStyleIdx="0" presStyleCnt="4" custLinFactY="-13826" custLinFactNeighborX="-58696" custLinFactNeighborY="-100000">
+        <dgm:presLayoutVars>
+          <dgm:chMax val="0"/>
+          <dgm:chPref val="0"/>
+          <dgm:bulletEnabled val="1"/>
+        </dgm:presLayoutVars>
+      </dgm:prSet>
+      <dgm:spPr/>
+      <dgm:t>
+        <a:bodyPr/>
+        <a:lstStyle/>
+        <a:p>
+          <a:endParaRPr lang="en-US"/>
+        </a:p>
+      </dgm:t>
+    </dgm:pt>
+    <dgm:pt modelId="{DD5AEE17-0AB9-4A6C-83D7-3F404AB6D7F7}" type="pres">
+      <dgm:prSet presAssocID="{E0DAE8AD-D8E1-43ED-A976-DC07C5D0A08F}" presName="parTxOnlySpace" presStyleCnt="0"/>
+      <dgm:spPr/>
+    </dgm:pt>
+    <dgm:pt modelId="{9A3FCBB7-5273-436D-9DCD-0414FA957913}" type="pres">
+      <dgm:prSet presAssocID="{2681DF11-52D7-43F4-90A9-6214A83AE208}" presName="parTxOnly" presStyleLbl="node1" presStyleIdx="1" presStyleCnt="4" custScaleY="107950" custLinFactY="-9851" custLinFactNeighborX="6769" custLinFactNeighborY="-100000">
+        <dgm:presLayoutVars>
+          <dgm:chMax val="0"/>
+          <dgm:chPref val="0"/>
+          <dgm:bulletEnabled val="1"/>
+        </dgm:presLayoutVars>
+      </dgm:prSet>
+      <dgm:spPr/>
+    </dgm:pt>
+    <dgm:pt modelId="{1496C609-6C2C-4741-8120-64CE869E8487}" type="pres">
+      <dgm:prSet presAssocID="{1ADE2E5D-316F-4F1A-8BBC-3BDBFE2F6FD2}" presName="parTxOnlySpace" presStyleCnt="0"/>
+      <dgm:spPr/>
+    </dgm:pt>
+    <dgm:pt modelId="{A90E9BB2-7314-4579-8641-4522302C9B5D}" type="pres">
+      <dgm:prSet presAssocID="{C8B909BF-F70B-43D6-BCD5-E1A703EEA726}" presName="parTxOnly" presStyleLbl="node1" presStyleIdx="2" presStyleCnt="4" custScaleY="177024" custLinFactY="-5105" custLinFactNeighborY="-100000">
+        <dgm:presLayoutVars>
+          <dgm:chMax val="0"/>
+          <dgm:chPref val="0"/>
+          <dgm:bulletEnabled val="1"/>
+        </dgm:presLayoutVars>
+      </dgm:prSet>
+      <dgm:spPr/>
+    </dgm:pt>
+    <dgm:pt modelId="{0A60217B-F71E-4925-B570-8688EBC8B295}" type="pres">
+      <dgm:prSet presAssocID="{4ED9354B-EED9-4A4C-85CB-3C8DCD2D9D24}" presName="parTxOnlySpace" presStyleCnt="0"/>
+      <dgm:spPr/>
+    </dgm:pt>
+    <dgm:pt modelId="{903BCC27-8063-445D-B91A-ECBF22903FD0}" type="pres">
+      <dgm:prSet presAssocID="{C1D19315-F898-47FE-8760-2A15D285EAD7}" presName="parTxOnly" presStyleLbl="node1" presStyleIdx="3" presStyleCnt="4" custScaleX="127704" custScaleY="199998" custLinFactNeighborX="-14427" custLinFactNeighborY="-97415">
+        <dgm:presLayoutVars>
+          <dgm:chMax val="0"/>
+          <dgm:chPref val="0"/>
+          <dgm:bulletEnabled val="1"/>
+        </dgm:presLayoutVars>
+      </dgm:prSet>
+      <dgm:spPr/>
+    </dgm:pt>
+  </dgm:ptLst>
+  <dgm:cxnLst>
+    <dgm:cxn modelId="{B5414478-5DF1-4303-A66D-5836261678F0}" type="presOf" srcId="{51500D4D-0E8B-41BF-B170-2C44D705406E}" destId="{250E5D6E-4EB6-49F6-BB01-0E3046046877}" srcOrd="0" destOrd="0" presId="urn:microsoft.com/office/officeart/2005/8/layout/chevron1"/>
+    <dgm:cxn modelId="{F443720B-99D7-42C8-9B2C-8AB2C9340218}" srcId="{061437CF-F391-4183-8166-7A6B5568C031}" destId="{2681DF11-52D7-43F4-90A9-6214A83AE208}" srcOrd="1" destOrd="0" parTransId="{A9FAABC0-4C60-44AF-AF12-4688D7F78073}" sibTransId="{1ADE2E5D-316F-4F1A-8BBC-3BDBFE2F6FD2}"/>
+    <dgm:cxn modelId="{4A2C24D4-C540-4687-A768-5B6300FE518A}" type="presOf" srcId="{C1D19315-F898-47FE-8760-2A15D285EAD7}" destId="{903BCC27-8063-445D-B91A-ECBF22903FD0}" srcOrd="0" destOrd="0" presId="urn:microsoft.com/office/officeart/2005/8/layout/chevron1"/>
+    <dgm:cxn modelId="{7D645742-15B4-4D84-ABCC-914EC0F1C1F2}" srcId="{061437CF-F391-4183-8166-7A6B5568C031}" destId="{51500D4D-0E8B-41BF-B170-2C44D705406E}" srcOrd="0" destOrd="0" parTransId="{6834F5DE-7692-42CA-B906-53916F96C8D0}" sibTransId="{E0DAE8AD-D8E1-43ED-A976-DC07C5D0A08F}"/>
+    <dgm:cxn modelId="{C54D8930-58CA-422E-A93D-2F1812FA9B84}" srcId="{061437CF-F391-4183-8166-7A6B5568C031}" destId="{C1D19315-F898-47FE-8760-2A15D285EAD7}" srcOrd="3" destOrd="0" parTransId="{8B4D4238-1DA9-4B7A-80CC-9F4C54EDA374}" sibTransId="{413D1B7B-06DE-4CD4-8616-753062E83A29}"/>
+    <dgm:cxn modelId="{61A3F79D-120D-4D27-8C32-63A3FA938647}" type="presOf" srcId="{061437CF-F391-4183-8166-7A6B5568C031}" destId="{19934E51-D32D-4CAF-B1C4-8972C149230A}" srcOrd="0" destOrd="0" presId="urn:microsoft.com/office/officeart/2005/8/layout/chevron1"/>
+    <dgm:cxn modelId="{CD81F510-93D3-4085-8964-02FBE9F55ED4}" type="presOf" srcId="{C8B909BF-F70B-43D6-BCD5-E1A703EEA726}" destId="{A90E9BB2-7314-4579-8641-4522302C9B5D}" srcOrd="0" destOrd="0" presId="urn:microsoft.com/office/officeart/2005/8/layout/chevron1"/>
+    <dgm:cxn modelId="{72002FFC-39FE-4E5C-A8F3-0D7EEEEF5147}" srcId="{061437CF-F391-4183-8166-7A6B5568C031}" destId="{C8B909BF-F70B-43D6-BCD5-E1A703EEA726}" srcOrd="2" destOrd="0" parTransId="{F0ED310D-6CE2-4071-B2ED-1F463A51B346}" sibTransId="{4ED9354B-EED9-4A4C-85CB-3C8DCD2D9D24}"/>
+    <dgm:cxn modelId="{8560E382-C1A9-4D74-A55D-09F498EDBFE5}" type="presOf" srcId="{2681DF11-52D7-43F4-90A9-6214A83AE208}" destId="{9A3FCBB7-5273-436D-9DCD-0414FA957913}" srcOrd="0" destOrd="0" presId="urn:microsoft.com/office/officeart/2005/8/layout/chevron1"/>
+    <dgm:cxn modelId="{7375AF7D-20A9-405D-BCE2-29D4F8A67D6A}" type="presParOf" srcId="{19934E51-D32D-4CAF-B1C4-8972C149230A}" destId="{250E5D6E-4EB6-49F6-BB01-0E3046046877}" srcOrd="0" destOrd="0" presId="urn:microsoft.com/office/officeart/2005/8/layout/chevron1"/>
+    <dgm:cxn modelId="{D38B36AD-3ED4-4D62-9646-0CBE7A5FB9B5}" type="presParOf" srcId="{19934E51-D32D-4CAF-B1C4-8972C149230A}" destId="{DD5AEE17-0AB9-4A6C-83D7-3F404AB6D7F7}" srcOrd="1" destOrd="0" presId="urn:microsoft.com/office/officeart/2005/8/layout/chevron1"/>
+    <dgm:cxn modelId="{561596E3-45FC-45C5-82BC-6FE4F549BFB9}" type="presParOf" srcId="{19934E51-D32D-4CAF-B1C4-8972C149230A}" destId="{9A3FCBB7-5273-436D-9DCD-0414FA957913}" srcOrd="2" destOrd="0" presId="urn:microsoft.com/office/officeart/2005/8/layout/chevron1"/>
+    <dgm:cxn modelId="{4B4DA843-BD1B-47B9-87C4-9D3BBC4BD98C}" type="presParOf" srcId="{19934E51-D32D-4CAF-B1C4-8972C149230A}" destId="{1496C609-6C2C-4741-8120-64CE869E8487}" srcOrd="3" destOrd="0" presId="urn:microsoft.com/office/officeart/2005/8/layout/chevron1"/>
+    <dgm:cxn modelId="{EFDEB683-0CED-4B19-A52A-AD998BEEFA4E}" type="presParOf" srcId="{19934E51-D32D-4CAF-B1C4-8972C149230A}" destId="{A90E9BB2-7314-4579-8641-4522302C9B5D}" srcOrd="4" destOrd="0" presId="urn:microsoft.com/office/officeart/2005/8/layout/chevron1"/>
+    <dgm:cxn modelId="{62121300-AC0B-4C67-A482-8B2E205AF8DA}" type="presParOf" srcId="{19934E51-D32D-4CAF-B1C4-8972C149230A}" destId="{0A60217B-F71E-4925-B570-8688EBC8B295}" srcOrd="5" destOrd="0" presId="urn:microsoft.com/office/officeart/2005/8/layout/chevron1"/>
+    <dgm:cxn modelId="{67455666-C41B-4773-B708-A57CFA32790D}" type="presParOf" srcId="{19934E51-D32D-4CAF-B1C4-8972C149230A}" destId="{903BCC27-8063-445D-B91A-ECBF22903FD0}" srcOrd="6" destOrd="0" presId="urn:microsoft.com/office/officeart/2005/8/layout/chevron1"/>
+  </dgm:cxnLst>
+  <dgm:bg/>
+  <dgm:whole/>
+  <dgm:extLst>
+    <a:ext uri="http://schemas.microsoft.com/office/drawing/2008/diagram">
+      <dsp:dataModelExt xmlns:dsp="http://schemas.microsoft.com/office/drawing/2008/diagram" relId="rId6" minVer="http://schemas.openxmlformats.org/drawingml/2006/diagram"/>
+    </a:ext>
+  </dgm:extLst>
+</dgm:dataModel>
+</file>
+
+<file path=ppt/diagrams/drawing1.xml><?xml version="1.0" encoding="utf-8"?>
+<dsp:drawing xmlns:dgm="http://schemas.openxmlformats.org/drawingml/2006/diagram" xmlns:dsp="http://schemas.microsoft.com/office/drawing/2008/diagram" xmlns:a="http://schemas.openxmlformats.org/drawingml/2006/main">
+  <dsp:spTree>
+    <dsp:nvGrpSpPr>
+      <dsp:cNvPr id="0" name=""/>
+      <dsp:cNvGrpSpPr/>
+    </dsp:nvGrpSpPr>
+    <dsp:grpSpPr/>
+    <dsp:sp modelId="{250E5D6E-4EB6-49F6-BB01-0E3046046877}">
+      <dsp:nvSpPr>
+        <dsp:cNvPr id="0" name=""/>
+        <dsp:cNvSpPr/>
+      </dsp:nvSpPr>
+      <dsp:spPr>
+        <a:xfrm>
+          <a:off x="0" y="1778432"/>
+          <a:ext cx="2010598" cy="804239"/>
+        </a:xfrm>
+        <a:prstGeom prst="chevron">
+          <a:avLst/>
+        </a:prstGeom>
+        <a:solidFill>
+          <a:schemeClr val="accent3">
+            <a:hueOff val="0"/>
+            <a:satOff val="0"/>
+            <a:lumOff val="0"/>
+            <a:alphaOff val="0"/>
+          </a:schemeClr>
+        </a:solidFill>
+        <a:ln w="25400" cap="flat" cmpd="sng" algn="ctr">
+          <a:solidFill>
+            <a:schemeClr val="lt1">
+              <a:hueOff val="0"/>
+              <a:satOff val="0"/>
+              <a:lumOff val="0"/>
+              <a:alphaOff val="0"/>
+            </a:schemeClr>
+          </a:solidFill>
+          <a:prstDash val="solid"/>
+        </a:ln>
+        <a:effectLst/>
+      </dsp:spPr>
+      <dsp:style>
+        <a:lnRef idx="2">
+          <a:scrgbClr r="0" g="0" b="0"/>
+        </a:lnRef>
+        <a:fillRef idx="1">
+          <a:scrgbClr r="0" g="0" b="0"/>
+        </a:fillRef>
+        <a:effectRef idx="0">
+          <a:scrgbClr r="0" g="0" b="0"/>
+        </a:effectRef>
+        <a:fontRef idx="minor">
+          <a:schemeClr val="lt1"/>
+        </a:fontRef>
+      </dsp:style>
+      <dsp:txBody>
+        <a:bodyPr spcFirstLastPara="0" vert="horz" wrap="square" lIns="128016" tIns="42672" rIns="42672" bIns="42672" numCol="1" spcCol="1270" anchor="ctr" anchorCtr="0">
+          <a:noAutofit/>
+        </a:bodyPr>
+        <a:lstStyle/>
+        <a:p>
+          <a:pPr lvl="0" algn="ctr" defTabSz="1422400">
+            <a:lnSpc>
+              <a:spcPct val="90000"/>
+            </a:lnSpc>
+            <a:spcBef>
+              <a:spcPct val="0"/>
+            </a:spcBef>
+            <a:spcAft>
+              <a:spcPct val="35000"/>
+            </a:spcAft>
+          </a:pPr>
+          <a:r>
+            <a:rPr lang="en-US" sz="3200" b="1" kern="1200" dirty="0" smtClean="0">
+              <a:solidFill>
+                <a:schemeClr val="tx1"/>
+              </a:solidFill>
+            </a:rPr>
+            <a:t>Tie-Up</a:t>
+          </a:r>
+          <a:endParaRPr lang="en-US" sz="3200" b="1" kern="1200" dirty="0">
+            <a:solidFill>
+              <a:schemeClr val="tx1"/>
+            </a:solidFill>
+          </a:endParaRPr>
+        </a:p>
+      </dsp:txBody>
+      <dsp:txXfrm>
+        <a:off x="402120" y="1778432"/>
+        <a:ext cx="1206359" cy="804239"/>
+      </dsp:txXfrm>
+    </dsp:sp>
+    <dsp:sp modelId="{9A3FCBB7-5273-436D-9DCD-0414FA957913}">
+      <dsp:nvSpPr>
+        <dsp:cNvPr id="0" name=""/>
+        <dsp:cNvSpPr/>
+      </dsp:nvSpPr>
+      <dsp:spPr>
+        <a:xfrm>
+          <a:off x="1830583" y="1778432"/>
+          <a:ext cx="2010598" cy="868176"/>
+        </a:xfrm>
+        <a:prstGeom prst="chevron">
+          <a:avLst/>
+        </a:prstGeom>
+        <a:solidFill>
+          <a:schemeClr val="accent3">
+            <a:hueOff val="3750088"/>
+            <a:satOff val="-5627"/>
+            <a:lumOff val="-915"/>
+            <a:alphaOff val="0"/>
+          </a:schemeClr>
+        </a:solidFill>
+        <a:ln w="25400" cap="flat" cmpd="sng" algn="ctr">
+          <a:solidFill>
+            <a:schemeClr val="lt1">
+              <a:hueOff val="0"/>
+              <a:satOff val="0"/>
+              <a:lumOff val="0"/>
+              <a:alphaOff val="0"/>
+            </a:schemeClr>
+          </a:solidFill>
+          <a:prstDash val="solid"/>
+        </a:ln>
+        <a:effectLst/>
+      </dsp:spPr>
+      <dsp:style>
+        <a:lnRef idx="2">
+          <a:scrgbClr r="0" g="0" b="0"/>
+        </a:lnRef>
+        <a:fillRef idx="1">
+          <a:scrgbClr r="0" g="0" b="0"/>
+        </a:fillRef>
+        <a:effectRef idx="0">
+          <a:scrgbClr r="0" g="0" b="0"/>
+        </a:effectRef>
+        <a:fontRef idx="minor">
+          <a:schemeClr val="lt1"/>
+        </a:fontRef>
+      </dsp:style>
+      <dsp:txBody>
+        <a:bodyPr spcFirstLastPara="0" vert="horz" wrap="square" lIns="56007" tIns="18669" rIns="18669" bIns="18669" numCol="1" spcCol="1270" anchor="ctr" anchorCtr="0">
+          <a:noAutofit/>
+        </a:bodyPr>
+        <a:lstStyle/>
+        <a:p>
+          <a:pPr lvl="0" algn="ctr" defTabSz="622300">
+            <a:lnSpc>
+              <a:spcPct val="90000"/>
+            </a:lnSpc>
+            <a:spcBef>
+              <a:spcPct val="0"/>
+            </a:spcBef>
+            <a:spcAft>
+              <a:spcPct val="35000"/>
+            </a:spcAft>
+          </a:pPr>
+          <a:r>
+            <a:rPr lang="en-US" sz="1400" b="1" kern="1200" dirty="0" smtClean="0">
+              <a:solidFill>
+                <a:schemeClr val="tx1"/>
+              </a:solidFill>
+            </a:rPr>
+            <a:t>Raw School List</a:t>
+          </a:r>
+          <a:endParaRPr lang="en-US" sz="1400" b="1" kern="1200" dirty="0">
+            <a:solidFill>
+              <a:schemeClr val="tx1"/>
+            </a:solidFill>
+          </a:endParaRPr>
+        </a:p>
+      </dsp:txBody>
+      <dsp:txXfrm>
+        <a:off x="2264671" y="1778432"/>
+        <a:ext cx="1142422" cy="868176"/>
+      </dsp:txXfrm>
+    </dsp:sp>
+    <dsp:sp modelId="{A90E9BB2-7314-4579-8641-4522302C9B5D}">
+      <dsp:nvSpPr>
+        <dsp:cNvPr id="0" name=""/>
+        <dsp:cNvSpPr/>
+      </dsp:nvSpPr>
+      <dsp:spPr>
+        <a:xfrm>
+          <a:off x="3626512" y="1538841"/>
+          <a:ext cx="2010598" cy="1423696"/>
+        </a:xfrm>
+        <a:prstGeom prst="chevron">
+          <a:avLst/>
+        </a:prstGeom>
+        <a:solidFill>
+          <a:schemeClr val="accent3">
+            <a:hueOff val="7500176"/>
+            <a:satOff val="-11253"/>
+            <a:lumOff val="-1830"/>
+            <a:alphaOff val="0"/>
+          </a:schemeClr>
+        </a:solidFill>
+        <a:ln w="25400" cap="flat" cmpd="sng" algn="ctr">
+          <a:solidFill>
+            <a:schemeClr val="lt1">
+              <a:hueOff val="0"/>
+              <a:satOff val="0"/>
+              <a:lumOff val="0"/>
+              <a:alphaOff val="0"/>
+            </a:schemeClr>
+          </a:solidFill>
+          <a:prstDash val="solid"/>
+        </a:ln>
+        <a:effectLst/>
+      </dsp:spPr>
+      <dsp:style>
+        <a:lnRef idx="2">
+          <a:scrgbClr r="0" g="0" b="0"/>
+        </a:lnRef>
+        <a:fillRef idx="1">
+          <a:scrgbClr r="0" g="0" b="0"/>
+        </a:fillRef>
+        <a:effectRef idx="0">
+          <a:scrgbClr r="0" g="0" b="0"/>
+        </a:effectRef>
+        <a:fontRef idx="minor">
+          <a:schemeClr val="lt1"/>
+        </a:fontRef>
+      </dsp:style>
+      <dsp:txBody>
+        <a:bodyPr spcFirstLastPara="0" vert="horz" wrap="square" lIns="56007" tIns="18669" rIns="18669" bIns="18669" numCol="1" spcCol="1270" anchor="ctr" anchorCtr="0">
+          <a:noAutofit/>
+        </a:bodyPr>
+        <a:lstStyle/>
+        <a:p>
+          <a:pPr lvl="0" algn="ctr" defTabSz="622300">
+            <a:lnSpc>
+              <a:spcPct val="90000"/>
+            </a:lnSpc>
+            <a:spcBef>
+              <a:spcPct val="0"/>
+            </a:spcBef>
+            <a:spcAft>
+              <a:spcPct val="35000"/>
+            </a:spcAft>
+          </a:pPr>
+          <a:r>
+            <a:rPr lang="en-US" sz="1400" b="1" kern="1200" dirty="0" smtClean="0">
+              <a:solidFill>
+                <a:schemeClr val="tx1"/>
+              </a:solidFill>
+            </a:rPr>
+            <a:t>Survey</a:t>
+          </a:r>
+          <a:endParaRPr lang="en-US" sz="1400" b="1" kern="1200" dirty="0">
+            <a:solidFill>
+              <a:schemeClr val="tx1"/>
+            </a:solidFill>
+          </a:endParaRPr>
+        </a:p>
+      </dsp:txBody>
+      <dsp:txXfrm>
+        <a:off x="4338360" y="1538841"/>
+        <a:ext cx="586902" cy="1423696"/>
+      </dsp:txXfrm>
+    </dsp:sp>
+    <dsp:sp modelId="{903BCC27-8063-445D-B91A-ECBF22903FD0}">
+      <dsp:nvSpPr>
+        <dsp:cNvPr id="0" name=""/>
+        <dsp:cNvSpPr/>
+      </dsp:nvSpPr>
+      <dsp:spPr>
+        <a:xfrm>
+          <a:off x="5407044" y="1508304"/>
+          <a:ext cx="2567615" cy="1608462"/>
+        </a:xfrm>
+        <a:prstGeom prst="chevron">
+          <a:avLst/>
+        </a:prstGeom>
+        <a:solidFill>
+          <a:schemeClr val="accent3">
+            <a:hueOff val="11250264"/>
+            <a:satOff val="-16880"/>
+            <a:lumOff val="-2745"/>
+            <a:alphaOff val="0"/>
+          </a:schemeClr>
+        </a:solidFill>
+        <a:ln w="25400" cap="flat" cmpd="sng" algn="ctr">
+          <a:solidFill>
+            <a:schemeClr val="lt1">
+              <a:hueOff val="0"/>
+              <a:satOff val="0"/>
+              <a:lumOff val="0"/>
+              <a:alphaOff val="0"/>
+            </a:schemeClr>
+          </a:solidFill>
+          <a:prstDash val="solid"/>
+        </a:ln>
+        <a:effectLst/>
+      </dsp:spPr>
+      <dsp:style>
+        <a:lnRef idx="2">
+          <a:scrgbClr r="0" g="0" b="0"/>
+        </a:lnRef>
+        <a:fillRef idx="1">
+          <a:scrgbClr r="0" g="0" b="0"/>
+        </a:fillRef>
+        <a:effectRef idx="0">
+          <a:scrgbClr r="0" g="0" b="0"/>
+        </a:effectRef>
+        <a:fontRef idx="minor">
+          <a:schemeClr val="lt1"/>
+        </a:fontRef>
+      </dsp:style>
+      <dsp:txBody>
+        <a:bodyPr spcFirstLastPara="0" vert="horz" wrap="square" lIns="56007" tIns="18669" rIns="18669" bIns="18669" numCol="1" spcCol="1270" anchor="ctr" anchorCtr="0">
+          <a:noAutofit/>
+        </a:bodyPr>
+        <a:lstStyle/>
+        <a:p>
+          <a:pPr lvl="0" algn="ctr" defTabSz="622300">
+            <a:lnSpc>
+              <a:spcPct val="90000"/>
+            </a:lnSpc>
+            <a:spcBef>
+              <a:spcPct val="0"/>
+            </a:spcBef>
+            <a:spcAft>
+              <a:spcPct val="35000"/>
+            </a:spcAft>
+          </a:pPr>
+          <a:r>
+            <a:rPr lang="en-US" sz="1400" b="1" kern="1200" dirty="0" smtClean="0"/>
+            <a:t>Select School</a:t>
+          </a:r>
+          <a:endParaRPr lang="en-US" sz="1400" b="1" kern="1200" dirty="0"/>
+        </a:p>
+      </dsp:txBody>
+      <dsp:txXfrm>
+        <a:off x="6211275" y="1508304"/>
+        <a:ext cx="959153" cy="1608462"/>
+      </dsp:txXfrm>
+    </dsp:sp>
+  </dsp:spTree>
+</dsp:drawing>
+</file>
+
+<file path=ppt/diagrams/layout1.xml><?xml version="1.0" encoding="utf-8"?>
+<dgm:layoutDef xmlns:dgm="http://schemas.openxmlformats.org/drawingml/2006/diagram" xmlns:a="http://schemas.openxmlformats.org/drawingml/2006/main" uniqueId="urn:microsoft.com/office/officeart/2005/8/layout/chevron1">
+  <dgm:title val=""/>
+  <dgm:desc val=""/>
+  <dgm:catLst>
+    <dgm:cat type="process" pri="9000"/>
+  </dgm:catLst>
+  <dgm:sampData useDef="1">
+    <dgm:dataModel>
+      <dgm:ptLst/>
+      <dgm:bg/>
+      <dgm:whole/>
+    </dgm:dataModel>
+  </dgm:sampData>
+  <dgm:styleData>
+    <dgm:dataModel>
+      <dgm:ptLst>
+        <dgm:pt modelId="0" type="doc"/>
+        <dgm:pt modelId="1"/>
+        <dgm:pt modelId="2"/>
+      </dgm:ptLst>
+      <dgm:cxnLst>
+        <dgm:cxn modelId="3" srcId="0" destId="1" srcOrd="0" destOrd="0"/>
+        <dgm:cxn modelId="4" srcId="0" destId="2" srcOrd="1" destOrd="0"/>
+      </dgm:cxnLst>
+      <dgm:bg/>
+      <dgm:whole/>
+    </dgm:dataModel>
+  </dgm:styleData>
+  <dgm:clrData>
+    <dgm:dataModel>
+      <dgm:ptLst>
+        <dgm:pt modelId="0" type="doc"/>
+        <dgm:pt modelId="1"/>
+        <dgm:pt modelId="2"/>
+        <dgm:pt modelId="3"/>
+        <dgm:pt modelId="4"/>
+      </dgm:ptLst>
+      <dgm:cxnLst>
+        <dgm:cxn modelId="5" srcId="0" destId="1" srcOrd="0" destOrd="0"/>
+        <dgm:cxn modelId="6" srcId="0" destId="2" srcOrd="1" destOrd="0"/>
+        <dgm:cxn modelId="7" srcId="0" destId="3" srcOrd="2" destOrd="0"/>
+        <dgm:cxn modelId="8" srcId="0" destId="4" srcOrd="3" destOrd="0"/>
+      </dgm:cxnLst>
+      <dgm:bg/>
+      <dgm:whole/>
+    </dgm:dataModel>
+  </dgm:clrData>
+  <dgm:layoutNode name="Name0">
+    <dgm:varLst>
+      <dgm:dir/>
+      <dgm:animLvl val="lvl"/>
+      <dgm:resizeHandles val="exact"/>
+    </dgm:varLst>
+    <dgm:choose name="Name1">
+      <dgm:if name="Name2" func="var" arg="dir" op="equ" val="norm">
+        <dgm:alg type="lin"/>
+      </dgm:if>
+      <dgm:else name="Name3">
+        <dgm:alg type="lin">
+          <dgm:param type="linDir" val="fromR"/>
+        </dgm:alg>
+      </dgm:else>
+    </dgm:choose>
+    <dgm:shape xmlns:r="http://schemas.openxmlformats.org/officeDocument/2006/relationships" r:blip="">
+      <dgm:adjLst/>
+    </dgm:shape>
+    <dgm:presOf/>
+    <dgm:choose name="Name4">
+      <dgm:if name="Name5" axis="des" func="maxDepth" op="gte" val="2">
+        <dgm:constrLst>
+          <dgm:constr type="h" for="ch" forName="composite" refType="h"/>
+          <dgm:constr type="w" for="ch" forName="composite" refType="w"/>
+          <dgm:constr type="w" for="des" forName="parTx"/>
+          <dgm:constr type="h" for="des" forName="parTx" op="equ"/>
+          <dgm:constr type="w" for="des" forName="desTx"/>
+          <dgm:constr type="h" for="des" forName="desTx" op="equ"/>
+          <dgm:constr type="primFontSz" for="des" forName="parTx" val="65"/>
+          <dgm:constr type="secFontSz" for="des" forName="desTx" refType="primFontSz" refFor="des" refForName="parTx" op="equ"/>
+          <dgm:constr type="h" for="des" forName="parTx" refType="primFontSz" refFor="des" refForName="parTx" fact="1.5"/>
+          <dgm:constr type="h" for="des" forName="desTx" refType="primFontSz" refFor="des" refForName="parTx" fact="0.5"/>
+          <dgm:constr type="w" for="ch" forName="space" op="equ" val="-6"/>
+        </dgm:constrLst>
+        <dgm:ruleLst>
+          <dgm:rule type="w" for="ch" forName="composite" val="0" fact="NaN" max="NaN"/>
+          <dgm:rule type="primFontSz" for="des" forName="parTx" val="5" fact="NaN" max="NaN"/>
+        </dgm:ruleLst>
+        <dgm:forEach name="Name6" axis="ch" ptType="node">
+          <dgm:layoutNode name="composite">
+            <dgm:alg type="composite"/>
+            <dgm:shape xmlns:r="http://schemas.openxmlformats.org/officeDocument/2006/relationships" r:blip="">
+              <dgm:adjLst/>
+            </dgm:shape>
+            <dgm:presOf/>
+            <dgm:choose name="Name7">
+              <dgm:if name="Name8" func="var" arg="dir" op="equ" val="norm">
+                <dgm:constrLst>
+                  <dgm:constr type="l" for="ch" forName="parTx"/>
+                  <dgm:constr type="w" for="ch" forName="parTx" refType="w"/>
+                  <dgm:constr type="t" for="ch" forName="parTx"/>
+                  <dgm:constr type="l" for="ch" forName="desTx"/>
+                  <dgm:constr type="w" for="ch" forName="desTx" refType="w" refFor="ch" refForName="parTx" fact="0.8"/>
+                  <dgm:constr type="t" for="ch" forName="desTx" refType="h" refFor="ch" refForName="parTx" fact="1.125"/>
+                </dgm:constrLst>
+              </dgm:if>
+              <dgm:else name="Name9">
+                <dgm:constrLst>
+                  <dgm:constr type="l" for="ch" forName="parTx"/>
+                  <dgm:constr type="w" for="ch" forName="parTx" refType="w"/>
+                  <dgm:constr type="t" for="ch" forName="parTx"/>
+                  <dgm:constr type="l" for="ch" forName="desTx" refType="w" fact="0.2"/>
+                  <dgm:constr type="w" for="ch" forName="desTx" refType="w" refFor="ch" refForName="parTx" fact="0.8"/>
+                  <dgm:constr type="t" for="ch" forName="desTx" refType="h" refFor="ch" refForName="parTx" fact="1.125"/>
+                </dgm:constrLst>
+              </dgm:else>
+            </dgm:choose>
+            <dgm:ruleLst>
+              <dgm:rule type="h" val="INF" fact="NaN" max="NaN"/>
+            </dgm:ruleLst>
+            <dgm:layoutNode name="parTx">
+              <dgm:varLst>
+                <dgm:chMax val="0"/>
+                <dgm:chPref val="0"/>
+                <dgm:bulletEnabled val="1"/>
+              </dgm:varLst>
+              <dgm:alg type="tx"/>
+              <dgm:choose name="Name10">
+                <dgm:if name="Name11" func="var" arg="dir" op="equ" val="norm">
+                  <dgm:shape xmlns:r="http://schemas.openxmlformats.org/officeDocument/2006/relationships" type="chevron" r:blip="">
+                    <dgm:adjLst/>
+                  </dgm:shape>
+                </dgm:if>
+                <dgm:else name="Name12">
+                  <dgm:shape xmlns:r="http://schemas.openxmlformats.org/officeDocument/2006/relationships" rot="180" type="chevron" r:blip="">
+                    <dgm:adjLst/>
+                  </dgm:shape>
+                </dgm:else>
+              </dgm:choose>
+              <dgm:presOf axis="self" ptType="node"/>
+              <dgm:choose name="Name13">
+                <dgm:if name="Name14" func="var" arg="dir" op="equ" val="norm">
+                  <dgm:constrLst>
+                    <dgm:constr type="h" refType="w" op="lte" fact="0.4"/>
+                    <dgm:constr type="h"/>
+                    <dgm:constr type="tMarg" refType="primFontSz" fact="0.105"/>
+                    <dgm:constr type="bMarg" refType="primFontSz" fact="0.105"/>
+                    <dgm:constr type="lMarg" refType="primFontSz" fact="0.315"/>
+                    <dgm:constr type="rMarg" refType="primFontSz" fact="0.105"/>
+                  </dgm:constrLst>
+                </dgm:if>
+                <dgm:else name="Name15">
+                  <dgm:constrLst>
+                    <dgm:constr type="h" refType="w" op="lte" fact="0.4"/>
+                    <dgm:constr type="h"/>
+                    <dgm:constr type="tMarg" refType="primFontSz" fact="0.105"/>
+                    <dgm:constr type="bMarg" refType="primFontSz" fact="0.105"/>
+                    <dgm:constr type="lMarg" refType="primFontSz" fact="0.105"/>
+                    <dgm:constr type="rMarg" refType="primFontSz" fact="0.315"/>
+                  </dgm:constrLst>
+                </dgm:else>
+              </dgm:choose>
+              <dgm:ruleLst>
+                <dgm:rule type="h" val="INF" fact="NaN" max="NaN"/>
+              </dgm:ruleLst>
+            </dgm:layoutNode>
+            <dgm:layoutNode name="desTx" styleLbl="revTx">
+              <dgm:varLst>
+                <dgm:bulletEnabled val="1"/>
+              </dgm:varLst>
+              <dgm:alg type="tx">
+                <dgm:param type="stBulletLvl" val="1"/>
+              </dgm:alg>
+              <dgm:choose name="Name16">
+                <dgm:if name="Name17" axis="ch" ptType="node" func="cnt" op="gte" val="1">
+                  <dgm:shape xmlns:r="http://schemas.openxmlformats.org/officeDocument/2006/relationships" type="rect" r:blip="">
+                    <dgm:adjLst/>
+                  </dgm:shape>
+                </dgm:if>
+                <dgm:else name="Name18">
+                  <dgm:shape xmlns:r="http://schemas.openxmlformats.org/officeDocument/2006/relationships" type="rect" r:blip="" hideGeom="1">
+                    <dgm:adjLst/>
+                  </dgm:shape>
+                </dgm:else>
+              </dgm:choose>
+              <dgm:presOf axis="des" ptType="node"/>
+              <dgm:constrLst>
+                <dgm:constr type="secFontSz" val="65"/>
+                <dgm:constr type="primFontSz" refType="secFontSz"/>
+                <dgm:constr type="h"/>
+                <dgm:constr type="tMarg"/>
+                <dgm:constr type="bMarg"/>
+                <dgm:constr type="rMarg"/>
+                <dgm:constr type="lMarg"/>
+              </dgm:constrLst>
+              <dgm:ruleLst>
+                <dgm:rule type="h" val="INF" fact="NaN" max="NaN"/>
+              </dgm:ruleLst>
+            </dgm:layoutNode>
+          </dgm:layoutNode>
+          <dgm:forEach name="Name19" axis="followSib" ptType="sibTrans" cnt="1">
+            <dgm:layoutNode name="space">
+              <dgm:alg type="sp"/>
+              <dgm:shape xmlns:r="http://schemas.openxmlformats.org/officeDocument/2006/relationships" r:blip="">
+                <dgm:adjLst/>
+              </dgm:shape>
+              <dgm:presOf/>
+              <dgm:constrLst/>
+              <dgm:ruleLst/>
+            </dgm:layoutNode>
+          </dgm:forEach>
+        </dgm:forEach>
+      </dgm:if>
+      <dgm:else name="Name20">
+        <dgm:constrLst>
+          <dgm:constr type="w" for="ch" forName="parTxOnly" refType="w"/>
+          <dgm:constr type="h" for="des" forName="parTxOnly" op="equ"/>
+          <dgm:constr type="primFontSz" for="des" forName="parTxOnly" op="equ" val="65"/>
+          <dgm:constr type="w" for="ch" forName="parTxOnlySpace" refType="w" refFor="ch" refForName="parTxOnly" fact="-0.1"/>
+        </dgm:constrLst>
+        <dgm:ruleLst/>
+        <dgm:forEach name="Name21" axis="ch" ptType="node">
+          <dgm:layoutNode name="parTxOnly">
+            <dgm:varLst>
+              <dgm:chMax val="0"/>
+              <dgm:chPref val="0"/>
+              <dgm:bulletEnabled val="1"/>
+            </dgm:varLst>
+            <dgm:alg type="tx"/>
+            <dgm:choose name="Name22">
+              <dgm:if name="Name23" func="var" arg="dir" op="equ" val="norm">
+                <dgm:shape xmlns:r="http://schemas.openxmlformats.org/officeDocument/2006/relationships" type="chevron" r:blip="">
+                  <dgm:adjLst/>
+                </dgm:shape>
+              </dgm:if>
+              <dgm:else name="Name24">
+                <dgm:shape xmlns:r="http://schemas.openxmlformats.org/officeDocument/2006/relationships" rot="180" type="chevron" r:blip="">
+                  <dgm:adjLst/>
+                </dgm:shape>
+              </dgm:else>
+            </dgm:choose>
+            <dgm:presOf axis="self" ptType="node"/>
+            <dgm:choose name="Name25">
+              <dgm:if name="Name26" func="var" arg="dir" op="equ" val="norm">
+                <dgm:constrLst>
+                  <dgm:constr type="h" refType="w" op="equ" fact="0.4"/>
+                  <dgm:constr type="tMarg" refType="primFontSz" fact="0.105"/>
+                  <dgm:constr type="bMarg" refType="primFontSz" fact="0.105"/>
+                  <dgm:constr type="lMarg" refType="primFontSz" fact="0.315"/>
+                  <dgm:constr type="rMarg" refType="primFontSz" fact="0.105"/>
+                </dgm:constrLst>
+              </dgm:if>
+              <dgm:else name="Name27">
+                <dgm:constrLst>
+                  <dgm:constr type="h" refType="w" op="equ" fact="0.4"/>
+                  <dgm:constr type="tMarg" refType="primFontSz" fact="0.105"/>
+                  <dgm:constr type="bMarg" refType="primFontSz" fact="0.105"/>
+                  <dgm:constr type="lMarg" refType="primFontSz" fact="0.105"/>
+                  <dgm:constr type="rMarg" refType="primFontSz" fact="0.315"/>
+                </dgm:constrLst>
+              </dgm:else>
+            </dgm:choose>
+            <dgm:ruleLst>
+              <dgm:rule type="primFontSz" val="5" fact="NaN" max="NaN"/>
+            </dgm:ruleLst>
+          </dgm:layoutNode>
+          <dgm:forEach name="Name28" axis="followSib" ptType="sibTrans" cnt="1">
+            <dgm:layoutNode name="parTxOnlySpace">
+              <dgm:alg type="sp"/>
+              <dgm:shape xmlns:r="http://schemas.openxmlformats.org/officeDocument/2006/relationships" r:blip="">
+                <dgm:adjLst/>
+              </dgm:shape>
+              <dgm:presOf/>
+              <dgm:constrLst/>
+              <dgm:ruleLst/>
+            </dgm:layoutNode>
+          </dgm:forEach>
+        </dgm:forEach>
+      </dgm:else>
+    </dgm:choose>
+  </dgm:layoutNode>
+</dgm:layoutDef>
+</file>
+
+<file path=ppt/diagrams/quickStyle1.xml><?xml version="1.0" encoding="utf-8"?>
+<dgm:styleDef xmlns:dgm="http://schemas.openxmlformats.org/drawingml/2006/diagram" xmlns:a="http://schemas.openxmlformats.org/drawingml/2006/main" uniqueId="urn:microsoft.com/office/officeart/2005/8/quickstyle/simple1">
+  <dgm:title val=""/>
+  <dgm:desc val=""/>
+  <dgm:catLst>
+    <dgm:cat type="simple" pri="10100"/>
+  </dgm:catLst>
+  <dgm:scene3d>
+    <a:camera prst="orthographicFront"/>
+    <a:lightRig rig="threePt" dir="t"/>
+  </dgm:scene3d>
+  <dgm:styleLbl name="node0">
+    <dgm:scene3d>
+      <a:camera prst="orthographicFront"/>
+      <a:lightRig rig="threePt" dir="t"/>
+    </dgm:scene3d>
+    <dgm:sp3d/>
+    <dgm:txPr/>
+    <dgm:style>
+      <a:lnRef idx="2">
+        <a:scrgbClr r="0" g="0" b="0"/>
+      </a:lnRef>
+      <a:fillRef idx="1">
+        <a:scrgbClr r="0" g="0" b="0"/>
+      </a:fillRef>
+      <a:effectRef idx="0">
+        <a:scrgbClr r="0" g="0" b="0"/>
+      </a:effectRef>
+      <a:fontRef idx="minor">
+        <a:schemeClr val="lt1"/>
+      </a:fontRef>
+    </dgm:style>
+  </dgm:styleLbl>
+  <dgm:styleLbl name="lnNode1">
+    <dgm:scene3d>
+      <a:camera prst="orthographicFront"/>
+      <a:lightRig rig="threePt" dir="t"/>
+    </dgm:scene3d>
+    <dgm:sp3d/>
+    <dgm:txPr/>
+    <dgm:style>
+      <a:lnRef idx="2">
+        <a:scrgbClr r="0" g="0" b="0"/>
+      </a:lnRef>
+      <a:fillRef idx="1">
+        <a:scrgbClr r="0" g="0" b="0"/>
+      </a:fillRef>
+      <a:effectRef idx="0">
+        <a:scrgbClr r="0" g="0" b="0"/>
+      </a:effectRef>
+      <a:fontRef idx="minor">
+        <a:schemeClr val="lt1"/>
+      </a:fontRef>
+    </dgm:style>
+  </dgm:styleLbl>
+  <dgm:styleLbl name="vennNode1">
+    <dgm:scene3d>
+      <a:camera prst="orthographicFront"/>
+      <a:lightRig rig="threePt" dir="t"/>
+    </dgm:scene3d>
+    <dgm:sp3d/>
+    <dgm:txPr/>
+    <dgm:style>
+      <a:lnRef idx="2">
+        <a:scrgbClr r="0" g="0" b="0"/>
+      </a:lnRef>
+      <a:fillRef idx="1">
+        <a:scrgbClr r="0" g="0" b="0"/>
+      </a:fillRef>
+      <a:effectRef idx="0">
+        <a:scrgbClr r="0" g="0" b="0"/>
+      </a:effectRef>
+      <a:fontRef idx="minor">
+        <a:schemeClr val="tx1"/>
+      </a:fontRef>
+    </dgm:style>
+  </dgm:styleLbl>
+  <dgm:styleLbl name="alignNode1">
+    <dgm:scene3d>
+      <a:camera prst="orthographicFront"/>
+      <a:lightRig rig="threePt" dir="t"/>
+    </dgm:scene3d>
+    <dgm:sp3d/>
+    <dgm:txPr/>
+    <dgm:style>
+      <a:lnRef idx="2">
+        <a:scrgbClr r="0" g="0" b="0"/>
+      </a:lnRef>
+      <a:fillRef idx="1">
+        <a:scrgbClr r="0" g="0" b="0"/>
+      </a:fillRef>
+      <a:effectRef idx="0">
+        <a:scrgbClr r="0" g="0" b="0"/>
+      </a:effectRef>
+      <a:fontRef idx="minor">
+        <a:schemeClr val="lt1"/>
+      </a:fontRef>
+    </dgm:style>
+  </dgm:styleLbl>
+  <dgm:styleLbl name="node1">
+    <dgm:scene3d>
+      <a:camera prst="orthographicFront"/>
+      <a:lightRig rig="threePt" dir="t"/>
+    </dgm:scene3d>
+    <dgm:sp3d/>
+    <dgm:txPr/>
+    <dgm:style>
+      <a:lnRef idx="2">
+        <a:scrgbClr r="0" g="0" b="0"/>
+      </a:lnRef>
+      <a:fillRef idx="1">
+        <a:scrgbClr r="0" g="0" b="0"/>
+      </a:fillRef>
+      <a:effectRef idx="0">
+        <a:scrgbClr r="0" g="0" b="0"/>
+      </a:effectRef>
+      <a:fontRef idx="minor">
+        <a:schemeClr val="lt1"/>
+      </a:fontRef>
+    </dgm:style>
+  </dgm:styleLbl>
+  <dgm:styleLbl name="node2">
+    <dgm:scene3d>
+      <a:camera prst="orthographicFront"/>
+      <a:lightRig rig="threePt" dir="t"/>
+    </dgm:scene3d>
+    <dgm:sp3d/>
+    <dgm:txPr/>
+    <dgm:style>
+      <a:lnRef idx="2">
+        <a:scrgbClr r="0" g="0" b="0"/>
+      </a:lnRef>
+      <a:fillRef idx="1">
+        <a:scrgbClr r="0" g="0" b="0"/>
+      </a:fillRef>
+      <a:effectRef idx="0">
+        <a:scrgbClr r="0" g="0" b="0"/>
+      </a:effectRef>
+      <a:fontRef idx="minor">
+        <a:schemeClr val="lt1"/>
+      </a:fontRef>
+    </dgm:style>
+  </dgm:styleLbl>
+  <dgm:styleLbl name="node3">
+    <dgm:scene3d>
+      <a:camera prst="orthographicFront"/>
+      <a:lightRig rig="threePt" dir="t"/>
+    </dgm:scene3d>
+    <dgm:sp3d/>
+    <dgm:txPr/>
+    <dgm:style>
+      <a:lnRef idx="2">
+        <a:scrgbClr r="0" g="0" b="0"/>
+      </a:lnRef>
+      <a:fillRef idx="1">
+        <a:scrgbClr r="0" g="0" b="0"/>
+      </a:fillRef>
+      <a:effectRef idx="0">
+        <a:scrgbClr r="0" g="0" b="0"/>
+      </a:effectRef>
+      <a:fontRef idx="minor">
+        <a:schemeClr val="lt1"/>
+      </a:fontRef>
+    </dgm:style>
+  </dgm:styleLbl>
+  <dgm:styleLbl name="node4">
+    <dgm:scene3d>
+      <a:camera prst="orthographicFront"/>
+      <a:lightRig rig="threePt" dir="t"/>
+    </dgm:scene3d>
+    <dgm:sp3d/>
+    <dgm:txPr/>
+    <dgm:style>
+      <a:lnRef idx="2">
+        <a:scrgbClr r="0" g="0" b="0"/>
+      </a:lnRef>
+      <a:fillRef idx="1">
+        <a:scrgbClr r="0" g="0" b="0"/>
+      </a:fillRef>
+      <a:effectRef idx="0">
+        <a:scrgbClr r="0" g="0" b="0"/>
+      </a:effectRef>
+      <a:fontRef idx="minor">
+        <a:schemeClr val="lt1"/>
+      </a:fontRef>
+    </dgm:style>
+  </dgm:styleLbl>
+  <dgm:styleLbl name="fgImgPlace1">
+    <dgm:scene3d>
+      <a:camera prst="orthographicFront"/>
+      <a:lightRig rig="threePt" dir="t"/>
+    </dgm:scene3d>
+    <dgm:sp3d/>
+    <dgm:txPr/>
+    <dgm:style>
+      <a:lnRef idx="2">
+        <a:scrgbClr r="0" g="0" b="0"/>
+      </a:lnRef>
+      <a:fillRef idx="1">
+        <a:scrgbClr r="0" g="0" b="0"/>
+      </a:fillRef>
+      <a:effectRef idx="0">
+        <a:scrgbClr r="0" g="0" b="0"/>
+      </a:effectRef>
+      <a:fontRef idx="minor"/>
+    </dgm:style>
+  </dgm:styleLbl>
+  <dgm:styleLbl name="alignImgPlace1">
+    <dgm:scene3d>
+      <a:camera prst="orthographicFront"/>
+      <a:lightRig rig="threePt" dir="t"/>
+    </dgm:scene3d>
+    <dgm:sp3d/>
+    <dgm:txPr/>
+    <dgm:style>
+      <a:lnRef idx="2">
+        <a:scrgbClr r="0" g="0" b="0"/>
+      </a:lnRef>
+      <a:fillRef idx="1">
+        <a:scrgbClr r="0" g="0" b="0"/>
+      </a:fillRef>
+      <a:effectRef idx="0">
+        <a:scrgbClr r="0" g="0" b="0"/>
+      </a:effectRef>
+      <a:fontRef idx="minor"/>
+    </dgm:style>
+  </dgm:styleLbl>
+  <dgm:styleLbl name="bgImgPlace1">
+    <dgm:scene3d>
+      <a:camera prst="orthographicFront"/>
+      <a:lightRig rig="threePt" dir="t"/>
+    </dgm:scene3d>
+    <dgm:sp3d/>
+    <dgm:txPr/>
+    <dgm:style>
+      <a:lnRef idx="2">
+        <a:scrgbClr r="0" g="0" b="0"/>
+      </a:lnRef>
+      <a:fillRef idx="1">
+        <a:scrgbClr r="0" g="0" b="0"/>
+      </a:fillRef>
+      <a:effectRef idx="0">
+        <a:scrgbClr r="0" g="0" b="0"/>
+      </a:effectRef>
+      <a:fontRef idx="minor"/>
+    </dgm:style>
+  </dgm:styleLbl>
+  <dgm:styleLbl name="sibTrans2D1">
+    <dgm:scene3d>
+      <a:camera prst="orthographicFront"/>
+      <a:lightRig rig="threePt" dir="t"/>
+    </dgm:scene3d>
+    <dgm:sp3d/>
+    <dgm:txPr/>
+    <dgm:style>
+      <a:lnRef idx="0">
+        <a:scrgbClr r="0" g="0" b="0"/>
+      </a:lnRef>
+      <a:fillRef idx="1">
+        <a:scrgbClr r="0" g="0" b="0"/>
+      </a:fillRef>
+      <a:effectRef idx="0">
+        <a:scrgbClr r="0" g="0" b="0"/>
+      </a:effectRef>
+      <a:fontRef idx="minor">
+        <a:schemeClr val="lt1"/>
+      </a:fontRef>
+    </dgm:style>
+  </dgm:styleLbl>
+  <dgm:styleLbl name="fgSibTrans2D1">
+    <dgm:scene3d>
+      <a:camera prst="orthographicFront"/>
+      <a:lightRig rig="threePt" dir="t"/>
+    </dgm:scene3d>
+    <dgm:sp3d/>
+    <dgm:txPr/>
+    <dgm:style>
+      <a:lnRef idx="0">
+        <a:scrgbClr r="0" g="0" b="0"/>
+      </a:lnRef>
+      <a:fillRef idx="1">
+        <a:scrgbClr r="0" g="0" b="0"/>
+      </a:fillRef>
+      <a:effectRef idx="0">
+        <a:scrgbClr r="0" g="0" b="0"/>
+      </a:effectRef>
+      <a:fontRef idx="minor">
+        <a:schemeClr val="lt1"/>
+      </a:fontRef>
+    </dgm:style>
+  </dgm:styleLbl>
+  <dgm:styleLbl name="bgSibTrans2D1">
+    <dgm:scene3d>
+      <a:camera prst="orthographicFront"/>
+      <a:lightRig rig="threePt" dir="t"/>
+    </dgm:scene3d>
+    <dgm:sp3d/>
+    <dgm:txPr/>
+    <dgm:style>
+      <a:lnRef idx="0">
+        <a:scrgbClr r="0" g="0" b="0"/>
+      </a:lnRef>
+      <a:fillRef idx="1">
+        <a:scrgbClr r="0" g="0" b="0"/>
+      </a:fillRef>
+      <a:effectRef idx="0">
+        <a:scrgbClr r="0" g="0" b="0"/>
+      </a:effectRef>
+      <a:fontRef idx="minor">
+        <a:schemeClr val="lt1"/>
+      </a:fontRef>
+    </dgm:style>
+  </dgm:styleLbl>
+  <dgm:styleLbl name="sibTrans1D1">
+    <dgm:scene3d>
+      <a:camera prst="orthographicFront"/>
+      <a:lightRig rig="threePt" dir="t"/>
+    </dgm:scene3d>
+    <dgm:sp3d/>
+    <dgm:txPr/>
+    <dgm:style>
+      <a:lnRef idx="1">
+        <a:scrgbClr r="0" g="0" b="0"/>
+      </a:lnRef>
+      <a:fillRef idx="0">
+        <a:scrgbClr r="0" g="0" b="0"/>
+      </a:fillRef>
+      <a:effectRef idx="0">
+        <a:scrgbClr r="0" g="0" b="0"/>
+      </a:effectRef>
+      <a:fontRef idx="minor"/>
+    </dgm:style>
+  </dgm:styleLbl>
+  <dgm:styleLbl name="callout">
+    <dgm:scene3d>
+      <a:camera prst="orthographicFront"/>
+      <a:lightRig rig="threePt" dir="t"/>
+    </dgm:scene3d>
+    <dgm:sp3d/>
+    <dgm:txPr/>
+    <dgm:style>
+      <a:lnRef idx="2">
+        <a:scrgbClr r="0" g="0" b="0"/>
+      </a:lnRef>
+      <a:fillRef idx="1">
+        <a:scrgbClr r="0" g="0" b="0"/>
+      </a:fillRef>
+      <a:effectRef idx="0">
+        <a:scrgbClr r="0" g="0" b="0"/>
+      </a:effectRef>
+      <a:fontRef idx="minor"/>
+    </dgm:style>
+  </dgm:styleLbl>
+  <dgm:styleLbl name="asst0">
+    <dgm:scene3d>
+      <a:camera prst="orthographicFront"/>
+      <a:lightRig rig="threePt" dir="t"/>
+    </dgm:scene3d>
+    <dgm:sp3d/>
+    <dgm:txPr/>
+    <dgm:style>
+      <a:lnRef idx="2">
+        <a:scrgbClr r="0" g="0" b="0"/>
+      </a:lnRef>
+      <a:fillRef idx="1">
+        <a:scrgbClr r="0" g="0" b="0"/>
+      </a:fillRef>
+      <a:effectRef idx="0">
+        <a:scrgbClr r="0" g="0" b="0"/>
+      </a:effectRef>
+      <a:fontRef idx="minor">
+        <a:schemeClr val="lt1"/>
+      </a:fontRef>
+    </dgm:style>
+  </dgm:styleLbl>
+  <dgm:styleLbl name="asst1">
+    <dgm:scene3d>
+      <a:camera prst="orthographicFront"/>
+      <a:lightRig rig="threePt" dir="t"/>
+    </dgm:scene3d>
+    <dgm:sp3d/>
+    <dgm:txPr/>
+    <dgm:style>
+      <a:lnRef idx="2">
+        <a:scrgbClr r="0" g="0" b="0"/>
+      </a:lnRef>
+      <a:fillRef idx="1">
+        <a:scrgbClr r="0" g="0" b="0"/>
+      </a:fillRef>
+      <a:effectRef idx="0">
+        <a:scrgbClr r="0" g="0" b="0"/>
+      </a:effectRef>
+      <a:fontRef idx="minor">
+        <a:schemeClr val="lt1"/>
+      </a:fontRef>
+    </dgm:style>
+  </dgm:styleLbl>
+  <dgm:styleLbl name="asst2">
+    <dgm:scene3d>
+      <a:camera prst="orthographicFront"/>
+      <a:lightRig rig="threePt" dir="t"/>
+    </dgm:scene3d>
+    <dgm:sp3d/>
+    <dgm:txPr/>
+    <dgm:style>
+      <a:lnRef idx="2">
+        <a:scrgbClr r="0" g="0" b="0"/>
+      </a:lnRef>
+      <a:fillRef idx="1">
+        <a:scrgbClr r="0" g="0" b="0"/>
+      </a:fillRef>
+      <a:effectRef idx="0">
+        <a:scrgbClr r="0" g="0" b="0"/>
+      </a:effectRef>
+      <a:fontRef idx="minor">
+        <a:schemeClr val="lt1"/>
+      </a:fontRef>
+    </dgm:style>
+  </dgm:styleLbl>
+  <dgm:styleLbl name="asst3">
+    <dgm:scene3d>
+      <a:camera prst="orthographicFront"/>
+      <a:lightRig rig="threePt" dir="t"/>
+    </dgm:scene3d>
+    <dgm:sp3d/>
+    <dgm:txPr/>
+    <dgm:style>
+      <a:lnRef idx="2">
+        <a:scrgbClr r="0" g="0" b="0"/>
+      </a:lnRef>
+      <a:fillRef idx="1">
+        <a:scrgbClr r="0" g="0" b="0"/>
+      </a:fillRef>
+      <a:effectRef idx="0">
+        <a:scrgbClr r="0" g="0" b="0"/>
+      </a:effectRef>
+      <a:fontRef idx="minor">
+        <a:schemeClr val="lt1"/>
+      </a:fontRef>
+    </dgm:style>
+  </dgm:styleLbl>
+  <dgm:styleLbl name="asst4">
+    <dgm:scene3d>
+      <a:camera prst="orthographicFront"/>
+      <a:lightRig rig="threePt" dir="t"/>
+    </dgm:scene3d>
+    <dgm:sp3d/>
+    <dgm:txPr/>
+    <dgm:style>
+      <a:lnRef idx="2">
+        <a:scrgbClr r="0" g="0" b="0"/>
+      </a:lnRef>
+      <a:fillRef idx="1">
+        <a:scrgbClr r="0" g="0" b="0"/>
+      </a:fillRef>
+      <a:effectRef idx="0">
+        <a:scrgbClr r="0" g="0" b="0"/>
+      </a:effectRef>
+      <a:fontRef idx="minor">
+        <a:schemeClr val="lt1"/>
+      </a:fontRef>
+    </dgm:style>
+  </dgm:styleLbl>
+  <dgm:styleLbl name="parChTrans2D1">
+    <dgm:scene3d>
+      <a:camera prst="orthographicFront"/>
+      <a:lightRig rig="threePt" dir="t"/>
+    </dgm:scene3d>
+    <dgm:sp3d/>
+    <dgm:txPr/>
+    <dgm:style>
+      <a:lnRef idx="2">
+        <a:scrgbClr r="0" g="0" b="0"/>
+      </a:lnRef>
+      <a:fillRef idx="1">
+        <a:scrgbClr r="0" g="0" b="0"/>
+      </a:fillRef>
+      <a:effectRef idx="0">
+        <a:scrgbClr r="0" g="0" b="0"/>
+      </a:effectRef>
+      <a:fontRef idx="minor">
+        <a:schemeClr val="lt1"/>
+      </a:fontRef>
+    </dgm:style>
+  </dgm:styleLbl>
+  <dgm:styleLbl name="parChTrans2D2">
+    <dgm:scene3d>
+      <a:camera prst="orthographicFront"/>
+      <a:lightRig rig="threePt" dir="t"/>
+    </dgm:scene3d>
+    <dgm:sp3d/>
+    <dgm:txPr/>
+    <dgm:style>
+      <a:lnRef idx="2">
+        <a:scrgbClr r="0" g="0" b="0"/>
+      </a:lnRef>
+      <a:fillRef idx="1">
+        <a:scrgbClr r="0" g="0" b="0"/>
+      </a:fillRef>
+      <a:effectRef idx="0">
+        <a:scrgbClr r="0" g="0" b="0"/>
+      </a:effectRef>
+      <a:fontRef idx="minor">
+        <a:schemeClr val="lt1"/>
+      </a:fontRef>
+    </dgm:style>
+  </dgm:styleLbl>
+  <dgm:styleLbl name="parChTrans2D3">
+    <dgm:scene3d>
+      <a:camera prst="orthographicFront"/>
+      <a:lightRig rig="threePt" dir="t"/>
+    </dgm:scene3d>
+    <dgm:sp3d/>
+    <dgm:txPr/>
+    <dgm:style>
+      <a:lnRef idx="2">
+        <a:scrgbClr r="0" g="0" b="0"/>
+      </a:lnRef>
+      <a:fillRef idx="1">
+        <a:scrgbClr r="0" g="0" b="0"/>
+      </a:fillRef>
+      <a:effectRef idx="0">
+        <a:scrgbClr r="0" g="0" b="0"/>
+      </a:effectRef>
+      <a:fontRef idx="minor">
+        <a:schemeClr val="lt1"/>
+      </a:fontRef>
+    </dgm:style>
+  </dgm:styleLbl>
+  <dgm:styleLbl name="parChTrans2D4">
+    <dgm:scene3d>
+      <a:camera prst="orthographicFront"/>
+      <a:lightRig rig="threePt" dir="t"/>
+    </dgm:scene3d>
+    <dgm:sp3d/>
+    <dgm:txPr/>
+    <dgm:style>
+      <a:lnRef idx="2">
+        <a:scrgbClr r="0" g="0" b="0"/>
+      </a:lnRef>
+      <a:fillRef idx="1">
+        <a:scrgbClr r="0" g="0" b="0"/>
+      </a:fillRef>
+      <a:effectRef idx="0">
+        <a:scrgbClr r="0" g="0" b="0"/>
+      </a:effectRef>
+      <a:fontRef idx="minor">
+        <a:schemeClr val="lt1"/>
+      </a:fontRef>
+    </dgm:style>
+  </dgm:styleLbl>
+  <dgm:styleLbl name="parChTrans1D1">
+    <dgm:scene3d>
+      <a:camera prst="orthographicFront"/>
+      <a:lightRig rig="threePt" dir="t"/>
+    </dgm:scene3d>
+    <dgm:sp3d/>
+    <dgm:txPr/>
+    <dgm:style>
+      <a:lnRef idx="2">
+        <a:scrgbClr r="0" g="0" b="0"/>
+      </a:lnRef>
+      <a:fillRef idx="0">
+        <a:scrgbClr r="0" g="0" b="0"/>
+      </a:fillRef>
+      <a:effectRef idx="0">
+        <a:scrgbClr r="0" g="0" b="0"/>
+      </a:effectRef>
+      <a:fontRef idx="minor"/>
+    </dgm:style>
+  </dgm:styleLbl>
+  <dgm:styleLbl name="parChTrans1D2">
+    <dgm:scene3d>
+      <a:camera prst="orthographicFront"/>
+      <a:lightRig rig="threePt" dir="t"/>
+    </dgm:scene3d>
+    <dgm:sp3d/>
+    <dgm:txPr/>
+    <dgm:style>
+      <a:lnRef idx="2">
+        <a:scrgbClr r="0" g="0" b="0"/>
+      </a:lnRef>
+      <a:fillRef idx="0">
+        <a:scrgbClr r="0" g="0" b="0"/>
+      </a:fillRef>
+      <a:effectRef idx="0">
+        <a:scrgbClr r="0" g="0" b="0"/>
+      </a:effectRef>
+      <a:fontRef idx="minor"/>
+    </dgm:style>
+  </dgm:styleLbl>
+  <dgm:styleLbl name="parChTrans1D3">
+    <dgm:scene3d>
+      <a:camera prst="orthographicFront"/>
+      <a:lightRig rig="threePt" dir="t"/>
+    </dgm:scene3d>
+    <dgm:sp3d/>
+    <dgm:txPr/>
+    <dgm:style>
+      <a:lnRef idx="2">
+        <a:scrgbClr r="0" g="0" b="0"/>
+      </a:lnRef>
+      <a:fillRef idx="0">
+        <a:scrgbClr r="0" g="0" b="0"/>
+      </a:fillRef>
+      <a:effectRef idx="0">
+        <a:scrgbClr r="0" g="0" b="0"/>
+      </a:effectRef>
+      <a:fontRef idx="minor"/>
+    </dgm:style>
+  </dgm:styleLbl>
+  <dgm:styleLbl name="parChTrans1D4">
+    <dgm:scene3d>
+      <a:camera prst="orthographicFront"/>
+      <a:lightRig rig="threePt" dir="t"/>
+    </dgm:scene3d>
+    <dgm:sp3d/>
+    <dgm:txPr/>
+    <dgm:style>
+      <a:lnRef idx="2">
+        <a:scrgbClr r="0" g="0" b="0"/>
+      </a:lnRef>
+      <a:fillRef idx="0">
+        <a:scrgbClr r="0" g="0" b="0"/>
+      </a:fillRef>
+      <a:effectRef idx="0">
+        <a:scrgbClr r="0" g="0" b="0"/>
+      </a:effectRef>
+      <a:fontRef idx="minor"/>
+    </dgm:style>
+  </dgm:styleLbl>
+  <dgm:styleLbl name="fgAcc1">
+    <dgm:scene3d>
+      <a:camera prst="orthographicFront"/>
+      <a:lightRig rig="threePt" dir="t"/>
+    </dgm:scene3d>
+    <dgm:sp3d/>
+    <dgm:txPr/>
+    <dgm:style>
+      <a:lnRef idx="2">
+        <a:scrgbClr r="0" g="0" b="0"/>
+      </a:lnRef>
+      <a:fillRef idx="1">
+        <a:scrgbClr r="0" g="0" b="0"/>
+      </a:fillRef>
+      <a:effectRef idx="0">
+        <a:scrgbClr r="0" g="0" b="0"/>
+      </a:effectRef>
+      <a:fontRef idx="minor"/>
+    </dgm:style>
+  </dgm:styleLbl>
+  <dgm:styleLbl name="conFgAcc1">
+    <dgm:scene3d>
+      <a:camera prst="orthographicFront"/>
+      <a:lightRig rig="threePt" dir="t"/>
+    </dgm:scene3d>
+    <dgm:sp3d/>
+    <dgm:txPr/>
+    <dgm:style>
+      <a:lnRef idx="2">
+        <a:scrgbClr r="0" g="0" b="0"/>
+      </a:lnRef>
+      <a:fillRef idx="1">
+        <a:scrgbClr r="0" g="0" b="0"/>
+      </a:fillRef>
+      <a:effectRef idx="0">
+        <a:scrgbClr r="0" g="0" b="0"/>
+      </a:effectRef>
+      <a:fontRef idx="minor"/>
+    </dgm:style>
+  </dgm:styleLbl>
+  <dgm:styleLbl name="alignAcc1">
+    <dgm:scene3d>
+      <a:camera prst="orthographicFront"/>
+      <a:lightRig rig="threePt" dir="t"/>
+    </dgm:scene3d>
+    <dgm:sp3d/>
+    <dgm:txPr/>
+    <dgm:style>
+      <a:lnRef idx="2">
+        <a:scrgbClr r="0" g="0" b="0"/>
+      </a:lnRef>
+      <a:fillRef idx="1">
+        <a:scrgbClr r="0" g="0" b="0"/>
+      </a:fillRef>
+      <a:effectRef idx="0">
+        <a:scrgbClr r="0" g="0" b="0"/>
+      </a:effectRef>
+      <a:fontRef idx="minor"/>
+    </dgm:style>
+  </dgm:styleLbl>
+  <dgm:styleLbl name="trAlignAcc1">
+    <dgm:scene3d>
+      <a:camera prst="orthographicFront"/>
+      <a:lightRig rig="threePt" dir="t"/>
+    </dgm:scene3d>
+    <dgm:sp3d/>
+    <dgm:txPr/>
+    <dgm:style>
+      <a:lnRef idx="1">
+        <a:scrgbClr r="0" g="0" b="0"/>
+      </a:lnRef>
+      <a:fillRef idx="1">
+        <a:scrgbClr r="0" g="0" b="0"/>
+      </a:fillRef>
+      <a:effectRef idx="0">
+        <a:scrgbClr r="0" g="0" b="0"/>
+      </a:effectRef>
+      <a:fontRef idx="minor"/>
+    </dgm:style>
+  </dgm:styleLbl>
+  <dgm:styleLbl name="bgAcc1">
+    <dgm:scene3d>
+      <a:camera prst="orthographicFront"/>
+      <a:lightRig rig="threePt" dir="t"/>
+    </dgm:scene3d>
+    <dgm:sp3d/>
+    <dgm:txPr/>
+    <dgm:style>
+      <a:lnRef idx="2">
+        <a:scrgbClr r="0" g="0" b="0"/>
+      </a:lnRef>
+      <a:fillRef idx="1">
+        <a:scrgbClr r="0" g="0" b="0"/>
+      </a:fillRef>
+      <a:effectRef idx="0">
+        <a:scrgbClr r="0" g="0" b="0"/>
+      </a:effectRef>
+      <a:fontRef idx="minor"/>
+    </dgm:style>
+  </dgm:styleLbl>
+  <dgm:styleLbl name="solidFgAcc1">
+    <dgm:scene3d>
+      <a:camera prst="orthographicFront"/>
+      <a:lightRig rig="threePt" dir="t"/>
+    </dgm:scene3d>
+    <dgm:sp3d/>
+    <dgm:txPr/>
+    <dgm:style>
+      <a:lnRef idx="2">
+        <a:scrgbClr r="0" g="0" b="0"/>
+      </a:lnRef>
+      <a:fillRef idx="1">
+        <a:scrgbClr r="0" g="0" b="0"/>
+      </a:fillRef>
+      <a:effectRef idx="0">
+        <a:scrgbClr r="0" g="0" b="0"/>
+      </a:effectRef>
+      <a:fontRef idx="minor"/>
+    </dgm:style>
+  </dgm:styleLbl>
+  <dgm:styleLbl name="solidAlignAcc1">
+    <dgm:scene3d>
+      <a:camera prst="orthographicFront"/>
+      <a:lightRig rig="threePt" dir="t"/>
+    </dgm:scene3d>
+    <dgm:sp3d/>
+    <dgm:txPr/>
+    <dgm:style>
+      <a:lnRef idx="2">
+        <a:scrgbClr r="0" g="0" b="0"/>
+      </a:lnRef>
+      <a:fillRef idx="1">
+        <a:scrgbClr r="0" g="0" b="0"/>
+      </a:fillRef>
+      <a:effectRef idx="0">
+        <a:scrgbClr r="0" g="0" b="0"/>
+      </a:effectRef>
+      <a:fontRef idx="minor"/>
+    </dgm:style>
+  </dgm:styleLbl>
+  <dgm:styleLbl name="solidBgAcc1">
+    <dgm:scene3d>
+      <a:camera prst="orthographicFront"/>
+      <a:lightRig rig="threePt" dir="t"/>
+    </dgm:scene3d>
+    <dgm:sp3d/>
+    <dgm:txPr/>
+    <dgm:style>
+      <a:lnRef idx="2">
+        <a:scrgbClr r="0" g="0" b="0"/>
+      </a:lnRef>
+      <a:fillRef idx="1">
+        <a:scrgbClr r="0" g="0" b="0"/>
+      </a:fillRef>
+      <a:effectRef idx="0">
+        <a:scrgbClr r="0" g="0" b="0"/>
+      </a:effectRef>
+      <a:fontRef idx="minor"/>
+    </dgm:style>
+  </dgm:styleLbl>
+  <dgm:styleLbl name="fgAccFollowNode1">
+    <dgm:scene3d>
+      <a:camera prst="orthographicFront"/>
+      <a:lightRig rig="threePt" dir="t"/>
+    </dgm:scene3d>
+    <dgm:sp3d/>
+    <dgm:txPr/>
+    <dgm:style>
+      <a:lnRef idx="2">
+        <a:scrgbClr r="0" g="0" b="0"/>
+      </a:lnRef>
+      <a:fillRef idx="1">
+        <a:scrgbClr r="0" g="0" b="0"/>
+      </a:fillRef>
+      <a:effectRef idx="0">
+        <a:scrgbClr r="0" g="0" b="0"/>
+      </a:effectRef>
+      <a:fontRef idx="minor"/>
+    </dgm:style>
+  </dgm:styleLbl>
+  <dgm:styleLbl name="alignAccFollowNode1">
+    <dgm:scene3d>
+      <a:camera prst="orthographicFront"/>
+      <a:lightRig rig="threePt" dir="t"/>
+    </dgm:scene3d>
+    <dgm:sp3d/>
+    <dgm:txPr/>
+    <dgm:style>
+      <a:lnRef idx="2">
+        <a:scrgbClr r="0" g="0" b="0"/>
+      </a:lnRef>
+      <a:fillRef idx="1">
+        <a:scrgbClr r="0" g="0" b="0"/>
+      </a:fillRef>
+      <a:effectRef idx="0">
+        <a:scrgbClr r="0" g="0" b="0"/>
+      </a:effectRef>
+      <a:fontRef idx="minor"/>
+    </dgm:style>
+  </dgm:styleLbl>
+  <dgm:styleLbl name="bgAccFollowNode1">
+    <dgm:scene3d>
+      <a:camera prst="orthographicFront"/>
+      <a:lightRig rig="threePt" dir="t"/>
+    </dgm:scene3d>
+    <dgm:sp3d/>
+    <dgm:txPr/>
+    <dgm:style>
+      <a:lnRef idx="2">
+        <a:scrgbClr r="0" g="0" b="0"/>
+      </a:lnRef>
+      <a:fillRef idx="1">
+        <a:scrgbClr r="0" g="0" b="0"/>
+      </a:fillRef>
+      <a:effectRef idx="0">
+        <a:scrgbClr r="0" g="0" b="0"/>
+      </a:effectRef>
+      <a:fontRef idx="minor"/>
+    </dgm:style>
+  </dgm:styleLbl>
+  <dgm:styleLbl name="fgAcc0">
+    <dgm:scene3d>
+      <a:camera prst="orthographicFront"/>
+      <a:lightRig rig="threePt" dir="t"/>
+    </dgm:scene3d>
+    <dgm:sp3d/>
+    <dgm:txPr/>
+    <dgm:style>
+      <a:lnRef idx="2">
+        <a:scrgbClr r="0" g="0" b="0"/>
+      </a:lnRef>
+      <a:fillRef idx="1">
+        <a:scrgbClr r="0" g="0" b="0"/>
+      </a:fillRef>
+      <a:effectRef idx="0">
+        <a:scrgbClr r="0" g="0" b="0"/>
+      </a:effectRef>
+      <a:fontRef idx="minor"/>
+    </dgm:style>
+  </dgm:styleLbl>
+  <dgm:styleLbl name="fgAcc2">
+    <dgm:scene3d>
+      <a:camera prst="orthographicFront"/>
+      <a:lightRig rig="threePt" dir="t"/>
+    </dgm:scene3d>
+    <dgm:sp3d/>
+    <dgm:txPr/>
+    <dgm:style>
+      <a:lnRef idx="2">
+        <a:scrgbClr r="0" g="0" b="0"/>
+      </a:lnRef>
+      <a:fillRef idx="1">
+        <a:scrgbClr r="0" g="0" b="0"/>
+      </a:fillRef>
+      <a:effectRef idx="0">
+        <a:scrgbClr r="0" g="0" b="0"/>
+      </a:effectRef>
+      <a:fontRef idx="minor"/>
+    </dgm:style>
+  </dgm:styleLbl>
+  <dgm:styleLbl name="fgAcc3">
+    <dgm:scene3d>
+      <a:camera prst="orthographicFront"/>
+      <a:lightRig rig="threePt" dir="t"/>
+    </dgm:scene3d>
+    <dgm:sp3d/>
+    <dgm:txPr/>
+    <dgm:style>
+      <a:lnRef idx="2">
+        <a:scrgbClr r="0" g="0" b="0"/>
+      </a:lnRef>
+      <a:fillRef idx="1">
+        <a:scrgbClr r="0" g="0" b="0"/>
+      </a:fillRef>
+      <a:effectRef idx="0">
+        <a:scrgbClr r="0" g="0" b="0"/>
+      </a:effectRef>
+      <a:fontRef idx="minor"/>
+    </dgm:style>
+  </dgm:styleLbl>
+  <dgm:styleLbl name="fgAcc4">
+    <dgm:scene3d>
+      <a:camera prst="orthographicFront"/>
+      <a:lightRig rig="threePt" dir="t"/>
+    </dgm:scene3d>
+    <dgm:sp3d/>
+    <dgm:txPr/>
+    <dgm:style>
+      <a:lnRef idx="2">
+        <a:scrgbClr r="0" g="0" b="0"/>
+      </a:lnRef>
+      <a:fillRef idx="1">
+        <a:scrgbClr r="0" g="0" b="0"/>
+      </a:fillRef>
+      <a:effectRef idx="0">
+        <a:scrgbClr r="0" g="0" b="0"/>
+      </a:effectRef>
+      <a:fontRef idx="minor"/>
+    </dgm:style>
+  </dgm:styleLbl>
+  <dgm:styleLbl name="bgShp">
+    <dgm:scene3d>
+      <a:camera prst="orthographicFront"/>
+      <a:lightRig rig="threePt" dir="t"/>
+    </dgm:scene3d>
+    <dgm:sp3d/>
+    <dgm:txPr/>
+    <dgm:style>
+      <a:lnRef idx="0">
+        <a:scrgbClr r="0" g="0" b="0"/>
+      </a:lnRef>
+      <a:fillRef idx="1">
+        <a:scrgbClr r="0" g="0" b="0"/>
+      </a:fillRef>
+      <a:effectRef idx="0">
+        <a:scrgbClr r="0" g="0" b="0"/>
+      </a:effectRef>
+      <a:fontRef idx="minor"/>
+    </dgm:style>
+  </dgm:styleLbl>
+  <dgm:styleLbl name="dkBgShp">
+    <dgm:scene3d>
+      <a:camera prst="orthographicFront"/>
+      <a:lightRig rig="threePt" dir="t"/>
+    </dgm:scene3d>
+    <dgm:sp3d/>
+    <dgm:txPr/>
+    <dgm:style>
+      <a:lnRef idx="0">
+        <a:scrgbClr r="0" g="0" b="0"/>
+      </a:lnRef>
+      <a:fillRef idx="1">
+        <a:scrgbClr r="0" g="0" b="0"/>
+      </a:fillRef>
+      <a:effectRef idx="0">
+        <a:scrgbClr r="0" g="0" b="0"/>
+      </a:effectRef>
+      <a:fontRef idx="minor"/>
+    </dgm:style>
+  </dgm:styleLbl>
+  <dgm:styleLbl name="trBgShp">
+    <dgm:scene3d>
+      <a:camera prst="orthographicFront"/>
+      <a:lightRig rig="threePt" dir="t"/>
+    </dgm:scene3d>
+    <dgm:sp3d/>
+    <dgm:txPr/>
+    <dgm:style>
+      <a:lnRef idx="0">
+        <a:scrgbClr r="0" g="0" b="0"/>
+      </a:lnRef>
+      <a:fillRef idx="1">
+        <a:scrgbClr r="0" g="0" b="0"/>
+      </a:fillRef>
+      <a:effectRef idx="0">
+        <a:scrgbClr r="0" g="0" b="0"/>
+      </a:effectRef>
+      <a:fontRef idx="minor"/>
+    </dgm:style>
+  </dgm:styleLbl>
+  <dgm:styleLbl name="fgShp">
+    <dgm:scene3d>
+      <a:camera prst="orthographicFront"/>
+      <a:lightRig rig="threePt" dir="t"/>
+    </dgm:scene3d>
+    <dgm:sp3d/>
+    <dgm:txPr/>
+    <dgm:style>
+      <a:lnRef idx="2">
+        <a:scrgbClr r="0" g="0" b="0"/>
+      </a:lnRef>
+      <a:fillRef idx="1">
+        <a:scrgbClr r="0" g="0" b="0"/>
+      </a:fillRef>
+      <a:effectRef idx="0">
+        <a:scrgbClr r="0" g="0" b="0"/>
+      </a:effectRef>
+      <a:fontRef idx="minor"/>
+    </dgm:style>
+  </dgm:styleLbl>
+  <dgm:styleLbl name="revTx">
+    <dgm:scene3d>
+      <a:camera prst="orthographicFront"/>
+      <a:lightRig rig="threePt" dir="t"/>
+    </dgm:scene3d>
+    <dgm:sp3d/>
+    <dgm:txPr/>
+    <dgm:style>
+      <a:lnRef idx="0">
+        <a:scrgbClr r="0" g="0" b="0"/>
+      </a:lnRef>
+      <a:fillRef idx="0">
+        <a:scrgbClr r="0" g="0" b="0"/>
+      </a:fillRef>
+      <a:effectRef idx="0">
+        <a:scrgbClr r="0" g="0" b="0"/>
+      </a:effectRef>
+      <a:fontRef idx="minor"/>
+    </dgm:style>
+  </dgm:styleLbl>
+</dgm:styleDef>
 </file>
 
 <file path=ppt/slideLayouts/slideLayout1.xml><?xml version="1.0" encoding="utf-8"?>
@@ -3195,53 +5915,28 @@
           <a:chExt cx="0" cy="0"/>
         </a:xfrm>
       </p:grpSpPr>
-      <p:sp>
-        <p:nvSpPr>
-          <p:cNvPr id="2" name="Rectangle 1"/>
-          <p:cNvSpPr/>
-          <p:nvPr/>
-        </p:nvSpPr>
-        <p:spPr>
-          <a:xfrm>
-            <a:off x="304800" y="1295400"/>
-            <a:ext cx="8534400" cy="3276600"/>
-          </a:xfrm>
-          <a:prstGeom prst="rect">
-            <a:avLst/>
-          </a:prstGeom>
-          <a:solidFill>
-            <a:schemeClr val="bg1"/>
-          </a:solidFill>
-        </p:spPr>
-        <p:style>
-          <a:lnRef idx="2">
-            <a:schemeClr val="accent1">
-              <a:shade val="50000"/>
-            </a:schemeClr>
-          </a:lnRef>
-          <a:fillRef idx="1">
-            <a:schemeClr val="accent1"/>
-          </a:fillRef>
-          <a:effectRef idx="0">
-            <a:schemeClr val="accent1"/>
-          </a:effectRef>
-          <a:fontRef idx="minor">
-            <a:schemeClr val="lt1"/>
-          </a:fontRef>
-        </p:style>
-        <p:txBody>
-          <a:bodyPr rtlCol="0" anchor="ctr"/>
-          <a:lstStyle/>
-          <a:p>
-            <a:pPr algn="ctr"/>
-            <a:r>
-              <a:rPr lang="en-US" dirty="0" smtClean="0"/>
-              <a:t>  </a:t>
-            </a:r>
-            <a:endParaRPr lang="en-US" dirty="0"/>
-          </a:p>
-        </p:txBody>
-      </p:sp>
+      <p:graphicFrame>
+        <p:nvGraphicFramePr>
+          <p:cNvPr id="11" name="Diagram 10"/>
+          <p:cNvGraphicFramePr/>
+          <p:nvPr>
+            <p:extLst>
+              <p:ext uri="{D42A27DB-BD31-4B8C-83A1-F6EECF244321}">
+                <p14:modId xmlns:p14="http://schemas.microsoft.com/office/powerpoint/2010/main" val="16853586"/>
+              </p:ext>
+            </p:extLst>
+          </p:nvPr>
+        </p:nvGraphicFramePr>
+        <p:xfrm>
+          <a:off x="460375" y="137561"/>
+          <a:ext cx="8011102" cy="6191972"/>
+        </p:xfrm>
+        <a:graphic>
+          <a:graphicData uri="http://schemas.openxmlformats.org/drawingml/2006/diagram">
+            <dgm:relIds xmlns:dgm="http://schemas.openxmlformats.org/drawingml/2006/diagram" xmlns:r="http://schemas.openxmlformats.org/officeDocument/2006/relationships" r:dm="rId2" r:lo="rId3" r:qs="rId4" r:cs="rId5"/>
+          </a:graphicData>
+        </a:graphic>
+      </p:graphicFrame>
       <p:sp>
         <p:nvSpPr>
           <p:cNvPr id="3" name="Rectangle 2"/>
@@ -3306,43 +6001,248 @@
           </a:p>
         </p:txBody>
       </p:sp>
-      <p:cxnSp>
-        <p:nvCxnSpPr>
-          <p:cNvPr id="5" name="Straight Connector 4"/>
-          <p:cNvCxnSpPr/>
+      <p:sp>
+        <p:nvSpPr>
+          <p:cNvPr id="12" name="AutoShape 4" descr="data:image/jpeg;base64,/9j/4AAQSkZJRgABAQAAAQABAAD/2wCEAAkGBxQREhITExMUFBUXFRgXFxgWExUVFhUXFRYXFhgZGBgZHSggGB4lHhcdITEhJSotLzouGCAzODMtNygtLisBCgoKDg0OGxAQGiwkHyY0LCwsLC8sLywsLCwsLCwsLCwsLCwtLCw0LCwsLCwsLCwsLCwsLCwsLCwsLCwsLCwvLP/AABEIARcAtQMBIgACEQEDEQH/xAAcAAEAAgIDAQAAAAAAAAAAAAAABwgFBgECAwT/xABFEAACAgECAwUFBAcECAcAAAABAgADEQQhBRIxBgcTQVEiYXGBkRQygqEjQlJicrHwCHPB0RUkM0OSorLxF1Njg5Oj4f/EABkBAQEBAQEBAAAAAAAAAAAAAAABAgMEBf/EACQRAQEAAgICAQQDAQAAAAAAAAABAhEhMQMSQQQTUYFhcfBC/9oADAMBAAIRAxEAPwCYdXxMKwROV23JHPjlAIG+ATnf+ts4y3V2MMs7DDYZVIUDy2IAbAyG3PSY7W8SSlA1zhPbQoTncuD7PTqeV8k7e1nMxfE+0nttXRW12b/At9lxyNhlYjbfAUfSebLybezx/T5Xqftn/GY2ITYxNNoPLzH2qzWVOVz7ZxYTnc5UTaFYEAg5B3BHmDNL7OVagK51JUuzkgrgewNlBUAY2/nvvNs4ac01f3af9InTxVy82Orr8PpiInVwIiICIiAiIgIiICIiAiIgIiICIiAiIga1xXhqWMyOoPK4sTIzyknmB/4gwx6CeWh0K1mxlREZyCeUAZ9kfXfPWfR2u4xp9J4L32rVzsUBbOCOUkj6hevqZhz2x0HX7bpv/nT+WZ58seXoxzvrrbNlSSFXqxwPd5k/IAn5Y85na0CgKNgAAPgNhMN2U1VWppGpqcWBy6q4BC4SxkPKDuASmc+e3ljGbnXDHUcs8t0iIm2CJofajvW0WjZq1Lam1ditWOVSPJrDtn4ZmnWd+tmfZ0KY9+obP5VzPtGvSptiQHr++3WP/sqNPV/Fz2n+aj8p8Wm75OJKct9ncehpI/NWEey/bqxMTQewvehRxBhTYv2fUH7qluZLD6I+2/7pAPpmb9LLtmyzsiIlQiIgIiICIiAiIgIiIEM06+vtHqtVVqKuWjSNinksdXbxGKlnIPKcioEDG2ep6z7f/CThxOSt5+Nx/wApEPFE1PDdVqKBbdS6OVJSx6+dc8yNlSMgqwYfxTwu7RaxxhtXqmHodRaR9OaXLx88VuWT4S32a7Rtwvio4SAv2FmVac7vU9q84Afq/NYSCG6cwwRgAzHKkdi6s8Q0IJ5R9roOT6i1T9SdvnLby3H1kZpNB75u0p0eh8OtuW3UHw1IOGVAM2MPTbC5/fm2douN1aHT2ai44RB0H3mJ2VVHmSdpWLth2nt4lqDfb7Ixy1oDla0zkAep8yfM/ITnlfhrDHfLBgREEzDsRNg412Sv0um02pdTy2j2hjepiTyBvTmXB+OR6TX4l2OVYgggkEEEEHBBG4IPkZZfur7WHiOjBsOb6SK7f3tvZs/EPzDSs833uV4wdPxJKyfY1CNUfTmALofqCPxSy6rOU3FjoiJ0cCIiAiIgIiICIiAiIgV47/NIa+JJYNhbp0OfVkd1P0HL9ZG3MfU/WTX/AGjNF7Ghu9GtrP4wrr/0N9ZCc67uld6L2rdbE2ZGV1/iQhh+YlxuHaxb6qrk3WxFdf4XUMPyMptLI9yHGPtHDErJy2ndqTn9ke3X8uVgv4ZL0jXP7Q+uYLoqB91jZYfeUCKv05z9ZC8sx3n9ijxShBWypfUxastnlYMAGRiNxnAOfUTRuzfZnTVaDidN9BTiGnosax3w3KGV2qehxsFIXywcg5nny4rtjZpFuj4RqLiBVRc5PTlrYj64wJIHZXsUujcajiVbqqkFfZWyhCejXMjEqAf2lCjqSZxpuM6o8FLJYyCuoInhswsZluK2szDBXkQqQFO/Pk7KRO/dfqeJcwtsa2zRurHNreIDyWpS5VmJasqXLYOxCNgHqE8eVx2tykukp8XNPg2/aOXweU+JzjKlfTHn7gN84xvIa453c3Fms0VNxpxzBLuSuzfyUM/Ofg6qfjJsutVVZmIwoJbzxyjmP+chHtjquK28SOlWy9bDg1VU2NUoBr8XCkEB+UZBcnflPToM4YXLelyy00zWaG2luW2uytvR0Zf5jed+Ea06e+i4ZzValmB1PIwYj5gYksdoddeeEag3sGVqdOAWBFiW2Cs21Nt7XKTjmzncq2WUkw5LZZbKvfK3HZ3j1OvoW/TvzIdiDsyMOqsPIj+tpk5Av9n/AIgy6zUUZ9myjnx5c1bqAfo5H09JPU6Y3bhlNUiIlZIiICIiAiIgIiIGgd+HDTdwuxgMmixLtvQEo30VyflK2y5Wu0iXV2VWDmSxGRh6qwKkfQypXangT6DVXaazJKN7LYxzod0cfEfmCPKdJzBipKXcJx1dPqrtNYeX7SF8Mk7eJVzHl9xZWO/7oHmJF4P/AHnKWlSGUlSpBUqcMpByCD1yDvma41yq50ifvq4oNJRZSh/S65hznzWilEUrn0LH/neZbuy7yK+IIlF7LXqwMYOFW/A+8nlzeZX4kbdMP3/cBaymjWICRTlLB6JYV5W+AYY/FOGeOmsO2L7oXS/RX6Z1R+W3mKOoYFbFG+Dt1Uib1w7s/pqfuabTocg5WmsHI6HIGciV+7Mces0GoW+vfGzrnZ0PVT/gfWWF4JxqrWUi6hgwI6HqrfsuOoM4Xc4ejfD6dNhvEzjdyCPTACbj3hQfg0x+t7NaWwgnS6ckdCaa8gA5xnExOg1vFTeUtpqFYLHmAyjDOw5+fIGN88pb1U+W1X3BFLMcADfG/wAgPM+6Zlsb8nj+3ZzL/V2jbvl1wq0un0owC783KMABKxgYA8uYj6SIJmu1/H21+qe85C/drX9lB0+Z6n4zCzpjOHOth7AdoBw/XU6hs+GMpZjc+G4wSB54OGx+7LR6LVpci2VOrowyrKQVIPoRKdzJ8G7QarRk/ZtRZTk5IVvZJ9ShypPympdMZY7W4iVw0Xe9xOvHNZVaPSylR+aFZJ/d53mV8SfwLa/B1GCQA3MlgHXkJ3BHXlPl5neamTncLEgRETTBERAREQEREBNF71ewo4nQHqAGqqB8MnYWL1NTH39QT0PoCZvUSy6FMbqmRmR1KupKsrAhlYHBBB6ETpLJd5ndxXxJTdTy16tRs3RbgOi2e/yDeXQ5HSumt0b02PVajJYh5WVhgqR/XWb/AJivFSQQQSCDkEHBBHQg+UkLRd6l50Oo0eqUagvS1ddrH2hzDl/S/t4ByG65G+c5EeRHxqke2Jn+w/EraNbR4TsoexUcLuGVjg5B2OOvymvK+38pIvcXpq7tdctijnGmc1nzQllRiufPlf6Z9853w7+eHX3iY82DblQ+/mZc/h5Tj6mE0+TlzzHoNsKudjyj1x5nJ6+W09LX5CFs9lj81OxOQfIbHrg7TvpENwBTIU/rkY2/dVtyfQkY3zk9D5/Ste0Vb4npzXdch25bHX6MRPmmU7ZawWa/WOv3fHsVcbjlrPhr8dkExLWbnpPT9r+WfeO0TqLPUfSfVw5K2tqFrFajYosYDJVCw5jj1AyZjLCyballfPMt2R4kul1ulvY4Wu5S5G+EJ5X/AOUmevGuyup0xJNbW1HdL6lNlNieTK65AyPI4M2bhuq4dr6aqtZRqNPqa0WsajTUs4tVAFU2IqklsAZ9n5+U52qsFotdVcgeqxLEIyGRgwI+IngeKIzmqplssH3gpyK8+dhH3fcOp8h1Iivs/wB0mjsIbx9bYh3INDaUEe8ugJ+Ulbg/CadJUtOnrWqteiqPPzJPUk+p3m5bXCyR9sRE2yREQEREBERATTu8Hu/o4onN/stSowloHUfsWD9ZfzHl5g7jEsuhT/j/AAS/Q3NRqEKON/VXXyZG/WU+vyOCCJjsS2XbTsnTxPTmm0YYZNVgHt1P6j1B816EfIirfGuF2aS6zT3DFlTlWx0OwII9QQQR7jOk1ZtXxeXzH+M3zuRvC8UVCcGym1FPow5bR+VZ+WR5zQ/L5/5zKdleK/ZNZpdR0Fdqs38BPLZ/yFpfwJl74dTbp/s1qWeG7+MrKjEhlUIFOCMEAE9ehs29Ztml59Hw9rbX5+XTnUXOWLO9nIXsCnyBwAPQbADYiLu9zivj69kBylKLWN9ixHO5+rBfwT6+23bDm4DoqFP6S8Cp99wmlIVyf4iE+IczzYXedfR+o8Vw+l8d1/rzEPgk9evn8Zy/U/Gcp1+G/wBJ1no+Hzicq2JxOxPlE/Ik3um4LdqQ7aTij6WxDmygVc2x6OAX5HB6Z5cg7HyJnThOmurTF1/jt+14S1fkpxKl8C4xbor69RQ3LYhyPRh5qw81I2I/xlp+x/aWriWmTUVbZ2dCcmuwAcyH65B8wQfOc7hO4tytZuIiRkiIgIiICIiAiIgIiICVy7+GU8UIHUaerm+OX6/LEsbKwd8JP+mNZn1qx8Ps9WJvD5GnKZy5HTE6zkH1m5eNKzOk1HOuSSW/WJOST6k+eZj9dcS2OoXYA7gE9cD+uk89PYUORuPOdDtv5/1vM4+P1yuT3ef6u+Xw44Xud/roc/15TpES27u3hBOznc/GKlJIA6k7fGS32+7nmqDX8P5rEG7UEk2D1NTHd/4Tv6E9Jf8AkRFNo7vO2D8L1Is3al8Leg/WUHZlH7S5JHxI85rDDBIIII2IOxBHUEeU4k6FytDq0urS2pg6OoZWHRgdwRPeV67mu3R0do0d7f6va2EJ6U2sfyRid/IHB2yxlhZjKaQiImQiIgIiICIiAiIgJCPf72Xfnr4hWpKcgqvwPuFSfDc+483KT7l9ZN062VhgVYBlIIIIyCDsQQeoll0KYRJd71O69NMj63Rgitd7aeorBO71+fKPNfIbjYYERkTprjagne3Hkc/H+vjPOenJt1G/l8JrHdlix5zkDM4nJMzNI+vhIHj0D1uqB+HiLLiyl6WFCGHVSGHxU5H8pcyi0OquOjKGHwIyJM7uQqOe9Pu1XWq2p0qhdUoyyjAXUAeR8g/o3n0PkVr0UIJBBBBwQRggjYgg9DLnyBO/bsmKLl11S4ruPLaANluxs34wPqpP60Y3faIqf0lle57tUdfogljZv0+K7CTu64/RufiBgn1RpWmbz3Ncb+y8TqUnCagGht9uZvarPx5wF/GZbyqzERE5IREQEREBERAREQEREDw12lW6uypxlbEZGHqrgqfyMpxdUUJrb7yMyn4qcH8xLnSona5Ma/XAdBqrx/8Ac83j1RiZ6V1nr5Zx9dv8Z5zvWp6+WROmHfTUdIiJhCWc7n+ODV8MoGfboHgOP7sAIfmnKfjn0lY5t/dj2x/0XquZ8/Z7QEuA3wATy2AeZXJ29C3niO5oWimK7UcFTXaW/TP0sQgH9lhujfJgD8pkqLldVdGDKwDKwOQysMgg+YIneY6qKZ6vTPU712DldGZHHoyEqw+ojSapqbK7V+9W62L8UYMPzEkjv47P+BrU1SjCalfa9BbWAD8Mryn4hpGLDadN65Vc+mwMqsOjAEfAjIneYfsbcbNBoXJyW0tJPxNS5/OZic7NXSEREgREQEREBERAREQEp3xzUi3U6mwbh77XB9Q1jMP5y4TrkEZIyMZHUfCQjxnuKcZOk1SsPJL1Kkf+4mc/8Im8ehD071sfl1Py3nfU6c1u9bEcyMyN1+8hKny9RPPOOk6TeN204YTicgznI9Pzk1KjgDM7I/KQVO4IIPoRuMZnBJnWOuhMXY3vqZeWriCcy9PHrXDD32VjZveUx/CZNOj1SXItlbq6MAyspBVgehBEppJJ7me2raTULpLW/wBXvbC5/wB1cxwpHorHYj1IO2+cWbRJffRwC3WcPHgJ4j02rbyAZZkCOjBB1J9vmwOvLgZOJA3DuymuvOK9Hd8WrNaj8VmFltpr1b82W/aLMPgzFh+RExfL6xvDHbt2D4c2m4fpKXYM9dYViNwGyeYZ88HI+Uz8xfCnwzJ5Ecw9xBAb65Hzz6zKSTL25ZymqRESoREQEREBERAREQE877lrVndgqqCzMxAVVAySSdgAPOekgnvw7bG2w8Pob9GhH2gg/fsG4r/hXYn97b9XeybEb9pdRVZrNXZUxat9Ra6HBXKvYzDY7+fnMcMf0f8A8nWJ19ldse+cZ9PznESbCIiQIIiIFsewXGvt3D9LexyzV8tnvsQmt/qyk/ORx3e9oNRrtdrG8RjpqyFSpa84Umxa3JUZzy1756l+mFGNF7v+8G7hPiqtYuqs38NnKBbNhzg8p8hgjG+BuMTD09p9RVdqbdPY2mOoZi61HAAZy/KpO64LHBGDOWclaxtibu8PhzJpjqxqho9TRmzT5tROdhnmRgTh+dQFC+qjOQSJ8Vnfjpl09TCi2zUGsF0AFdaWY9pfEbfGehCttIJ1F7WMXsZnc9Wdi7H4s2SZ5zM4moXnmpM1ffZrntRlSmqpXVmrVed3QH2kNjeozuoXylgNHqltrS2shkdVdSOhVgGUj4gymcsH3C9ofH0b6Vzl9M3s56mmwlk+jBl9wCzUZsSfERKhERAREQEREDBduOPfYNDqNTtzKmKwfOxzyoMeY5iCfcDKmu5YlmJZiSWJOSxJyST5kneTr/aA1JNWj0+cK72Wtj/0lVFHz8Un8Mhh9OB5D+c3NSKx8T3sX3D6f5TxOPh/KXijiIIiAiIgJldGitQy+ZO/xH3f695mKn16MMMnBwR/2mM8bceFx7fHE9dSN8+s8pzUiIlCbR3adofsHEKLWOK2Pg2k7AV2EDmJ8grBWPuUzV4IgXSiad3T9ovt3DqmY5tq/Q256lqwOVvfzIVbPqSPKJphuMREBERAREQIJ74tT4nEGXO1VVaY8gTmwn4kWL9BI/tSb13m6YrxPVE/rmph7x4FSfzQj5TTrUgYq1J8dqTK2pPjtSBjySOh/wAvpOBd6gfmJ7On0k290ndj4ZTXa2v29mopYf7PzFlin9f0U/d6n2sctmVgwPZPubv1Wn8bUWHSswzXWU52xjY2AkcmdvZ64646TVuLdk30lpq1Curj3jlYeTI2PaU+vyOCCBaqYvtD2fo11XhXpzDqrDZ62/aRvI/kehBG0vtRV8aZF6KP5n8552Tce2vYfUcPJc/pdPk4tUfcHkLV/UPlzfdO24J5Zp1kltvYxmoG+J4T7NUvnPjmG4REE4gJ3qrZ2VVUszHCqoLMxPQADcn4Tfex3dPrNby2XA6Wk75sU+Kw/crOCPi2PUAycOyfYnR8NX/V6v0hGGtf27W9fa/VG33VAHujSbRv3bdiOL6Wu10tq0ni8h5LUNrnk5sEqpAT73TJPqBiJNUTTJERAREQERECOu9rs4bUXWVjLVry2jG/hAlg34CTn3MT+rvEFqS0k1nX9gOH3MWbTAE5z4dltIOep5a3UZ9+IFdLwAMnYe/pPs4L2T1euI+z0OyH/eMOSrB8/EbYj3Lk+71sXw3snotOQatLSrDo5QPYPxvlvzmagRz2G7qadGyX6krqL1wVGP0NTDoVB3dgejN7iADvJGiICIiBwRnYyM+2/dTXeGu0WKbepq6U2H93/wApvh7PuGS0k2IFPtTWVZkZSrKSrKRgqynDKR5EEYxMewxLP9tO7nS8SPiHmpvx/tawPbwMAWKdnx67NsBnG0hrtz3aarhy+KCNRQB7VqIVNf8AeV5JUfvAkeuNsyrK0vQ1I9iLZaKUJw1hR3CD15UBZvgJY7u57FcNorTUaZk1bnpqGKuQfPkXpUR6fe8iTKzvNo7tu2j8L1SsSTp7CFvTfHL08QD9pevvGR5xotWtida3DAEEEEZBByCD0IM7SoREQEREBERAREQEREBERAREQEREBERATgjOxnMQIT70O6YAPquHJjGWs06jbHUtSPL+7H4fQwexl3JAHfr2F8B/9IadMVWHF6qNq7GO1nuDk4P738UDfO4zjx1XDErY5fTMaTnGeQANUdvIKeT8EkOVz/s98dSjW26d2CjU1gJnO9tRJVfdlWfc+gHnLGQEREBERAREQEREBERAREQEREBERAREQEREBPHWaVLUeuxQ6OpVlIyGVhgg/Ke0QKgdruFtwriVtVTMDRar0vtzAezbUfQkAj5iWn7IceXiGjo1SYHiICyj9Rx7Lrv6MCM+mDIG/tFVgcTqI6tpKyfj4ty/yUST+5XhT0aCl8gV31rYU3ytoZkLj3PWKzj1Un9bYJCiIgIiICIiAiIgIiICIiAiIgIiICIiAiIgIiIEQcY7ENxrjV91/s6PTclOze3cyKHZBg5ReZzluuMY3OVluila1VEUKqqFVVACqqjAAA2AAGMRED0iIgf/2Q=="/>
+          <p:cNvSpPr>
+            <a:spLocks noChangeAspect="1" noChangeArrowheads="1"/>
+          </p:cNvSpPr>
           <p:nvPr/>
-        </p:nvCxnSpPr>
-        <p:spPr>
+        </p:nvSpPr>
+        <p:spPr bwMode="auto">
           <a:xfrm>
-            <a:off x="762000" y="2743200"/>
-            <a:ext cx="7315200" cy="0"/>
+            <a:off x="155575" y="-144463"/>
+            <a:ext cx="304800" cy="304801"/>
           </a:xfrm>
-          <a:prstGeom prst="line">
+          <a:prstGeom prst="rect">
             <a:avLst/>
           </a:prstGeom>
-          <a:ln w="82550" cmpd="sng">
-            <a:solidFill>
-              <a:srgbClr val="FF0000"/>
-            </a:solidFill>
-            <a:headEnd type="oval"/>
-            <a:tailEnd type="oval"/>
-          </a:ln>
+          <a:noFill/>
+          <a:extLst>
+            <a:ext uri="{909E8E84-426E-40DD-AFC4-6F175D3DCCD1}">
+              <a14:hiddenFill xmlns:a14="http://schemas.microsoft.com/office/drawing/2010/main">
+                <a:solidFill>
+                  <a:srgbClr val="FFFFFF"/>
+                </a:solidFill>
+              </a14:hiddenFill>
+            </a:ext>
+          </a:extLst>
         </p:spPr>
-        <p:style>
-          <a:lnRef idx="1">
-            <a:schemeClr val="accent1"/>
-          </a:lnRef>
-          <a:fillRef idx="0">
-            <a:schemeClr val="accent1"/>
-          </a:fillRef>
-          <a:effectRef idx="0">
-            <a:schemeClr val="accent1"/>
-          </a:effectRef>
-          <a:fontRef idx="minor">
-            <a:schemeClr val="tx1"/>
-          </a:fontRef>
-        </p:style>
-      </p:cxnSp>
+        <p:txBody>
+          <a:bodyPr vert="horz" wrap="square" lIns="91440" tIns="45720" rIns="91440" bIns="45720" numCol="1" anchor="t" anchorCtr="0" compatLnSpc="1">
+            <a:prstTxWarp prst="textNoShape">
+              <a:avLst/>
+            </a:prstTxWarp>
+          </a:bodyPr>
+          <a:lstStyle/>
+          <a:p>
+            <a:endParaRPr lang="en-US"/>
+          </a:p>
+        </p:txBody>
+      </p:sp>
+      <p:sp>
+        <p:nvSpPr>
+          <p:cNvPr id="15" name="AutoShape 6" descr="data:image/jpeg;base64,/9j/4AAQSkZJRgABAQAAAQABAAD/2wCEAAkGBxQREhITExMUFBUXFRgXFxgWExUVFhUXFRYXFhgZGBgZHSggGB4lHhcdITEhJSotLzouGCAzODMtNygtLisBCgoKDg0OGxAQGiwkHyY0LCwsLC8sLywsLCwsLCwsLCwsLCwtLCw0LCwsLCwsLCwsLCwsLCwsLCwsLCwsLCwvLP/AABEIARcAtQMBIgACEQEDEQH/xAAcAAEAAgIDAQAAAAAAAAAAAAAABwgFBgECAwT/xABFEAACAgECAwUFBAcECAcAAAABAgADEQQhBRIxBgcTQVEiYXGBkRQygqEjQlJicrHwCHPB0RUkM0OSorLxF1Njg5Oj4f/EABkBAQEBAQEBAAAAAAAAAAAAAAABAgMEBf/EACQRAQEAAgICAQQDAQAAAAAAAAABAhEhMQMSQQQTUYFhcfBC/9oADAMBAAIRAxEAPwCYdXxMKwROV23JHPjlAIG+ATnf+ts4y3V2MMs7DDYZVIUDy2IAbAyG3PSY7W8SSlA1zhPbQoTncuD7PTqeV8k7e1nMxfE+0nttXRW12b/At9lxyNhlYjbfAUfSebLybezx/T5Xqftn/GY2ITYxNNoPLzH2qzWVOVz7ZxYTnc5UTaFYEAg5B3BHmDNL7OVagK51JUuzkgrgewNlBUAY2/nvvNs4ac01f3af9InTxVy82Orr8PpiInVwIiICIiAiIgIiICIiAiIgIiICIiAiIga1xXhqWMyOoPK4sTIzyknmB/4gwx6CeWh0K1mxlREZyCeUAZ9kfXfPWfR2u4xp9J4L32rVzsUBbOCOUkj6hevqZhz2x0HX7bpv/nT+WZ58seXoxzvrrbNlSSFXqxwPd5k/IAn5Y85na0CgKNgAAPgNhMN2U1VWppGpqcWBy6q4BC4SxkPKDuASmc+e3ljGbnXDHUcs8t0iIm2CJofajvW0WjZq1Lam1ditWOVSPJrDtn4ZmnWd+tmfZ0KY9+obP5VzPtGvSptiQHr++3WP/sqNPV/Fz2n+aj8p8Wm75OJKct9ncehpI/NWEey/bqxMTQewvehRxBhTYv2fUH7qluZLD6I+2/7pAPpmb9LLtmyzsiIlQiIgIiICIiAiIgIiIEM06+vtHqtVVqKuWjSNinksdXbxGKlnIPKcioEDG2ep6z7f/CThxOSt5+Nx/wApEPFE1PDdVqKBbdS6OVJSx6+dc8yNlSMgqwYfxTwu7RaxxhtXqmHodRaR9OaXLx88VuWT4S32a7Rtwvio4SAv2FmVac7vU9q84Afq/NYSCG6cwwRgAzHKkdi6s8Q0IJ5R9roOT6i1T9SdvnLby3H1kZpNB75u0p0eh8OtuW3UHw1IOGVAM2MPTbC5/fm2douN1aHT2ai44RB0H3mJ2VVHmSdpWLth2nt4lqDfb7Ixy1oDla0zkAep8yfM/ITnlfhrDHfLBgREEzDsRNg412Sv0um02pdTy2j2hjepiTyBvTmXB+OR6TX4l2OVYgggkEEEEHBBG4IPkZZfur7WHiOjBsOb6SK7f3tvZs/EPzDSs833uV4wdPxJKyfY1CNUfTmALofqCPxSy6rOU3FjoiJ0cCIiAiIgIiICIiAiIgV47/NIa+JJYNhbp0OfVkd1P0HL9ZG3MfU/WTX/AGjNF7Ghu9GtrP4wrr/0N9ZCc67uld6L2rdbE2ZGV1/iQhh+YlxuHaxb6qrk3WxFdf4XUMPyMptLI9yHGPtHDErJy2ndqTn9ke3X8uVgv4ZL0jXP7Q+uYLoqB91jZYfeUCKv05z9ZC8sx3n9ijxShBWypfUxastnlYMAGRiNxnAOfUTRuzfZnTVaDidN9BTiGnosax3w3KGV2qehxsFIXywcg5nny4rtjZpFuj4RqLiBVRc5PTlrYj64wJIHZXsUujcajiVbqqkFfZWyhCejXMjEqAf2lCjqSZxpuM6o8FLJYyCuoInhswsZluK2szDBXkQqQFO/Pk7KRO/dfqeJcwtsa2zRurHNreIDyWpS5VmJasqXLYOxCNgHqE8eVx2tykukp8XNPg2/aOXweU+JzjKlfTHn7gN84xvIa453c3Fms0VNxpxzBLuSuzfyUM/Ofg6qfjJsutVVZmIwoJbzxyjmP+chHtjquK28SOlWy9bDg1VU2NUoBr8XCkEB+UZBcnflPToM4YXLelyy00zWaG2luW2uytvR0Zf5jed+Ea06e+i4ZzValmB1PIwYj5gYksdoddeeEag3sGVqdOAWBFiW2Cs21Nt7XKTjmzncq2WUkw5LZZbKvfK3HZ3j1OvoW/TvzIdiDsyMOqsPIj+tpk5Av9n/AIgy6zUUZ9myjnx5c1bqAfo5H09JPU6Y3bhlNUiIlZIiICIiAiIgIiIGgd+HDTdwuxgMmixLtvQEo30VyflK2y5Wu0iXV2VWDmSxGRh6qwKkfQypXangT6DVXaazJKN7LYxzod0cfEfmCPKdJzBipKXcJx1dPqrtNYeX7SF8Mk7eJVzHl9xZWO/7oHmJF4P/AHnKWlSGUlSpBUqcMpByCD1yDvma41yq50ifvq4oNJRZSh/S65hznzWilEUrn0LH/neZbuy7yK+IIlF7LXqwMYOFW/A+8nlzeZX4kbdMP3/cBaymjWICRTlLB6JYV5W+AYY/FOGeOmsO2L7oXS/RX6Z1R+W3mKOoYFbFG+Dt1Uib1w7s/pqfuabTocg5WmsHI6HIGciV+7Mces0GoW+vfGzrnZ0PVT/gfWWF4JxqrWUi6hgwI6HqrfsuOoM4Xc4ejfD6dNhvEzjdyCPTACbj3hQfg0x+t7NaWwgnS6ckdCaa8gA5xnExOg1vFTeUtpqFYLHmAyjDOw5+fIGN88pb1U+W1X3BFLMcADfG/wAgPM+6Zlsb8nj+3ZzL/V2jbvl1wq0un0owC783KMABKxgYA8uYj6SIJmu1/H21+qe85C/drX9lB0+Z6n4zCzpjOHOth7AdoBw/XU6hs+GMpZjc+G4wSB54OGx+7LR6LVpci2VOrowyrKQVIPoRKdzJ8G7QarRk/ZtRZTk5IVvZJ9ShypPympdMZY7W4iVw0Xe9xOvHNZVaPSylR+aFZJ/d53mV8SfwLa/B1GCQA3MlgHXkJ3BHXlPl5neamTncLEgRETTBERAREQEREBNF71ewo4nQHqAGqqB8MnYWL1NTH39QT0PoCZvUSy6FMbqmRmR1KupKsrAhlYHBBB6ETpLJd5ndxXxJTdTy16tRs3RbgOi2e/yDeXQ5HSumt0b02PVajJYh5WVhgqR/XWb/AJivFSQQQSCDkEHBBHQg+UkLRd6l50Oo0eqUagvS1ddrH2hzDl/S/t4ByG65G+c5EeRHxqke2Jn+w/EraNbR4TsoexUcLuGVjg5B2OOvymvK+38pIvcXpq7tdctijnGmc1nzQllRiufPlf6Z9853w7+eHX3iY82DblQ+/mZc/h5Tj6mE0+TlzzHoNsKudjyj1x5nJ6+W09LX5CFs9lj81OxOQfIbHrg7TvpENwBTIU/rkY2/dVtyfQkY3zk9D5/Ste0Vb4npzXdch25bHX6MRPmmU7ZawWa/WOv3fHsVcbjlrPhr8dkExLWbnpPT9r+WfeO0TqLPUfSfVw5K2tqFrFajYosYDJVCw5jj1AyZjLCyballfPMt2R4kul1ulvY4Wu5S5G+EJ5X/AOUmevGuyup0xJNbW1HdL6lNlNieTK65AyPI4M2bhuq4dr6aqtZRqNPqa0WsajTUs4tVAFU2IqklsAZ9n5+U52qsFotdVcgeqxLEIyGRgwI+IngeKIzmqplssH3gpyK8+dhH3fcOp8h1Iivs/wB0mjsIbx9bYh3INDaUEe8ugJ+Ulbg/CadJUtOnrWqteiqPPzJPUk+p3m5bXCyR9sRE2yREQEREBERATTu8Hu/o4onN/stSowloHUfsWD9ZfzHl5g7jEsuhT/j/AAS/Q3NRqEKON/VXXyZG/WU+vyOCCJjsS2XbTsnTxPTmm0YYZNVgHt1P6j1B816EfIirfGuF2aS6zT3DFlTlWx0OwII9QQQR7jOk1ZtXxeXzH+M3zuRvC8UVCcGym1FPow5bR+VZ+WR5zQ/L5/5zKdleK/ZNZpdR0Fdqs38BPLZ/yFpfwJl74dTbp/s1qWeG7+MrKjEhlUIFOCMEAE9ehs29Ztml59Hw9rbX5+XTnUXOWLO9nIXsCnyBwAPQbADYiLu9zivj69kBylKLWN9ixHO5+rBfwT6+23bDm4DoqFP6S8Cp99wmlIVyf4iE+IczzYXedfR+o8Vw+l8d1/rzEPgk9evn8Zy/U/Gcp1+G/wBJ1no+Hzicq2JxOxPlE/Ik3um4LdqQ7aTij6WxDmygVc2x6OAX5HB6Z5cg7HyJnThOmurTF1/jt+14S1fkpxKl8C4xbor69RQ3LYhyPRh5qw81I2I/xlp+x/aWriWmTUVbZ2dCcmuwAcyH65B8wQfOc7hO4tytZuIiRkiIgIiICIiAiIgIiICVy7+GU8UIHUaerm+OX6/LEsbKwd8JP+mNZn1qx8Ps9WJvD5GnKZy5HTE6zkH1m5eNKzOk1HOuSSW/WJOST6k+eZj9dcS2OoXYA7gE9cD+uk89PYUORuPOdDtv5/1vM4+P1yuT3ef6u+Xw44Xud/roc/15TpES27u3hBOznc/GKlJIA6k7fGS32+7nmqDX8P5rEG7UEk2D1NTHd/4Tv6E9Jf8AkRFNo7vO2D8L1Is3al8Leg/WUHZlH7S5JHxI85rDDBIIII2IOxBHUEeU4k6FytDq0urS2pg6OoZWHRgdwRPeV67mu3R0do0d7f6va2EJ6U2sfyRid/IHB2yxlhZjKaQiImQiIgIiICIiAiIgJCPf72Xfnr4hWpKcgqvwPuFSfDc+483KT7l9ZN062VhgVYBlIIIIyCDsQQeoll0KYRJd71O69NMj63Rgitd7aeorBO71+fKPNfIbjYYERkTprjagne3Hkc/H+vjPOenJt1G/l8JrHdlix5zkDM4nJMzNI+vhIHj0D1uqB+HiLLiyl6WFCGHVSGHxU5H8pcyi0OquOjKGHwIyJM7uQqOe9Pu1XWq2p0qhdUoyyjAXUAeR8g/o3n0PkVr0UIJBBBBwQRggjYgg9DLnyBO/bsmKLl11S4ruPLaANluxs34wPqpP60Y3faIqf0lle57tUdfogljZv0+K7CTu64/RufiBgn1RpWmbz3Ncb+y8TqUnCagGht9uZvarPx5wF/GZbyqzERE5IREQEREBERAREQEREDw12lW6uypxlbEZGHqrgqfyMpxdUUJrb7yMyn4qcH8xLnSona5Ma/XAdBqrx/8Ac83j1RiZ6V1nr5Zx9dv8Z5zvWp6+WROmHfTUdIiJhCWc7n+ODV8MoGfboHgOP7sAIfmnKfjn0lY5t/dj2x/0XquZ8/Z7QEuA3wATy2AeZXJ29C3niO5oWimK7UcFTXaW/TP0sQgH9lhujfJgD8pkqLldVdGDKwDKwOQysMgg+YIneY6qKZ6vTPU712DldGZHHoyEqw+ojSapqbK7V+9W62L8UYMPzEkjv47P+BrU1SjCalfa9BbWAD8Mryn4hpGLDadN65Vc+mwMqsOjAEfAjIneYfsbcbNBoXJyW0tJPxNS5/OZic7NXSEREgREQEREBERAREQEp3xzUi3U6mwbh77XB9Q1jMP5y4TrkEZIyMZHUfCQjxnuKcZOk1SsPJL1Kkf+4mc/8Im8ehD071sfl1Py3nfU6c1u9bEcyMyN1+8hKny9RPPOOk6TeN204YTicgznI9Pzk1KjgDM7I/KQVO4IIPoRuMZnBJnWOuhMXY3vqZeWriCcy9PHrXDD32VjZveUx/CZNOj1SXItlbq6MAyspBVgehBEppJJ7me2raTULpLW/wBXvbC5/wB1cxwpHorHYj1IO2+cWbRJffRwC3WcPHgJ4j02rbyAZZkCOjBB1J9vmwOvLgZOJA3DuymuvOK9Hd8WrNaj8VmFltpr1b82W/aLMPgzFh+RExfL6xvDHbt2D4c2m4fpKXYM9dYViNwGyeYZ88HI+Uz8xfCnwzJ5Ecw9xBAb65Hzz6zKSTL25ZymqRESoREQEREBERAREQE877lrVndgqqCzMxAVVAySSdgAPOekgnvw7bG2w8Pob9GhH2gg/fsG4r/hXYn97b9XeybEb9pdRVZrNXZUxat9Ra6HBXKvYzDY7+fnMcMf0f8A8nWJ19ldse+cZ9PznESbCIiQIIiIFsewXGvt3D9LexyzV8tnvsQmt/qyk/ORx3e9oNRrtdrG8RjpqyFSpa84Umxa3JUZzy1756l+mFGNF7v+8G7hPiqtYuqs38NnKBbNhzg8p8hgjG+BuMTD09p9RVdqbdPY2mOoZi61HAAZy/KpO64LHBGDOWclaxtibu8PhzJpjqxqho9TRmzT5tROdhnmRgTh+dQFC+qjOQSJ8Vnfjpl09TCi2zUGsF0AFdaWY9pfEbfGehCttIJ1F7WMXsZnc9Wdi7H4s2SZ5zM4moXnmpM1ffZrntRlSmqpXVmrVed3QH2kNjeozuoXylgNHqltrS2shkdVdSOhVgGUj4gymcsH3C9ofH0b6Vzl9M3s56mmwlk+jBl9wCzUZsSfERKhERAREQEREDBduOPfYNDqNTtzKmKwfOxzyoMeY5iCfcDKmu5YlmJZiSWJOSxJyST5kneTr/aA1JNWj0+cK72Wtj/0lVFHz8Un8Mhh9OB5D+c3NSKx8T3sX3D6f5TxOPh/KXijiIIiAiIgJldGitQy+ZO/xH3f695mKn16MMMnBwR/2mM8bceFx7fHE9dSN8+s8pzUiIlCbR3adofsHEKLWOK2Pg2k7AV2EDmJ8grBWPuUzV4IgXSiad3T9ovt3DqmY5tq/Q256lqwOVvfzIVbPqSPKJphuMREBERAREQIJ74tT4nEGXO1VVaY8gTmwn4kWL9BI/tSb13m6YrxPVE/rmph7x4FSfzQj5TTrUgYq1J8dqTK2pPjtSBjySOh/wAvpOBd6gfmJ7On0k290ndj4ZTXa2v29mopYf7PzFlin9f0U/d6n2sctmVgwPZPubv1Wn8bUWHSswzXWU52xjY2AkcmdvZ64646TVuLdk30lpq1Curj3jlYeTI2PaU+vyOCCBaqYvtD2fo11XhXpzDqrDZ62/aRvI/kehBG0vtRV8aZF6KP5n8552Tce2vYfUcPJc/pdPk4tUfcHkLV/UPlzfdO24J5Zp1kltvYxmoG+J4T7NUvnPjmG4REE4gJ3qrZ2VVUszHCqoLMxPQADcn4Tfex3dPrNby2XA6Wk75sU+Kw/crOCPi2PUAycOyfYnR8NX/V6v0hGGtf27W9fa/VG33VAHujSbRv3bdiOL6Wu10tq0ni8h5LUNrnk5sEqpAT73TJPqBiJNUTTJERAREQERECOu9rs4bUXWVjLVry2jG/hAlg34CTn3MT+rvEFqS0k1nX9gOH3MWbTAE5z4dltIOep5a3UZ9+IFdLwAMnYe/pPs4L2T1euI+z0OyH/eMOSrB8/EbYj3Lk+71sXw3snotOQatLSrDo5QPYPxvlvzmagRz2G7qadGyX6krqL1wVGP0NTDoVB3dgejN7iADvJGiICIiBwRnYyM+2/dTXeGu0WKbepq6U2H93/wApvh7PuGS0k2IFPtTWVZkZSrKSrKRgqynDKR5EEYxMewxLP9tO7nS8SPiHmpvx/tawPbwMAWKdnx67NsBnG0hrtz3aarhy+KCNRQB7VqIVNf8AeV5JUfvAkeuNsyrK0vQ1I9iLZaKUJw1hR3CD15UBZvgJY7u57FcNorTUaZk1bnpqGKuQfPkXpUR6fe8iTKzvNo7tu2j8L1SsSTp7CFvTfHL08QD9pevvGR5xotWtida3DAEEEEZBByCD0IM7SoREQEREBERAREQEREBERAREQEREBERATgjOxnMQIT70O6YAPquHJjGWs06jbHUtSPL+7H4fQwexl3JAHfr2F8B/9IadMVWHF6qNq7GO1nuDk4P738UDfO4zjx1XDErY5fTMaTnGeQANUdvIKeT8EkOVz/s98dSjW26d2CjU1gJnO9tRJVfdlWfc+gHnLGQEREBERAREQEREBERAREQEREBERAREQEREBPHWaVLUeuxQ6OpVlIyGVhgg/Ke0QKgdruFtwriVtVTMDRar0vtzAezbUfQkAj5iWn7IceXiGjo1SYHiICyj9Rx7Lrv6MCM+mDIG/tFVgcTqI6tpKyfj4ty/yUST+5XhT0aCl8gV31rYU3ytoZkLj3PWKzj1Un9bYJCiIgIiICIiAiIgIiICIiAiIgIiICIiAiIgIiIEQcY7ENxrjV91/s6PTclOze3cyKHZBg5ReZzluuMY3OVluila1VEUKqqFVVACqqjAAA2AAGMRED0iIgf/2Q=="/>
+          <p:cNvSpPr>
+            <a:spLocks noChangeAspect="1" noChangeArrowheads="1"/>
+          </p:cNvSpPr>
+          <p:nvPr/>
+        </p:nvSpPr>
+        <p:spPr bwMode="auto">
+          <a:xfrm>
+            <a:off x="307975" y="7937"/>
+            <a:ext cx="304800" cy="304801"/>
+          </a:xfrm>
+          <a:prstGeom prst="rect">
+            <a:avLst/>
+          </a:prstGeom>
+          <a:noFill/>
+          <a:extLst>
+            <a:ext uri="{909E8E84-426E-40DD-AFC4-6F175D3DCCD1}">
+              <a14:hiddenFill xmlns:a14="http://schemas.microsoft.com/office/drawing/2010/main">
+                <a:solidFill>
+                  <a:srgbClr val="FFFFFF"/>
+                </a:solidFill>
+              </a14:hiddenFill>
+            </a:ext>
+          </a:extLst>
+        </p:spPr>
+        <p:txBody>
+          <a:bodyPr vert="horz" wrap="square" lIns="91440" tIns="45720" rIns="91440" bIns="45720" numCol="1" anchor="t" anchorCtr="0" compatLnSpc="1">
+            <a:prstTxWarp prst="textNoShape">
+              <a:avLst/>
+            </a:prstTxWarp>
+          </a:bodyPr>
+          <a:lstStyle/>
+          <a:p>
+            <a:endParaRPr lang="en-US"/>
+          </a:p>
+        </p:txBody>
+      </p:sp>
+      <p:pic>
+        <p:nvPicPr>
+          <p:cNvPr id="1037" name="Picture 13" descr="C:\Program Files (x86)\Microsoft Office\MEDIA\CAGCAT10\j0195384.wmf"/>
+          <p:cNvPicPr>
+            <a:picLocks noChangeAspect="1" noChangeArrowheads="1"/>
+          </p:cNvPicPr>
+          <p:nvPr/>
+        </p:nvPicPr>
+        <p:blipFill>
+          <a:blip r:embed="rId7" cstate="print">
+            <a:extLst>
+              <a:ext uri="{28A0092B-C50C-407E-A947-70E740481C1C}">
+                <a14:useLocalDpi xmlns:a14="http://schemas.microsoft.com/office/drawing/2010/main" val="0"/>
+              </a:ext>
+            </a:extLst>
+          </a:blip>
+          <a:srcRect/>
+          <a:stretch>
+            <a:fillRect/>
+          </a:stretch>
+        </p:blipFill>
+        <p:spPr bwMode="auto">
+          <a:xfrm>
+            <a:off x="5922818" y="3254329"/>
+            <a:ext cx="1795882" cy="1833372"/>
+          </a:xfrm>
+          <a:prstGeom prst="rect">
+            <a:avLst/>
+          </a:prstGeom>
+          <a:noFill/>
+          <a:extLst>
+            <a:ext uri="{909E8E84-426E-40DD-AFC4-6F175D3DCCD1}">
+              <a14:hiddenFill xmlns:a14="http://schemas.microsoft.com/office/drawing/2010/main">
+                <a:solidFill>
+                  <a:srgbClr val="FFFFFF"/>
+                </a:solidFill>
+              </a14:hiddenFill>
+            </a:ext>
+          </a:extLst>
+        </p:spPr>
+      </p:pic>
+      <p:pic>
+        <p:nvPicPr>
+          <p:cNvPr id="1038" name="Picture 14" descr="C:\Program Files (x86)\Microsoft Office\MEDIA\CAGCAT10\j0195812.wmf"/>
+          <p:cNvPicPr>
+            <a:picLocks noChangeAspect="1" noChangeArrowheads="1"/>
+          </p:cNvPicPr>
+          <p:nvPr/>
+        </p:nvPicPr>
+        <p:blipFill>
+          <a:blip r:embed="rId8" cstate="print">
+            <a:extLst>
+              <a:ext uri="{28A0092B-C50C-407E-A947-70E740481C1C}">
+                <a14:useLocalDpi xmlns:a14="http://schemas.microsoft.com/office/drawing/2010/main" val="0"/>
+              </a:ext>
+            </a:extLst>
+          </a:blip>
+          <a:srcRect/>
+          <a:stretch>
+            <a:fillRect/>
+          </a:stretch>
+        </p:blipFill>
+        <p:spPr bwMode="auto">
+          <a:xfrm>
+            <a:off x="155575" y="3233547"/>
+            <a:ext cx="1527344" cy="1571454"/>
+          </a:xfrm>
+          <a:prstGeom prst="rect">
+            <a:avLst/>
+          </a:prstGeom>
+          <a:noFill/>
+          <a:extLst>
+            <a:ext uri="{909E8E84-426E-40DD-AFC4-6F175D3DCCD1}">
+              <a14:hiddenFill xmlns:a14="http://schemas.microsoft.com/office/drawing/2010/main">
+                <a:solidFill>
+                  <a:srgbClr val="FFFFFF"/>
+                </a:solidFill>
+              </a14:hiddenFill>
+            </a:ext>
+          </a:extLst>
+        </p:spPr>
+      </p:pic>
+      <p:pic>
+        <p:nvPicPr>
+          <p:cNvPr id="1040" name="Picture 16" descr="C:\Users\SHRIYA\AppData\Local\Microsoft\Windows\Temporary Internet Files\Content.IE5\4BDOJB7U\300px-Handshake_icon.svg_1[1].png"/>
+          <p:cNvPicPr>
+            <a:picLocks noChangeAspect="1" noChangeArrowheads="1"/>
+          </p:cNvPicPr>
+          <p:nvPr/>
+        </p:nvPicPr>
+        <p:blipFill>
+          <a:blip r:embed="rId9">
+            <a:extLst>
+              <a:ext uri="{28A0092B-C50C-407E-A947-70E740481C1C}">
+                <a14:useLocalDpi xmlns:a14="http://schemas.microsoft.com/office/drawing/2010/main" val="0"/>
+              </a:ext>
+            </a:extLst>
+          </a:blip>
+          <a:srcRect/>
+          <a:stretch>
+            <a:fillRect/>
+          </a:stretch>
+        </p:blipFill>
+        <p:spPr bwMode="auto">
+          <a:xfrm>
+            <a:off x="2105025" y="2965427"/>
+            <a:ext cx="1733550" cy="1733550"/>
+          </a:xfrm>
+          <a:prstGeom prst="rect">
+            <a:avLst/>
+          </a:prstGeom>
+          <a:noFill/>
+          <a:extLst>
+            <a:ext uri="{909E8E84-426E-40DD-AFC4-6F175D3DCCD1}">
+              <a14:hiddenFill xmlns:a14="http://schemas.microsoft.com/office/drawing/2010/main">
+                <a:solidFill>
+                  <a:srgbClr val="FFFFFF"/>
+                </a:solidFill>
+              </a14:hiddenFill>
+            </a:ext>
+          </a:extLst>
+        </p:spPr>
+      </p:pic>
+      <p:pic>
+        <p:nvPicPr>
+          <p:cNvPr id="1041" name="Picture 17" descr="C:\Users\SHRIYA\AppData\Local\Microsoft\Windows\Temporary Internet Files\Content.IE5\7273UG5S\checklist[1].jpg"/>
+          <p:cNvPicPr>
+            <a:picLocks noChangeAspect="1" noChangeArrowheads="1"/>
+          </p:cNvPicPr>
+          <p:nvPr/>
+        </p:nvPicPr>
+        <p:blipFill>
+          <a:blip r:embed="rId10" cstate="print">
+            <a:extLst>
+              <a:ext uri="{28A0092B-C50C-407E-A947-70E740481C1C}">
+                <a14:useLocalDpi xmlns:a14="http://schemas.microsoft.com/office/drawing/2010/main" val="0"/>
+              </a:ext>
+            </a:extLst>
+          </a:blip>
+          <a:srcRect/>
+          <a:stretch>
+            <a:fillRect/>
+          </a:stretch>
+        </p:blipFill>
+        <p:spPr bwMode="auto">
+          <a:xfrm>
+            <a:off x="4191000" y="3370915"/>
+            <a:ext cx="1295400" cy="1600200"/>
+          </a:xfrm>
+          <a:prstGeom prst="rect">
+            <a:avLst/>
+          </a:prstGeom>
+          <a:noFill/>
+          <a:extLst>
+            <a:ext uri="{909E8E84-426E-40DD-AFC4-6F175D3DCCD1}">
+              <a14:hiddenFill xmlns:a14="http://schemas.microsoft.com/office/drawing/2010/main">
+                <a:solidFill>
+                  <a:srgbClr val="FFFFFF"/>
+                </a:solidFill>
+              </a14:hiddenFill>
+            </a:ext>
+          </a:extLst>
+        </p:spPr>
+      </p:pic>
     </p:spTree>
     <p:extLst>
       <p:ext uri="{BB962C8B-B14F-4D97-AF65-F5344CB8AC3E}">
@@ -3380,6 +6280,63 @@
           <a:chExt cx="0" cy="0"/>
         </a:xfrm>
       </p:grpSpPr>
+      <p:sp>
+        <p:nvSpPr>
+          <p:cNvPr id="3" name="TextBox 2"/>
+          <p:cNvSpPr txBox="1"/>
+          <p:nvPr/>
+        </p:nvSpPr>
+        <p:spPr>
+          <a:xfrm>
+            <a:off x="838200" y="685800"/>
+            <a:ext cx="7620000" cy="1754326"/>
+          </a:xfrm>
+          <a:prstGeom prst="rect">
+            <a:avLst/>
+          </a:prstGeom>
+          <a:noFill/>
+        </p:spPr>
+        <p:txBody>
+          <a:bodyPr wrap="square" rtlCol="0">
+            <a:spAutoFit/>
+          </a:bodyPr>
+          <a:lstStyle/>
+          <a:p>
+            <a:r>
+              <a:rPr lang="en-US" dirty="0" smtClean="0"/>
+              <a:t>1.</a:t>
+            </a:r>
+          </a:p>
+          <a:p>
+            <a:r>
+              <a:rPr lang="en-US" dirty="0" smtClean="0"/>
+              <a:t>2.</a:t>
+            </a:r>
+          </a:p>
+          <a:p>
+            <a:r>
+              <a:rPr lang="en-US" smtClean="0"/>
+              <a:t>3.</a:t>
+            </a:r>
+            <a:endParaRPr lang="en-US" dirty="0" smtClean="0"/>
+          </a:p>
+          <a:p>
+            <a:r>
+              <a:rPr lang="en-US" dirty="0" smtClean="0"/>
+              <a:t>4.</a:t>
+            </a:r>
+          </a:p>
+          <a:p>
+            <a:r>
+              <a:rPr lang="en-US" dirty="0" smtClean="0"/>
+              <a:t>5.</a:t>
+            </a:r>
+          </a:p>
+          <a:p>
+            <a:endParaRPr lang="en-US" dirty="0"/>
+          </a:p>
+        </p:txBody>
+      </p:sp>
     </p:spTree>
     <p:extLst>
       <p:ext uri="{BB962C8B-B14F-4D97-AF65-F5344CB8AC3E}">
@@ -3417,47 +6374,6 @@
           <a:chExt cx="0" cy="0"/>
         </a:xfrm>
       </p:grpSpPr>
-      <p:pic>
-        <p:nvPicPr>
-          <p:cNvPr id="1026" name="Picture 2" descr="http://creativefan.com/important/cf/2013/07/high-school-graduation-quotes/ralph-w-sockman-quote.jpg"/>
-          <p:cNvPicPr>
-            <a:picLocks noChangeAspect="1" noChangeArrowheads="1"/>
-          </p:cNvPicPr>
-          <p:nvPr/>
-        </p:nvPicPr>
-        <p:blipFill>
-          <a:blip r:embed="rId2">
-            <a:extLst>
-              <a:ext uri="{28A0092B-C50C-407E-A947-70E740481C1C}">
-                <a14:useLocalDpi xmlns:a14="http://schemas.microsoft.com/office/drawing/2010/main" val="0"/>
-              </a:ext>
-            </a:extLst>
-          </a:blip>
-          <a:srcRect/>
-          <a:stretch>
-            <a:fillRect/>
-          </a:stretch>
-        </p:blipFill>
-        <p:spPr bwMode="auto">
-          <a:xfrm>
-            <a:off x="685800" y="1184564"/>
-            <a:ext cx="7897091" cy="4343400"/>
-          </a:xfrm>
-          <a:prstGeom prst="rect">
-            <a:avLst/>
-          </a:prstGeom>
-          <a:noFill/>
-          <a:extLst>
-            <a:ext uri="{909E8E84-426E-40DD-AFC4-6F175D3DCCD1}">
-              <a14:hiddenFill xmlns:a14="http://schemas.microsoft.com/office/drawing/2010/main">
-                <a:solidFill>
-                  <a:srgbClr val="FFFFFF"/>
-                </a:solidFill>
-              </a14:hiddenFill>
-            </a:ext>
-          </a:extLst>
-        </p:spPr>
-      </p:pic>
     </p:spTree>
     <p:extLst>
       <p:ext uri="{BB962C8B-B14F-4D97-AF65-F5344CB8AC3E}">
@@ -3504,7 +6420,7 @@
         <p:spPr>
           <a:xfrm>
             <a:off x="533400" y="0"/>
-            <a:ext cx="7924800" cy="2677656"/>
+            <a:ext cx="7924800" cy="5262979"/>
           </a:xfrm>
           <a:prstGeom prst="rect">
             <a:avLst/>
@@ -3516,30 +6432,67 @@
           </a:bodyPr>
           <a:lstStyle/>
           <a:p>
+            <a:endParaRPr lang="en-US" sz="2800" b="1" dirty="0" smtClean="0"/>
+          </a:p>
+          <a:p>
             <a:r>
               <a:rPr lang="en-US" sz="2800" b="1" dirty="0" smtClean="0"/>
-              <a:t>WHAT WE WANT TO DO:</a:t>
+              <a:t>WHAT </a:t>
+            </a:r>
+            <a:r>
+              <a:rPr lang="en-US" sz="2800" b="1" dirty="0" smtClean="0"/>
+              <a:t>WE WANT TO DO:</a:t>
             </a:r>
           </a:p>
           <a:p>
             <a:endParaRPr lang="en-US" sz="2800" b="1" dirty="0" smtClean="0"/>
           </a:p>
           <a:p>
-            <a:pPr marL="514350" indent="-514350">
-              <a:buFont typeface="+mj-lt"/>
-              <a:buAutoNum type="arabicPeriod"/>
-            </a:pPr>
-            <a:endParaRPr lang="en-US" sz="2800" b="1" dirty="0" smtClean="0"/>
-          </a:p>
-          <a:p>
             <a:r>
               <a:rPr lang="en-US" sz="2800" b="1" dirty="0" smtClean="0"/>
-              <a:t>Inserting a rating or a credibility index for partners. </a:t>
+              <a:t>Inserting a rating or a credibility index for partners. Based on their previous work, user satisfaction, delivery etc</a:t>
             </a:r>
             <a:r>
               <a:rPr lang="en-US" sz="2800" b="1" dirty="0" smtClean="0"/>
-              <a:t>Based on their previous work, user satisfaction, delivery etc.</a:t>
-            </a:r>
+              <a:t>.</a:t>
+            </a:r>
+            <a:endParaRPr lang="en-US" sz="2800" b="1" dirty="0"/>
+          </a:p>
+          <a:p>
+            <a:endParaRPr lang="en-US" sz="2800" b="1" dirty="0"/>
+          </a:p>
+          <a:p>
+            <a:r>
+              <a:rPr lang="en-US" sz="2800" b="1" dirty="0" smtClean="0"/>
+              <a:t>What </a:t>
+            </a:r>
+            <a:r>
+              <a:rPr lang="en-US" sz="2800" b="1" dirty="0"/>
+              <a:t>schools have been rebuilt or undergoing </a:t>
+            </a:r>
+            <a:r>
+              <a:rPr lang="en-US" sz="2800" b="1" dirty="0" smtClean="0"/>
+              <a:t>transition </a:t>
+            </a:r>
+            <a:r>
+              <a:rPr lang="en-US" sz="2800" b="1" dirty="0"/>
+              <a:t>and what schools still need aid.</a:t>
+            </a:r>
+          </a:p>
+          <a:p>
+            <a:endParaRPr lang="en-US" sz="2800" b="1" dirty="0"/>
+          </a:p>
+          <a:p>
+            <a:r>
+              <a:rPr lang="en-US" sz="2800" b="1" dirty="0" smtClean="0"/>
+              <a:t>Damage </a:t>
+            </a:r>
+            <a:r>
+              <a:rPr lang="en-US" sz="2800" b="1" dirty="0"/>
+              <a:t>estimation via Google maps.</a:t>
+            </a:r>
+          </a:p>
+          <a:p>
             <a:endParaRPr lang="en-US" sz="2800" b="1" dirty="0" smtClean="0"/>
           </a:p>
         </p:txBody>
@@ -3581,67 +6534,6 @@
           <a:chExt cx="0" cy="0"/>
         </a:xfrm>
       </p:grpSpPr>
-      <p:sp>
-        <p:nvSpPr>
-          <p:cNvPr id="2" name="TextBox 1"/>
-          <p:cNvSpPr txBox="1"/>
-          <p:nvPr/>
-        </p:nvSpPr>
-        <p:spPr>
-          <a:xfrm>
-            <a:off x="381000" y="609600"/>
-            <a:ext cx="8305800" cy="2677656"/>
-          </a:xfrm>
-          <a:prstGeom prst="rect">
-            <a:avLst/>
-          </a:prstGeom>
-          <a:noFill/>
-        </p:spPr>
-        <p:txBody>
-          <a:bodyPr wrap="square" rtlCol="0">
-            <a:spAutoFit/>
-          </a:bodyPr>
-          <a:lstStyle/>
-          <a:p>
-            <a:endParaRPr lang="en-US" sz="2800" b="1" dirty="0" smtClean="0"/>
-          </a:p>
-          <a:p>
-            <a:r>
-              <a:rPr lang="en-US" sz="2800" b="1" dirty="0"/>
-              <a:t>6</a:t>
-            </a:r>
-            <a:r>
-              <a:rPr lang="en-US" sz="2800" b="1" dirty="0" smtClean="0"/>
-              <a:t>.What schools have been rebuilt or undergoing </a:t>
-            </a:r>
-            <a:r>
-              <a:rPr lang="en-US" sz="2800" b="1" dirty="0" err="1" smtClean="0"/>
-              <a:t>trnsition</a:t>
-            </a:r>
-            <a:r>
-              <a:rPr lang="en-US" sz="2800" b="1" dirty="0" smtClean="0"/>
-              <a:t> and what schools still need aid.</a:t>
-            </a:r>
-          </a:p>
-          <a:p>
-            <a:endParaRPr lang="en-US" sz="2800" b="1" dirty="0" smtClean="0"/>
-          </a:p>
-          <a:p>
-            <a:r>
-              <a:rPr lang="en-US" sz="2800" b="1" dirty="0"/>
-              <a:t>7</a:t>
-            </a:r>
-            <a:r>
-              <a:rPr lang="en-US" sz="2800" b="1" dirty="0" smtClean="0"/>
-              <a:t>.Damage estimation via Google maps.</a:t>
-            </a:r>
-            <a:endParaRPr lang="en-US" sz="2800" b="1" dirty="0"/>
-          </a:p>
-          <a:p>
-            <a:endParaRPr lang="en-US" sz="2800" b="1" dirty="0" smtClean="0"/>
-          </a:p>
-        </p:txBody>
-      </p:sp>
     </p:spTree>
     <p:extLst>
       <p:ext uri="{BB962C8B-B14F-4D97-AF65-F5344CB8AC3E}">

--- a/pptcfg.pptx
+++ b/pptcfg.pptx
@@ -2,15 +2,14 @@
 <file path=ppt/presentation.xml><?xml version="1.0" encoding="utf-8"?>
 <p:presentation xmlns:a="http://schemas.openxmlformats.org/drawingml/2006/main" xmlns:r="http://schemas.openxmlformats.org/officeDocument/2006/relationships" xmlns:p="http://schemas.openxmlformats.org/presentationml/2006/main" saveSubsetFonts="1">
   <p:sldMasterIdLst>
-    <p:sldMasterId id="2147483648" r:id="rId1"/>
+    <p:sldMasterId id="2147483672" r:id="rId1"/>
   </p:sldMasterIdLst>
   <p:sldIdLst>
     <p:sldId id="256" r:id="rId2"/>
     <p:sldId id="259" r:id="rId3"/>
     <p:sldId id="261" r:id="rId4"/>
-    <p:sldId id="257" r:id="rId5"/>
-    <p:sldId id="260" r:id="rId6"/>
-    <p:sldId id="258" r:id="rId7"/>
+    <p:sldId id="260" r:id="rId5"/>
+    <p:sldId id="258" r:id="rId6"/>
   </p:sldIdLst>
   <p:sldSz cx="9144000" cy="6858000" type="screen4x3"/>
   <p:notesSz cx="6858000" cy="9144000"/>
@@ -909,14 +908,14 @@
         <a:lstStyle/>
         <a:p>
           <a:r>
-            <a:rPr lang="en-US" sz="3200" b="1" dirty="0" smtClean="0">
+            <a:rPr lang="en-US" sz="2000" b="1" dirty="0" smtClean="0">
               <a:solidFill>
                 <a:schemeClr val="tx1"/>
               </a:solidFill>
             </a:rPr>
             <a:t>Tie-Up</a:t>
           </a:r>
-          <a:endParaRPr lang="en-US" sz="3200" b="1" dirty="0">
+          <a:endParaRPr lang="en-US" sz="2000" b="1" dirty="0">
             <a:solidFill>
               <a:schemeClr val="tx1"/>
             </a:solidFill>
@@ -992,17 +991,25 @@
       </dgm:t>
     </dgm:pt>
     <dgm:pt modelId="{C1D19315-F898-47FE-8760-2A15D285EAD7}">
-      <dgm:prSet phldrT="[Text]"/>
+      <dgm:prSet phldrT="[Text]" custT="1"/>
       <dgm:spPr/>
       <dgm:t>
         <a:bodyPr/>
         <a:lstStyle/>
         <a:p>
           <a:r>
-            <a:rPr lang="en-US" b="1" dirty="0" smtClean="0"/>
-            <a:t>Select School</a:t>
+            <a:rPr lang="en-US" sz="2400" b="1" dirty="0" smtClean="0"/>
+            <a:t>Select</a:t>
           </a:r>
-          <a:endParaRPr lang="en-US" b="1" dirty="0"/>
+          <a:r>
+            <a:rPr lang="en-US" sz="1700" b="1" dirty="0" smtClean="0"/>
+            <a:t> </a:t>
+          </a:r>
+          <a:r>
+            <a:rPr lang="en-US" sz="2400" b="1" dirty="0" smtClean="0"/>
+            <a:t>School</a:t>
+          </a:r>
+          <a:endParaRPr lang="en-US" sz="1700" b="1" dirty="0"/>
         </a:p>
       </dgm:t>
     </dgm:pt>
@@ -1029,21 +1036,21 @@
       </dgm:t>
     </dgm:pt>
     <dgm:pt modelId="{C8B909BF-F70B-43D6-BCD5-E1A703EEA726}">
-      <dgm:prSet phldrT="[Text]"/>
+      <dgm:prSet phldrT="[Text]" custT="1"/>
       <dgm:spPr/>
       <dgm:t>
         <a:bodyPr/>
         <a:lstStyle/>
         <a:p>
           <a:r>
-            <a:rPr lang="en-US" b="1" dirty="0" smtClean="0">
+            <a:rPr lang="en-US" sz="2400" b="1" dirty="0" smtClean="0">
               <a:solidFill>
                 <a:schemeClr val="tx1"/>
               </a:solidFill>
             </a:rPr>
             <a:t>Survey</a:t>
           </a:r>
-          <a:endParaRPr lang="en-US" b="1" dirty="0">
+          <a:endParaRPr lang="en-US" sz="1400" b="1" dirty="0">
             <a:solidFill>
               <a:schemeClr val="tx1"/>
             </a:solidFill>
@@ -1113,13 +1120,20 @@
         </dgm:presLayoutVars>
       </dgm:prSet>
       <dgm:spPr/>
+      <dgm:t>
+        <a:bodyPr/>
+        <a:lstStyle/>
+        <a:p>
+          <a:endParaRPr lang="en-US"/>
+        </a:p>
+      </dgm:t>
     </dgm:pt>
     <dgm:pt modelId="{1496C609-6C2C-4741-8120-64CE869E8487}" type="pres">
       <dgm:prSet presAssocID="{1ADE2E5D-316F-4F1A-8BBC-3BDBFE2F6FD2}" presName="parTxOnlySpace" presStyleCnt="0"/>
       <dgm:spPr/>
     </dgm:pt>
     <dgm:pt modelId="{A90E9BB2-7314-4579-8641-4522302C9B5D}" type="pres">
-      <dgm:prSet presAssocID="{C8B909BF-F70B-43D6-BCD5-E1A703EEA726}" presName="parTxOnly" presStyleLbl="node1" presStyleIdx="2" presStyleCnt="4" custScaleY="177024" custLinFactY="-5105" custLinFactNeighborY="-100000">
+      <dgm:prSet presAssocID="{C8B909BF-F70B-43D6-BCD5-E1A703EEA726}" presName="parTxOnly" presStyleLbl="node1" presStyleIdx="2" presStyleCnt="4" custScaleX="135653" custScaleY="177024" custLinFactY="-5105" custLinFactNeighborY="-100000">
         <dgm:presLayoutVars>
           <dgm:chMax val="0"/>
           <dgm:chPref val="0"/>
@@ -1127,13 +1141,20 @@
         </dgm:presLayoutVars>
       </dgm:prSet>
       <dgm:spPr/>
+      <dgm:t>
+        <a:bodyPr/>
+        <a:lstStyle/>
+        <a:p>
+          <a:endParaRPr lang="en-US"/>
+        </a:p>
+      </dgm:t>
     </dgm:pt>
     <dgm:pt modelId="{0A60217B-F71E-4925-B570-8688EBC8B295}" type="pres">
       <dgm:prSet presAssocID="{4ED9354B-EED9-4A4C-85CB-3C8DCD2D9D24}" presName="parTxOnlySpace" presStyleCnt="0"/>
       <dgm:spPr/>
     </dgm:pt>
     <dgm:pt modelId="{903BCC27-8063-445D-B91A-ECBF22903FD0}" type="pres">
-      <dgm:prSet presAssocID="{C1D19315-F898-47FE-8760-2A15D285EAD7}" presName="parTxOnly" presStyleLbl="node1" presStyleIdx="3" presStyleCnt="4" custScaleX="127704" custScaleY="199998" custLinFactNeighborX="-14427" custLinFactNeighborY="-97415">
+      <dgm:prSet presAssocID="{C1D19315-F898-47FE-8760-2A15D285EAD7}" presName="parTxOnly" presStyleLbl="node1" presStyleIdx="3" presStyleCnt="4" custScaleX="168407" custScaleY="199998" custLinFactNeighborX="-14427" custLinFactNeighborY="-97415">
         <dgm:presLayoutVars>
           <dgm:chMax val="0"/>
           <dgm:chPref val="0"/>
@@ -1141,18 +1162,25 @@
         </dgm:presLayoutVars>
       </dgm:prSet>
       <dgm:spPr/>
+      <dgm:t>
+        <a:bodyPr/>
+        <a:lstStyle/>
+        <a:p>
+          <a:endParaRPr lang="en-US"/>
+        </a:p>
+      </dgm:t>
     </dgm:pt>
   </dgm:ptLst>
   <dgm:cxnLst>
+    <dgm:cxn modelId="{4A2C24D4-C540-4687-A768-5B6300FE518A}" type="presOf" srcId="{C1D19315-F898-47FE-8760-2A15D285EAD7}" destId="{903BCC27-8063-445D-B91A-ECBF22903FD0}" srcOrd="0" destOrd="0" presId="urn:microsoft.com/office/officeart/2005/8/layout/chevron1"/>
+    <dgm:cxn modelId="{72002FFC-39FE-4E5C-A8F3-0D7EEEEF5147}" srcId="{061437CF-F391-4183-8166-7A6B5568C031}" destId="{C8B909BF-F70B-43D6-BCD5-E1A703EEA726}" srcOrd="2" destOrd="0" parTransId="{F0ED310D-6CE2-4071-B2ED-1F463A51B346}" sibTransId="{4ED9354B-EED9-4A4C-85CB-3C8DCD2D9D24}"/>
+    <dgm:cxn modelId="{61A3F79D-120D-4D27-8C32-63A3FA938647}" type="presOf" srcId="{061437CF-F391-4183-8166-7A6B5568C031}" destId="{19934E51-D32D-4CAF-B1C4-8972C149230A}" srcOrd="0" destOrd="0" presId="urn:microsoft.com/office/officeart/2005/8/layout/chevron1"/>
+    <dgm:cxn modelId="{C54D8930-58CA-422E-A93D-2F1812FA9B84}" srcId="{061437CF-F391-4183-8166-7A6B5568C031}" destId="{C1D19315-F898-47FE-8760-2A15D285EAD7}" srcOrd="3" destOrd="0" parTransId="{8B4D4238-1DA9-4B7A-80CC-9F4C54EDA374}" sibTransId="{413D1B7B-06DE-4CD4-8616-753062E83A29}"/>
     <dgm:cxn modelId="{B5414478-5DF1-4303-A66D-5836261678F0}" type="presOf" srcId="{51500D4D-0E8B-41BF-B170-2C44D705406E}" destId="{250E5D6E-4EB6-49F6-BB01-0E3046046877}" srcOrd="0" destOrd="0" presId="urn:microsoft.com/office/officeart/2005/8/layout/chevron1"/>
+    <dgm:cxn modelId="{7D645742-15B4-4D84-ABCC-914EC0F1C1F2}" srcId="{061437CF-F391-4183-8166-7A6B5568C031}" destId="{51500D4D-0E8B-41BF-B170-2C44D705406E}" srcOrd="0" destOrd="0" parTransId="{6834F5DE-7692-42CA-B906-53916F96C8D0}" sibTransId="{E0DAE8AD-D8E1-43ED-A976-DC07C5D0A08F}"/>
     <dgm:cxn modelId="{F443720B-99D7-42C8-9B2C-8AB2C9340218}" srcId="{061437CF-F391-4183-8166-7A6B5568C031}" destId="{2681DF11-52D7-43F4-90A9-6214A83AE208}" srcOrd="1" destOrd="0" parTransId="{A9FAABC0-4C60-44AF-AF12-4688D7F78073}" sibTransId="{1ADE2E5D-316F-4F1A-8BBC-3BDBFE2F6FD2}"/>
-    <dgm:cxn modelId="{4A2C24D4-C540-4687-A768-5B6300FE518A}" type="presOf" srcId="{C1D19315-F898-47FE-8760-2A15D285EAD7}" destId="{903BCC27-8063-445D-B91A-ECBF22903FD0}" srcOrd="0" destOrd="0" presId="urn:microsoft.com/office/officeart/2005/8/layout/chevron1"/>
-    <dgm:cxn modelId="{7D645742-15B4-4D84-ABCC-914EC0F1C1F2}" srcId="{061437CF-F391-4183-8166-7A6B5568C031}" destId="{51500D4D-0E8B-41BF-B170-2C44D705406E}" srcOrd="0" destOrd="0" parTransId="{6834F5DE-7692-42CA-B906-53916F96C8D0}" sibTransId="{E0DAE8AD-D8E1-43ED-A976-DC07C5D0A08F}"/>
-    <dgm:cxn modelId="{C54D8930-58CA-422E-A93D-2F1812FA9B84}" srcId="{061437CF-F391-4183-8166-7A6B5568C031}" destId="{C1D19315-F898-47FE-8760-2A15D285EAD7}" srcOrd="3" destOrd="0" parTransId="{8B4D4238-1DA9-4B7A-80CC-9F4C54EDA374}" sibTransId="{413D1B7B-06DE-4CD4-8616-753062E83A29}"/>
-    <dgm:cxn modelId="{61A3F79D-120D-4D27-8C32-63A3FA938647}" type="presOf" srcId="{061437CF-F391-4183-8166-7A6B5568C031}" destId="{19934E51-D32D-4CAF-B1C4-8972C149230A}" srcOrd="0" destOrd="0" presId="urn:microsoft.com/office/officeart/2005/8/layout/chevron1"/>
+    <dgm:cxn modelId="{8560E382-C1A9-4D74-A55D-09F498EDBFE5}" type="presOf" srcId="{2681DF11-52D7-43F4-90A9-6214A83AE208}" destId="{9A3FCBB7-5273-436D-9DCD-0414FA957913}" srcOrd="0" destOrd="0" presId="urn:microsoft.com/office/officeart/2005/8/layout/chevron1"/>
     <dgm:cxn modelId="{CD81F510-93D3-4085-8964-02FBE9F55ED4}" type="presOf" srcId="{C8B909BF-F70B-43D6-BCD5-E1A703EEA726}" destId="{A90E9BB2-7314-4579-8641-4522302C9B5D}" srcOrd="0" destOrd="0" presId="urn:microsoft.com/office/officeart/2005/8/layout/chevron1"/>
-    <dgm:cxn modelId="{72002FFC-39FE-4E5C-A8F3-0D7EEEEF5147}" srcId="{061437CF-F391-4183-8166-7A6B5568C031}" destId="{C8B909BF-F70B-43D6-BCD5-E1A703EEA726}" srcOrd="2" destOrd="0" parTransId="{F0ED310D-6CE2-4071-B2ED-1F463A51B346}" sibTransId="{4ED9354B-EED9-4A4C-85CB-3C8DCD2D9D24}"/>
-    <dgm:cxn modelId="{8560E382-C1A9-4D74-A55D-09F498EDBFE5}" type="presOf" srcId="{2681DF11-52D7-43F4-90A9-6214A83AE208}" destId="{9A3FCBB7-5273-436D-9DCD-0414FA957913}" srcOrd="0" destOrd="0" presId="urn:microsoft.com/office/officeart/2005/8/layout/chevron1"/>
     <dgm:cxn modelId="{7375AF7D-20A9-405D-BCE2-29D4F8A67D6A}" type="presParOf" srcId="{19934E51-D32D-4CAF-B1C4-8972C149230A}" destId="{250E5D6E-4EB6-49F6-BB01-0E3046046877}" srcOrd="0" destOrd="0" presId="urn:microsoft.com/office/officeart/2005/8/layout/chevron1"/>
     <dgm:cxn modelId="{D38B36AD-3ED4-4D62-9646-0CBE7A5FB9B5}" type="presParOf" srcId="{19934E51-D32D-4CAF-B1C4-8972C149230A}" destId="{DD5AEE17-0AB9-4A6C-83D7-3F404AB6D7F7}" srcOrd="1" destOrd="0" presId="urn:microsoft.com/office/officeart/2005/8/layout/chevron1"/>
     <dgm:cxn modelId="{561596E3-45FC-45C5-82BC-6FE4F549BFB9}" type="presParOf" srcId="{19934E51-D32D-4CAF-B1C4-8972C149230A}" destId="{9A3FCBB7-5273-436D-9DCD-0414FA957913}" srcOrd="2" destOrd="0" presId="urn:microsoft.com/office/officeart/2005/8/layout/chevron1"/>
@@ -1186,8 +1214,8 @@
       </dsp:nvSpPr>
       <dsp:spPr>
         <a:xfrm>
-          <a:off x="0" y="1778432"/>
-          <a:ext cx="2010598" cy="804239"/>
+          <a:off x="0" y="1885131"/>
+          <a:ext cx="1847775" cy="739110"/>
         </a:xfrm>
         <a:prstGeom prst="chevron">
           <a:avLst/>
@@ -1200,7 +1228,7 @@
             <a:alphaOff val="0"/>
           </a:schemeClr>
         </a:solidFill>
-        <a:ln w="25400" cap="flat" cmpd="sng" algn="ctr">
+        <a:ln w="55000" cap="flat" cmpd="thickThin" algn="ctr">
           <a:solidFill>
             <a:schemeClr val="lt1">
               <a:hueOff val="0"/>
@@ -1228,12 +1256,12 @@
         </a:fontRef>
       </dsp:style>
       <dsp:txBody>
-        <a:bodyPr spcFirstLastPara="0" vert="horz" wrap="square" lIns="128016" tIns="42672" rIns="42672" bIns="42672" numCol="1" spcCol="1270" anchor="ctr" anchorCtr="0">
+        <a:bodyPr spcFirstLastPara="0" vert="horz" wrap="square" lIns="80010" tIns="26670" rIns="26670" bIns="26670" numCol="1" spcCol="1270" anchor="ctr" anchorCtr="0">
           <a:noAutofit/>
         </a:bodyPr>
         <a:lstStyle/>
         <a:p>
-          <a:pPr lvl="0" algn="ctr" defTabSz="1422400">
+          <a:pPr lvl="0" algn="ctr" defTabSz="889000">
             <a:lnSpc>
               <a:spcPct val="90000"/>
             </a:lnSpc>
@@ -1245,14 +1273,14 @@
             </a:spcAft>
           </a:pPr>
           <a:r>
-            <a:rPr lang="en-US" sz="3200" b="1" kern="1200" dirty="0" smtClean="0">
+            <a:rPr lang="en-US" sz="2000" b="1" kern="1200" dirty="0" smtClean="0">
               <a:solidFill>
                 <a:schemeClr val="tx1"/>
               </a:solidFill>
             </a:rPr>
             <a:t>Tie-Up</a:t>
           </a:r>
-          <a:endParaRPr lang="en-US" sz="3200" b="1" kern="1200" dirty="0">
+          <a:endParaRPr lang="en-US" sz="2000" b="1" kern="1200" dirty="0">
             <a:solidFill>
               <a:schemeClr val="tx1"/>
             </a:solidFill>
@@ -1260,8 +1288,8 @@
         </a:p>
       </dsp:txBody>
       <dsp:txXfrm>
-        <a:off x="402120" y="1778432"/>
-        <a:ext cx="1206359" cy="804239"/>
+        <a:off x="369555" y="1885131"/>
+        <a:ext cx="1108665" cy="739110"/>
       </dsp:txXfrm>
     </dsp:sp>
     <dsp:sp modelId="{9A3FCBB7-5273-436D-9DCD-0414FA957913}">
@@ -1271,21 +1299,21 @@
       </dsp:nvSpPr>
       <dsp:spPr>
         <a:xfrm>
-          <a:off x="1830583" y="1778432"/>
-          <a:ext cx="2010598" cy="868176"/>
+          <a:off x="1675635" y="1885131"/>
+          <a:ext cx="1847775" cy="797869"/>
         </a:xfrm>
         <a:prstGeom prst="chevron">
           <a:avLst/>
         </a:prstGeom>
         <a:solidFill>
           <a:schemeClr val="accent3">
-            <a:hueOff val="3750088"/>
-            <a:satOff val="-5627"/>
-            <a:lumOff val="-915"/>
+            <a:hueOff val="3874869"/>
+            <a:satOff val="-12382"/>
+            <a:lumOff val="-3137"/>
             <a:alphaOff val="0"/>
           </a:schemeClr>
         </a:solidFill>
-        <a:ln w="25400" cap="flat" cmpd="sng" algn="ctr">
+        <a:ln w="55000" cap="flat" cmpd="thickThin" algn="ctr">
           <a:solidFill>
             <a:schemeClr val="lt1">
               <a:hueOff val="0"/>
@@ -1345,8 +1373,8 @@
         </a:p>
       </dsp:txBody>
       <dsp:txXfrm>
-        <a:off x="2264671" y="1778432"/>
-        <a:ext cx="1142422" cy="868176"/>
+        <a:off x="2074570" y="1885131"/>
+        <a:ext cx="1049906" cy="797869"/>
       </dsp:txXfrm>
     </dsp:sp>
     <dsp:sp modelId="{A90E9BB2-7314-4579-8641-4522302C9B5D}">
@@ -1356,21 +1384,21 @@
       </dsp:nvSpPr>
       <dsp:spPr>
         <a:xfrm>
-          <a:off x="3626512" y="1538841"/>
-          <a:ext cx="2010598" cy="1423696"/>
+          <a:off x="3326125" y="1664943"/>
+          <a:ext cx="2506562" cy="1308402"/>
         </a:xfrm>
         <a:prstGeom prst="chevron">
           <a:avLst/>
         </a:prstGeom>
         <a:solidFill>
           <a:schemeClr val="accent3">
-            <a:hueOff val="7500176"/>
-            <a:satOff val="-11253"/>
-            <a:lumOff val="-1830"/>
+            <a:hueOff val="7749738"/>
+            <a:satOff val="-24763"/>
+            <a:lumOff val="-6275"/>
             <a:alphaOff val="0"/>
           </a:schemeClr>
         </a:solidFill>
-        <a:ln w="25400" cap="flat" cmpd="sng" algn="ctr">
+        <a:ln w="55000" cap="flat" cmpd="thickThin" algn="ctr">
           <a:solidFill>
             <a:schemeClr val="lt1">
               <a:hueOff val="0"/>
@@ -1398,12 +1426,12 @@
         </a:fontRef>
       </dsp:style>
       <dsp:txBody>
-        <a:bodyPr spcFirstLastPara="0" vert="horz" wrap="square" lIns="56007" tIns="18669" rIns="18669" bIns="18669" numCol="1" spcCol="1270" anchor="ctr" anchorCtr="0">
+        <a:bodyPr spcFirstLastPara="0" vert="horz" wrap="square" lIns="96012" tIns="32004" rIns="32004" bIns="32004" numCol="1" spcCol="1270" anchor="ctr" anchorCtr="0">
           <a:noAutofit/>
         </a:bodyPr>
         <a:lstStyle/>
         <a:p>
-          <a:pPr lvl="0" algn="ctr" defTabSz="622300">
+          <a:pPr lvl="0" algn="ctr" defTabSz="1066800">
             <a:lnSpc>
               <a:spcPct val="90000"/>
             </a:lnSpc>
@@ -1415,7 +1443,7 @@
             </a:spcAft>
           </a:pPr>
           <a:r>
-            <a:rPr lang="en-US" sz="1400" b="1" kern="1200" dirty="0" smtClean="0">
+            <a:rPr lang="en-US" sz="2400" b="1" kern="1200" dirty="0" smtClean="0">
               <a:solidFill>
                 <a:schemeClr val="tx1"/>
               </a:solidFill>
@@ -1430,8 +1458,8 @@
         </a:p>
       </dsp:txBody>
       <dsp:txXfrm>
-        <a:off x="4338360" y="1538841"/>
-        <a:ext cx="586902" cy="1423696"/>
+        <a:off x="3980326" y="1664943"/>
+        <a:ext cx="1198160" cy="1308402"/>
       </dsp:txXfrm>
     </dsp:sp>
     <dsp:sp modelId="{903BCC27-8063-445D-B91A-ECBF22903FD0}">
@@ -1441,21 +1469,21 @@
       </dsp:nvSpPr>
       <dsp:spPr>
         <a:xfrm>
-          <a:off x="5407044" y="1508304"/>
-          <a:ext cx="2567615" cy="1608462"/>
+          <a:off x="5621253" y="1636879"/>
+          <a:ext cx="3111783" cy="1478205"/>
         </a:xfrm>
         <a:prstGeom prst="chevron">
           <a:avLst/>
         </a:prstGeom>
         <a:solidFill>
           <a:schemeClr val="accent3">
-            <a:hueOff val="11250264"/>
-            <a:satOff val="-16880"/>
-            <a:lumOff val="-2745"/>
+            <a:hueOff val="11624607"/>
+            <a:satOff val="-37145"/>
+            <a:lumOff val="-9412"/>
             <a:alphaOff val="0"/>
           </a:schemeClr>
         </a:solidFill>
-        <a:ln w="25400" cap="flat" cmpd="sng" algn="ctr">
+        <a:ln w="55000" cap="flat" cmpd="thickThin" algn="ctr">
           <a:solidFill>
             <a:schemeClr val="lt1">
               <a:hueOff val="0"/>
@@ -1483,12 +1511,12 @@
         </a:fontRef>
       </dsp:style>
       <dsp:txBody>
-        <a:bodyPr spcFirstLastPara="0" vert="horz" wrap="square" lIns="56007" tIns="18669" rIns="18669" bIns="18669" numCol="1" spcCol="1270" anchor="ctr" anchorCtr="0">
+        <a:bodyPr spcFirstLastPara="0" vert="horz" wrap="square" lIns="96012" tIns="32004" rIns="32004" bIns="32004" numCol="1" spcCol="1270" anchor="ctr" anchorCtr="0">
           <a:noAutofit/>
         </a:bodyPr>
         <a:lstStyle/>
         <a:p>
-          <a:pPr lvl="0" algn="ctr" defTabSz="622300">
+          <a:pPr lvl="0" algn="ctr" defTabSz="1066800">
             <a:lnSpc>
               <a:spcPct val="90000"/>
             </a:lnSpc>
@@ -1500,15 +1528,23 @@
             </a:spcAft>
           </a:pPr>
           <a:r>
-            <a:rPr lang="en-US" sz="1400" b="1" kern="1200" dirty="0" smtClean="0"/>
-            <a:t>Select School</a:t>
+            <a:rPr lang="en-US" sz="2400" b="1" kern="1200" dirty="0" smtClean="0"/>
+            <a:t>Select</a:t>
           </a:r>
-          <a:endParaRPr lang="en-US" sz="1400" b="1" kern="1200" dirty="0"/>
+          <a:r>
+            <a:rPr lang="en-US" sz="1700" b="1" kern="1200" dirty="0" smtClean="0"/>
+            <a:t> </a:t>
+          </a:r>
+          <a:r>
+            <a:rPr lang="en-US" sz="2400" b="1" kern="1200" dirty="0" smtClean="0"/>
+            <a:t>School</a:t>
+          </a:r>
+          <a:endParaRPr lang="en-US" sz="1700" b="1" kern="1200" dirty="0"/>
         </a:p>
       </dsp:txBody>
       <dsp:txXfrm>
-        <a:off x="6211275" y="1508304"/>
-        <a:ext cx="959153" cy="1608462"/>
+        <a:off x="6360356" y="1636879"/>
+        <a:ext cx="1633578" cy="1478205"/>
       </dsp:txXfrm>
     </dsp:sp>
   </dsp:spTree>
@@ -2833,7 +2869,7 @@
 </file>
 
 <file path=ppt/slideLayouts/slideLayout1.xml><?xml version="1.0" encoding="utf-8"?>
-<p:sldLayout xmlns:a="http://schemas.openxmlformats.org/drawingml/2006/main" xmlns:r="http://schemas.openxmlformats.org/officeDocument/2006/relationships" xmlns:p="http://schemas.openxmlformats.org/presentationml/2006/main" type="title" preserve="1">
+<p:sldLayout xmlns:a="http://schemas.openxmlformats.org/drawingml/2006/main" xmlns:r="http://schemas.openxmlformats.org/officeDocument/2006/relationships" xmlns:p="http://schemas.openxmlformats.org/presentationml/2006/main" showMasterSp="0" type="title" preserve="1">
   <p:cSld name="Title Slide">
     <p:spTree>
       <p:nvGrpSpPr>
@@ -2851,7 +2887,79 @@
       </p:grpSpPr>
       <p:sp>
         <p:nvSpPr>
-          <p:cNvPr id="2" name="Title 1"/>
+          <p:cNvPr id="10" name="Right Triangle 9"/>
+          <p:cNvSpPr/>
+          <p:nvPr/>
+        </p:nvSpPr>
+        <p:spPr>
+          <a:xfrm>
+            <a:off x="-2" y="4664147"/>
+            <a:ext cx="9151089" cy="0"/>
+          </a:xfrm>
+          <a:prstGeom prst="rtTriangle">
+            <a:avLst/>
+          </a:prstGeom>
+          <a:gradFill flip="none" rotWithShape="1">
+            <a:gsLst>
+              <a:gs pos="0">
+                <a:schemeClr val="accent1">
+                  <a:shade val="35000"/>
+                  <a:satMod val="170000"/>
+                  <a:alpha val="100000"/>
+                </a:schemeClr>
+              </a:gs>
+              <a:gs pos="55000">
+                <a:schemeClr val="accent1">
+                  <a:tint val="90000"/>
+                  <a:satMod val="150000"/>
+                  <a:alpha val="100000"/>
+                </a:schemeClr>
+              </a:gs>
+              <a:gs pos="100000">
+                <a:schemeClr val="accent1">
+                  <a:shade val="35000"/>
+                  <a:satMod val="170000"/>
+                  <a:alpha val="100000"/>
+                </a:schemeClr>
+              </a:gs>
+            </a:gsLst>
+            <a:lin ang="3000000" scaled="1"/>
+            <a:tileRect/>
+          </a:gradFill>
+          <a:ln w="12700" cap="rnd" cmpd="thickThin" algn="ctr">
+            <a:noFill/>
+            <a:prstDash val="solid"/>
+          </a:ln>
+          <a:effectLst/>
+        </p:spPr>
+        <p:style>
+          <a:lnRef idx="3">
+            <a:schemeClr val="lt1"/>
+          </a:lnRef>
+          <a:fillRef idx="1">
+            <a:schemeClr val="accent1"/>
+          </a:fillRef>
+          <a:effectRef idx="1">
+            <a:schemeClr val="accent1"/>
+          </a:effectRef>
+          <a:fontRef idx="minor">
+            <a:schemeClr val="lt1"/>
+          </a:fontRef>
+        </p:style>
+        <p:txBody>
+          <a:bodyPr anchor="ctr"/>
+          <a:lstStyle>
+            <a:extLst/>
+          </a:lstStyle>
+          <a:p>
+            <a:pPr algn="ctr" eaLnBrk="1" latinLnBrk="0" hangingPunct="1"/>
+            <a:endParaRPr kumimoji="0" lang="en-US"/>
+          </a:p>
+        </p:txBody>
+      </p:sp>
+      <p:sp>
+        <p:nvSpPr>
+          <p:cNvPr id="9" name="Title 8"/>
           <p:cNvSpPr>
             <a:spLocks noGrp="1"/>
           </p:cNvSpPr>
@@ -2861,25 +2969,50 @@
         </p:nvSpPr>
         <p:spPr>
           <a:xfrm>
-            <a:off x="685800" y="2130425"/>
-            <a:ext cx="7772400" cy="1470025"/>
+            <a:off x="685800" y="1752601"/>
+            <a:ext cx="7772400" cy="1829761"/>
           </a:xfrm>
         </p:spPr>
         <p:txBody>
-          <a:bodyPr/>
-          <a:lstStyle/>
-          <a:p>
-            <a:r>
-              <a:rPr lang="en-US" smtClean="0"/>
+          <a:bodyPr vert="horz" anchor="b">
+            <a:normAutofit/>
+            <a:scene3d>
+              <a:camera prst="orthographicFront"/>
+              <a:lightRig rig="soft" dir="t"/>
+            </a:scene3d>
+            <a:sp3d prstMaterial="softEdge">
+              <a:bevelT w="25400" h="25400"/>
+            </a:sp3d>
+          </a:bodyPr>
+          <a:lstStyle>
+            <a:lvl1pPr algn="r">
+              <a:defRPr sz="4800" b="1">
+                <a:solidFill>
+                  <a:schemeClr val="tx2"/>
+                </a:solidFill>
+                <a:effectLst>
+                  <a:outerShdw blurRad="31750" dist="25400" dir="5400000" algn="tl" rotWithShape="0">
+                    <a:srgbClr val="000000">
+                      <a:alpha val="25000"/>
+                    </a:srgbClr>
+                  </a:outerShdw>
+                </a:effectLst>
+              </a:defRPr>
+            </a:lvl1pPr>
+            <a:extLst/>
+          </a:lstStyle>
+          <a:p>
+            <a:r>
+              <a:rPr kumimoji="0" lang="en-US" smtClean="0"/>
               <a:t>Click to edit Master title style</a:t>
             </a:r>
-            <a:endParaRPr lang="en-US"/>
+            <a:endParaRPr kumimoji="0" lang="en-US"/>
           </a:p>
         </p:txBody>
       </p:sp>
       <p:sp>
         <p:nvSpPr>
-          <p:cNvPr id="3" name="Subtitle 2"/>
+          <p:cNvPr id="17" name="Subtitle 16"/>
           <p:cNvSpPr>
             <a:spLocks noGrp="1"/>
           </p:cNvSpPr>
@@ -2889,116 +3022,454 @@
         </p:nvSpPr>
         <p:spPr>
           <a:xfrm>
-            <a:off x="1371600" y="3886200"/>
-            <a:ext cx="6400800" cy="1752600"/>
+            <a:off x="685800" y="3611607"/>
+            <a:ext cx="7772400" cy="1199704"/>
           </a:xfrm>
         </p:spPr>
         <p:txBody>
-          <a:bodyPr/>
+          <a:bodyPr lIns="45720" rIns="45720"/>
           <a:lstStyle>
-            <a:lvl1pPr marL="0" indent="0" algn="ctr">
+            <a:lvl1pPr marL="0" marR="64008" indent="0" algn="r">
               <a:buNone/>
               <a:defRPr>
                 <a:solidFill>
-                  <a:schemeClr val="tx1">
-                    <a:tint val="75000"/>
-                  </a:schemeClr>
+                  <a:schemeClr val="tx2"/>
                 </a:solidFill>
               </a:defRPr>
             </a:lvl1pPr>
             <a:lvl2pPr marL="457200" indent="0" algn="ctr">
               <a:buNone/>
-              <a:defRPr>
-                <a:solidFill>
-                  <a:schemeClr val="tx1">
-                    <a:tint val="75000"/>
-                  </a:schemeClr>
-                </a:solidFill>
-              </a:defRPr>
             </a:lvl2pPr>
             <a:lvl3pPr marL="914400" indent="0" algn="ctr">
               <a:buNone/>
-              <a:defRPr>
-                <a:solidFill>
-                  <a:schemeClr val="tx1">
-                    <a:tint val="75000"/>
-                  </a:schemeClr>
-                </a:solidFill>
-              </a:defRPr>
             </a:lvl3pPr>
             <a:lvl4pPr marL="1371600" indent="0" algn="ctr">
               <a:buNone/>
-              <a:defRPr>
-                <a:solidFill>
-                  <a:schemeClr val="tx1">
-                    <a:tint val="75000"/>
-                  </a:schemeClr>
-                </a:solidFill>
-              </a:defRPr>
             </a:lvl4pPr>
             <a:lvl5pPr marL="1828800" indent="0" algn="ctr">
               <a:buNone/>
-              <a:defRPr>
-                <a:solidFill>
-                  <a:schemeClr val="tx1">
-                    <a:tint val="75000"/>
-                  </a:schemeClr>
-                </a:solidFill>
-              </a:defRPr>
             </a:lvl5pPr>
             <a:lvl6pPr marL="2286000" indent="0" algn="ctr">
               <a:buNone/>
-              <a:defRPr>
-                <a:solidFill>
-                  <a:schemeClr val="tx1">
-                    <a:tint val="75000"/>
-                  </a:schemeClr>
-                </a:solidFill>
-              </a:defRPr>
             </a:lvl6pPr>
             <a:lvl7pPr marL="2743200" indent="0" algn="ctr">
               <a:buNone/>
-              <a:defRPr>
-                <a:solidFill>
-                  <a:schemeClr val="tx1">
-                    <a:tint val="75000"/>
-                  </a:schemeClr>
-                </a:solidFill>
-              </a:defRPr>
             </a:lvl7pPr>
             <a:lvl8pPr marL="3200400" indent="0" algn="ctr">
               <a:buNone/>
-              <a:defRPr>
-                <a:solidFill>
-                  <a:schemeClr val="tx1">
-                    <a:tint val="75000"/>
-                  </a:schemeClr>
-                </a:solidFill>
-              </a:defRPr>
             </a:lvl8pPr>
             <a:lvl9pPr marL="3657600" indent="0" algn="ctr">
               <a:buNone/>
-              <a:defRPr>
-                <a:solidFill>
-                  <a:schemeClr val="tx1">
-                    <a:tint val="75000"/>
-                  </a:schemeClr>
-                </a:solidFill>
-              </a:defRPr>
             </a:lvl9pPr>
+            <a:extLst/>
           </a:lstStyle>
           <a:p>
             <a:r>
-              <a:rPr lang="en-US" smtClean="0"/>
+              <a:rPr kumimoji="0" lang="en-US" smtClean="0"/>
               <a:t>Click to edit Master subtitle style</a:t>
             </a:r>
-            <a:endParaRPr lang="en-US"/>
+            <a:endParaRPr kumimoji="0" lang="en-US"/>
           </a:p>
         </p:txBody>
       </p:sp>
+      <p:grpSp>
+        <p:nvGrpSpPr>
+          <p:cNvPr id="2" name="Group 1"/>
+          <p:cNvGrpSpPr/>
+          <p:nvPr/>
+        </p:nvGrpSpPr>
+        <p:grpSpPr>
+          <a:xfrm>
+            <a:off x="-3765" y="4953000"/>
+            <a:ext cx="9147765" cy="1912088"/>
+            <a:chOff x="-3765" y="4832896"/>
+            <a:chExt cx="9147765" cy="2032192"/>
+          </a:xfrm>
+        </p:grpSpPr>
+        <p:sp>
+          <p:nvSpPr>
+            <p:cNvPr id="7" name="Freeform 6"/>
+            <p:cNvSpPr>
+              <a:spLocks/>
+            </p:cNvSpPr>
+            <p:nvPr/>
+          </p:nvSpPr>
+          <p:spPr bwMode="auto">
+            <a:xfrm>
+              <a:off x="1687513" y="4832896"/>
+              <a:ext cx="7456487" cy="518816"/>
+            </a:xfrm>
+            <a:custGeom>
+              <a:avLst>
+                <a:gd name="A1" fmla="val 0"/>
+                <a:gd name="A2" fmla="val 0"/>
+                <a:gd name="A3" fmla="val 0"/>
+                <a:gd name="A4" fmla="val 0"/>
+                <a:gd name="A5" fmla="val 0"/>
+                <a:gd name="A6" fmla="val 0"/>
+                <a:gd name="A7" fmla="val 0"/>
+                <a:gd name="A8" fmla="val 0"/>
+              </a:avLst>
+              <a:gdLst/>
+              <a:ahLst/>
+              <a:cxnLst>
+                <a:cxn ang="0">
+                  <a:pos x="4697" y="0"/>
+                </a:cxn>
+                <a:cxn ang="0">
+                  <a:pos x="4697" y="367"/>
+                </a:cxn>
+                <a:cxn ang="0">
+                  <a:pos x="0" y="218"/>
+                </a:cxn>
+                <a:cxn ang="0">
+                  <a:pos x="4697" y="0"/>
+                </a:cxn>
+              </a:cxnLst>
+              <a:rect l="0" t="0" r="0" b="0"/>
+              <a:pathLst>
+                <a:path w="4697" h="367">
+                  <a:moveTo>
+                    <a:pt x="4697" y="0"/>
+                  </a:moveTo>
+                  <a:lnTo>
+                    <a:pt x="4697" y="367"/>
+                  </a:lnTo>
+                  <a:lnTo>
+                    <a:pt x="0" y="218"/>
+                  </a:lnTo>
+                  <a:lnTo>
+                    <a:pt x="4697" y="0"/>
+                  </a:lnTo>
+                  <a:close/>
+                </a:path>
+              </a:pathLst>
+            </a:custGeom>
+            <a:solidFill>
+              <a:schemeClr val="accent1">
+                <a:tint val="65000"/>
+                <a:satMod val="115000"/>
+                <a:alpha val="40000"/>
+              </a:schemeClr>
+            </a:solidFill>
+            <a:ln w="9525" cap="flat" cmpd="sng" algn="ctr">
+              <a:noFill/>
+              <a:prstDash val="solid"/>
+              <a:round/>
+              <a:headEnd type="none" w="med" len="med"/>
+              <a:tailEnd type="none" w="med" len="med"/>
+            </a:ln>
+            <a:effectLst/>
+          </p:spPr>
+          <p:txBody>
+            <a:bodyPr vert="horz" wrap="square" lIns="91440" tIns="45720" rIns="91440" bIns="45720" anchor="t" compatLnSpc="1"/>
+            <a:lstStyle>
+              <a:extLst/>
+            </a:lstStyle>
+            <a:p>
+              <a:endParaRPr kumimoji="0" lang="en-US"/>
+            </a:p>
+          </p:txBody>
+        </p:sp>
+        <p:sp>
+          <p:nvSpPr>
+            <p:cNvPr id="8" name="Freeform 7"/>
+            <p:cNvSpPr>
+              <a:spLocks/>
+            </p:cNvSpPr>
+            <p:nvPr/>
+          </p:nvSpPr>
+          <p:spPr bwMode="auto">
+            <a:xfrm>
+              <a:off x="35443" y="5135526"/>
+              <a:ext cx="9108557" cy="838200"/>
+            </a:xfrm>
+            <a:custGeom>
+              <a:avLst>
+                <a:gd name="A1" fmla="val 0"/>
+                <a:gd name="A2" fmla="val 0"/>
+                <a:gd name="A3" fmla="val 0"/>
+                <a:gd name="A4" fmla="val 0"/>
+                <a:gd name="A5" fmla="val 0"/>
+                <a:gd name="A6" fmla="val 0"/>
+                <a:gd name="A7" fmla="val 0"/>
+                <a:gd name="A8" fmla="val 0"/>
+              </a:avLst>
+              <a:gdLst/>
+              <a:ahLst/>
+              <a:cxnLst>
+                <a:cxn ang="0">
+                  <a:pos x="0" y="0"/>
+                </a:cxn>
+                <a:cxn ang="0">
+                  <a:pos x="5760" y="0"/>
+                </a:cxn>
+                <a:cxn ang="0">
+                  <a:pos x="5760" y="528"/>
+                </a:cxn>
+                <a:cxn ang="0">
+                  <a:pos x="48" y="0"/>
+                </a:cxn>
+              </a:cxnLst>
+              <a:rect l="0" t="0" r="0" b="0"/>
+              <a:pathLst>
+                <a:path w="5760" h="528">
+                  <a:moveTo>
+                    <a:pt x="0" y="0"/>
+                  </a:moveTo>
+                  <a:lnTo>
+                    <a:pt x="5760" y="0"/>
+                  </a:lnTo>
+                  <a:lnTo>
+                    <a:pt x="5760" y="528"/>
+                  </a:lnTo>
+                  <a:lnTo>
+                    <a:pt x="48" y="0"/>
+                  </a:lnTo>
+                </a:path>
+              </a:pathLst>
+            </a:custGeom>
+            <a:solidFill>
+              <a:srgbClr val="000000">
+                <a:alpha val="100000"/>
+              </a:srgbClr>
+            </a:solidFill>
+            <a:ln w="9525" cap="flat" cmpd="sng" algn="ctr">
+              <a:noFill/>
+              <a:prstDash val="solid"/>
+              <a:round/>
+              <a:headEnd type="none" w="med" len="med"/>
+              <a:tailEnd type="none" w="med" len="med"/>
+            </a:ln>
+            <a:effectLst/>
+          </p:spPr>
+          <p:txBody>
+            <a:bodyPr vert="horz" wrap="square" lIns="91440" tIns="45720" rIns="91440" bIns="45720" anchor="t" compatLnSpc="1"/>
+            <a:lstStyle>
+              <a:extLst/>
+            </a:lstStyle>
+            <a:p>
+              <a:endParaRPr kumimoji="0" lang="en-US"/>
+            </a:p>
+          </p:txBody>
+        </p:sp>
+        <p:sp>
+          <p:nvSpPr>
+            <p:cNvPr id="11" name="Freeform 10"/>
+            <p:cNvSpPr>
+              <a:spLocks/>
+            </p:cNvSpPr>
+            <p:nvPr/>
+          </p:nvSpPr>
+          <p:spPr bwMode="auto">
+            <a:xfrm>
+              <a:off x="0" y="4883888"/>
+              <a:ext cx="9144000" cy="1981200"/>
+            </a:xfrm>
+            <a:custGeom>
+              <a:avLst>
+                <a:gd name="A1" fmla="val 0"/>
+                <a:gd name="A2" fmla="val 0"/>
+                <a:gd name="A3" fmla="val 0"/>
+                <a:gd name="A4" fmla="val 0"/>
+                <a:gd name="A5" fmla="val 0"/>
+                <a:gd name="A6" fmla="val 0"/>
+                <a:gd name="A7" fmla="val 0"/>
+                <a:gd name="A8" fmla="val 0"/>
+              </a:avLst>
+              <a:gdLst/>
+              <a:ahLst/>
+              <a:cxnLst>
+                <a:cxn ang="0">
+                  <a:pos x="0" y="0"/>
+                </a:cxn>
+                <a:cxn ang="0">
+                  <a:pos x="0" y="1248"/>
+                </a:cxn>
+                <a:cxn ang="0">
+                  <a:pos x="5760" y="1248"/>
+                </a:cxn>
+                <a:cxn ang="0">
+                  <a:pos x="5760" y="528"/>
+                </a:cxn>
+                <a:cxn ang="0">
+                  <a:pos x="0" y="0"/>
+                </a:cxn>
+              </a:cxnLst>
+              <a:rect l="0" t="0" r="0" b="0"/>
+              <a:pathLst>
+                <a:path w="5760" h="1248">
+                  <a:moveTo>
+                    <a:pt x="0" y="0"/>
+                  </a:moveTo>
+                  <a:lnTo>
+                    <a:pt x="0" y="1248"/>
+                  </a:lnTo>
+                  <a:lnTo>
+                    <a:pt x="5760" y="1248"/>
+                  </a:lnTo>
+                  <a:lnTo>
+                    <a:pt x="5760" y="528"/>
+                  </a:lnTo>
+                  <a:lnTo>
+                    <a:pt x="0" y="0"/>
+                  </a:lnTo>
+                  <a:close/>
+                </a:path>
+              </a:pathLst>
+            </a:custGeom>
+            <a:blipFill>
+              <a:blip r:embed="rId2">
+                <a:alphaModFix amt="50000"/>
+              </a:blip>
+              <a:tile tx="0" ty="0" sx="50000" sy="50000" flip="none" algn="t"/>
+            </a:blipFill>
+            <a:ln w="12700" cap="rnd" cmpd="thickThin" algn="ctr">
+              <a:noFill/>
+              <a:prstDash val="solid"/>
+            </a:ln>
+            <a:effectLst>
+              <a:fillOverlay blend="mult">
+                <a:gradFill flip="none" rotWithShape="1">
+                  <a:gsLst>
+                    <a:gs pos="0">
+                      <a:schemeClr val="accent1">
+                        <a:shade val="20000"/>
+                        <a:satMod val="176000"/>
+                        <a:alpha val="100000"/>
+                      </a:schemeClr>
+                    </a:gs>
+                    <a:gs pos="18000">
+                      <a:schemeClr val="accent1">
+                        <a:shade val="48000"/>
+                        <a:satMod val="153000"/>
+                        <a:alpha val="100000"/>
+                      </a:schemeClr>
+                    </a:gs>
+                    <a:gs pos="43000">
+                      <a:schemeClr val="accent1">
+                        <a:tint val="86000"/>
+                        <a:satMod val="149000"/>
+                        <a:alpha val="100000"/>
+                      </a:schemeClr>
+                    </a:gs>
+                    <a:gs pos="45000">
+                      <a:schemeClr val="accent1">
+                        <a:tint val="85000"/>
+                        <a:satMod val="150000"/>
+                        <a:alpha val="100000"/>
+                      </a:schemeClr>
+                    </a:gs>
+                    <a:gs pos="50000">
+                      <a:schemeClr val="accent1">
+                        <a:tint val="86000"/>
+                        <a:satMod val="149000"/>
+                        <a:alpha val="100000"/>
+                      </a:schemeClr>
+                    </a:gs>
+                    <a:gs pos="79000">
+                      <a:schemeClr val="accent1">
+                        <a:shade val="53000"/>
+                        <a:satMod val="150000"/>
+                        <a:alpha val="100000"/>
+                      </a:schemeClr>
+                    </a:gs>
+                    <a:gs pos="100000">
+                      <a:schemeClr val="accent1">
+                        <a:shade val="25000"/>
+                        <a:satMod val="170000"/>
+                        <a:alpha val="100000"/>
+                      </a:schemeClr>
+                    </a:gs>
+                  </a:gsLst>
+                  <a:lin ang="450000" scaled="1"/>
+                  <a:tileRect/>
+                </a:gradFill>
+              </a:fillOverlay>
+            </a:effectLst>
+          </p:spPr>
+          <p:style>
+            <a:lnRef idx="3">
+              <a:schemeClr val="lt1"/>
+            </a:lnRef>
+            <a:fillRef idx="1">
+              <a:schemeClr val="accent1"/>
+            </a:fillRef>
+            <a:effectRef idx="1">
+              <a:schemeClr val="accent1"/>
+            </a:effectRef>
+            <a:fontRef idx="minor">
+              <a:schemeClr val="lt1"/>
+            </a:fontRef>
+          </p:style>
+          <p:txBody>
+            <a:bodyPr vert="horz" wrap="square" lIns="91440" tIns="45720" rIns="91440" bIns="45720" anchor="ctr" compatLnSpc="1"/>
+            <a:lstStyle>
+              <a:extLst/>
+            </a:lstStyle>
+            <a:p>
+              <a:pPr algn="ctr" eaLnBrk="1" latinLnBrk="0" hangingPunct="1"/>
+              <a:endParaRPr kumimoji="0" lang="en-US"/>
+            </a:p>
+          </p:txBody>
+        </p:sp>
+        <p:cxnSp>
+          <p:nvCxnSpPr>
+            <p:cNvPr id="12" name="Straight Connector 11"/>
+            <p:cNvCxnSpPr/>
+            <p:nvPr/>
+          </p:nvCxnSpPr>
+          <p:spPr>
+            <a:xfrm>
+              <a:off x="-3765" y="4880373"/>
+              <a:ext cx="9147765" cy="839943"/>
+            </a:xfrm>
+            <a:prstGeom prst="line">
+              <a:avLst/>
+            </a:prstGeom>
+            <a:noFill/>
+            <a:ln w="12065" cap="flat" cmpd="sng" algn="ctr">
+              <a:gradFill>
+                <a:gsLst>
+                  <a:gs pos="45000">
+                    <a:schemeClr val="accent1">
+                      <a:tint val="70000"/>
+                      <a:satMod val="110000"/>
+                    </a:schemeClr>
+                  </a:gs>
+                  <a:gs pos="15000">
+                    <a:schemeClr val="accent1">
+                      <a:shade val="40000"/>
+                      <a:satMod val="110000"/>
+                    </a:schemeClr>
+                  </a:gs>
+                </a:gsLst>
+                <a:lin ang="5400000" scaled="1"/>
+              </a:gradFill>
+              <a:prstDash val="solid"/>
+              <a:miter lim="800000"/>
+            </a:ln>
+            <a:effectLst/>
+          </p:spPr>
+          <p:style>
+            <a:lnRef idx="2">
+              <a:schemeClr val="accent1"/>
+            </a:lnRef>
+            <a:fillRef idx="0">
+              <a:schemeClr val="accent1"/>
+            </a:fillRef>
+            <a:effectRef idx="1">
+              <a:schemeClr val="accent1"/>
+            </a:effectRef>
+            <a:fontRef idx="minor">
+              <a:schemeClr val="tx1"/>
+            </a:fontRef>
+          </p:style>
+        </p:cxnSp>
+      </p:grpSp>
       <p:sp>
         <p:nvSpPr>
-          <p:cNvPr id="4" name="Date Placeholder 3"/>
+          <p:cNvPr id="30" name="Date Placeholder 29"/>
           <p:cNvSpPr>
             <a:spLocks noGrp="1"/>
           </p:cNvSpPr>
@@ -3009,7 +3480,16 @@
         <p:spPr/>
         <p:txBody>
           <a:bodyPr/>
-          <a:lstStyle/>
+          <a:lstStyle>
+            <a:lvl1pPr>
+              <a:defRPr>
+                <a:solidFill>
+                  <a:srgbClr val="FFFFFF"/>
+                </a:solidFill>
+              </a:defRPr>
+            </a:lvl1pPr>
+            <a:extLst/>
+          </a:lstStyle>
           <a:p>
             <a:fld id="{F4971007-3141-4B38-8DBA-BFD259BFD03D}" type="datetimeFigureOut">
               <a:rPr lang="en-US" smtClean="0"/>
@@ -3021,7 +3501,7 @@
       </p:sp>
       <p:sp>
         <p:nvSpPr>
-          <p:cNvPr id="5" name="Footer Placeholder 4"/>
+          <p:cNvPr id="19" name="Footer Placeholder 18"/>
           <p:cNvSpPr>
             <a:spLocks noGrp="1"/>
           </p:cNvSpPr>
@@ -3032,7 +3512,18 @@
         <p:spPr/>
         <p:txBody>
           <a:bodyPr/>
-          <a:lstStyle/>
+          <a:lstStyle>
+            <a:lvl1pPr>
+              <a:defRPr>
+                <a:solidFill>
+                  <a:schemeClr val="accent1">
+                    <a:tint val="20000"/>
+                  </a:schemeClr>
+                </a:solidFill>
+              </a:defRPr>
+            </a:lvl1pPr>
+            <a:extLst/>
+          </a:lstStyle>
           <a:p>
             <a:endParaRPr lang="en-US"/>
           </a:p>
@@ -3040,7 +3531,7 @@
       </p:sp>
       <p:sp>
         <p:nvSpPr>
-          <p:cNvPr id="6" name="Slide Number Placeholder 5"/>
+          <p:cNvPr id="27" name="Slide Number Placeholder 26"/>
           <p:cNvSpPr>
             <a:spLocks noGrp="1"/>
           </p:cNvSpPr>
@@ -3051,7 +3542,16 @@
         <p:spPr/>
         <p:txBody>
           <a:bodyPr/>
-          <a:lstStyle/>
+          <a:lstStyle>
+            <a:lvl1pPr>
+              <a:defRPr>
+                <a:solidFill>
+                  <a:srgbClr val="FFFFFF"/>
+                </a:solidFill>
+              </a:defRPr>
+            </a:lvl1pPr>
+            <a:extLst/>
+          </a:lstStyle>
           <a:p>
             <a:fld id="{06B5A2AF-75D7-42C3-84AC-795503FD5E12}" type="slidenum">
               <a:rPr lang="en-US" smtClean="0"/>
@@ -3062,11 +3562,6 @@
         </p:txBody>
       </p:sp>
     </p:spTree>
-    <p:extLst>
-      <p:ext uri="{BB962C8B-B14F-4D97-AF65-F5344CB8AC3E}">
-        <p14:creationId xmlns:p14="http://schemas.microsoft.com/office/powerpoint/2010/main" val="3151670355"/>
-      </p:ext>
-    </p:extLst>
   </p:cSld>
   <p:clrMapOvr>
     <a:masterClrMapping/>
@@ -3104,13 +3599,15 @@
         <p:spPr/>
         <p:txBody>
           <a:bodyPr/>
-          <a:lstStyle/>
-          <a:p>
-            <a:r>
-              <a:rPr lang="en-US" smtClean="0"/>
+          <a:lstStyle>
+            <a:extLst/>
+          </a:lstStyle>
+          <a:p>
+            <a:r>
+              <a:rPr kumimoji="0" lang="en-US" smtClean="0"/>
               <a:t>Click to edit Master title style</a:t>
             </a:r>
-            <a:endParaRPr lang="en-US"/>
+            <a:endParaRPr kumimoji="0" lang="en-US"/>
           </a:p>
         </p:txBody>
       </p:sp>
@@ -3124,45 +3621,52 @@
             <p:ph type="body" orient="vert" idx="1"/>
           </p:nvPr>
         </p:nvSpPr>
-        <p:spPr/>
+        <p:spPr>
+          <a:xfrm>
+            <a:off x="457200" y="1481329"/>
+            <a:ext cx="8229600" cy="4386071"/>
+          </a:xfrm>
+        </p:spPr>
         <p:txBody>
           <a:bodyPr vert="eaVert"/>
-          <a:lstStyle/>
-          <a:p>
-            <a:pPr lvl="0"/>
+          <a:lstStyle>
+            <a:extLst/>
+          </a:lstStyle>
+          <a:p>
+            <a:pPr lvl="0" eaLnBrk="1" latinLnBrk="0" hangingPunct="1"/>
             <a:r>
               <a:rPr lang="en-US" smtClean="0"/>
               <a:t>Click to edit Master text styles</a:t>
             </a:r>
           </a:p>
           <a:p>
-            <a:pPr lvl="1"/>
+            <a:pPr lvl="1" eaLnBrk="1" latinLnBrk="0" hangingPunct="1"/>
             <a:r>
               <a:rPr lang="en-US" smtClean="0"/>
               <a:t>Second level</a:t>
             </a:r>
           </a:p>
           <a:p>
-            <a:pPr lvl="2"/>
+            <a:pPr lvl="2" eaLnBrk="1" latinLnBrk="0" hangingPunct="1"/>
             <a:r>
               <a:rPr lang="en-US" smtClean="0"/>
               <a:t>Third level</a:t>
             </a:r>
           </a:p>
           <a:p>
-            <a:pPr lvl="3"/>
+            <a:pPr lvl="3" eaLnBrk="1" latinLnBrk="0" hangingPunct="1"/>
             <a:r>
               <a:rPr lang="en-US" smtClean="0"/>
               <a:t>Fourth level</a:t>
             </a:r>
           </a:p>
           <a:p>
-            <a:pPr lvl="4"/>
+            <a:pPr lvl="4" eaLnBrk="1" latinLnBrk="0" hangingPunct="1"/>
             <a:r>
               <a:rPr lang="en-US" smtClean="0"/>
               <a:t>Fifth level</a:t>
             </a:r>
-            <a:endParaRPr lang="en-US"/>
+            <a:endParaRPr kumimoji="0" lang="en-US"/>
           </a:p>
         </p:txBody>
       </p:sp>
@@ -3179,7 +3683,9 @@
         <p:spPr/>
         <p:txBody>
           <a:bodyPr/>
-          <a:lstStyle/>
+          <a:lstStyle>
+            <a:extLst/>
+          </a:lstStyle>
           <a:p>
             <a:fld id="{F4971007-3141-4B38-8DBA-BFD259BFD03D}" type="datetimeFigureOut">
               <a:rPr lang="en-US" smtClean="0"/>
@@ -3202,7 +3708,9 @@
         <p:spPr/>
         <p:txBody>
           <a:bodyPr/>
-          <a:lstStyle/>
+          <a:lstStyle>
+            <a:extLst/>
+          </a:lstStyle>
           <a:p>
             <a:endParaRPr lang="en-US"/>
           </a:p>
@@ -3221,7 +3729,9 @@
         <p:spPr/>
         <p:txBody>
           <a:bodyPr/>
-          <a:lstStyle/>
+          <a:lstStyle>
+            <a:extLst/>
+          </a:lstStyle>
           <a:p>
             <a:fld id="{06B5A2AF-75D7-42C3-84AC-795503FD5E12}" type="slidenum">
               <a:rPr lang="en-US" smtClean="0"/>
@@ -3232,11 +3742,6 @@
         </p:txBody>
       </p:sp>
     </p:spTree>
-    <p:extLst>
-      <p:ext uri="{BB962C8B-B14F-4D97-AF65-F5344CB8AC3E}">
-        <p14:creationId xmlns:p14="http://schemas.microsoft.com/office/powerpoint/2010/main" val="4211141934"/>
-      </p:ext>
-    </p:extLst>
   </p:cSld>
   <p:clrMapOvr>
     <a:masterClrMapping/>
@@ -3273,19 +3778,21 @@
         </p:nvSpPr>
         <p:spPr>
           <a:xfrm>
-            <a:off x="6629400" y="274638"/>
-            <a:ext cx="2057400" cy="5851525"/>
+            <a:off x="6844013" y="274640"/>
+            <a:ext cx="1777470" cy="5592761"/>
           </a:xfrm>
         </p:spPr>
         <p:txBody>
           <a:bodyPr vert="eaVert"/>
-          <a:lstStyle/>
-          <a:p>
-            <a:r>
-              <a:rPr lang="en-US" smtClean="0"/>
+          <a:lstStyle>
+            <a:extLst/>
+          </a:lstStyle>
+          <a:p>
+            <a:r>
+              <a:rPr kumimoji="0" lang="en-US" smtClean="0"/>
               <a:t>Click to edit Master title style</a:t>
             </a:r>
-            <a:endParaRPr lang="en-US"/>
+            <a:endParaRPr kumimoji="0" lang="en-US"/>
           </a:p>
         </p:txBody>
       </p:sp>
@@ -3301,48 +3808,50 @@
         </p:nvSpPr>
         <p:spPr>
           <a:xfrm>
-            <a:off x="457200" y="274638"/>
-            <a:ext cx="6019800" cy="5851525"/>
+            <a:off x="457200" y="274641"/>
+            <a:ext cx="6324600" cy="5592760"/>
           </a:xfrm>
         </p:spPr>
         <p:txBody>
           <a:bodyPr vert="eaVert"/>
-          <a:lstStyle/>
-          <a:p>
-            <a:pPr lvl="0"/>
+          <a:lstStyle>
+            <a:extLst/>
+          </a:lstStyle>
+          <a:p>
+            <a:pPr lvl="0" eaLnBrk="1" latinLnBrk="0" hangingPunct="1"/>
             <a:r>
               <a:rPr lang="en-US" smtClean="0"/>
               <a:t>Click to edit Master text styles</a:t>
             </a:r>
           </a:p>
           <a:p>
-            <a:pPr lvl="1"/>
+            <a:pPr lvl="1" eaLnBrk="1" latinLnBrk="0" hangingPunct="1"/>
             <a:r>
               <a:rPr lang="en-US" smtClean="0"/>
               <a:t>Second level</a:t>
             </a:r>
           </a:p>
           <a:p>
-            <a:pPr lvl="2"/>
+            <a:pPr lvl="2" eaLnBrk="1" latinLnBrk="0" hangingPunct="1"/>
             <a:r>
               <a:rPr lang="en-US" smtClean="0"/>
               <a:t>Third level</a:t>
             </a:r>
           </a:p>
           <a:p>
-            <a:pPr lvl="3"/>
+            <a:pPr lvl="3" eaLnBrk="1" latinLnBrk="0" hangingPunct="1"/>
             <a:r>
               <a:rPr lang="en-US" smtClean="0"/>
               <a:t>Fourth level</a:t>
             </a:r>
           </a:p>
           <a:p>
-            <a:pPr lvl="4"/>
+            <a:pPr lvl="4" eaLnBrk="1" latinLnBrk="0" hangingPunct="1"/>
             <a:r>
               <a:rPr lang="en-US" smtClean="0"/>
               <a:t>Fifth level</a:t>
             </a:r>
-            <a:endParaRPr lang="en-US"/>
+            <a:endParaRPr kumimoji="0" lang="en-US"/>
           </a:p>
         </p:txBody>
       </p:sp>
@@ -3359,7 +3868,9 @@
         <p:spPr/>
         <p:txBody>
           <a:bodyPr/>
-          <a:lstStyle/>
+          <a:lstStyle>
+            <a:extLst/>
+          </a:lstStyle>
           <a:p>
             <a:fld id="{F4971007-3141-4B38-8DBA-BFD259BFD03D}" type="datetimeFigureOut">
               <a:rPr lang="en-US" smtClean="0"/>
@@ -3382,7 +3893,9 @@
         <p:spPr/>
         <p:txBody>
           <a:bodyPr/>
-          <a:lstStyle/>
+          <a:lstStyle>
+            <a:extLst/>
+          </a:lstStyle>
           <a:p>
             <a:endParaRPr lang="en-US"/>
           </a:p>
@@ -3401,7 +3914,9 @@
         <p:spPr/>
         <p:txBody>
           <a:bodyPr/>
-          <a:lstStyle/>
+          <a:lstStyle>
+            <a:extLst/>
+          </a:lstStyle>
           <a:p>
             <a:fld id="{06B5A2AF-75D7-42C3-84AC-795503FD5E12}" type="slidenum">
               <a:rPr lang="en-US" smtClean="0"/>
@@ -3412,11 +3927,6 @@
         </p:txBody>
       </p:sp>
     </p:spTree>
-    <p:extLst>
-      <p:ext uri="{BB962C8B-B14F-4D97-AF65-F5344CB8AC3E}">
-        <p14:creationId xmlns:p14="http://schemas.microsoft.com/office/powerpoint/2010/main" val="3543596807"/>
-      </p:ext>
-    </p:extLst>
   </p:cSld>
   <p:clrMapOvr>
     <a:masterClrMapping/>
@@ -3443,29 +3953,6 @@
       </p:grpSpPr>
       <p:sp>
         <p:nvSpPr>
-          <p:cNvPr id="2" name="Title 1"/>
-          <p:cNvSpPr>
-            <a:spLocks noGrp="1"/>
-          </p:cNvSpPr>
-          <p:nvPr>
-            <p:ph type="title"/>
-          </p:nvPr>
-        </p:nvSpPr>
-        <p:spPr/>
-        <p:txBody>
-          <a:bodyPr/>
-          <a:lstStyle/>
-          <a:p>
-            <a:r>
-              <a:rPr lang="en-US" smtClean="0"/>
-              <a:t>Click to edit Master title style</a:t>
-            </a:r>
-            <a:endParaRPr lang="en-US"/>
-          </a:p>
-        </p:txBody>
-      </p:sp>
-      <p:sp>
-        <p:nvSpPr>
           <p:cNvPr id="3" name="Content Placeholder 2"/>
           <p:cNvSpPr>
             <a:spLocks noGrp="1"/>
@@ -3477,42 +3964,44 @@
         <p:spPr/>
         <p:txBody>
           <a:bodyPr/>
-          <a:lstStyle/>
-          <a:p>
-            <a:pPr lvl="0"/>
+          <a:lstStyle>
+            <a:extLst/>
+          </a:lstStyle>
+          <a:p>
+            <a:pPr lvl="0" eaLnBrk="1" latinLnBrk="0" hangingPunct="1"/>
             <a:r>
               <a:rPr lang="en-US" smtClean="0"/>
               <a:t>Click to edit Master text styles</a:t>
             </a:r>
           </a:p>
           <a:p>
-            <a:pPr lvl="1"/>
+            <a:pPr lvl="1" eaLnBrk="1" latinLnBrk="0" hangingPunct="1"/>
             <a:r>
               <a:rPr lang="en-US" smtClean="0"/>
               <a:t>Second level</a:t>
             </a:r>
           </a:p>
           <a:p>
-            <a:pPr lvl="2"/>
+            <a:pPr lvl="2" eaLnBrk="1" latinLnBrk="0" hangingPunct="1"/>
             <a:r>
               <a:rPr lang="en-US" smtClean="0"/>
               <a:t>Third level</a:t>
             </a:r>
           </a:p>
           <a:p>
-            <a:pPr lvl="3"/>
+            <a:pPr lvl="3" eaLnBrk="1" latinLnBrk="0" hangingPunct="1"/>
             <a:r>
               <a:rPr lang="en-US" smtClean="0"/>
               <a:t>Fourth level</a:t>
             </a:r>
           </a:p>
           <a:p>
-            <a:pPr lvl="4"/>
+            <a:pPr lvl="4" eaLnBrk="1" latinLnBrk="0" hangingPunct="1"/>
             <a:r>
               <a:rPr lang="en-US" smtClean="0"/>
               <a:t>Fifth level</a:t>
             </a:r>
-            <a:endParaRPr lang="en-US"/>
+            <a:endParaRPr kumimoji="0" lang="en-US"/>
           </a:p>
         </p:txBody>
       </p:sp>
@@ -3529,7 +4018,9 @@
         <p:spPr/>
         <p:txBody>
           <a:bodyPr/>
-          <a:lstStyle/>
+          <a:lstStyle>
+            <a:extLst/>
+          </a:lstStyle>
           <a:p>
             <a:fld id="{F4971007-3141-4B38-8DBA-BFD259BFD03D}" type="datetimeFigureOut">
               <a:rPr lang="en-US" smtClean="0"/>
@@ -3552,7 +4043,9 @@
         <p:spPr/>
         <p:txBody>
           <a:bodyPr/>
-          <a:lstStyle/>
+          <a:lstStyle>
+            <a:extLst/>
+          </a:lstStyle>
           <a:p>
             <a:endParaRPr lang="en-US"/>
           </a:p>
@@ -3571,7 +4064,9 @@
         <p:spPr/>
         <p:txBody>
           <a:bodyPr/>
-          <a:lstStyle/>
+          <a:lstStyle>
+            <a:extLst/>
+          </a:lstStyle>
           <a:p>
             <a:fld id="{06B5A2AF-75D7-42C3-84AC-795503FD5E12}" type="slidenum">
               <a:rPr lang="en-US" smtClean="0"/>
@@ -3581,12 +4076,32 @@
           </a:p>
         </p:txBody>
       </p:sp>
+      <p:sp>
+        <p:nvSpPr>
+          <p:cNvPr id="7" name="Title 6"/>
+          <p:cNvSpPr>
+            <a:spLocks noGrp="1"/>
+          </p:cNvSpPr>
+          <p:nvPr>
+            <p:ph type="title"/>
+          </p:nvPr>
+        </p:nvSpPr>
+        <p:spPr/>
+        <p:txBody>
+          <a:bodyPr rtlCol="0"/>
+          <a:lstStyle>
+            <a:extLst/>
+          </a:lstStyle>
+          <a:p>
+            <a:r>
+              <a:rPr kumimoji="0" lang="en-US" smtClean="0"/>
+              <a:t>Click to edit Master title style</a:t>
+            </a:r>
+            <a:endParaRPr kumimoji="0" lang="en-US"/>
+          </a:p>
+        </p:txBody>
+      </p:sp>
     </p:spTree>
-    <p:extLst>
-      <p:ext uri="{BB962C8B-B14F-4D97-AF65-F5344CB8AC3E}">
-        <p14:creationId xmlns:p14="http://schemas.microsoft.com/office/powerpoint/2010/main" val="2691818297"/>
-      </p:ext>
-    </p:extLst>
   </p:cSld>
   <p:clrMapOvr>
     <a:masterClrMapping/>
@@ -3597,6 +4112,11 @@
 <file path=ppt/slideLayouts/slideLayout3.xml><?xml version="1.0" encoding="utf-8"?>
 <p:sldLayout xmlns:a="http://schemas.openxmlformats.org/drawingml/2006/main" xmlns:r="http://schemas.openxmlformats.org/officeDocument/2006/relationships" xmlns:p="http://schemas.openxmlformats.org/presentationml/2006/main" type="secHead" preserve="1">
   <p:cSld name="Section Header">
+    <p:bg>
+      <p:bgRef idx="1002">
+        <a:schemeClr val="bg1"/>
+      </p:bgRef>
+    </p:bg>
     <p:spTree>
       <p:nvGrpSpPr>
         <p:cNvPr id="1" name=""/>
@@ -3623,23 +4143,42 @@
         </p:nvSpPr>
         <p:spPr>
           <a:xfrm>
-            <a:off x="722313" y="4406900"/>
-            <a:ext cx="7772400" cy="1362075"/>
+            <a:off x="722376" y="1059712"/>
+            <a:ext cx="7772400" cy="1828800"/>
           </a:xfrm>
         </p:spPr>
         <p:txBody>
-          <a:bodyPr anchor="t"/>
+          <a:bodyPr vert="horz" anchor="b">
+            <a:normAutofit/>
+            <a:scene3d>
+              <a:camera prst="orthographicFront"/>
+              <a:lightRig rig="soft" dir="t"/>
+            </a:scene3d>
+            <a:sp3d prstMaterial="softEdge">
+              <a:bevelT w="25400" h="25400"/>
+            </a:sp3d>
+          </a:bodyPr>
           <a:lstStyle>
-            <a:lvl1pPr algn="l">
-              <a:defRPr sz="4000" b="1" cap="all"/>
+            <a:lvl1pPr algn="r">
+              <a:buNone/>
+              <a:defRPr sz="4800" b="1" cap="none" baseline="0">
+                <a:effectLst>
+                  <a:outerShdw blurRad="31750" dist="25400" dir="5400000" algn="tl" rotWithShape="0">
+                    <a:srgbClr val="000000">
+                      <a:alpha val="25000"/>
+                    </a:srgbClr>
+                  </a:outerShdw>
+                </a:effectLst>
+              </a:defRPr>
             </a:lvl1pPr>
+            <a:extLst/>
           </a:lstStyle>
           <a:p>
             <a:r>
-              <a:rPr lang="en-US" smtClean="0"/>
+              <a:rPr kumimoji="0" lang="en-US" smtClean="0"/>
               <a:t>Click to edit Master title style</a:t>
             </a:r>
-            <a:endParaRPr lang="en-US"/>
+            <a:endParaRPr kumimoji="0" lang="en-US"/>
           </a:p>
         </p:txBody>
       </p:sp>
@@ -3655,24 +4194,22 @@
         </p:nvSpPr>
         <p:spPr>
           <a:xfrm>
-            <a:off x="722313" y="2906713"/>
-            <a:ext cx="7772400" cy="1500187"/>
+            <a:off x="3922713" y="2931712"/>
+            <a:ext cx="4572000" cy="1454888"/>
           </a:xfrm>
         </p:spPr>
         <p:txBody>
-          <a:bodyPr anchor="b"/>
+          <a:bodyPr lIns="91440" rIns="91440" anchor="t"/>
           <a:lstStyle>
-            <a:lvl1pPr marL="0" indent="0">
+            <a:lvl1pPr marL="0" indent="0" algn="l">
               <a:buNone/>
-              <a:defRPr sz="2000">
+              <a:defRPr sz="2300">
                 <a:solidFill>
-                  <a:schemeClr val="tx1">
-                    <a:tint val="75000"/>
-                  </a:schemeClr>
+                  <a:schemeClr val="tx1"/>
                 </a:solidFill>
               </a:defRPr>
             </a:lvl1pPr>
-            <a:lvl2pPr marL="457200" indent="0">
+            <a:lvl2pPr>
               <a:buNone/>
               <a:defRPr sz="1800">
                 <a:solidFill>
@@ -3682,7 +4219,7 @@
                 </a:solidFill>
               </a:defRPr>
             </a:lvl2pPr>
-            <a:lvl3pPr marL="914400" indent="0">
+            <a:lvl3pPr>
               <a:buNone/>
               <a:defRPr sz="1600">
                 <a:solidFill>
@@ -3692,7 +4229,7 @@
                 </a:solidFill>
               </a:defRPr>
             </a:lvl3pPr>
-            <a:lvl4pPr marL="1371600" indent="0">
+            <a:lvl4pPr>
               <a:buNone/>
               <a:defRPr sz="1400">
                 <a:solidFill>
@@ -3702,7 +4239,7 @@
                 </a:solidFill>
               </a:defRPr>
             </a:lvl4pPr>
-            <a:lvl5pPr marL="1828800" indent="0">
+            <a:lvl5pPr>
               <a:buNone/>
               <a:defRPr sz="1400">
                 <a:solidFill>
@@ -3712,51 +4249,12 @@
                 </a:solidFill>
               </a:defRPr>
             </a:lvl5pPr>
-            <a:lvl6pPr marL="2286000" indent="0">
-              <a:buNone/>
-              <a:defRPr sz="1400">
-                <a:solidFill>
-                  <a:schemeClr val="tx1">
-                    <a:tint val="75000"/>
-                  </a:schemeClr>
-                </a:solidFill>
-              </a:defRPr>
-            </a:lvl6pPr>
-            <a:lvl7pPr marL="2743200" indent="0">
-              <a:buNone/>
-              <a:defRPr sz="1400">
-                <a:solidFill>
-                  <a:schemeClr val="tx1">
-                    <a:tint val="75000"/>
-                  </a:schemeClr>
-                </a:solidFill>
-              </a:defRPr>
-            </a:lvl7pPr>
-            <a:lvl8pPr marL="3200400" indent="0">
-              <a:buNone/>
-              <a:defRPr sz="1400">
-                <a:solidFill>
-                  <a:schemeClr val="tx1">
-                    <a:tint val="75000"/>
-                  </a:schemeClr>
-                </a:solidFill>
-              </a:defRPr>
-            </a:lvl8pPr>
-            <a:lvl9pPr marL="3657600" indent="0">
-              <a:buNone/>
-              <a:defRPr sz="1400">
-                <a:solidFill>
-                  <a:schemeClr val="tx1">
-                    <a:tint val="75000"/>
-                  </a:schemeClr>
-                </a:solidFill>
-              </a:defRPr>
-            </a:lvl9pPr>
+            <a:extLst/>
           </a:lstStyle>
           <a:p>
-            <a:pPr lvl="0"/>
-            <a:r>
-              <a:rPr lang="en-US" smtClean="0"/>
+            <a:pPr lvl="0" eaLnBrk="1" latinLnBrk="0" hangingPunct="1"/>
+            <a:r>
+              <a:rPr kumimoji="0" lang="en-US" smtClean="0"/>
               <a:t>Click to edit Master text styles</a:t>
             </a:r>
           </a:p>
@@ -3775,7 +4273,9 @@
         <p:spPr/>
         <p:txBody>
           <a:bodyPr/>
-          <a:lstStyle/>
+          <a:lstStyle>
+            <a:extLst/>
+          </a:lstStyle>
           <a:p>
             <a:fld id="{F4971007-3141-4B38-8DBA-BFD259BFD03D}" type="datetimeFigureOut">
               <a:rPr lang="en-US" smtClean="0"/>
@@ -3798,7 +4298,9 @@
         <p:spPr/>
         <p:txBody>
           <a:bodyPr/>
-          <a:lstStyle/>
+          <a:lstStyle>
+            <a:extLst/>
+          </a:lstStyle>
           <a:p>
             <a:endParaRPr lang="en-US"/>
           </a:p>
@@ -3817,7 +4319,9 @@
         <p:spPr/>
         <p:txBody>
           <a:bodyPr/>
-          <a:lstStyle/>
+          <a:lstStyle>
+            <a:extLst/>
+          </a:lstStyle>
           <a:p>
             <a:fld id="{06B5A2AF-75D7-42C3-84AC-795503FD5E12}" type="slidenum">
               <a:rPr lang="en-US" smtClean="0"/>
@@ -3827,15 +4331,170 @@
           </a:p>
         </p:txBody>
       </p:sp>
+      <p:sp>
+        <p:nvSpPr>
+          <p:cNvPr id="7" name="Chevron 6"/>
+          <p:cNvSpPr/>
+          <p:nvPr/>
+        </p:nvSpPr>
+        <p:spPr>
+          <a:xfrm>
+            <a:off x="3636680" y="3005472"/>
+            <a:ext cx="182880" cy="228600"/>
+          </a:xfrm>
+          <a:prstGeom prst="chevron">
+            <a:avLst>
+              <a:gd name="adj" fmla="val 50000"/>
+            </a:avLst>
+          </a:prstGeom>
+          <a:gradFill flip="none" rotWithShape="1">
+            <a:gsLst>
+              <a:gs pos="0">
+                <a:schemeClr val="accent1">
+                  <a:shade val="60000"/>
+                  <a:satMod val="125000"/>
+                </a:schemeClr>
+              </a:gs>
+              <a:gs pos="72000">
+                <a:schemeClr val="accent1">
+                  <a:tint val="90000"/>
+                  <a:satMod val="138000"/>
+                </a:schemeClr>
+              </a:gs>
+              <a:gs pos="100000">
+                <a:schemeClr val="accent1">
+                  <a:tint val="76000"/>
+                  <a:satMod val="136000"/>
+                </a:schemeClr>
+              </a:gs>
+            </a:gsLst>
+            <a:lin ang="16200000" scaled="0"/>
+          </a:gradFill>
+          <a:ln w="3175" cap="rnd" cmpd="sng" algn="ctr">
+            <a:solidFill>
+              <a:schemeClr val="accent1">
+                <a:shade val="50000"/>
+              </a:schemeClr>
+            </a:solidFill>
+            <a:prstDash val="solid"/>
+          </a:ln>
+          <a:effectLst>
+            <a:outerShdw blurRad="50800" dist="25400" dir="5400000">
+              <a:srgbClr val="000000">
+                <a:alpha val="46000"/>
+              </a:srgbClr>
+            </a:outerShdw>
+          </a:effectLst>
+        </p:spPr>
+        <p:style>
+          <a:lnRef idx="1">
+            <a:schemeClr val="accent1"/>
+          </a:lnRef>
+          <a:fillRef idx="3">
+            <a:schemeClr val="accent1"/>
+          </a:fillRef>
+          <a:effectRef idx="2">
+            <a:schemeClr val="accent1"/>
+          </a:effectRef>
+          <a:fontRef idx="minor">
+            <a:schemeClr val="lt1"/>
+          </a:fontRef>
+        </p:style>
+        <p:txBody>
+          <a:bodyPr anchor="ctr"/>
+          <a:lstStyle>
+            <a:extLst/>
+          </a:lstStyle>
+          <a:p>
+            <a:pPr algn="l" eaLnBrk="1" latinLnBrk="0" hangingPunct="1"/>
+            <a:endParaRPr kumimoji="0" lang="en-US"/>
+          </a:p>
+        </p:txBody>
+      </p:sp>
+      <p:sp>
+        <p:nvSpPr>
+          <p:cNvPr id="8" name="Chevron 7"/>
+          <p:cNvSpPr/>
+          <p:nvPr/>
+        </p:nvSpPr>
+        <p:spPr>
+          <a:xfrm>
+            <a:off x="3450264" y="3005472"/>
+            <a:ext cx="182880" cy="228600"/>
+          </a:xfrm>
+          <a:prstGeom prst="chevron">
+            <a:avLst>
+              <a:gd name="adj" fmla="val 50000"/>
+            </a:avLst>
+          </a:prstGeom>
+          <a:gradFill flip="none" rotWithShape="1">
+            <a:gsLst>
+              <a:gs pos="0">
+                <a:schemeClr val="accent1">
+                  <a:shade val="60000"/>
+                  <a:satMod val="125000"/>
+                </a:schemeClr>
+              </a:gs>
+              <a:gs pos="72000">
+                <a:schemeClr val="accent1">
+                  <a:tint val="90000"/>
+                  <a:satMod val="138000"/>
+                </a:schemeClr>
+              </a:gs>
+              <a:gs pos="100000">
+                <a:schemeClr val="accent1">
+                  <a:tint val="76000"/>
+                  <a:satMod val="136000"/>
+                </a:schemeClr>
+              </a:gs>
+            </a:gsLst>
+            <a:lin ang="16200000" scaled="0"/>
+          </a:gradFill>
+          <a:ln w="3175" cap="rnd" cmpd="sng" algn="ctr">
+            <a:solidFill>
+              <a:schemeClr val="accent1">
+                <a:shade val="50000"/>
+              </a:schemeClr>
+            </a:solidFill>
+            <a:prstDash val="solid"/>
+          </a:ln>
+          <a:effectLst>
+            <a:outerShdw blurRad="50800" dist="25400" dir="5400000">
+              <a:srgbClr val="000000">
+                <a:alpha val="46000"/>
+              </a:srgbClr>
+            </a:outerShdw>
+          </a:effectLst>
+        </p:spPr>
+        <p:style>
+          <a:lnRef idx="1">
+            <a:schemeClr val="accent1"/>
+          </a:lnRef>
+          <a:fillRef idx="3">
+            <a:schemeClr val="accent1"/>
+          </a:fillRef>
+          <a:effectRef idx="2">
+            <a:schemeClr val="accent1"/>
+          </a:effectRef>
+          <a:fontRef idx="minor">
+            <a:schemeClr val="lt1"/>
+          </a:fontRef>
+        </p:style>
+        <p:txBody>
+          <a:bodyPr anchor="ctr"/>
+          <a:lstStyle>
+            <a:extLst/>
+          </a:lstStyle>
+          <a:p>
+            <a:pPr algn="l" eaLnBrk="1" latinLnBrk="0" hangingPunct="1"/>
+            <a:endParaRPr kumimoji="0" lang="en-US"/>
+          </a:p>
+        </p:txBody>
+      </p:sp>
     </p:spTree>
-    <p:extLst>
-      <p:ext uri="{BB962C8B-B14F-4D97-AF65-F5344CB8AC3E}">
-        <p14:creationId xmlns:p14="http://schemas.microsoft.com/office/powerpoint/2010/main" val="4104743652"/>
-      </p:ext>
-    </p:extLst>
   </p:cSld>
   <p:clrMapOvr>
-    <a:masterClrMapping/>
+    <a:overrideClrMapping bg1="dk1" tx1="lt1" bg2="dk2" tx2="lt2" accent1="accent1" accent2="accent2" accent3="accent3" accent4="accent4" accent5="accent5" accent6="accent6" hlink="hlink" folHlink="folHlink"/>
   </p:clrMapOvr>
 </p:sldLayout>
 </file>
@@ -3843,6 +4502,285 @@
 <file path=ppt/slideLayouts/slideLayout4.xml><?xml version="1.0" encoding="utf-8"?>
 <p:sldLayout xmlns:a="http://schemas.openxmlformats.org/drawingml/2006/main" xmlns:r="http://schemas.openxmlformats.org/officeDocument/2006/relationships" xmlns:p="http://schemas.openxmlformats.org/presentationml/2006/main" type="twoObj" preserve="1">
   <p:cSld name="Two Content">
+    <p:bg>
+      <p:bgRef idx="1002">
+        <a:schemeClr val="bg1"/>
+      </p:bgRef>
+    </p:bg>
+    <p:spTree>
+      <p:nvGrpSpPr>
+        <p:cNvPr id="1" name=""/>
+        <p:cNvGrpSpPr/>
+        <p:nvPr/>
+      </p:nvGrpSpPr>
+      <p:grpSpPr>
+        <a:xfrm>
+          <a:off x="0" y="0"/>
+          <a:ext cx="0" cy="0"/>
+          <a:chOff x="0" y="0"/>
+          <a:chExt cx="0" cy="0"/>
+        </a:xfrm>
+      </p:grpSpPr>
+      <p:sp>
+        <p:nvSpPr>
+          <p:cNvPr id="3" name="Content Placeholder 2"/>
+          <p:cNvSpPr>
+            <a:spLocks noGrp="1"/>
+          </p:cNvSpPr>
+          <p:nvPr>
+            <p:ph sz="half" idx="1"/>
+          </p:nvPr>
+        </p:nvSpPr>
+        <p:spPr>
+          <a:xfrm>
+            <a:off x="457200" y="1481328"/>
+            <a:ext cx="4038600" cy="4525963"/>
+          </a:xfrm>
+        </p:spPr>
+        <p:txBody>
+          <a:bodyPr/>
+          <a:lstStyle>
+            <a:lvl1pPr>
+              <a:defRPr sz="2800"/>
+            </a:lvl1pPr>
+            <a:lvl2pPr>
+              <a:defRPr sz="2400"/>
+            </a:lvl2pPr>
+            <a:lvl3pPr>
+              <a:defRPr sz="2000"/>
+            </a:lvl3pPr>
+            <a:lvl4pPr>
+              <a:defRPr sz="1800"/>
+            </a:lvl4pPr>
+            <a:lvl5pPr>
+              <a:defRPr sz="1800"/>
+            </a:lvl5pPr>
+            <a:extLst/>
+          </a:lstStyle>
+          <a:p>
+            <a:pPr lvl="0" eaLnBrk="1" latinLnBrk="0" hangingPunct="1"/>
+            <a:r>
+              <a:rPr lang="en-US" smtClean="0"/>
+              <a:t>Click to edit Master text styles</a:t>
+            </a:r>
+          </a:p>
+          <a:p>
+            <a:pPr lvl="1" eaLnBrk="1" latinLnBrk="0" hangingPunct="1"/>
+            <a:r>
+              <a:rPr lang="en-US" smtClean="0"/>
+              <a:t>Second level</a:t>
+            </a:r>
+          </a:p>
+          <a:p>
+            <a:pPr lvl="2" eaLnBrk="1" latinLnBrk="0" hangingPunct="1"/>
+            <a:r>
+              <a:rPr lang="en-US" smtClean="0"/>
+              <a:t>Third level</a:t>
+            </a:r>
+          </a:p>
+          <a:p>
+            <a:pPr lvl="3" eaLnBrk="1" latinLnBrk="0" hangingPunct="1"/>
+            <a:r>
+              <a:rPr lang="en-US" smtClean="0"/>
+              <a:t>Fourth level</a:t>
+            </a:r>
+          </a:p>
+          <a:p>
+            <a:pPr lvl="4" eaLnBrk="1" latinLnBrk="0" hangingPunct="1"/>
+            <a:r>
+              <a:rPr lang="en-US" smtClean="0"/>
+              <a:t>Fifth level</a:t>
+            </a:r>
+            <a:endParaRPr kumimoji="0" lang="en-US"/>
+          </a:p>
+        </p:txBody>
+      </p:sp>
+      <p:sp>
+        <p:nvSpPr>
+          <p:cNvPr id="4" name="Content Placeholder 3"/>
+          <p:cNvSpPr>
+            <a:spLocks noGrp="1"/>
+          </p:cNvSpPr>
+          <p:nvPr>
+            <p:ph sz="half" idx="2"/>
+          </p:nvPr>
+        </p:nvSpPr>
+        <p:spPr>
+          <a:xfrm>
+            <a:off x="4648200" y="1481328"/>
+            <a:ext cx="4038600" cy="4525963"/>
+          </a:xfrm>
+        </p:spPr>
+        <p:txBody>
+          <a:bodyPr/>
+          <a:lstStyle>
+            <a:lvl1pPr>
+              <a:defRPr sz="2800"/>
+            </a:lvl1pPr>
+            <a:lvl2pPr>
+              <a:defRPr sz="2400"/>
+            </a:lvl2pPr>
+            <a:lvl3pPr>
+              <a:defRPr sz="2000"/>
+            </a:lvl3pPr>
+            <a:lvl4pPr>
+              <a:defRPr sz="1800"/>
+            </a:lvl4pPr>
+            <a:lvl5pPr>
+              <a:defRPr sz="1800"/>
+            </a:lvl5pPr>
+            <a:extLst/>
+          </a:lstStyle>
+          <a:p>
+            <a:pPr lvl="0" eaLnBrk="1" latinLnBrk="0" hangingPunct="1"/>
+            <a:r>
+              <a:rPr lang="en-US" smtClean="0"/>
+              <a:t>Click to edit Master text styles</a:t>
+            </a:r>
+          </a:p>
+          <a:p>
+            <a:pPr lvl="1" eaLnBrk="1" latinLnBrk="0" hangingPunct="1"/>
+            <a:r>
+              <a:rPr lang="en-US" smtClean="0"/>
+              <a:t>Second level</a:t>
+            </a:r>
+          </a:p>
+          <a:p>
+            <a:pPr lvl="2" eaLnBrk="1" latinLnBrk="0" hangingPunct="1"/>
+            <a:r>
+              <a:rPr lang="en-US" smtClean="0"/>
+              <a:t>Third level</a:t>
+            </a:r>
+          </a:p>
+          <a:p>
+            <a:pPr lvl="3" eaLnBrk="1" latinLnBrk="0" hangingPunct="1"/>
+            <a:r>
+              <a:rPr lang="en-US" smtClean="0"/>
+              <a:t>Fourth level</a:t>
+            </a:r>
+          </a:p>
+          <a:p>
+            <a:pPr lvl="4" eaLnBrk="1" latinLnBrk="0" hangingPunct="1"/>
+            <a:r>
+              <a:rPr lang="en-US" smtClean="0"/>
+              <a:t>Fifth level</a:t>
+            </a:r>
+            <a:endParaRPr kumimoji="0" lang="en-US"/>
+          </a:p>
+        </p:txBody>
+      </p:sp>
+      <p:sp>
+        <p:nvSpPr>
+          <p:cNvPr id="5" name="Date Placeholder 4"/>
+          <p:cNvSpPr>
+            <a:spLocks noGrp="1"/>
+          </p:cNvSpPr>
+          <p:nvPr>
+            <p:ph type="dt" sz="half" idx="10"/>
+          </p:nvPr>
+        </p:nvSpPr>
+        <p:spPr/>
+        <p:txBody>
+          <a:bodyPr/>
+          <a:lstStyle>
+            <a:extLst/>
+          </a:lstStyle>
+          <a:p>
+            <a:fld id="{F4971007-3141-4B38-8DBA-BFD259BFD03D}" type="datetimeFigureOut">
+              <a:rPr lang="en-US" smtClean="0"/>
+              <a:t>7/12/2015</a:t>
+            </a:fld>
+            <a:endParaRPr lang="en-US"/>
+          </a:p>
+        </p:txBody>
+      </p:sp>
+      <p:sp>
+        <p:nvSpPr>
+          <p:cNvPr id="6" name="Footer Placeholder 5"/>
+          <p:cNvSpPr>
+            <a:spLocks noGrp="1"/>
+          </p:cNvSpPr>
+          <p:nvPr>
+            <p:ph type="ftr" sz="quarter" idx="11"/>
+          </p:nvPr>
+        </p:nvSpPr>
+        <p:spPr/>
+        <p:txBody>
+          <a:bodyPr/>
+          <a:lstStyle>
+            <a:extLst/>
+          </a:lstStyle>
+          <a:p>
+            <a:endParaRPr lang="en-US"/>
+          </a:p>
+        </p:txBody>
+      </p:sp>
+      <p:sp>
+        <p:nvSpPr>
+          <p:cNvPr id="7" name="Slide Number Placeholder 6"/>
+          <p:cNvSpPr>
+            <a:spLocks noGrp="1"/>
+          </p:cNvSpPr>
+          <p:nvPr>
+            <p:ph type="sldNum" sz="quarter" idx="12"/>
+          </p:nvPr>
+        </p:nvSpPr>
+        <p:spPr/>
+        <p:txBody>
+          <a:bodyPr/>
+          <a:lstStyle>
+            <a:extLst/>
+          </a:lstStyle>
+          <a:p>
+            <a:fld id="{06B5A2AF-75D7-42C3-84AC-795503FD5E12}" type="slidenum">
+              <a:rPr lang="en-US" smtClean="0"/>
+              <a:t>‹#›</a:t>
+            </a:fld>
+            <a:endParaRPr lang="en-US"/>
+          </a:p>
+        </p:txBody>
+      </p:sp>
+      <p:sp>
+        <p:nvSpPr>
+          <p:cNvPr id="8" name="Title 7"/>
+          <p:cNvSpPr>
+            <a:spLocks noGrp="1"/>
+          </p:cNvSpPr>
+          <p:nvPr>
+            <p:ph type="title"/>
+          </p:nvPr>
+        </p:nvSpPr>
+        <p:spPr/>
+        <p:txBody>
+          <a:bodyPr rtlCol="0"/>
+          <a:lstStyle>
+            <a:extLst/>
+          </a:lstStyle>
+          <a:p>
+            <a:r>
+              <a:rPr kumimoji="0" lang="en-US" smtClean="0"/>
+              <a:t>Click to edit Master title style</a:t>
+            </a:r>
+            <a:endParaRPr kumimoji="0" lang="en-US"/>
+          </a:p>
+        </p:txBody>
+      </p:sp>
+    </p:spTree>
+  </p:cSld>
+  <p:clrMapOvr>
+    <a:overrideClrMapping bg1="dk1" tx1="lt1" bg2="dk2" tx2="lt2" accent1="accent1" accent2="accent2" accent3="accent3" accent4="accent4" accent5="accent5" accent6="accent6" hlink="hlink" folHlink="folHlink"/>
+  </p:clrMapOvr>
+</p:sldLayout>
+</file>
+
+<file path=ppt/slideLayouts/slideLayout5.xml><?xml version="1.0" encoding="utf-8"?>
+<p:sldLayout xmlns:a="http://schemas.openxmlformats.org/drawingml/2006/main" xmlns:r="http://schemas.openxmlformats.org/officeDocument/2006/relationships" xmlns:p="http://schemas.openxmlformats.org/presentationml/2006/main" showMasterSp="0" type="twoTxTwoObj" preserve="1">
+  <p:cSld name="Comparison">
+    <p:bg>
+      <p:bgRef idx="1003">
+        <a:schemeClr val="bg1"/>
+      </p:bgRef>
+    </p:bg>
     <p:spTree>
       <p:nvGrpSpPr>
         <p:cNvPr id="1" name=""/>
@@ -3867,308 +4805,26 @@
             <p:ph type="title"/>
           </p:nvPr>
         </p:nvSpPr>
-        <p:spPr/>
-        <p:txBody>
-          <a:bodyPr/>
-          <a:lstStyle/>
-          <a:p>
-            <a:r>
-              <a:rPr lang="en-US" smtClean="0"/>
-              <a:t>Click to edit Master title style</a:t>
-            </a:r>
-            <a:endParaRPr lang="en-US"/>
-          </a:p>
-        </p:txBody>
-      </p:sp>
-      <p:sp>
-        <p:nvSpPr>
-          <p:cNvPr id="3" name="Content Placeholder 2"/>
-          <p:cNvSpPr>
-            <a:spLocks noGrp="1"/>
-          </p:cNvSpPr>
-          <p:nvPr>
-            <p:ph sz="half" idx="1"/>
-          </p:nvPr>
-        </p:nvSpPr>
         <p:spPr>
           <a:xfrm>
-            <a:off x="457200" y="1600200"/>
-            <a:ext cx="4038600" cy="4525963"/>
+            <a:off x="457200" y="273050"/>
+            <a:ext cx="8229600" cy="1143000"/>
           </a:xfrm>
         </p:spPr>
         <p:txBody>
-          <a:bodyPr/>
-          <a:lstStyle>
-            <a:lvl1pPr>
-              <a:defRPr sz="2800"/>
-            </a:lvl1pPr>
-            <a:lvl2pPr>
-              <a:defRPr sz="2400"/>
-            </a:lvl2pPr>
-            <a:lvl3pPr>
-              <a:defRPr sz="2000"/>
-            </a:lvl3pPr>
-            <a:lvl4pPr>
-              <a:defRPr sz="1800"/>
-            </a:lvl4pPr>
-            <a:lvl5pPr>
-              <a:defRPr sz="1800"/>
-            </a:lvl5pPr>
-            <a:lvl6pPr>
-              <a:defRPr sz="1800"/>
-            </a:lvl6pPr>
-            <a:lvl7pPr>
-              <a:defRPr sz="1800"/>
-            </a:lvl7pPr>
-            <a:lvl8pPr>
-              <a:defRPr sz="1800"/>
-            </a:lvl8pPr>
-            <a:lvl9pPr>
-              <a:defRPr sz="1800"/>
-            </a:lvl9pPr>
-          </a:lstStyle>
-          <a:p>
-            <a:pPr lvl="0"/>
-            <a:r>
-              <a:rPr lang="en-US" smtClean="0"/>
-              <a:t>Click to edit Master text styles</a:t>
-            </a:r>
-          </a:p>
-          <a:p>
-            <a:pPr lvl="1"/>
-            <a:r>
-              <a:rPr lang="en-US" smtClean="0"/>
-              <a:t>Second level</a:t>
-            </a:r>
-          </a:p>
-          <a:p>
-            <a:pPr lvl="2"/>
-            <a:r>
-              <a:rPr lang="en-US" smtClean="0"/>
-              <a:t>Third level</a:t>
-            </a:r>
-          </a:p>
-          <a:p>
-            <a:pPr lvl="3"/>
-            <a:r>
-              <a:rPr lang="en-US" smtClean="0"/>
-              <a:t>Fourth level</a:t>
-            </a:r>
-          </a:p>
-          <a:p>
-            <a:pPr lvl="4"/>
-            <a:r>
-              <a:rPr lang="en-US" smtClean="0"/>
-              <a:t>Fifth level</a:t>
-            </a:r>
-            <a:endParaRPr lang="en-US"/>
-          </a:p>
-        </p:txBody>
-      </p:sp>
-      <p:sp>
-        <p:nvSpPr>
-          <p:cNvPr id="4" name="Content Placeholder 3"/>
-          <p:cNvSpPr>
-            <a:spLocks noGrp="1"/>
-          </p:cNvSpPr>
-          <p:nvPr>
-            <p:ph sz="half" idx="2"/>
-          </p:nvPr>
-        </p:nvSpPr>
-        <p:spPr>
-          <a:xfrm>
-            <a:off x="4648200" y="1600200"/>
-            <a:ext cx="4038600" cy="4525963"/>
-          </a:xfrm>
-        </p:spPr>
-        <p:txBody>
-          <a:bodyPr/>
-          <a:lstStyle>
-            <a:lvl1pPr>
-              <a:defRPr sz="2800"/>
-            </a:lvl1pPr>
-            <a:lvl2pPr>
-              <a:defRPr sz="2400"/>
-            </a:lvl2pPr>
-            <a:lvl3pPr>
-              <a:defRPr sz="2000"/>
-            </a:lvl3pPr>
-            <a:lvl4pPr>
-              <a:defRPr sz="1800"/>
-            </a:lvl4pPr>
-            <a:lvl5pPr>
-              <a:defRPr sz="1800"/>
-            </a:lvl5pPr>
-            <a:lvl6pPr>
-              <a:defRPr sz="1800"/>
-            </a:lvl6pPr>
-            <a:lvl7pPr>
-              <a:defRPr sz="1800"/>
-            </a:lvl7pPr>
-            <a:lvl8pPr>
-              <a:defRPr sz="1800"/>
-            </a:lvl8pPr>
-            <a:lvl9pPr>
-              <a:defRPr sz="1800"/>
-            </a:lvl9pPr>
-          </a:lstStyle>
-          <a:p>
-            <a:pPr lvl="0"/>
-            <a:r>
-              <a:rPr lang="en-US" smtClean="0"/>
-              <a:t>Click to edit Master text styles</a:t>
-            </a:r>
-          </a:p>
-          <a:p>
-            <a:pPr lvl="1"/>
-            <a:r>
-              <a:rPr lang="en-US" smtClean="0"/>
-              <a:t>Second level</a:t>
-            </a:r>
-          </a:p>
-          <a:p>
-            <a:pPr lvl="2"/>
-            <a:r>
-              <a:rPr lang="en-US" smtClean="0"/>
-              <a:t>Third level</a:t>
-            </a:r>
-          </a:p>
-          <a:p>
-            <a:pPr lvl="3"/>
-            <a:r>
-              <a:rPr lang="en-US" smtClean="0"/>
-              <a:t>Fourth level</a:t>
-            </a:r>
-          </a:p>
-          <a:p>
-            <a:pPr lvl="4"/>
-            <a:r>
-              <a:rPr lang="en-US" smtClean="0"/>
-              <a:t>Fifth level</a:t>
-            </a:r>
-            <a:endParaRPr lang="en-US"/>
-          </a:p>
-        </p:txBody>
-      </p:sp>
-      <p:sp>
-        <p:nvSpPr>
-          <p:cNvPr id="5" name="Date Placeholder 4"/>
-          <p:cNvSpPr>
-            <a:spLocks noGrp="1"/>
-          </p:cNvSpPr>
-          <p:nvPr>
-            <p:ph type="dt" sz="half" idx="10"/>
-          </p:nvPr>
-        </p:nvSpPr>
-        <p:spPr/>
-        <p:txBody>
-          <a:bodyPr/>
-          <a:lstStyle/>
-          <a:p>
-            <a:fld id="{F4971007-3141-4B38-8DBA-BFD259BFD03D}" type="datetimeFigureOut">
-              <a:rPr lang="en-US" smtClean="0"/>
-              <a:t>7/12/2015</a:t>
-            </a:fld>
-            <a:endParaRPr lang="en-US"/>
-          </a:p>
-        </p:txBody>
-      </p:sp>
-      <p:sp>
-        <p:nvSpPr>
-          <p:cNvPr id="6" name="Footer Placeholder 5"/>
-          <p:cNvSpPr>
-            <a:spLocks noGrp="1"/>
-          </p:cNvSpPr>
-          <p:nvPr>
-            <p:ph type="ftr" sz="quarter" idx="11"/>
-          </p:nvPr>
-        </p:nvSpPr>
-        <p:spPr/>
-        <p:txBody>
-          <a:bodyPr/>
-          <a:lstStyle/>
-          <a:p>
-            <a:endParaRPr lang="en-US"/>
-          </a:p>
-        </p:txBody>
-      </p:sp>
-      <p:sp>
-        <p:nvSpPr>
-          <p:cNvPr id="7" name="Slide Number Placeholder 6"/>
-          <p:cNvSpPr>
-            <a:spLocks noGrp="1"/>
-          </p:cNvSpPr>
-          <p:nvPr>
-            <p:ph type="sldNum" sz="quarter" idx="12"/>
-          </p:nvPr>
-        </p:nvSpPr>
-        <p:spPr/>
-        <p:txBody>
-          <a:bodyPr/>
-          <a:lstStyle/>
-          <a:p>
-            <a:fld id="{06B5A2AF-75D7-42C3-84AC-795503FD5E12}" type="slidenum">
-              <a:rPr lang="en-US" smtClean="0"/>
-              <a:t>‹#›</a:t>
-            </a:fld>
-            <a:endParaRPr lang="en-US"/>
-          </a:p>
-        </p:txBody>
-      </p:sp>
-    </p:spTree>
-    <p:extLst>
-      <p:ext uri="{BB962C8B-B14F-4D97-AF65-F5344CB8AC3E}">
-        <p14:creationId xmlns:p14="http://schemas.microsoft.com/office/powerpoint/2010/main" val="2734441850"/>
-      </p:ext>
-    </p:extLst>
-  </p:cSld>
-  <p:clrMapOvr>
-    <a:masterClrMapping/>
-  </p:clrMapOvr>
-</p:sldLayout>
-</file>
-
-<file path=ppt/slideLayouts/slideLayout5.xml><?xml version="1.0" encoding="utf-8"?>
-<p:sldLayout xmlns:a="http://schemas.openxmlformats.org/drawingml/2006/main" xmlns:r="http://schemas.openxmlformats.org/officeDocument/2006/relationships" xmlns:p="http://schemas.openxmlformats.org/presentationml/2006/main" type="twoTxTwoObj" preserve="1">
-  <p:cSld name="Comparison">
-    <p:spTree>
-      <p:nvGrpSpPr>
-        <p:cNvPr id="1" name=""/>
-        <p:cNvGrpSpPr/>
-        <p:nvPr/>
-      </p:nvGrpSpPr>
-      <p:grpSpPr>
-        <a:xfrm>
-          <a:off x="0" y="0"/>
-          <a:ext cx="0" cy="0"/>
-          <a:chOff x="0" y="0"/>
-          <a:chExt cx="0" cy="0"/>
-        </a:xfrm>
-      </p:grpSpPr>
-      <p:sp>
-        <p:nvSpPr>
-          <p:cNvPr id="2" name="Title 1"/>
-          <p:cNvSpPr>
-            <a:spLocks noGrp="1"/>
-          </p:cNvSpPr>
-          <p:nvPr>
-            <p:ph type="title"/>
-          </p:nvPr>
-        </p:nvSpPr>
-        <p:spPr/>
-        <p:txBody>
-          <a:bodyPr/>
+          <a:bodyPr anchor="ctr"/>
           <a:lstStyle>
             <a:lvl1pPr>
               <a:defRPr/>
             </a:lvl1pPr>
+            <a:extLst/>
           </a:lstStyle>
           <a:p>
             <a:r>
-              <a:rPr lang="en-US" smtClean="0"/>
+              <a:rPr kumimoji="0" lang="en-US" smtClean="0"/>
               <a:t>Click to edit Master title style</a:t>
             </a:r>
-            <a:endParaRPr lang="en-US"/>
+            <a:endParaRPr kumimoji="0" lang="en-US"/>
           </a:p>
         </p:txBody>
       </p:sp>
@@ -4184,54 +4840,52 @@
         </p:nvSpPr>
         <p:spPr>
           <a:xfrm>
-            <a:off x="457200" y="1535113"/>
-            <a:ext cx="4040188" cy="639762"/>
+            <a:off x="457200" y="5410200"/>
+            <a:ext cx="4040188" cy="762000"/>
           </a:xfrm>
+          <a:solidFill>
+            <a:schemeClr val="accent1"/>
+          </a:solidFill>
+          <a:ln w="9652">
+            <a:solidFill>
+              <a:schemeClr val="accent1"/>
+            </a:solidFill>
+            <a:miter lim="800000"/>
+          </a:ln>
         </p:spPr>
         <p:txBody>
-          <a:bodyPr anchor="b"/>
+          <a:bodyPr lIns="182880" anchor="ctr"/>
           <a:lstStyle>
             <a:lvl1pPr marL="0" indent="0">
               <a:buNone/>
-              <a:defRPr sz="2400" b="1"/>
+              <a:defRPr sz="2400" b="0">
+                <a:solidFill>
+                  <a:schemeClr val="bg1"/>
+                </a:solidFill>
+              </a:defRPr>
             </a:lvl1pPr>
-            <a:lvl2pPr marL="457200" indent="0">
+            <a:lvl2pPr>
               <a:buNone/>
               <a:defRPr sz="2000" b="1"/>
             </a:lvl2pPr>
-            <a:lvl3pPr marL="914400" indent="0">
+            <a:lvl3pPr>
               <a:buNone/>
               <a:defRPr sz="1800" b="1"/>
             </a:lvl3pPr>
-            <a:lvl4pPr marL="1371600" indent="0">
+            <a:lvl4pPr>
               <a:buNone/>
               <a:defRPr sz="1600" b="1"/>
             </a:lvl4pPr>
-            <a:lvl5pPr marL="1828800" indent="0">
+            <a:lvl5pPr>
               <a:buNone/>
               <a:defRPr sz="1600" b="1"/>
             </a:lvl5pPr>
-            <a:lvl6pPr marL="2286000" indent="0">
-              <a:buNone/>
-              <a:defRPr sz="1600" b="1"/>
-            </a:lvl6pPr>
-            <a:lvl7pPr marL="2743200" indent="0">
-              <a:buNone/>
-              <a:defRPr sz="1600" b="1"/>
-            </a:lvl7pPr>
-            <a:lvl8pPr marL="3200400" indent="0">
-              <a:buNone/>
-              <a:defRPr sz="1600" b="1"/>
-            </a:lvl8pPr>
-            <a:lvl9pPr marL="3657600" indent="0">
-              <a:buNone/>
-              <a:defRPr sz="1600" b="1"/>
-            </a:lvl9pPr>
+            <a:extLst/>
           </a:lstStyle>
           <a:p>
-            <a:pPr lvl="0"/>
-            <a:r>
-              <a:rPr lang="en-US" smtClean="0"/>
+            <a:pPr lvl="0" eaLnBrk="1" latinLnBrk="0" hangingPunct="1"/>
+            <a:r>
+              <a:rPr kumimoji="0" lang="en-US" smtClean="0"/>
               <a:t>Click to edit Master text styles</a:t>
             </a:r>
           </a:p>
@@ -4239,19 +4893,87 @@
       </p:sp>
       <p:sp>
         <p:nvSpPr>
-          <p:cNvPr id="4" name="Content Placeholder 3"/>
+          <p:cNvPr id="4" name="Text Placeholder 3"/>
           <p:cNvSpPr>
             <a:spLocks noGrp="1"/>
           </p:cNvSpPr>
           <p:nvPr>
-            <p:ph sz="half" idx="2"/>
+            <p:ph type="body" sz="half" idx="3"/>
           </p:nvPr>
         </p:nvSpPr>
         <p:spPr>
           <a:xfrm>
-            <a:off x="457200" y="2174875"/>
-            <a:ext cx="4040188" cy="3951288"/>
+            <a:off x="4645026" y="5410200"/>
+            <a:ext cx="4041775" cy="762000"/>
           </a:xfrm>
+          <a:solidFill>
+            <a:schemeClr val="accent1"/>
+          </a:solidFill>
+          <a:ln w="9652">
+            <a:solidFill>
+              <a:schemeClr val="accent1"/>
+            </a:solidFill>
+            <a:miter lim="800000"/>
+          </a:ln>
+        </p:spPr>
+        <p:txBody>
+          <a:bodyPr lIns="182880" anchor="ctr"/>
+          <a:lstStyle>
+            <a:lvl1pPr marL="0" indent="0">
+              <a:buNone/>
+              <a:defRPr sz="2400" b="0">
+                <a:solidFill>
+                  <a:schemeClr val="bg1"/>
+                </a:solidFill>
+              </a:defRPr>
+            </a:lvl1pPr>
+            <a:lvl2pPr>
+              <a:buNone/>
+              <a:defRPr sz="2000" b="1"/>
+            </a:lvl2pPr>
+            <a:lvl3pPr>
+              <a:buNone/>
+              <a:defRPr sz="1800" b="1"/>
+            </a:lvl3pPr>
+            <a:lvl4pPr>
+              <a:buNone/>
+              <a:defRPr sz="1600" b="1"/>
+            </a:lvl4pPr>
+            <a:lvl5pPr>
+              <a:buNone/>
+              <a:defRPr sz="1600" b="1"/>
+            </a:lvl5pPr>
+            <a:extLst/>
+          </a:lstStyle>
+          <a:p>
+            <a:pPr lvl="0" eaLnBrk="1" latinLnBrk="0" hangingPunct="1"/>
+            <a:r>
+              <a:rPr kumimoji="0" lang="en-US" smtClean="0"/>
+              <a:t>Click to edit Master text styles</a:t>
+            </a:r>
+          </a:p>
+        </p:txBody>
+      </p:sp>
+      <p:sp>
+        <p:nvSpPr>
+          <p:cNvPr id="5" name="Content Placeholder 4"/>
+          <p:cNvSpPr>
+            <a:spLocks noGrp="1"/>
+          </p:cNvSpPr>
+          <p:nvPr>
+            <p:ph sz="quarter" idx="2"/>
+          </p:nvPr>
+        </p:nvSpPr>
+        <p:spPr>
+          <a:xfrm>
+            <a:off x="457200" y="1444294"/>
+            <a:ext cx="4040188" cy="3941763"/>
+          </a:xfrm>
+          <a:ln>
+            <a:noFill/>
+            <a:prstDash val="sysDash"/>
+            <a:miter lim="800000"/>
+          </a:ln>
         </p:spPr>
         <p:txBody>
           <a:bodyPr/>
@@ -4271,119 +4993,43 @@
             <a:lvl5pPr>
               <a:defRPr sz="1600"/>
             </a:lvl5pPr>
-            <a:lvl6pPr>
-              <a:defRPr sz="1600"/>
-            </a:lvl6pPr>
-            <a:lvl7pPr>
-              <a:defRPr sz="1600"/>
-            </a:lvl7pPr>
-            <a:lvl8pPr>
-              <a:defRPr sz="1600"/>
-            </a:lvl8pPr>
-            <a:lvl9pPr>
-              <a:defRPr sz="1600"/>
-            </a:lvl9pPr>
+            <a:extLst/>
           </a:lstStyle>
           <a:p>
-            <a:pPr lvl="0"/>
+            <a:pPr lvl="0" eaLnBrk="1" latinLnBrk="0" hangingPunct="1"/>
             <a:r>
               <a:rPr lang="en-US" smtClean="0"/>
               <a:t>Click to edit Master text styles</a:t>
             </a:r>
           </a:p>
           <a:p>
-            <a:pPr lvl="1"/>
+            <a:pPr lvl="1" eaLnBrk="1" latinLnBrk="0" hangingPunct="1"/>
             <a:r>
               <a:rPr lang="en-US" smtClean="0"/>
               <a:t>Second level</a:t>
             </a:r>
           </a:p>
           <a:p>
-            <a:pPr lvl="2"/>
+            <a:pPr lvl="2" eaLnBrk="1" latinLnBrk="0" hangingPunct="1"/>
             <a:r>
               <a:rPr lang="en-US" smtClean="0"/>
               <a:t>Third level</a:t>
             </a:r>
           </a:p>
           <a:p>
-            <a:pPr lvl="3"/>
+            <a:pPr lvl="3" eaLnBrk="1" latinLnBrk="0" hangingPunct="1"/>
             <a:r>
               <a:rPr lang="en-US" smtClean="0"/>
               <a:t>Fourth level</a:t>
             </a:r>
           </a:p>
           <a:p>
-            <a:pPr lvl="4"/>
+            <a:pPr lvl="4" eaLnBrk="1" latinLnBrk="0" hangingPunct="1"/>
             <a:r>
               <a:rPr lang="en-US" smtClean="0"/>
               <a:t>Fifth level</a:t>
             </a:r>
-            <a:endParaRPr lang="en-US"/>
-          </a:p>
-        </p:txBody>
-      </p:sp>
-      <p:sp>
-        <p:nvSpPr>
-          <p:cNvPr id="5" name="Text Placeholder 4"/>
-          <p:cNvSpPr>
-            <a:spLocks noGrp="1"/>
-          </p:cNvSpPr>
-          <p:nvPr>
-            <p:ph type="body" sz="quarter" idx="3"/>
-          </p:nvPr>
-        </p:nvSpPr>
-        <p:spPr>
-          <a:xfrm>
-            <a:off x="4645025" y="1535113"/>
-            <a:ext cx="4041775" cy="639762"/>
-          </a:xfrm>
-        </p:spPr>
-        <p:txBody>
-          <a:bodyPr anchor="b"/>
-          <a:lstStyle>
-            <a:lvl1pPr marL="0" indent="0">
-              <a:buNone/>
-              <a:defRPr sz="2400" b="1"/>
-            </a:lvl1pPr>
-            <a:lvl2pPr marL="457200" indent="0">
-              <a:buNone/>
-              <a:defRPr sz="2000" b="1"/>
-            </a:lvl2pPr>
-            <a:lvl3pPr marL="914400" indent="0">
-              <a:buNone/>
-              <a:defRPr sz="1800" b="1"/>
-            </a:lvl3pPr>
-            <a:lvl4pPr marL="1371600" indent="0">
-              <a:buNone/>
-              <a:defRPr sz="1600" b="1"/>
-            </a:lvl4pPr>
-            <a:lvl5pPr marL="1828800" indent="0">
-              <a:buNone/>
-              <a:defRPr sz="1600" b="1"/>
-            </a:lvl5pPr>
-            <a:lvl6pPr marL="2286000" indent="0">
-              <a:buNone/>
-              <a:defRPr sz="1600" b="1"/>
-            </a:lvl6pPr>
-            <a:lvl7pPr marL="2743200" indent="0">
-              <a:buNone/>
-              <a:defRPr sz="1600" b="1"/>
-            </a:lvl7pPr>
-            <a:lvl8pPr marL="3200400" indent="0">
-              <a:buNone/>
-              <a:defRPr sz="1600" b="1"/>
-            </a:lvl8pPr>
-            <a:lvl9pPr marL="3657600" indent="0">
-              <a:buNone/>
-              <a:defRPr sz="1600" b="1"/>
-            </a:lvl9pPr>
-          </a:lstStyle>
-          <a:p>
-            <a:pPr lvl="0"/>
-            <a:r>
-              <a:rPr lang="en-US" smtClean="0"/>
-              <a:t>Click to edit Master text styles</a:t>
-            </a:r>
+            <a:endParaRPr kumimoji="0" lang="en-US"/>
           </a:p>
         </p:txBody>
       </p:sp>
@@ -4399,14 +5045,22 @@
         </p:nvSpPr>
         <p:spPr>
           <a:xfrm>
-            <a:off x="4645025" y="2174875"/>
-            <a:ext cx="4041775" cy="3951288"/>
+            <a:off x="4645025" y="1444294"/>
+            <a:ext cx="4041775" cy="3941763"/>
           </a:xfrm>
+          <a:ln>
+            <a:noFill/>
+            <a:prstDash val="sysDash"/>
+            <a:miter lim="800000"/>
+          </a:ln>
         </p:spPr>
         <p:txBody>
           <a:bodyPr/>
           <a:lstStyle>
             <a:lvl1pPr>
+              <a:spcBef>
+                <a:spcPts val="0"/>
+              </a:spcBef>
               <a:defRPr sz="2400"/>
             </a:lvl1pPr>
             <a:lvl2pPr>
@@ -4421,54 +5075,43 @@
             <a:lvl5pPr>
               <a:defRPr sz="1600"/>
             </a:lvl5pPr>
-            <a:lvl6pPr>
-              <a:defRPr sz="1600"/>
-            </a:lvl6pPr>
-            <a:lvl7pPr>
-              <a:defRPr sz="1600"/>
-            </a:lvl7pPr>
-            <a:lvl8pPr>
-              <a:defRPr sz="1600"/>
-            </a:lvl8pPr>
-            <a:lvl9pPr>
-              <a:defRPr sz="1600"/>
-            </a:lvl9pPr>
+            <a:extLst/>
           </a:lstStyle>
           <a:p>
-            <a:pPr lvl="0"/>
+            <a:pPr lvl="0" eaLnBrk="1" latinLnBrk="0" hangingPunct="1"/>
             <a:r>
               <a:rPr lang="en-US" smtClean="0"/>
               <a:t>Click to edit Master text styles</a:t>
             </a:r>
           </a:p>
           <a:p>
-            <a:pPr lvl="1"/>
+            <a:pPr lvl="1" eaLnBrk="1" latinLnBrk="0" hangingPunct="1"/>
             <a:r>
               <a:rPr lang="en-US" smtClean="0"/>
               <a:t>Second level</a:t>
             </a:r>
           </a:p>
           <a:p>
-            <a:pPr lvl="2"/>
+            <a:pPr lvl="2" eaLnBrk="1" latinLnBrk="0" hangingPunct="1"/>
             <a:r>
               <a:rPr lang="en-US" smtClean="0"/>
               <a:t>Third level</a:t>
             </a:r>
           </a:p>
           <a:p>
-            <a:pPr lvl="3"/>
+            <a:pPr lvl="3" eaLnBrk="1" latinLnBrk="0" hangingPunct="1"/>
             <a:r>
               <a:rPr lang="en-US" smtClean="0"/>
               <a:t>Fourth level</a:t>
             </a:r>
           </a:p>
           <a:p>
-            <a:pPr lvl="4"/>
+            <a:pPr lvl="4" eaLnBrk="1" latinLnBrk="0" hangingPunct="1"/>
             <a:r>
               <a:rPr lang="en-US" smtClean="0"/>
               <a:t>Fifth level</a:t>
             </a:r>
-            <a:endParaRPr lang="en-US"/>
+            <a:endParaRPr kumimoji="0" lang="en-US"/>
           </a:p>
         </p:txBody>
       </p:sp>
@@ -4485,7 +5128,9 @@
         <p:spPr/>
         <p:txBody>
           <a:bodyPr/>
-          <a:lstStyle/>
+          <a:lstStyle>
+            <a:extLst/>
+          </a:lstStyle>
           <a:p>
             <a:fld id="{F4971007-3141-4B38-8DBA-BFD259BFD03D}" type="datetimeFigureOut">
               <a:rPr lang="en-US" smtClean="0"/>
@@ -4508,7 +5153,9 @@
         <p:spPr/>
         <p:txBody>
           <a:bodyPr/>
-          <a:lstStyle/>
+          <a:lstStyle>
+            <a:extLst/>
+          </a:lstStyle>
           <a:p>
             <a:endParaRPr lang="en-US"/>
           </a:p>
@@ -4527,7 +5174,9 @@
         <p:spPr/>
         <p:txBody>
           <a:bodyPr/>
-          <a:lstStyle/>
+          <a:lstStyle>
+            <a:extLst/>
+          </a:lstStyle>
           <a:p>
             <a:fld id="{06B5A2AF-75D7-42C3-84AC-795503FD5E12}" type="slidenum">
               <a:rPr lang="en-US" smtClean="0"/>
@@ -4538,14 +5187,9 @@
         </p:txBody>
       </p:sp>
     </p:spTree>
-    <p:extLst>
-      <p:ext uri="{BB962C8B-B14F-4D97-AF65-F5344CB8AC3E}">
-        <p14:creationId xmlns:p14="http://schemas.microsoft.com/office/powerpoint/2010/main" val="2303383222"/>
-      </p:ext>
-    </p:extLst>
   </p:cSld>
   <p:clrMapOvr>
-    <a:masterClrMapping/>
+    <a:overrideClrMapping bg1="lt1" tx1="dk1" bg2="lt2" tx2="dk2" accent1="accent1" accent2="accent2" accent3="accent3" accent4="accent4" accent5="accent5" accent6="accent6" hlink="hlink" folHlink="folHlink"/>
   </p:clrMapOvr>
 </p:sldLayout>
 </file>
@@ -4553,6 +5197,11 @@
 <file path=ppt/slideLayouts/slideLayout6.xml><?xml version="1.0" encoding="utf-8"?>
 <p:sldLayout xmlns:a="http://schemas.openxmlformats.org/drawingml/2006/main" xmlns:r="http://schemas.openxmlformats.org/officeDocument/2006/relationships" xmlns:p="http://schemas.openxmlformats.org/presentationml/2006/main" type="titleOnly" preserve="1">
   <p:cSld name="Title Only">
+    <p:bg>
+      <p:bgRef idx="1002">
+        <a:schemeClr val="bg1"/>
+      </p:bgRef>
+    </p:bg>
     <p:spTree>
       <p:nvGrpSpPr>
         <p:cNvPr id="1" name=""/>
@@ -4569,29 +5218,6 @@
       </p:grpSpPr>
       <p:sp>
         <p:nvSpPr>
-          <p:cNvPr id="2" name="Title 1"/>
-          <p:cNvSpPr>
-            <a:spLocks noGrp="1"/>
-          </p:cNvSpPr>
-          <p:nvPr>
-            <p:ph type="title"/>
-          </p:nvPr>
-        </p:nvSpPr>
-        <p:spPr/>
-        <p:txBody>
-          <a:bodyPr/>
-          <a:lstStyle/>
-          <a:p>
-            <a:r>
-              <a:rPr lang="en-US" smtClean="0"/>
-              <a:t>Click to edit Master title style</a:t>
-            </a:r>
-            <a:endParaRPr lang="en-US"/>
-          </a:p>
-        </p:txBody>
-      </p:sp>
-      <p:sp>
-        <p:nvSpPr>
           <p:cNvPr id="3" name="Date Placeholder 2"/>
           <p:cNvSpPr>
             <a:spLocks noGrp="1"/>
@@ -4603,7 +5229,9 @@
         <p:spPr/>
         <p:txBody>
           <a:bodyPr/>
-          <a:lstStyle/>
+          <a:lstStyle>
+            <a:extLst/>
+          </a:lstStyle>
           <a:p>
             <a:fld id="{F4971007-3141-4B38-8DBA-BFD259BFD03D}" type="datetimeFigureOut">
               <a:rPr lang="en-US" smtClean="0"/>
@@ -4626,7 +5254,9 @@
         <p:spPr/>
         <p:txBody>
           <a:bodyPr/>
-          <a:lstStyle/>
+          <a:lstStyle>
+            <a:extLst/>
+          </a:lstStyle>
           <a:p>
             <a:endParaRPr lang="en-US"/>
           </a:p>
@@ -4645,7 +5275,9 @@
         <p:spPr/>
         <p:txBody>
           <a:bodyPr/>
-          <a:lstStyle/>
+          <a:lstStyle>
+            <a:extLst/>
+          </a:lstStyle>
           <a:p>
             <a:fld id="{06B5A2AF-75D7-42C3-84AC-795503FD5E12}" type="slidenum">
               <a:rPr lang="en-US" smtClean="0"/>
@@ -4655,15 +5287,35 @@
           </a:p>
         </p:txBody>
       </p:sp>
+      <p:sp>
+        <p:nvSpPr>
+          <p:cNvPr id="6" name="Title 5"/>
+          <p:cNvSpPr>
+            <a:spLocks noGrp="1"/>
+          </p:cNvSpPr>
+          <p:nvPr>
+            <p:ph type="title"/>
+          </p:nvPr>
+        </p:nvSpPr>
+        <p:spPr/>
+        <p:txBody>
+          <a:bodyPr rtlCol="0"/>
+          <a:lstStyle>
+            <a:extLst/>
+          </a:lstStyle>
+          <a:p>
+            <a:r>
+              <a:rPr kumimoji="0" lang="en-US" smtClean="0"/>
+              <a:t>Click to edit Master title style</a:t>
+            </a:r>
+            <a:endParaRPr kumimoji="0" lang="en-US"/>
+          </a:p>
+        </p:txBody>
+      </p:sp>
     </p:spTree>
-    <p:extLst>
-      <p:ext uri="{BB962C8B-B14F-4D97-AF65-F5344CB8AC3E}">
-        <p14:creationId xmlns:p14="http://schemas.microsoft.com/office/powerpoint/2010/main" val="348052657"/>
-      </p:ext>
-    </p:extLst>
   </p:cSld>
   <p:clrMapOvr>
-    <a:masterClrMapping/>
+    <a:overrideClrMapping bg1="dk1" tx1="lt1" bg2="dk2" tx2="lt2" accent1="accent1" accent2="accent2" accent3="accent3" accent4="accent4" accent5="accent5" accent6="accent6" hlink="hlink" folHlink="folHlink"/>
   </p:clrMapOvr>
 </p:sldLayout>
 </file>
@@ -4698,7 +5350,9 @@
         <p:spPr/>
         <p:txBody>
           <a:bodyPr/>
-          <a:lstStyle/>
+          <a:lstStyle>
+            <a:extLst/>
+          </a:lstStyle>
           <a:p>
             <a:fld id="{F4971007-3141-4B38-8DBA-BFD259BFD03D}" type="datetimeFigureOut">
               <a:rPr lang="en-US" smtClean="0"/>
@@ -4721,7 +5375,9 @@
         <p:spPr/>
         <p:txBody>
           <a:bodyPr/>
-          <a:lstStyle/>
+          <a:lstStyle>
+            <a:extLst/>
+          </a:lstStyle>
           <a:p>
             <a:endParaRPr lang="en-US"/>
           </a:p>
@@ -4740,7 +5396,9 @@
         <p:spPr/>
         <p:txBody>
           <a:bodyPr/>
-          <a:lstStyle/>
+          <a:lstStyle>
+            <a:extLst/>
+          </a:lstStyle>
           <a:p>
             <a:fld id="{06B5A2AF-75D7-42C3-84AC-795503FD5E12}" type="slidenum">
               <a:rPr lang="en-US" smtClean="0"/>
@@ -4751,11 +5409,6 @@
         </p:txBody>
       </p:sp>
     </p:spTree>
-    <p:extLst>
-      <p:ext uri="{BB962C8B-B14F-4D97-AF65-F5344CB8AC3E}">
-        <p14:creationId xmlns:p14="http://schemas.microsoft.com/office/powerpoint/2010/main" val="2103746830"/>
-      </p:ext>
-    </p:extLst>
   </p:cSld>
   <p:clrMapOvr>
     <a:masterClrMapping/>
@@ -4764,8 +5417,13 @@
 </file>
 
 <file path=ppt/slideLayouts/slideLayout8.xml><?xml version="1.0" encoding="utf-8"?>
-<p:sldLayout xmlns:a="http://schemas.openxmlformats.org/drawingml/2006/main" xmlns:r="http://schemas.openxmlformats.org/officeDocument/2006/relationships" xmlns:p="http://schemas.openxmlformats.org/presentationml/2006/main" type="objTx" preserve="1">
+<p:sldLayout xmlns:a="http://schemas.openxmlformats.org/drawingml/2006/main" xmlns:r="http://schemas.openxmlformats.org/officeDocument/2006/relationships" xmlns:p="http://schemas.openxmlformats.org/presentationml/2006/main" showMasterSp="0" type="objTx" preserve="1">
   <p:cSld name="Content with Caption">
+    <p:bg>
+      <p:bgRef idx="1003">
+        <a:schemeClr val="bg1"/>
+      </p:bgRef>
+    </p:bg>
     <p:spTree>
       <p:nvGrpSpPr>
         <p:cNvPr id="1" name=""/>
@@ -4792,40 +5450,102 @@
         </p:nvSpPr>
         <p:spPr>
           <a:xfrm>
-            <a:off x="457200" y="273050"/>
-            <a:ext cx="3008313" cy="1162050"/>
+            <a:off x="914400" y="4876800"/>
+            <a:ext cx="7481776" cy="457200"/>
           </a:xfrm>
         </p:spPr>
         <p:txBody>
-          <a:bodyPr anchor="b"/>
+          <a:bodyPr vert="horz" anchor="t">
+            <a:noAutofit/>
+            <a:sp3d prstMaterial="softEdge">
+              <a:bevelT w="0" h="0"/>
+            </a:sp3d>
+          </a:bodyPr>
           <a:lstStyle>
-            <a:lvl1pPr algn="l">
-              <a:defRPr sz="2000" b="1"/>
+            <a:lvl1pPr algn="r">
+              <a:buNone/>
+              <a:defRPr sz="2500" b="0">
+                <a:solidFill>
+                  <a:schemeClr val="accent1"/>
+                </a:solidFill>
+                <a:effectLst/>
+              </a:defRPr>
             </a:lvl1pPr>
+            <a:extLst/>
           </a:lstStyle>
           <a:p>
             <a:r>
-              <a:rPr lang="en-US" smtClean="0"/>
+              <a:rPr kumimoji="0" lang="en-US" smtClean="0"/>
               <a:t>Click to edit Master title style</a:t>
             </a:r>
-            <a:endParaRPr lang="en-US"/>
+            <a:endParaRPr kumimoji="0" lang="en-US"/>
           </a:p>
         </p:txBody>
       </p:sp>
       <p:sp>
         <p:nvSpPr>
-          <p:cNvPr id="3" name="Content Placeholder 2"/>
+          <p:cNvPr id="3" name="Text Placeholder 2"/>
           <p:cNvSpPr>
             <a:spLocks noGrp="1"/>
           </p:cNvSpPr>
           <p:nvPr>
-            <p:ph idx="1"/>
+            <p:ph type="body" idx="2"/>
           </p:nvPr>
         </p:nvSpPr>
         <p:spPr>
           <a:xfrm>
-            <a:off x="3575050" y="273050"/>
-            <a:ext cx="5111750" cy="5853113"/>
+            <a:off x="4419600" y="5355102"/>
+            <a:ext cx="3974592" cy="914400"/>
+          </a:xfrm>
+        </p:spPr>
+        <p:txBody>
+          <a:bodyPr/>
+          <a:lstStyle>
+            <a:lvl1pPr marL="0" indent="0" algn="r">
+              <a:buNone/>
+              <a:defRPr sz="1600"/>
+            </a:lvl1pPr>
+            <a:lvl2pPr>
+              <a:buNone/>
+              <a:defRPr sz="1200"/>
+            </a:lvl2pPr>
+            <a:lvl3pPr>
+              <a:buNone/>
+              <a:defRPr sz="1000"/>
+            </a:lvl3pPr>
+            <a:lvl4pPr>
+              <a:buNone/>
+              <a:defRPr sz="900"/>
+            </a:lvl4pPr>
+            <a:lvl5pPr>
+              <a:buNone/>
+              <a:defRPr sz="900"/>
+            </a:lvl5pPr>
+            <a:extLst/>
+          </a:lstStyle>
+          <a:p>
+            <a:pPr lvl="0" eaLnBrk="1" latinLnBrk="0" hangingPunct="1"/>
+            <a:r>
+              <a:rPr kumimoji="0" lang="en-US" smtClean="0"/>
+              <a:t>Click to edit Master text styles</a:t>
+            </a:r>
+          </a:p>
+        </p:txBody>
+      </p:sp>
+      <p:sp>
+        <p:nvSpPr>
+          <p:cNvPr id="4" name="Content Placeholder 3"/>
+          <p:cNvSpPr>
+            <a:spLocks noGrp="1"/>
+          </p:cNvSpPr>
+          <p:nvPr>
+            <p:ph sz="half" idx="1"/>
+          </p:nvPr>
+        </p:nvSpPr>
+        <p:spPr>
+          <a:xfrm>
+            <a:off x="914400" y="274320"/>
+            <a:ext cx="7479792" cy="4572000"/>
           </a:xfrm>
         </p:spPr>
         <p:txBody>
@@ -4846,119 +5566,43 @@
             <a:lvl5pPr>
               <a:defRPr sz="2000"/>
             </a:lvl5pPr>
-            <a:lvl6pPr>
-              <a:defRPr sz="2000"/>
-            </a:lvl6pPr>
-            <a:lvl7pPr>
-              <a:defRPr sz="2000"/>
-            </a:lvl7pPr>
-            <a:lvl8pPr>
-              <a:defRPr sz="2000"/>
-            </a:lvl8pPr>
-            <a:lvl9pPr>
-              <a:defRPr sz="2000"/>
-            </a:lvl9pPr>
+            <a:extLst/>
           </a:lstStyle>
           <a:p>
-            <a:pPr lvl="0"/>
+            <a:pPr lvl="0" eaLnBrk="1" latinLnBrk="0" hangingPunct="1"/>
             <a:r>
               <a:rPr lang="en-US" smtClean="0"/>
               <a:t>Click to edit Master text styles</a:t>
             </a:r>
           </a:p>
           <a:p>
-            <a:pPr lvl="1"/>
+            <a:pPr lvl="1" eaLnBrk="1" latinLnBrk="0" hangingPunct="1"/>
             <a:r>
               <a:rPr lang="en-US" smtClean="0"/>
               <a:t>Second level</a:t>
             </a:r>
           </a:p>
           <a:p>
-            <a:pPr lvl="2"/>
+            <a:pPr lvl="2" eaLnBrk="1" latinLnBrk="0" hangingPunct="1"/>
             <a:r>
               <a:rPr lang="en-US" smtClean="0"/>
               <a:t>Third level</a:t>
             </a:r>
           </a:p>
           <a:p>
-            <a:pPr lvl="3"/>
+            <a:pPr lvl="3" eaLnBrk="1" latinLnBrk="0" hangingPunct="1"/>
             <a:r>
               <a:rPr lang="en-US" smtClean="0"/>
               <a:t>Fourth level</a:t>
             </a:r>
           </a:p>
           <a:p>
-            <a:pPr lvl="4"/>
+            <a:pPr lvl="4" eaLnBrk="1" latinLnBrk="0" hangingPunct="1"/>
             <a:r>
               <a:rPr lang="en-US" smtClean="0"/>
               <a:t>Fifth level</a:t>
             </a:r>
-            <a:endParaRPr lang="en-US"/>
-          </a:p>
-        </p:txBody>
-      </p:sp>
-      <p:sp>
-        <p:nvSpPr>
-          <p:cNvPr id="4" name="Text Placeholder 3"/>
-          <p:cNvSpPr>
-            <a:spLocks noGrp="1"/>
-          </p:cNvSpPr>
-          <p:nvPr>
-            <p:ph type="body" sz="half" idx="2"/>
-          </p:nvPr>
-        </p:nvSpPr>
-        <p:spPr>
-          <a:xfrm>
-            <a:off x="457200" y="1435100"/>
-            <a:ext cx="3008313" cy="4691063"/>
-          </a:xfrm>
-        </p:spPr>
-        <p:txBody>
-          <a:bodyPr/>
-          <a:lstStyle>
-            <a:lvl1pPr marL="0" indent="0">
-              <a:buNone/>
-              <a:defRPr sz="1400"/>
-            </a:lvl1pPr>
-            <a:lvl2pPr marL="457200" indent="0">
-              <a:buNone/>
-              <a:defRPr sz="1200"/>
-            </a:lvl2pPr>
-            <a:lvl3pPr marL="914400" indent="0">
-              <a:buNone/>
-              <a:defRPr sz="1000"/>
-            </a:lvl3pPr>
-            <a:lvl4pPr marL="1371600" indent="0">
-              <a:buNone/>
-              <a:defRPr sz="900"/>
-            </a:lvl4pPr>
-            <a:lvl5pPr marL="1828800" indent="0">
-              <a:buNone/>
-              <a:defRPr sz="900"/>
-            </a:lvl5pPr>
-            <a:lvl6pPr marL="2286000" indent="0">
-              <a:buNone/>
-              <a:defRPr sz="900"/>
-            </a:lvl6pPr>
-            <a:lvl7pPr marL="2743200" indent="0">
-              <a:buNone/>
-              <a:defRPr sz="900"/>
-            </a:lvl7pPr>
-            <a:lvl8pPr marL="3200400" indent="0">
-              <a:buNone/>
-              <a:defRPr sz="900"/>
-            </a:lvl8pPr>
-            <a:lvl9pPr marL="3657600" indent="0">
-              <a:buNone/>
-              <a:defRPr sz="900"/>
-            </a:lvl9pPr>
-          </a:lstStyle>
-          <a:p>
-            <a:pPr lvl="0"/>
-            <a:r>
-              <a:rPr lang="en-US" smtClean="0"/>
-              <a:t>Click to edit Master text styles</a:t>
-            </a:r>
+            <a:endParaRPr kumimoji="0" lang="en-US"/>
           </a:p>
         </p:txBody>
       </p:sp>
@@ -4972,10 +5616,17 @@
             <p:ph type="dt" sz="half" idx="10"/>
           </p:nvPr>
         </p:nvSpPr>
-        <p:spPr/>
+        <p:spPr>
+          <a:xfrm>
+            <a:off x="6727032" y="6407944"/>
+            <a:ext cx="1920240" cy="365760"/>
+          </a:xfrm>
+        </p:spPr>
         <p:txBody>
           <a:bodyPr/>
-          <a:lstStyle/>
+          <a:lstStyle>
+            <a:extLst/>
+          </a:lstStyle>
           <a:p>
             <a:fld id="{F4971007-3141-4B38-8DBA-BFD259BFD03D}" type="datetimeFigureOut">
               <a:rPr lang="en-US" smtClean="0"/>
@@ -4998,7 +5649,9 @@
         <p:spPr/>
         <p:txBody>
           <a:bodyPr/>
-          <a:lstStyle/>
+          <a:lstStyle>
+            <a:extLst/>
+          </a:lstStyle>
           <a:p>
             <a:endParaRPr lang="en-US"/>
           </a:p>
@@ -5017,7 +5670,9 @@
         <p:spPr/>
         <p:txBody>
           <a:bodyPr/>
-          <a:lstStyle/>
+          <a:lstStyle>
+            <a:extLst/>
+          </a:lstStyle>
           <a:p>
             <a:fld id="{06B5A2AF-75D7-42C3-84AC-795503FD5E12}" type="slidenum">
               <a:rPr lang="en-US" smtClean="0"/>
@@ -5028,284 +5683,20 @@
         </p:txBody>
       </p:sp>
     </p:spTree>
-    <p:extLst>
-      <p:ext uri="{BB962C8B-B14F-4D97-AF65-F5344CB8AC3E}">
-        <p14:creationId xmlns:p14="http://schemas.microsoft.com/office/powerpoint/2010/main" val="1710959240"/>
-      </p:ext>
-    </p:extLst>
   </p:cSld>
   <p:clrMapOvr>
-    <a:masterClrMapping/>
+    <a:overrideClrMapping bg1="lt1" tx1="dk1" bg2="lt2" tx2="dk2" accent1="accent1" accent2="accent2" accent3="accent3" accent4="accent4" accent5="accent5" accent6="accent6" hlink="hlink" folHlink="folHlink"/>
   </p:clrMapOvr>
 </p:sldLayout>
 </file>
 
 <file path=ppt/slideLayouts/slideLayout9.xml><?xml version="1.0" encoding="utf-8"?>
-<p:sldLayout xmlns:a="http://schemas.openxmlformats.org/drawingml/2006/main" xmlns:r="http://schemas.openxmlformats.org/officeDocument/2006/relationships" xmlns:p="http://schemas.openxmlformats.org/presentationml/2006/main" type="picTx" preserve="1">
+<p:sldLayout xmlns:a="http://schemas.openxmlformats.org/drawingml/2006/main" xmlns:r="http://schemas.openxmlformats.org/officeDocument/2006/relationships" xmlns:p="http://schemas.openxmlformats.org/presentationml/2006/main" showMasterSp="0" type="picTx" preserve="1">
   <p:cSld name="Picture with Caption">
-    <p:spTree>
-      <p:nvGrpSpPr>
-        <p:cNvPr id="1" name=""/>
-        <p:cNvGrpSpPr/>
-        <p:nvPr/>
-      </p:nvGrpSpPr>
-      <p:grpSpPr>
-        <a:xfrm>
-          <a:off x="0" y="0"/>
-          <a:ext cx="0" cy="0"/>
-          <a:chOff x="0" y="0"/>
-          <a:chExt cx="0" cy="0"/>
-        </a:xfrm>
-      </p:grpSpPr>
-      <p:sp>
-        <p:nvSpPr>
-          <p:cNvPr id="2" name="Title 1"/>
-          <p:cNvSpPr>
-            <a:spLocks noGrp="1"/>
-          </p:cNvSpPr>
-          <p:nvPr>
-            <p:ph type="title"/>
-          </p:nvPr>
-        </p:nvSpPr>
-        <p:spPr>
-          <a:xfrm>
-            <a:off x="1792288" y="4800600"/>
-            <a:ext cx="5486400" cy="566738"/>
-          </a:xfrm>
-        </p:spPr>
-        <p:txBody>
-          <a:bodyPr anchor="b"/>
-          <a:lstStyle>
-            <a:lvl1pPr algn="l">
-              <a:defRPr sz="2000" b="1"/>
-            </a:lvl1pPr>
-          </a:lstStyle>
-          <a:p>
-            <a:r>
-              <a:rPr lang="en-US" smtClean="0"/>
-              <a:t>Click to edit Master title style</a:t>
-            </a:r>
-            <a:endParaRPr lang="en-US"/>
-          </a:p>
-        </p:txBody>
-      </p:sp>
-      <p:sp>
-        <p:nvSpPr>
-          <p:cNvPr id="3" name="Picture Placeholder 2"/>
-          <p:cNvSpPr>
-            <a:spLocks noGrp="1"/>
-          </p:cNvSpPr>
-          <p:nvPr>
-            <p:ph type="pic" idx="1"/>
-          </p:nvPr>
-        </p:nvSpPr>
-        <p:spPr>
-          <a:xfrm>
-            <a:off x="1792288" y="612775"/>
-            <a:ext cx="5486400" cy="4114800"/>
-          </a:xfrm>
-        </p:spPr>
-        <p:txBody>
-          <a:bodyPr/>
-          <a:lstStyle>
-            <a:lvl1pPr marL="0" indent="0">
-              <a:buNone/>
-              <a:defRPr sz="3200"/>
-            </a:lvl1pPr>
-            <a:lvl2pPr marL="457200" indent="0">
-              <a:buNone/>
-              <a:defRPr sz="2800"/>
-            </a:lvl2pPr>
-            <a:lvl3pPr marL="914400" indent="0">
-              <a:buNone/>
-              <a:defRPr sz="2400"/>
-            </a:lvl3pPr>
-            <a:lvl4pPr marL="1371600" indent="0">
-              <a:buNone/>
-              <a:defRPr sz="2000"/>
-            </a:lvl4pPr>
-            <a:lvl5pPr marL="1828800" indent="0">
-              <a:buNone/>
-              <a:defRPr sz="2000"/>
-            </a:lvl5pPr>
-            <a:lvl6pPr marL="2286000" indent="0">
-              <a:buNone/>
-              <a:defRPr sz="2000"/>
-            </a:lvl6pPr>
-            <a:lvl7pPr marL="2743200" indent="0">
-              <a:buNone/>
-              <a:defRPr sz="2000"/>
-            </a:lvl7pPr>
-            <a:lvl8pPr marL="3200400" indent="0">
-              <a:buNone/>
-              <a:defRPr sz="2000"/>
-            </a:lvl8pPr>
-            <a:lvl9pPr marL="3657600" indent="0">
-              <a:buNone/>
-              <a:defRPr sz="2000"/>
-            </a:lvl9pPr>
-          </a:lstStyle>
-          <a:p>
-            <a:endParaRPr lang="en-US"/>
-          </a:p>
-        </p:txBody>
-      </p:sp>
-      <p:sp>
-        <p:nvSpPr>
-          <p:cNvPr id="4" name="Text Placeholder 3"/>
-          <p:cNvSpPr>
-            <a:spLocks noGrp="1"/>
-          </p:cNvSpPr>
-          <p:nvPr>
-            <p:ph type="body" sz="half" idx="2"/>
-          </p:nvPr>
-        </p:nvSpPr>
-        <p:spPr>
-          <a:xfrm>
-            <a:off x="1792288" y="5367338"/>
-            <a:ext cx="5486400" cy="804862"/>
-          </a:xfrm>
-        </p:spPr>
-        <p:txBody>
-          <a:bodyPr/>
-          <a:lstStyle>
-            <a:lvl1pPr marL="0" indent="0">
-              <a:buNone/>
-              <a:defRPr sz="1400"/>
-            </a:lvl1pPr>
-            <a:lvl2pPr marL="457200" indent="0">
-              <a:buNone/>
-              <a:defRPr sz="1200"/>
-            </a:lvl2pPr>
-            <a:lvl3pPr marL="914400" indent="0">
-              <a:buNone/>
-              <a:defRPr sz="1000"/>
-            </a:lvl3pPr>
-            <a:lvl4pPr marL="1371600" indent="0">
-              <a:buNone/>
-              <a:defRPr sz="900"/>
-            </a:lvl4pPr>
-            <a:lvl5pPr marL="1828800" indent="0">
-              <a:buNone/>
-              <a:defRPr sz="900"/>
-            </a:lvl5pPr>
-            <a:lvl6pPr marL="2286000" indent="0">
-              <a:buNone/>
-              <a:defRPr sz="900"/>
-            </a:lvl6pPr>
-            <a:lvl7pPr marL="2743200" indent="0">
-              <a:buNone/>
-              <a:defRPr sz="900"/>
-            </a:lvl7pPr>
-            <a:lvl8pPr marL="3200400" indent="0">
-              <a:buNone/>
-              <a:defRPr sz="900"/>
-            </a:lvl8pPr>
-            <a:lvl9pPr marL="3657600" indent="0">
-              <a:buNone/>
-              <a:defRPr sz="900"/>
-            </a:lvl9pPr>
-          </a:lstStyle>
-          <a:p>
-            <a:pPr lvl="0"/>
-            <a:r>
-              <a:rPr lang="en-US" smtClean="0"/>
-              <a:t>Click to edit Master text styles</a:t>
-            </a:r>
-          </a:p>
-        </p:txBody>
-      </p:sp>
-      <p:sp>
-        <p:nvSpPr>
-          <p:cNvPr id="5" name="Date Placeholder 4"/>
-          <p:cNvSpPr>
-            <a:spLocks noGrp="1"/>
-          </p:cNvSpPr>
-          <p:nvPr>
-            <p:ph type="dt" sz="half" idx="10"/>
-          </p:nvPr>
-        </p:nvSpPr>
-        <p:spPr/>
-        <p:txBody>
-          <a:bodyPr/>
-          <a:lstStyle/>
-          <a:p>
-            <a:fld id="{F4971007-3141-4B38-8DBA-BFD259BFD03D}" type="datetimeFigureOut">
-              <a:rPr lang="en-US" smtClean="0"/>
-              <a:t>7/12/2015</a:t>
-            </a:fld>
-            <a:endParaRPr lang="en-US"/>
-          </a:p>
-        </p:txBody>
-      </p:sp>
-      <p:sp>
-        <p:nvSpPr>
-          <p:cNvPr id="6" name="Footer Placeholder 5"/>
-          <p:cNvSpPr>
-            <a:spLocks noGrp="1"/>
-          </p:cNvSpPr>
-          <p:nvPr>
-            <p:ph type="ftr" sz="quarter" idx="11"/>
-          </p:nvPr>
-        </p:nvSpPr>
-        <p:spPr/>
-        <p:txBody>
-          <a:bodyPr/>
-          <a:lstStyle/>
-          <a:p>
-            <a:endParaRPr lang="en-US"/>
-          </a:p>
-        </p:txBody>
-      </p:sp>
-      <p:sp>
-        <p:nvSpPr>
-          <p:cNvPr id="7" name="Slide Number Placeholder 6"/>
-          <p:cNvSpPr>
-            <a:spLocks noGrp="1"/>
-          </p:cNvSpPr>
-          <p:nvPr>
-            <p:ph type="sldNum" sz="quarter" idx="12"/>
-          </p:nvPr>
-        </p:nvSpPr>
-        <p:spPr/>
-        <p:txBody>
-          <a:bodyPr/>
-          <a:lstStyle/>
-          <a:p>
-            <a:fld id="{06B5A2AF-75D7-42C3-84AC-795503FD5E12}" type="slidenum">
-              <a:rPr lang="en-US" smtClean="0"/>
-              <a:t>‹#›</a:t>
-            </a:fld>
-            <a:endParaRPr lang="en-US"/>
-          </a:p>
-        </p:txBody>
-      </p:sp>
-    </p:spTree>
-    <p:extLst>
-      <p:ext uri="{BB962C8B-B14F-4D97-AF65-F5344CB8AC3E}">
-        <p14:creationId xmlns:p14="http://schemas.microsoft.com/office/powerpoint/2010/main" val="948433813"/>
-      </p:ext>
-    </p:extLst>
-  </p:cSld>
-  <p:clrMapOvr>
-    <a:masterClrMapping/>
-  </p:clrMapOvr>
-</p:sldLayout>
-</file>
-
-<file path=ppt/slideMasters/slideMaster1.xml><?xml version="1.0" encoding="utf-8"?>
-<p:sldMaster xmlns:a="http://schemas.openxmlformats.org/drawingml/2006/main" xmlns:r="http://schemas.openxmlformats.org/officeDocument/2006/relationships" xmlns:p="http://schemas.openxmlformats.org/presentationml/2006/main">
-  <p:cSld>
     <p:bg>
-      <p:bgPr>
-        <a:solidFill>
-          <a:schemeClr val="tx2">
-            <a:lumMod val="40000"/>
-            <a:lumOff val="60000"/>
-          </a:schemeClr>
-        </a:solidFill>
-        <a:effectLst/>
-      </p:bgPr>
+      <p:bgRef idx="1002">
+        <a:schemeClr val="bg1"/>
+      </p:bgRef>
     </p:bg>
     <p:spTree>
       <p:nvGrpSpPr>
@@ -5323,7 +5714,1099 @@
       </p:grpSpPr>
       <p:sp>
         <p:nvSpPr>
-          <p:cNvPr id="2" name="Title Placeholder 1"/>
+          <p:cNvPr id="4" name="Text Placeholder 3"/>
+          <p:cNvSpPr>
+            <a:spLocks noGrp="1"/>
+          </p:cNvSpPr>
+          <p:nvPr>
+            <p:ph type="body" sz="half" idx="2"/>
+          </p:nvPr>
+        </p:nvSpPr>
+        <p:spPr>
+          <a:xfrm>
+            <a:off x="1141232" y="5443402"/>
+            <a:ext cx="7162800" cy="648232"/>
+          </a:xfrm>
+          <a:noFill/>
+        </p:spPr>
+        <p:txBody>
+          <a:bodyPr lIns="91440" tIns="0" rIns="91440" anchor="t"/>
+          <a:lstStyle>
+            <a:lvl1pPr marL="0" marR="18288" indent="0" algn="r">
+              <a:buNone/>
+              <a:defRPr sz="1400"/>
+            </a:lvl1pPr>
+            <a:lvl2pPr>
+              <a:defRPr sz="1200"/>
+            </a:lvl2pPr>
+            <a:lvl3pPr>
+              <a:defRPr sz="1000"/>
+            </a:lvl3pPr>
+            <a:lvl4pPr>
+              <a:defRPr sz="900"/>
+            </a:lvl4pPr>
+            <a:lvl5pPr>
+              <a:defRPr sz="900"/>
+            </a:lvl5pPr>
+            <a:extLst/>
+          </a:lstStyle>
+          <a:p>
+            <a:pPr lvl="0" eaLnBrk="1" latinLnBrk="0" hangingPunct="1"/>
+            <a:r>
+              <a:rPr kumimoji="0" lang="en-US" smtClean="0"/>
+              <a:t>Click to edit Master text styles</a:t>
+            </a:r>
+          </a:p>
+        </p:txBody>
+      </p:sp>
+      <p:sp>
+        <p:nvSpPr>
+          <p:cNvPr id="3" name="Picture Placeholder 2"/>
+          <p:cNvSpPr>
+            <a:spLocks noGrp="1"/>
+          </p:cNvSpPr>
+          <p:nvPr>
+            <p:ph type="pic" idx="1"/>
+          </p:nvPr>
+        </p:nvSpPr>
+        <p:spPr>
+          <a:xfrm>
+            <a:off x="228600" y="189968"/>
+            <a:ext cx="8686800" cy="4389120"/>
+          </a:xfrm>
+          <a:prstGeom prst="rect">
+            <a:avLst/>
+          </a:prstGeom>
+          <a:solidFill>
+            <a:schemeClr val="bg2"/>
+          </a:solidFill>
+          <a:ln>
+            <a:solidFill>
+              <a:schemeClr val="bg1"/>
+            </a:solidFill>
+          </a:ln>
+          <a:effectLst>
+            <a:innerShdw blurRad="95250">
+              <a:srgbClr val="000000"/>
+            </a:innerShdw>
+          </a:effectLst>
+        </p:spPr>
+        <p:txBody>
+          <a:bodyPr/>
+          <a:lstStyle>
+            <a:lvl1pPr marL="0" indent="0">
+              <a:buNone/>
+              <a:defRPr sz="3200"/>
+            </a:lvl1pPr>
+            <a:extLst/>
+          </a:lstStyle>
+          <a:p>
+            <a:r>
+              <a:rPr kumimoji="0" lang="en-US" smtClean="0"/>
+              <a:t>Click icon to add picture</a:t>
+            </a:r>
+            <a:endParaRPr kumimoji="0" lang="en-US" dirty="0"/>
+          </a:p>
+        </p:txBody>
+      </p:sp>
+      <p:sp>
+        <p:nvSpPr>
+          <p:cNvPr id="5" name="Date Placeholder 4"/>
+          <p:cNvSpPr>
+            <a:spLocks noGrp="1"/>
+          </p:cNvSpPr>
+          <p:nvPr>
+            <p:ph type="dt" sz="half" idx="10"/>
+          </p:nvPr>
+        </p:nvSpPr>
+        <p:spPr/>
+        <p:txBody>
+          <a:bodyPr/>
+          <a:lstStyle>
+            <a:lvl1pPr>
+              <a:defRPr>
+                <a:solidFill>
+                  <a:schemeClr val="tx1"/>
+                </a:solidFill>
+              </a:defRPr>
+            </a:lvl1pPr>
+            <a:extLst/>
+          </a:lstStyle>
+          <a:p>
+            <a:fld id="{F4971007-3141-4B38-8DBA-BFD259BFD03D}" type="datetimeFigureOut">
+              <a:rPr lang="en-US" smtClean="0"/>
+              <a:t>7/12/2015</a:t>
+            </a:fld>
+            <a:endParaRPr lang="en-US"/>
+          </a:p>
+        </p:txBody>
+      </p:sp>
+      <p:sp>
+        <p:nvSpPr>
+          <p:cNvPr id="6" name="Footer Placeholder 5"/>
+          <p:cNvSpPr>
+            <a:spLocks noGrp="1"/>
+          </p:cNvSpPr>
+          <p:nvPr>
+            <p:ph type="ftr" sz="quarter" idx="11"/>
+          </p:nvPr>
+        </p:nvSpPr>
+        <p:spPr>
+          <a:xfrm>
+            <a:off x="4380072" y="6407944"/>
+            <a:ext cx="2350681" cy="365125"/>
+          </a:xfrm>
+        </p:spPr>
+        <p:txBody>
+          <a:bodyPr/>
+          <a:lstStyle>
+            <a:lvl1pPr>
+              <a:defRPr>
+                <a:solidFill>
+                  <a:schemeClr val="tx1"/>
+                </a:solidFill>
+              </a:defRPr>
+            </a:lvl1pPr>
+            <a:extLst/>
+          </a:lstStyle>
+          <a:p>
+            <a:endParaRPr lang="en-US"/>
+          </a:p>
+        </p:txBody>
+      </p:sp>
+      <p:sp>
+        <p:nvSpPr>
+          <p:cNvPr id="7" name="Slide Number Placeholder 6"/>
+          <p:cNvSpPr>
+            <a:spLocks noGrp="1"/>
+          </p:cNvSpPr>
+          <p:nvPr>
+            <p:ph type="sldNum" sz="quarter" idx="12"/>
+          </p:nvPr>
+        </p:nvSpPr>
+        <p:spPr/>
+        <p:txBody>
+          <a:bodyPr/>
+          <a:lstStyle>
+            <a:lvl1pPr>
+              <a:defRPr>
+                <a:solidFill>
+                  <a:schemeClr val="tx1"/>
+                </a:solidFill>
+              </a:defRPr>
+            </a:lvl1pPr>
+            <a:extLst/>
+          </a:lstStyle>
+          <a:p>
+            <a:fld id="{06B5A2AF-75D7-42C3-84AC-795503FD5E12}" type="slidenum">
+              <a:rPr lang="en-US" smtClean="0"/>
+              <a:t>‹#›</a:t>
+            </a:fld>
+            <a:endParaRPr lang="en-US"/>
+          </a:p>
+        </p:txBody>
+      </p:sp>
+      <p:sp>
+        <p:nvSpPr>
+          <p:cNvPr id="2" name="Title 1"/>
+          <p:cNvSpPr>
+            <a:spLocks noGrp="1"/>
+          </p:cNvSpPr>
+          <p:nvPr>
+            <p:ph type="title"/>
+          </p:nvPr>
+        </p:nvSpPr>
+        <p:spPr>
+          <a:xfrm>
+            <a:off x="228600" y="4865122"/>
+            <a:ext cx="8075432" cy="562672"/>
+          </a:xfrm>
+          <a:noFill/>
+        </p:spPr>
+        <p:txBody>
+          <a:bodyPr anchor="t">
+            <a:sp3d prstMaterial="softEdge"/>
+          </a:bodyPr>
+          <a:lstStyle>
+            <a:lvl1pPr marR="0" algn="r">
+              <a:buNone/>
+              <a:defRPr sz="3000" b="0">
+                <a:solidFill>
+                  <a:schemeClr val="accent1"/>
+                </a:solidFill>
+                <a:effectLst>
+                  <a:outerShdw blurRad="50800" dist="25000" dir="5400000" algn="t" rotWithShape="0">
+                    <a:prstClr val="black">
+                      <a:alpha val="45000"/>
+                    </a:prstClr>
+                  </a:outerShdw>
+                </a:effectLst>
+              </a:defRPr>
+            </a:lvl1pPr>
+            <a:extLst/>
+          </a:lstStyle>
+          <a:p>
+            <a:r>
+              <a:rPr kumimoji="0" lang="en-US" smtClean="0"/>
+              <a:t>Click to edit Master title style</a:t>
+            </a:r>
+            <a:endParaRPr kumimoji="0" lang="en-US"/>
+          </a:p>
+        </p:txBody>
+      </p:sp>
+      <p:sp>
+        <p:nvSpPr>
+          <p:cNvPr id="8" name="Freeform 7"/>
+          <p:cNvSpPr>
+            <a:spLocks/>
+          </p:cNvSpPr>
+          <p:nvPr/>
+        </p:nvSpPr>
+        <p:spPr bwMode="auto">
+          <a:xfrm>
+            <a:off x="499273" y="5944936"/>
+            <a:ext cx="4940624" cy="921076"/>
+          </a:xfrm>
+          <a:custGeom>
+            <a:avLst>
+              <a:gd name="A1" fmla="val 0"/>
+              <a:gd name="A2" fmla="val 0"/>
+              <a:gd name="A3" fmla="val 0"/>
+              <a:gd name="A4" fmla="val 0"/>
+              <a:gd name="A5" fmla="val 0"/>
+              <a:gd name="A6" fmla="val 0"/>
+              <a:gd name="A7" fmla="val 0"/>
+              <a:gd name="A8" fmla="val 0"/>
+            </a:avLst>
+            <a:gdLst/>
+            <a:ahLst/>
+            <a:cxnLst>
+              <a:cxn ang="0">
+                <a:pos x="0" y="0"/>
+              </a:cxn>
+              <a:cxn ang="0">
+                <a:pos x="5760" y="0"/>
+              </a:cxn>
+              <a:cxn ang="0">
+                <a:pos x="5760" y="528"/>
+              </a:cxn>
+              <a:cxn ang="0">
+                <a:pos x="48" y="0"/>
+              </a:cxn>
+            </a:cxnLst>
+            <a:rect l="0" t="0" r="0" b="0"/>
+            <a:pathLst>
+              <a:path w="7485" h="337">
+                <a:moveTo>
+                  <a:pt x="0" y="2"/>
+                </a:moveTo>
+                <a:lnTo>
+                  <a:pt x="7485" y="337"/>
+                </a:lnTo>
+                <a:lnTo>
+                  <a:pt x="5558" y="337"/>
+                </a:lnTo>
+                <a:lnTo>
+                  <a:pt x="1" y="0"/>
+                </a:lnTo>
+              </a:path>
+            </a:pathLst>
+          </a:custGeom>
+          <a:solidFill>
+            <a:schemeClr val="accent1">
+              <a:tint val="65000"/>
+              <a:satMod val="115000"/>
+              <a:alpha val="40000"/>
+            </a:schemeClr>
+          </a:solidFill>
+          <a:ln w="9525" cap="flat" cmpd="sng" algn="ctr">
+            <a:noFill/>
+            <a:prstDash val="solid"/>
+            <a:round/>
+            <a:headEnd type="none" w="med" len="med"/>
+            <a:tailEnd type="none" w="med" len="med"/>
+          </a:ln>
+          <a:effectLst/>
+        </p:spPr>
+        <p:txBody>
+          <a:bodyPr vert="horz" wrap="square" lIns="91440" tIns="45720" rIns="91440" bIns="45720" anchor="t" compatLnSpc="1"/>
+          <a:lstStyle>
+            <a:extLst/>
+          </a:lstStyle>
+          <a:p>
+            <a:endParaRPr kumimoji="0" lang="en-US"/>
+          </a:p>
+        </p:txBody>
+      </p:sp>
+      <p:sp>
+        <p:nvSpPr>
+          <p:cNvPr id="9" name="Freeform 8"/>
+          <p:cNvSpPr>
+            <a:spLocks/>
+          </p:cNvSpPr>
+          <p:nvPr/>
+        </p:nvSpPr>
+        <p:spPr bwMode="auto">
+          <a:xfrm>
+            <a:off x="485717" y="5939011"/>
+            <a:ext cx="3690451" cy="933450"/>
+          </a:xfrm>
+          <a:custGeom>
+            <a:avLst>
+              <a:gd name="A1" fmla="val 0"/>
+              <a:gd name="A2" fmla="val 0"/>
+              <a:gd name="A3" fmla="val 0"/>
+              <a:gd name="A4" fmla="val 0"/>
+              <a:gd name="A5" fmla="val 0"/>
+              <a:gd name="A6" fmla="val 0"/>
+              <a:gd name="A7" fmla="val 0"/>
+              <a:gd name="A8" fmla="val 0"/>
+            </a:avLst>
+            <a:gdLst/>
+            <a:ahLst/>
+            <a:cxnLst>
+              <a:cxn ang="0">
+                <a:pos x="0" y="0"/>
+              </a:cxn>
+              <a:cxn ang="0">
+                <a:pos x="5760" y="0"/>
+              </a:cxn>
+              <a:cxn ang="0">
+                <a:pos x="5760" y="528"/>
+              </a:cxn>
+              <a:cxn ang="0">
+                <a:pos x="48" y="0"/>
+              </a:cxn>
+            </a:cxnLst>
+            <a:rect l="0" t="0" r="0" b="0"/>
+            <a:pathLst>
+              <a:path w="5591" h="588">
+                <a:moveTo>
+                  <a:pt x="0" y="0"/>
+                </a:moveTo>
+                <a:lnTo>
+                  <a:pt x="5591" y="585"/>
+                </a:lnTo>
+                <a:lnTo>
+                  <a:pt x="4415" y="588"/>
+                </a:lnTo>
+                <a:lnTo>
+                  <a:pt x="12" y="4"/>
+                </a:lnTo>
+              </a:path>
+            </a:pathLst>
+          </a:custGeom>
+          <a:solidFill>
+            <a:srgbClr val="000000">
+              <a:alpha val="100000"/>
+            </a:srgbClr>
+          </a:solidFill>
+          <a:ln w="9525" cap="flat" cmpd="sng" algn="ctr">
+            <a:noFill/>
+            <a:prstDash val="solid"/>
+            <a:round/>
+            <a:headEnd type="none" w="med" len="med"/>
+            <a:tailEnd type="none" w="med" len="med"/>
+          </a:ln>
+          <a:effectLst/>
+        </p:spPr>
+        <p:txBody>
+          <a:bodyPr vert="horz" wrap="square" lIns="91440" tIns="45720" rIns="91440" bIns="45720" anchor="t" compatLnSpc="1"/>
+          <a:lstStyle>
+            <a:extLst/>
+          </a:lstStyle>
+          <a:p>
+            <a:endParaRPr kumimoji="0" lang="en-US"/>
+          </a:p>
+        </p:txBody>
+      </p:sp>
+      <p:sp>
+        <p:nvSpPr>
+          <p:cNvPr id="10" name="Right Triangle 9"/>
+          <p:cNvSpPr>
+            <a:spLocks/>
+          </p:cNvSpPr>
+          <p:nvPr/>
+        </p:nvSpPr>
+        <p:spPr bwMode="auto">
+          <a:xfrm>
+            <a:off x="-6042" y="5791253"/>
+            <a:ext cx="3402314" cy="1080868"/>
+          </a:xfrm>
+          <a:prstGeom prst="rtTriangle">
+            <a:avLst/>
+          </a:prstGeom>
+          <a:blipFill>
+            <a:blip r:embed="rId2">
+              <a:alphaModFix amt="50000"/>
+            </a:blip>
+            <a:tile tx="0" ty="0" sx="50000" sy="50000" flip="none" algn="t"/>
+          </a:blipFill>
+          <a:ln w="12700" cap="rnd" cmpd="thickThin" algn="ctr">
+            <a:noFill/>
+            <a:prstDash val="solid"/>
+          </a:ln>
+          <a:effectLst>
+            <a:fillOverlay blend="mult">
+              <a:gradFill flip="none" rotWithShape="1">
+                <a:gsLst>
+                  <a:gs pos="0">
+                    <a:schemeClr val="accent1">
+                      <a:shade val="20000"/>
+                      <a:satMod val="176000"/>
+                      <a:alpha val="100000"/>
+                    </a:schemeClr>
+                  </a:gs>
+                  <a:gs pos="18000">
+                    <a:schemeClr val="accent1">
+                      <a:shade val="48000"/>
+                      <a:satMod val="153000"/>
+                      <a:alpha val="100000"/>
+                    </a:schemeClr>
+                  </a:gs>
+                  <a:gs pos="43000">
+                    <a:schemeClr val="accent1">
+                      <a:tint val="86000"/>
+                      <a:satMod val="149000"/>
+                      <a:alpha val="100000"/>
+                    </a:schemeClr>
+                  </a:gs>
+                  <a:gs pos="45000">
+                    <a:schemeClr val="accent1">
+                      <a:tint val="85000"/>
+                      <a:satMod val="150000"/>
+                      <a:alpha val="100000"/>
+                    </a:schemeClr>
+                  </a:gs>
+                  <a:gs pos="50000">
+                    <a:schemeClr val="accent1">
+                      <a:tint val="86000"/>
+                      <a:satMod val="149000"/>
+                      <a:alpha val="100000"/>
+                    </a:schemeClr>
+                  </a:gs>
+                  <a:gs pos="79000">
+                    <a:schemeClr val="accent1">
+                      <a:shade val="53000"/>
+                      <a:satMod val="150000"/>
+                      <a:alpha val="100000"/>
+                    </a:schemeClr>
+                  </a:gs>
+                  <a:gs pos="100000">
+                    <a:schemeClr val="accent1">
+                      <a:shade val="25000"/>
+                      <a:satMod val="170000"/>
+                      <a:alpha val="100000"/>
+                    </a:schemeClr>
+                  </a:gs>
+                </a:gsLst>
+                <a:lin ang="450000" scaled="1"/>
+                <a:tileRect/>
+              </a:gradFill>
+            </a:fillOverlay>
+          </a:effectLst>
+        </p:spPr>
+        <p:style>
+          <a:lnRef idx="3">
+            <a:schemeClr val="lt1"/>
+          </a:lnRef>
+          <a:fillRef idx="1">
+            <a:schemeClr val="accent1"/>
+          </a:fillRef>
+          <a:effectRef idx="1">
+            <a:schemeClr val="accent1"/>
+          </a:effectRef>
+          <a:fontRef idx="minor">
+            <a:schemeClr val="lt1"/>
+          </a:fontRef>
+        </p:style>
+        <p:txBody>
+          <a:bodyPr vert="horz" wrap="square" lIns="91440" tIns="45720" rIns="91440" bIns="45720" anchor="ctr" compatLnSpc="1"/>
+          <a:lstStyle>
+            <a:extLst/>
+          </a:lstStyle>
+          <a:p>
+            <a:pPr algn="ctr" eaLnBrk="1" latinLnBrk="0" hangingPunct="1"/>
+            <a:endParaRPr kumimoji="0" lang="en-US"/>
+          </a:p>
+        </p:txBody>
+      </p:sp>
+      <p:cxnSp>
+        <p:nvCxnSpPr>
+          <p:cNvPr id="11" name="Straight Connector 10"/>
+          <p:cNvCxnSpPr/>
+          <p:nvPr/>
+        </p:nvCxnSpPr>
+        <p:spPr>
+          <a:xfrm>
+            <a:off x="-9237" y="5787738"/>
+            <a:ext cx="3405509" cy="1084383"/>
+          </a:xfrm>
+          <a:prstGeom prst="line">
+            <a:avLst/>
+          </a:prstGeom>
+          <a:noFill/>
+          <a:ln w="12065" cap="flat" cmpd="sng" algn="ctr">
+            <a:gradFill>
+              <a:gsLst>
+                <a:gs pos="45000">
+                  <a:schemeClr val="accent1">
+                    <a:tint val="70000"/>
+                    <a:satMod val="110000"/>
+                  </a:schemeClr>
+                </a:gs>
+                <a:gs pos="15000">
+                  <a:schemeClr val="accent1">
+                    <a:shade val="40000"/>
+                    <a:satMod val="110000"/>
+                  </a:schemeClr>
+                </a:gs>
+              </a:gsLst>
+              <a:lin ang="5400000" scaled="1"/>
+            </a:gradFill>
+            <a:prstDash val="solid"/>
+            <a:miter lim="800000"/>
+          </a:ln>
+          <a:effectLst/>
+        </p:spPr>
+        <p:style>
+          <a:lnRef idx="2">
+            <a:schemeClr val="accent1"/>
+          </a:lnRef>
+          <a:fillRef idx="0">
+            <a:schemeClr val="accent1"/>
+          </a:fillRef>
+          <a:effectRef idx="1">
+            <a:schemeClr val="accent1"/>
+          </a:effectRef>
+          <a:fontRef idx="minor">
+            <a:schemeClr val="tx1"/>
+          </a:fontRef>
+        </p:style>
+      </p:cxnSp>
+      <p:sp>
+        <p:nvSpPr>
+          <p:cNvPr id="12" name="Chevron 11"/>
+          <p:cNvSpPr/>
+          <p:nvPr/>
+        </p:nvSpPr>
+        <p:spPr>
+          <a:xfrm>
+            <a:off x="8664112" y="4988440"/>
+            <a:ext cx="182880" cy="228600"/>
+          </a:xfrm>
+          <a:prstGeom prst="chevron">
+            <a:avLst>
+              <a:gd name="adj" fmla="val 50000"/>
+            </a:avLst>
+          </a:prstGeom>
+          <a:gradFill flip="none" rotWithShape="1">
+            <a:gsLst>
+              <a:gs pos="0">
+                <a:schemeClr val="accent1">
+                  <a:shade val="60000"/>
+                  <a:satMod val="125000"/>
+                </a:schemeClr>
+              </a:gs>
+              <a:gs pos="72000">
+                <a:schemeClr val="accent1">
+                  <a:tint val="90000"/>
+                  <a:satMod val="138000"/>
+                </a:schemeClr>
+              </a:gs>
+              <a:gs pos="100000">
+                <a:schemeClr val="accent1">
+                  <a:tint val="76000"/>
+                  <a:satMod val="136000"/>
+                </a:schemeClr>
+              </a:gs>
+            </a:gsLst>
+            <a:lin ang="16200000" scaled="0"/>
+          </a:gradFill>
+          <a:ln w="3175" cap="rnd" cmpd="sng" algn="ctr">
+            <a:solidFill>
+              <a:schemeClr val="accent1">
+                <a:shade val="50000"/>
+              </a:schemeClr>
+            </a:solidFill>
+            <a:prstDash val="solid"/>
+          </a:ln>
+          <a:effectLst>
+            <a:outerShdw blurRad="50800" dist="25400" dir="5400000">
+              <a:srgbClr val="000000">
+                <a:alpha val="46000"/>
+              </a:srgbClr>
+            </a:outerShdw>
+          </a:effectLst>
+        </p:spPr>
+        <p:style>
+          <a:lnRef idx="1">
+            <a:schemeClr val="accent1"/>
+          </a:lnRef>
+          <a:fillRef idx="3">
+            <a:schemeClr val="accent1"/>
+          </a:fillRef>
+          <a:effectRef idx="2">
+            <a:schemeClr val="accent1"/>
+          </a:effectRef>
+          <a:fontRef idx="minor">
+            <a:schemeClr val="lt1"/>
+          </a:fontRef>
+        </p:style>
+        <p:txBody>
+          <a:bodyPr anchor="ctr"/>
+          <a:lstStyle>
+            <a:extLst/>
+          </a:lstStyle>
+          <a:p>
+            <a:pPr algn="l" eaLnBrk="1" latinLnBrk="0" hangingPunct="1"/>
+            <a:endParaRPr kumimoji="0" lang="en-US"/>
+          </a:p>
+        </p:txBody>
+      </p:sp>
+      <p:sp>
+        <p:nvSpPr>
+          <p:cNvPr id="13" name="Chevron 12"/>
+          <p:cNvSpPr/>
+          <p:nvPr/>
+        </p:nvSpPr>
+        <p:spPr>
+          <a:xfrm>
+            <a:off x="8477696" y="4988440"/>
+            <a:ext cx="182880" cy="228600"/>
+          </a:xfrm>
+          <a:prstGeom prst="chevron">
+            <a:avLst>
+              <a:gd name="adj" fmla="val 50000"/>
+            </a:avLst>
+          </a:prstGeom>
+          <a:gradFill flip="none" rotWithShape="1">
+            <a:gsLst>
+              <a:gs pos="0">
+                <a:schemeClr val="accent1">
+                  <a:shade val="60000"/>
+                  <a:satMod val="125000"/>
+                </a:schemeClr>
+              </a:gs>
+              <a:gs pos="72000">
+                <a:schemeClr val="accent1">
+                  <a:tint val="90000"/>
+                  <a:satMod val="138000"/>
+                </a:schemeClr>
+              </a:gs>
+              <a:gs pos="100000">
+                <a:schemeClr val="accent1">
+                  <a:tint val="76000"/>
+                  <a:satMod val="136000"/>
+                </a:schemeClr>
+              </a:gs>
+            </a:gsLst>
+            <a:lin ang="16200000" scaled="0"/>
+          </a:gradFill>
+          <a:ln w="3175" cap="rnd" cmpd="sng" algn="ctr">
+            <a:solidFill>
+              <a:schemeClr val="accent1">
+                <a:shade val="50000"/>
+              </a:schemeClr>
+            </a:solidFill>
+            <a:prstDash val="solid"/>
+          </a:ln>
+          <a:effectLst>
+            <a:outerShdw blurRad="50800" dist="25400" dir="5400000">
+              <a:srgbClr val="000000">
+                <a:alpha val="46000"/>
+              </a:srgbClr>
+            </a:outerShdw>
+          </a:effectLst>
+        </p:spPr>
+        <p:style>
+          <a:lnRef idx="1">
+            <a:schemeClr val="accent1"/>
+          </a:lnRef>
+          <a:fillRef idx="3">
+            <a:schemeClr val="accent1"/>
+          </a:fillRef>
+          <a:effectRef idx="2">
+            <a:schemeClr val="accent1"/>
+          </a:effectRef>
+          <a:fontRef idx="minor">
+            <a:schemeClr val="lt1"/>
+          </a:fontRef>
+        </p:style>
+        <p:txBody>
+          <a:bodyPr anchor="ctr"/>
+          <a:lstStyle>
+            <a:extLst/>
+          </a:lstStyle>
+          <a:p>
+            <a:pPr algn="l" eaLnBrk="1" latinLnBrk="0" hangingPunct="1"/>
+            <a:endParaRPr kumimoji="0" lang="en-US"/>
+          </a:p>
+        </p:txBody>
+      </p:sp>
+    </p:spTree>
+  </p:cSld>
+  <p:clrMapOvr>
+    <a:overrideClrMapping bg1="dk1" tx1="lt1" bg2="dk2" tx2="lt2" accent1="accent1" accent2="accent2" accent3="accent3" accent4="accent4" accent5="accent5" accent6="accent6" hlink="hlink" folHlink="folHlink"/>
+  </p:clrMapOvr>
+</p:sldLayout>
+</file>
+
+<file path=ppt/slideMasters/slideMaster1.xml><?xml version="1.0" encoding="utf-8"?>
+<p:sldMaster xmlns:a="http://schemas.openxmlformats.org/drawingml/2006/main" xmlns:r="http://schemas.openxmlformats.org/officeDocument/2006/relationships" xmlns:p="http://schemas.openxmlformats.org/presentationml/2006/main">
+  <p:cSld>
+    <p:bg>
+      <p:bgRef idx="1001">
+        <a:schemeClr val="bg1"/>
+      </p:bgRef>
+    </p:bg>
+    <p:spTree>
+      <p:nvGrpSpPr>
+        <p:cNvPr id="1" name=""/>
+        <p:cNvGrpSpPr/>
+        <p:nvPr/>
+      </p:nvGrpSpPr>
+      <p:grpSpPr>
+        <a:xfrm>
+          <a:off x="0" y="0"/>
+          <a:ext cx="0" cy="0"/>
+          <a:chOff x="0" y="0"/>
+          <a:chExt cx="0" cy="0"/>
+        </a:xfrm>
+      </p:grpSpPr>
+      <p:sp>
+        <p:nvSpPr>
+          <p:cNvPr id="13" name="Freeform 12"/>
+          <p:cNvSpPr>
+            <a:spLocks/>
+          </p:cNvSpPr>
+          <p:nvPr/>
+        </p:nvSpPr>
+        <p:spPr bwMode="auto">
+          <a:xfrm>
+            <a:off x="499273" y="5944936"/>
+            <a:ext cx="4940624" cy="921076"/>
+          </a:xfrm>
+          <a:custGeom>
+            <a:avLst>
+              <a:gd name="A1" fmla="val 0"/>
+              <a:gd name="A2" fmla="val 0"/>
+              <a:gd name="A3" fmla="val 0"/>
+              <a:gd name="A4" fmla="val 0"/>
+              <a:gd name="A5" fmla="val 0"/>
+              <a:gd name="A6" fmla="val 0"/>
+              <a:gd name="A7" fmla="val 0"/>
+              <a:gd name="A8" fmla="val 0"/>
+            </a:avLst>
+            <a:gdLst/>
+            <a:ahLst/>
+            <a:cxnLst>
+              <a:cxn ang="0">
+                <a:pos x="0" y="0"/>
+              </a:cxn>
+              <a:cxn ang="0">
+                <a:pos x="5760" y="0"/>
+              </a:cxn>
+              <a:cxn ang="0">
+                <a:pos x="5760" y="528"/>
+              </a:cxn>
+              <a:cxn ang="0">
+                <a:pos x="48" y="0"/>
+              </a:cxn>
+            </a:cxnLst>
+            <a:rect l="0" t="0" r="0" b="0"/>
+            <a:pathLst>
+              <a:path w="7485" h="337">
+                <a:moveTo>
+                  <a:pt x="0" y="2"/>
+                </a:moveTo>
+                <a:lnTo>
+                  <a:pt x="7485" y="337"/>
+                </a:lnTo>
+                <a:lnTo>
+                  <a:pt x="5558" y="337"/>
+                </a:lnTo>
+                <a:lnTo>
+                  <a:pt x="1" y="0"/>
+                </a:lnTo>
+              </a:path>
+            </a:pathLst>
+          </a:custGeom>
+          <a:solidFill>
+            <a:schemeClr val="accent1">
+              <a:tint val="65000"/>
+              <a:satMod val="115000"/>
+              <a:alpha val="40000"/>
+            </a:schemeClr>
+          </a:solidFill>
+          <a:ln w="9525" cap="flat" cmpd="sng" algn="ctr">
+            <a:noFill/>
+            <a:prstDash val="solid"/>
+            <a:round/>
+            <a:headEnd type="none" w="med" len="med"/>
+            <a:tailEnd type="none" w="med" len="med"/>
+          </a:ln>
+          <a:effectLst/>
+        </p:spPr>
+        <p:txBody>
+          <a:bodyPr vert="horz" wrap="square" lIns="91440" tIns="45720" rIns="91440" bIns="45720" anchor="t" compatLnSpc="1"/>
+          <a:lstStyle>
+            <a:extLst/>
+          </a:lstStyle>
+          <a:p>
+            <a:endParaRPr kumimoji="0" lang="en-US"/>
+          </a:p>
+        </p:txBody>
+      </p:sp>
+      <p:sp>
+        <p:nvSpPr>
+          <p:cNvPr id="12" name="Freeform 11"/>
+          <p:cNvSpPr>
+            <a:spLocks/>
+          </p:cNvSpPr>
+          <p:nvPr/>
+        </p:nvSpPr>
+        <p:spPr bwMode="auto">
+          <a:xfrm>
+            <a:off x="485717" y="5939011"/>
+            <a:ext cx="3690451" cy="933450"/>
+          </a:xfrm>
+          <a:custGeom>
+            <a:avLst>
+              <a:gd name="A1" fmla="val 0"/>
+              <a:gd name="A2" fmla="val 0"/>
+              <a:gd name="A3" fmla="val 0"/>
+              <a:gd name="A4" fmla="val 0"/>
+              <a:gd name="A5" fmla="val 0"/>
+              <a:gd name="A6" fmla="val 0"/>
+              <a:gd name="A7" fmla="val 0"/>
+              <a:gd name="A8" fmla="val 0"/>
+            </a:avLst>
+            <a:gdLst/>
+            <a:ahLst/>
+            <a:cxnLst>
+              <a:cxn ang="0">
+                <a:pos x="0" y="0"/>
+              </a:cxn>
+              <a:cxn ang="0">
+                <a:pos x="5760" y="0"/>
+              </a:cxn>
+              <a:cxn ang="0">
+                <a:pos x="5760" y="528"/>
+              </a:cxn>
+              <a:cxn ang="0">
+                <a:pos x="48" y="0"/>
+              </a:cxn>
+            </a:cxnLst>
+            <a:rect l="0" t="0" r="0" b="0"/>
+            <a:pathLst>
+              <a:path w="5591" h="588">
+                <a:moveTo>
+                  <a:pt x="0" y="0"/>
+                </a:moveTo>
+                <a:lnTo>
+                  <a:pt x="5591" y="585"/>
+                </a:lnTo>
+                <a:lnTo>
+                  <a:pt x="4415" y="588"/>
+                </a:lnTo>
+                <a:lnTo>
+                  <a:pt x="12" y="4"/>
+                </a:lnTo>
+              </a:path>
+            </a:pathLst>
+          </a:custGeom>
+          <a:solidFill>
+            <a:srgbClr val="000000">
+              <a:alpha val="100000"/>
+            </a:srgbClr>
+          </a:solidFill>
+          <a:ln w="9525" cap="flat" cmpd="sng" algn="ctr">
+            <a:noFill/>
+            <a:prstDash val="solid"/>
+            <a:round/>
+            <a:headEnd type="none" w="med" len="med"/>
+            <a:tailEnd type="none" w="med" len="med"/>
+          </a:ln>
+          <a:effectLst/>
+        </p:spPr>
+        <p:txBody>
+          <a:bodyPr vert="horz" wrap="square" lIns="91440" tIns="45720" rIns="91440" bIns="45720" anchor="t" compatLnSpc="1"/>
+          <a:lstStyle>
+            <a:extLst/>
+          </a:lstStyle>
+          <a:p>
+            <a:endParaRPr kumimoji="0" lang="en-US"/>
+          </a:p>
+        </p:txBody>
+      </p:sp>
+      <p:sp>
+        <p:nvSpPr>
+          <p:cNvPr id="14" name="Right Triangle 13"/>
+          <p:cNvSpPr>
+            <a:spLocks/>
+          </p:cNvSpPr>
+          <p:nvPr/>
+        </p:nvSpPr>
+        <p:spPr bwMode="auto">
+          <a:xfrm>
+            <a:off x="-6042" y="5791253"/>
+            <a:ext cx="3402314" cy="1080868"/>
+          </a:xfrm>
+          <a:prstGeom prst="rtTriangle">
+            <a:avLst/>
+          </a:prstGeom>
+          <a:blipFill>
+            <a:blip r:embed="rId13">
+              <a:alphaModFix amt="50000"/>
+            </a:blip>
+            <a:tile tx="0" ty="0" sx="50000" sy="50000" flip="none" algn="t"/>
+          </a:blipFill>
+          <a:ln w="12700" cap="rnd" cmpd="thickThin" algn="ctr">
+            <a:noFill/>
+            <a:prstDash val="solid"/>
+          </a:ln>
+          <a:effectLst>
+            <a:fillOverlay blend="mult">
+              <a:gradFill flip="none" rotWithShape="1">
+                <a:gsLst>
+                  <a:gs pos="0">
+                    <a:schemeClr val="accent1">
+                      <a:shade val="20000"/>
+                      <a:satMod val="176000"/>
+                      <a:alpha val="100000"/>
+                    </a:schemeClr>
+                  </a:gs>
+                  <a:gs pos="18000">
+                    <a:schemeClr val="accent1">
+                      <a:shade val="48000"/>
+                      <a:satMod val="153000"/>
+                      <a:alpha val="100000"/>
+                    </a:schemeClr>
+                  </a:gs>
+                  <a:gs pos="43000">
+                    <a:schemeClr val="accent1">
+                      <a:tint val="86000"/>
+                      <a:satMod val="149000"/>
+                      <a:alpha val="100000"/>
+                    </a:schemeClr>
+                  </a:gs>
+                  <a:gs pos="45000">
+                    <a:schemeClr val="accent1">
+                      <a:tint val="85000"/>
+                      <a:satMod val="150000"/>
+                      <a:alpha val="100000"/>
+                    </a:schemeClr>
+                  </a:gs>
+                  <a:gs pos="50000">
+                    <a:schemeClr val="accent1">
+                      <a:tint val="86000"/>
+                      <a:satMod val="149000"/>
+                      <a:alpha val="100000"/>
+                    </a:schemeClr>
+                  </a:gs>
+                  <a:gs pos="79000">
+                    <a:schemeClr val="accent1">
+                      <a:shade val="53000"/>
+                      <a:satMod val="150000"/>
+                      <a:alpha val="100000"/>
+                    </a:schemeClr>
+                  </a:gs>
+                  <a:gs pos="100000">
+                    <a:schemeClr val="accent1">
+                      <a:shade val="25000"/>
+                      <a:satMod val="170000"/>
+                      <a:alpha val="100000"/>
+                    </a:schemeClr>
+                  </a:gs>
+                </a:gsLst>
+                <a:lin ang="450000" scaled="1"/>
+                <a:tileRect/>
+              </a:gradFill>
+            </a:fillOverlay>
+          </a:effectLst>
+        </p:spPr>
+        <p:style>
+          <a:lnRef idx="3">
+            <a:schemeClr val="lt1"/>
+          </a:lnRef>
+          <a:fillRef idx="1">
+            <a:schemeClr val="accent1"/>
+          </a:fillRef>
+          <a:effectRef idx="1">
+            <a:schemeClr val="accent1"/>
+          </a:effectRef>
+          <a:fontRef idx="minor">
+            <a:schemeClr val="lt1"/>
+          </a:fontRef>
+        </p:style>
+        <p:txBody>
+          <a:bodyPr vert="horz" wrap="square" lIns="91440" tIns="45720" rIns="91440" bIns="45720" anchor="ctr" compatLnSpc="1"/>
+          <a:lstStyle>
+            <a:extLst/>
+          </a:lstStyle>
+          <a:p>
+            <a:pPr algn="ctr" eaLnBrk="1" latinLnBrk="0" hangingPunct="1"/>
+            <a:endParaRPr kumimoji="0" lang="en-US"/>
+          </a:p>
+        </p:txBody>
+      </p:sp>
+      <p:cxnSp>
+        <p:nvCxnSpPr>
+          <p:cNvPr id="15" name="Straight Connector 14"/>
+          <p:cNvCxnSpPr/>
+          <p:nvPr/>
+        </p:nvCxnSpPr>
+        <p:spPr>
+          <a:xfrm>
+            <a:off x="-9237" y="5787738"/>
+            <a:ext cx="3405509" cy="1084383"/>
+          </a:xfrm>
+          <a:prstGeom prst="line">
+            <a:avLst/>
+          </a:prstGeom>
+          <a:noFill/>
+          <a:ln w="12065" cap="flat" cmpd="sng" algn="ctr">
+            <a:gradFill>
+              <a:gsLst>
+                <a:gs pos="45000">
+                  <a:schemeClr val="accent1">
+                    <a:tint val="70000"/>
+                    <a:satMod val="110000"/>
+                  </a:schemeClr>
+                </a:gs>
+                <a:gs pos="15000">
+                  <a:schemeClr val="accent1">
+                    <a:shade val="40000"/>
+                    <a:satMod val="110000"/>
+                  </a:schemeClr>
+                </a:gs>
+              </a:gsLst>
+              <a:lin ang="5400000" scaled="1"/>
+            </a:gradFill>
+            <a:prstDash val="solid"/>
+            <a:miter lim="800000"/>
+          </a:ln>
+          <a:effectLst/>
+        </p:spPr>
+        <p:style>
+          <a:lnRef idx="2">
+            <a:schemeClr val="accent1"/>
+          </a:lnRef>
+          <a:fillRef idx="0">
+            <a:schemeClr val="accent1"/>
+          </a:fillRef>
+          <a:effectRef idx="1">
+            <a:schemeClr val="accent1"/>
+          </a:effectRef>
+          <a:fontRef idx="minor">
+            <a:schemeClr val="tx1"/>
+          </a:fontRef>
+        </p:style>
+      </p:cxnSp>
+      <p:sp>
+        <p:nvSpPr>
+          <p:cNvPr id="9" name="Title Placeholder 8"/>
           <p:cNvSpPr>
             <a:spLocks noGrp="1"/>
           </p:cNvSpPr>
@@ -5341,22 +6824,31 @@
           </a:prstGeom>
         </p:spPr>
         <p:txBody>
-          <a:bodyPr vert="horz" lIns="91440" tIns="45720" rIns="91440" bIns="45720" rtlCol="0" anchor="ctr">
+          <a:bodyPr vert="horz" anchor="ctr">
             <a:normAutofit/>
+            <a:scene3d>
+              <a:camera prst="orthographicFront"/>
+              <a:lightRig rig="soft" dir="t"/>
+            </a:scene3d>
+            <a:sp3d prstMaterial="softEdge">
+              <a:bevelT w="25400" h="25400"/>
+            </a:sp3d>
           </a:bodyPr>
-          <a:lstStyle/>
-          <a:p>
-            <a:r>
-              <a:rPr lang="en-US" smtClean="0"/>
+          <a:lstStyle>
+            <a:extLst/>
+          </a:lstStyle>
+          <a:p>
+            <a:r>
+              <a:rPr kumimoji="0" lang="en-US" smtClean="0"/>
               <a:t>Click to edit Master title style</a:t>
             </a:r>
-            <a:endParaRPr lang="en-US"/>
+            <a:endParaRPr kumimoji="0" lang="en-US"/>
           </a:p>
         </p:txBody>
       </p:sp>
       <p:sp>
         <p:nvSpPr>
-          <p:cNvPr id="3" name="Text Placeholder 2"/>
+          <p:cNvPr id="30" name="Text Placeholder 29"/>
           <p:cNvSpPr>
             <a:spLocks noGrp="1"/>
           </p:cNvSpPr>
@@ -5366,7 +6858,7 @@
         </p:nvSpPr>
         <p:spPr>
           <a:xfrm>
-            <a:off x="457200" y="1600200"/>
+            <a:off x="457200" y="1481328"/>
             <a:ext cx="8229600" cy="4525963"/>
           </a:xfrm>
           <a:prstGeom prst="rect">
@@ -5374,51 +6866,53 @@
           </a:prstGeom>
         </p:spPr>
         <p:txBody>
-          <a:bodyPr vert="horz" lIns="91440" tIns="45720" rIns="91440" bIns="45720" rtlCol="0">
+          <a:bodyPr vert="horz">
             <a:normAutofit/>
           </a:bodyPr>
-          <a:lstStyle/>
-          <a:p>
-            <a:pPr lvl="0"/>
-            <a:r>
-              <a:rPr lang="en-US" smtClean="0"/>
+          <a:lstStyle>
+            <a:extLst/>
+          </a:lstStyle>
+          <a:p>
+            <a:pPr lvl="0" eaLnBrk="1" latinLnBrk="0" hangingPunct="1"/>
+            <a:r>
+              <a:rPr kumimoji="0" lang="en-US" smtClean="0"/>
               <a:t>Click to edit Master text styles</a:t>
             </a:r>
           </a:p>
           <a:p>
-            <a:pPr lvl="1"/>
-            <a:r>
-              <a:rPr lang="en-US" smtClean="0"/>
+            <a:pPr lvl="1" eaLnBrk="1" latinLnBrk="0" hangingPunct="1"/>
+            <a:r>
+              <a:rPr kumimoji="0" lang="en-US" smtClean="0"/>
               <a:t>Second level</a:t>
             </a:r>
           </a:p>
           <a:p>
-            <a:pPr lvl="2"/>
-            <a:r>
-              <a:rPr lang="en-US" smtClean="0"/>
+            <a:pPr lvl="2" eaLnBrk="1" latinLnBrk="0" hangingPunct="1"/>
+            <a:r>
+              <a:rPr kumimoji="0" lang="en-US" smtClean="0"/>
               <a:t>Third level</a:t>
             </a:r>
           </a:p>
           <a:p>
-            <a:pPr lvl="3"/>
-            <a:r>
-              <a:rPr lang="en-US" smtClean="0"/>
+            <a:pPr lvl="3" eaLnBrk="1" latinLnBrk="0" hangingPunct="1"/>
+            <a:r>
+              <a:rPr kumimoji="0" lang="en-US" smtClean="0"/>
               <a:t>Fourth level</a:t>
             </a:r>
           </a:p>
           <a:p>
-            <a:pPr lvl="4"/>
-            <a:r>
-              <a:rPr lang="en-US" smtClean="0"/>
+            <a:pPr lvl="4" eaLnBrk="1" latinLnBrk="0" hangingPunct="1"/>
+            <a:r>
+              <a:rPr kumimoji="0" lang="en-US" smtClean="0"/>
               <a:t>Fifth level</a:t>
             </a:r>
-            <a:endParaRPr lang="en-US"/>
+            <a:endParaRPr kumimoji="0" lang="en-US"/>
           </a:p>
         </p:txBody>
       </p:sp>
       <p:sp>
         <p:nvSpPr>
-          <p:cNvPr id="4" name="Date Placeholder 3"/>
+          <p:cNvPr id="10" name="Date Placeholder 9"/>
           <p:cNvSpPr>
             <a:spLocks noGrp="1"/>
           </p:cNvSpPr>
@@ -5428,25 +6922,24 @@
         </p:nvSpPr>
         <p:spPr>
           <a:xfrm>
-            <a:off x="457200" y="6356350"/>
-            <a:ext cx="2133600" cy="365125"/>
+            <a:off x="6727032" y="6407944"/>
+            <a:ext cx="1920240" cy="365760"/>
           </a:xfrm>
           <a:prstGeom prst="rect">
             <a:avLst/>
           </a:prstGeom>
         </p:spPr>
         <p:txBody>
-          <a:bodyPr vert="horz" lIns="91440" tIns="45720" rIns="91440" bIns="45720" rtlCol="0" anchor="ctr"/>
+          <a:bodyPr vert="horz" anchor="b"/>
           <a:lstStyle>
-            <a:lvl1pPr algn="l">
-              <a:defRPr sz="1200">
+            <a:lvl1pPr algn="l" eaLnBrk="1" latinLnBrk="0" hangingPunct="1">
+              <a:defRPr kumimoji="0" sz="1000">
                 <a:solidFill>
-                  <a:schemeClr val="tx1">
-                    <a:tint val="75000"/>
-                  </a:schemeClr>
+                  <a:schemeClr val="tx1"/>
                 </a:solidFill>
               </a:defRPr>
             </a:lvl1pPr>
+            <a:extLst/>
           </a:lstStyle>
           <a:p>
             <a:fld id="{F4971007-3141-4B38-8DBA-BFD259BFD03D}" type="datetimeFigureOut">
@@ -5459,7 +6952,7 @@
       </p:sp>
       <p:sp>
         <p:nvSpPr>
-          <p:cNvPr id="5" name="Footer Placeholder 4"/>
+          <p:cNvPr id="22" name="Footer Placeholder 21"/>
           <p:cNvSpPr>
             <a:spLocks noGrp="1"/>
           </p:cNvSpPr>
@@ -5469,25 +6962,24 @@
         </p:nvSpPr>
         <p:spPr>
           <a:xfrm>
-            <a:off x="3124200" y="6356350"/>
-            <a:ext cx="2895600" cy="365125"/>
+            <a:off x="4380072" y="6407944"/>
+            <a:ext cx="2350681" cy="365125"/>
           </a:xfrm>
           <a:prstGeom prst="rect">
             <a:avLst/>
           </a:prstGeom>
         </p:spPr>
         <p:txBody>
-          <a:bodyPr vert="horz" lIns="91440" tIns="45720" rIns="91440" bIns="45720" rtlCol="0" anchor="ctr"/>
+          <a:bodyPr vert="horz" anchor="b"/>
           <a:lstStyle>
-            <a:lvl1pPr algn="ctr">
-              <a:defRPr sz="1200">
+            <a:lvl1pPr algn="r" eaLnBrk="1" latinLnBrk="0" hangingPunct="1">
+              <a:defRPr kumimoji="0" sz="1000">
                 <a:solidFill>
-                  <a:schemeClr val="tx1">
-                    <a:tint val="75000"/>
-                  </a:schemeClr>
+                  <a:schemeClr val="tx1"/>
                 </a:solidFill>
               </a:defRPr>
             </a:lvl1pPr>
+            <a:extLst/>
           </a:lstStyle>
           <a:p>
             <a:endParaRPr lang="en-US"/>
@@ -5496,7 +6988,7 @@
       </p:sp>
       <p:sp>
         <p:nvSpPr>
-          <p:cNvPr id="6" name="Slide Number Placeholder 5"/>
+          <p:cNvPr id="18" name="Slide Number Placeholder 17"/>
           <p:cNvSpPr>
             <a:spLocks noGrp="1"/>
           </p:cNvSpPr>
@@ -5506,25 +6998,24 @@
         </p:nvSpPr>
         <p:spPr>
           <a:xfrm>
-            <a:off x="6553200" y="6356350"/>
-            <a:ext cx="2133600" cy="365125"/>
+            <a:off x="8647272" y="6407944"/>
+            <a:ext cx="365760" cy="365125"/>
           </a:xfrm>
           <a:prstGeom prst="rect">
             <a:avLst/>
           </a:prstGeom>
         </p:spPr>
         <p:txBody>
-          <a:bodyPr vert="horz" lIns="91440" tIns="45720" rIns="91440" bIns="45720" rtlCol="0" anchor="ctr"/>
+          <a:bodyPr vert="horz" anchor="b"/>
           <a:lstStyle>
-            <a:lvl1pPr algn="r">
-              <a:defRPr sz="1200">
+            <a:lvl1pPr algn="r" eaLnBrk="1" latinLnBrk="0" hangingPunct="1">
+              <a:defRPr kumimoji="0" sz="1000" b="0">
                 <a:solidFill>
-                  <a:schemeClr val="tx1">
-                    <a:tint val="75000"/>
-                  </a:schemeClr>
+                  <a:schemeClr val="tx1"/>
                 </a:solidFill>
               </a:defRPr>
             </a:lvl1pPr>
+            <a:extLst/>
           </a:lstStyle>
           <a:p>
             <a:fld id="{06B5A2AF-75D7-42C3-84AC-795503FD5E12}" type="slidenum">
@@ -5536,51 +7027,61 @@
         </p:txBody>
       </p:sp>
     </p:spTree>
-    <p:extLst>
-      <p:ext uri="{BB962C8B-B14F-4D97-AF65-F5344CB8AC3E}">
-        <p14:creationId xmlns:p14="http://schemas.microsoft.com/office/powerpoint/2010/main" val="3666243393"/>
-      </p:ext>
-    </p:extLst>
   </p:cSld>
   <p:clrMap bg1="lt1" tx1="dk1" bg2="lt2" tx2="dk2" accent1="accent1" accent2="accent2" accent3="accent3" accent4="accent4" accent5="accent5" accent6="accent6" hlink="hlink" folHlink="folHlink"/>
   <p:sldLayoutIdLst>
-    <p:sldLayoutId id="2147483649" r:id="rId1"/>
-    <p:sldLayoutId id="2147483650" r:id="rId2"/>
-    <p:sldLayoutId id="2147483651" r:id="rId3"/>
-    <p:sldLayoutId id="2147483652" r:id="rId4"/>
-    <p:sldLayoutId id="2147483653" r:id="rId5"/>
-    <p:sldLayoutId id="2147483654" r:id="rId6"/>
-    <p:sldLayoutId id="2147483655" r:id="rId7"/>
-    <p:sldLayoutId id="2147483656" r:id="rId8"/>
-    <p:sldLayoutId id="2147483657" r:id="rId9"/>
-    <p:sldLayoutId id="2147483658" r:id="rId10"/>
-    <p:sldLayoutId id="2147483659" r:id="rId11"/>
+    <p:sldLayoutId id="2147483673" r:id="rId1"/>
+    <p:sldLayoutId id="2147483674" r:id="rId2"/>
+    <p:sldLayoutId id="2147483675" r:id="rId3"/>
+    <p:sldLayoutId id="2147483676" r:id="rId4"/>
+    <p:sldLayoutId id="2147483677" r:id="rId5"/>
+    <p:sldLayoutId id="2147483678" r:id="rId6"/>
+    <p:sldLayoutId id="2147483679" r:id="rId7"/>
+    <p:sldLayoutId id="2147483680" r:id="rId8"/>
+    <p:sldLayoutId id="2147483681" r:id="rId9"/>
+    <p:sldLayoutId id="2147483682" r:id="rId10"/>
+    <p:sldLayoutId id="2147483683" r:id="rId11"/>
   </p:sldLayoutIdLst>
   <p:txStyles>
     <p:titleStyle>
-      <a:lvl1pPr algn="ctr" defTabSz="914400" rtl="0" eaLnBrk="1" latinLnBrk="0" hangingPunct="1">
+      <a:lvl1pPr algn="l" rtl="0" eaLnBrk="1" latinLnBrk="0" hangingPunct="1">
         <a:spcBef>
           <a:spcPct val="0"/>
         </a:spcBef>
         <a:buNone/>
-        <a:defRPr sz="4400" kern="1200">
+        <a:defRPr kumimoji="0" sz="4100" b="1" kern="1200">
           <a:solidFill>
-            <a:schemeClr val="tx1"/>
+            <a:schemeClr val="tx2"/>
           </a:solidFill>
+          <a:effectLst>
+            <a:outerShdw blurRad="31750" dist="25400" dir="5400000" algn="tl" rotWithShape="0">
+              <a:srgbClr val="000000">
+                <a:alpha val="25000"/>
+              </a:srgbClr>
+            </a:outerShdw>
+          </a:effectLst>
           <a:latin typeface="+mj-lt"/>
           <a:ea typeface="+mj-ea"/>
           <a:cs typeface="+mj-cs"/>
         </a:defRPr>
       </a:lvl1pPr>
+      <a:extLst/>
     </p:titleStyle>
     <p:bodyStyle>
-      <a:lvl1pPr marL="342900" indent="-342900" algn="l" defTabSz="914400" rtl="0" eaLnBrk="1" latinLnBrk="0" hangingPunct="1">
+      <a:lvl1pPr marL="365760" indent="-256032" algn="l" rtl="0" eaLnBrk="1" latinLnBrk="0" hangingPunct="1">
         <a:spcBef>
-          <a:spcPct val="20000"/>
+          <a:spcPts val="400"/>
         </a:spcBef>
-        <a:buFont typeface="Arial" pitchFamily="34" charset="0"/>
-        <a:buChar char="•"/>
-        <a:defRPr sz="3200" kern="1200">
+        <a:spcAft>
+          <a:spcPts val="0"/>
+        </a:spcAft>
+        <a:buClr>
+          <a:schemeClr val="accent1"/>
+        </a:buClr>
+        <a:buSzPct val="68000"/>
+        <a:buFont typeface="Wingdings 3"/>
+        <a:buChar char=""/>
+        <a:defRPr kumimoji="0" sz="2700" kern="1200">
           <a:solidFill>
             <a:schemeClr val="tx1"/>
           </a:solidFill>
@@ -5589,13 +7090,16 @@
           <a:cs typeface="+mn-cs"/>
         </a:defRPr>
       </a:lvl1pPr>
-      <a:lvl2pPr marL="742950" indent="-285750" algn="l" defTabSz="914400" rtl="0" eaLnBrk="1" latinLnBrk="0" hangingPunct="1">
+      <a:lvl2pPr marL="621792" indent="-228600" algn="l" rtl="0" eaLnBrk="1" latinLnBrk="0" hangingPunct="1">
         <a:spcBef>
-          <a:spcPct val="20000"/>
+          <a:spcPts val="324"/>
         </a:spcBef>
-        <a:buFont typeface="Arial" pitchFamily="34" charset="0"/>
-        <a:buChar char="–"/>
-        <a:defRPr sz="2800" kern="1200">
+        <a:buClr>
+          <a:schemeClr val="accent1"/>
+        </a:buClr>
+        <a:buFont typeface="Verdana"/>
+        <a:buChar char="◦"/>
+        <a:defRPr kumimoji="0" sz="2300" kern="1200">
           <a:solidFill>
             <a:schemeClr val="tx1"/>
           </a:solidFill>
@@ -5604,13 +7108,17 @@
           <a:cs typeface="+mn-cs"/>
         </a:defRPr>
       </a:lvl2pPr>
-      <a:lvl3pPr marL="1143000" indent="-228600" algn="l" defTabSz="914400" rtl="0" eaLnBrk="1" latinLnBrk="0" hangingPunct="1">
+      <a:lvl3pPr marL="859536" indent="-228600" algn="l" rtl="0" eaLnBrk="1" latinLnBrk="0" hangingPunct="1">
         <a:spcBef>
-          <a:spcPct val="20000"/>
+          <a:spcPts val="350"/>
         </a:spcBef>
-        <a:buFont typeface="Arial" pitchFamily="34" charset="0"/>
-        <a:buChar char="•"/>
-        <a:defRPr sz="2400" kern="1200">
+        <a:buClr>
+          <a:schemeClr val="accent2"/>
+        </a:buClr>
+        <a:buSzPct val="100000"/>
+        <a:buFont typeface="Wingdings 2"/>
+        <a:buChar char=""/>
+        <a:defRPr kumimoji="0" sz="2100" kern="1200">
           <a:solidFill>
             <a:schemeClr val="tx1"/>
           </a:solidFill>
@@ -5619,13 +7127,16 @@
           <a:cs typeface="+mn-cs"/>
         </a:defRPr>
       </a:lvl3pPr>
-      <a:lvl4pPr marL="1600200" indent="-228600" algn="l" defTabSz="914400" rtl="0" eaLnBrk="1" latinLnBrk="0" hangingPunct="1">
+      <a:lvl4pPr marL="1143000" indent="-228600" algn="l" rtl="0" eaLnBrk="1" latinLnBrk="0" hangingPunct="1">
         <a:spcBef>
-          <a:spcPct val="20000"/>
+          <a:spcPts val="350"/>
         </a:spcBef>
-        <a:buFont typeface="Arial" pitchFamily="34" charset="0"/>
-        <a:buChar char="–"/>
-        <a:defRPr sz="2000" kern="1200">
+        <a:buClr>
+          <a:schemeClr val="accent2"/>
+        </a:buClr>
+        <a:buFont typeface="Wingdings 2"/>
+        <a:buChar char=""/>
+        <a:defRPr kumimoji="0" sz="1900" kern="1200">
           <a:solidFill>
             <a:schemeClr val="tx1"/>
           </a:solidFill>
@@ -5634,13 +7145,16 @@
           <a:cs typeface="+mn-cs"/>
         </a:defRPr>
       </a:lvl4pPr>
-      <a:lvl5pPr marL="2057400" indent="-228600" algn="l" defTabSz="914400" rtl="0" eaLnBrk="1" latinLnBrk="0" hangingPunct="1">
+      <a:lvl5pPr marL="1371600" indent="-228600" algn="l" rtl="0" eaLnBrk="1" latinLnBrk="0" hangingPunct="1">
         <a:spcBef>
-          <a:spcPct val="20000"/>
+          <a:spcPts val="350"/>
         </a:spcBef>
-        <a:buFont typeface="Arial" pitchFamily="34" charset="0"/>
-        <a:buChar char="»"/>
-        <a:defRPr sz="2000" kern="1200">
+        <a:buClr>
+          <a:schemeClr val="accent2"/>
+        </a:buClr>
+        <a:buFont typeface="Wingdings 2"/>
+        <a:buChar char=""/>
+        <a:defRPr kumimoji="0" sz="1800" kern="1200">
           <a:solidFill>
             <a:schemeClr val="tx1"/>
           </a:solidFill>
@@ -5649,13 +7163,16 @@
           <a:cs typeface="+mn-cs"/>
         </a:defRPr>
       </a:lvl5pPr>
-      <a:lvl6pPr marL="2514600" indent="-228600" algn="l" defTabSz="914400" rtl="0" eaLnBrk="1" latinLnBrk="0" hangingPunct="1">
+      <a:lvl6pPr marL="1600200" indent="-228600" algn="l" rtl="0" eaLnBrk="1" latinLnBrk="0" hangingPunct="1">
         <a:spcBef>
-          <a:spcPct val="20000"/>
+          <a:spcPts val="350"/>
         </a:spcBef>
-        <a:buFont typeface="Arial" pitchFamily="34" charset="0"/>
-        <a:buChar char="•"/>
-        <a:defRPr sz="2000" kern="1200">
+        <a:buClr>
+          <a:schemeClr val="accent3"/>
+        </a:buClr>
+        <a:buFont typeface="Wingdings 2"/>
+        <a:buChar char=""/>
+        <a:defRPr kumimoji="0" sz="1800" kern="1200">
           <a:solidFill>
             <a:schemeClr val="tx1"/>
           </a:solidFill>
@@ -5664,13 +7181,16 @@
           <a:cs typeface="+mn-cs"/>
         </a:defRPr>
       </a:lvl6pPr>
-      <a:lvl7pPr marL="2971800" indent="-228600" algn="l" defTabSz="914400" rtl="0" eaLnBrk="1" latinLnBrk="0" hangingPunct="1">
+      <a:lvl7pPr marL="1828800" indent="-228600" algn="l" rtl="0" eaLnBrk="1" latinLnBrk="0" hangingPunct="1">
         <a:spcBef>
-          <a:spcPct val="20000"/>
+          <a:spcPts val="350"/>
         </a:spcBef>
-        <a:buFont typeface="Arial" pitchFamily="34" charset="0"/>
-        <a:buChar char="•"/>
-        <a:defRPr sz="2000" kern="1200">
+        <a:buClr>
+          <a:schemeClr val="accent3"/>
+        </a:buClr>
+        <a:buFont typeface="Wingdings 2"/>
+        <a:buChar char=""/>
+        <a:defRPr kumimoji="0" sz="1600" kern="1200">
           <a:solidFill>
             <a:schemeClr val="tx1"/>
           </a:solidFill>
@@ -5679,13 +7199,16 @@
           <a:cs typeface="+mn-cs"/>
         </a:defRPr>
       </a:lvl7pPr>
-      <a:lvl8pPr marL="3429000" indent="-228600" algn="l" defTabSz="914400" rtl="0" eaLnBrk="1" latinLnBrk="0" hangingPunct="1">
+      <a:lvl8pPr marL="2057400" indent="-228600" algn="l" rtl="0" eaLnBrk="1" latinLnBrk="0" hangingPunct="1">
         <a:spcBef>
-          <a:spcPct val="20000"/>
+          <a:spcPts val="350"/>
         </a:spcBef>
-        <a:buFont typeface="Arial" pitchFamily="34" charset="0"/>
-        <a:buChar char="•"/>
-        <a:defRPr sz="2000" kern="1200">
+        <a:buClr>
+          <a:schemeClr val="accent3"/>
+        </a:buClr>
+        <a:buFont typeface="Wingdings 2"/>
+        <a:buChar char=""/>
+        <a:defRPr kumimoji="0" sz="1600" kern="1200">
           <a:solidFill>
             <a:schemeClr val="tx1"/>
           </a:solidFill>
@@ -5694,13 +7217,16 @@
           <a:cs typeface="+mn-cs"/>
         </a:defRPr>
       </a:lvl8pPr>
-      <a:lvl9pPr marL="3886200" indent="-228600" algn="l" defTabSz="914400" rtl="0" eaLnBrk="1" latinLnBrk="0" hangingPunct="1">
+      <a:lvl9pPr marL="2286000" indent="-228600" algn="l" rtl="0" eaLnBrk="1" latinLnBrk="0" hangingPunct="1">
         <a:spcBef>
-          <a:spcPct val="20000"/>
+          <a:spcPts val="350"/>
         </a:spcBef>
-        <a:buFont typeface="Arial" pitchFamily="34" charset="0"/>
-        <a:buChar char="•"/>
-        <a:defRPr sz="2000" kern="1200">
+        <a:buClr>
+          <a:schemeClr val="accent3"/>
+        </a:buClr>
+        <a:buFont typeface="Wingdings 2"/>
+        <a:buChar char=""/>
+        <a:defRPr kumimoji="0" sz="1600" kern="1200" baseline="0">
           <a:solidFill>
             <a:schemeClr val="tx1"/>
           </a:solidFill>
@@ -5709,13 +7235,11 @@
           <a:cs typeface="+mn-cs"/>
         </a:defRPr>
       </a:lvl9pPr>
+      <a:extLst/>
     </p:bodyStyle>
     <p:otherStyle>
-      <a:defPPr>
-        <a:defRPr lang="en-US"/>
-      </a:defPPr>
-      <a:lvl1pPr marL="0" algn="l" defTabSz="914400" rtl="0" eaLnBrk="1" latinLnBrk="0" hangingPunct="1">
-        <a:defRPr sz="1800" kern="1200">
+      <a:lvl1pPr marL="0" algn="l" rtl="0" eaLnBrk="1" latinLnBrk="0" hangingPunct="1">
+        <a:defRPr kumimoji="0" kern="1200">
           <a:solidFill>
             <a:schemeClr val="tx1"/>
           </a:solidFill>
@@ -5724,8 +7248,8 @@
           <a:cs typeface="+mn-cs"/>
         </a:defRPr>
       </a:lvl1pPr>
-      <a:lvl2pPr marL="457200" algn="l" defTabSz="914400" rtl="0" eaLnBrk="1" latinLnBrk="0" hangingPunct="1">
-        <a:defRPr sz="1800" kern="1200">
+      <a:lvl2pPr marL="457200" algn="l" rtl="0" eaLnBrk="1" latinLnBrk="0" hangingPunct="1">
+        <a:defRPr kumimoji="0" kern="1200">
           <a:solidFill>
             <a:schemeClr val="tx1"/>
           </a:solidFill>
@@ -5734,8 +7258,8 @@
           <a:cs typeface="+mn-cs"/>
         </a:defRPr>
       </a:lvl2pPr>
-      <a:lvl3pPr marL="914400" algn="l" defTabSz="914400" rtl="0" eaLnBrk="1" latinLnBrk="0" hangingPunct="1">
-        <a:defRPr sz="1800" kern="1200">
+      <a:lvl3pPr marL="914400" algn="l" rtl="0" eaLnBrk="1" latinLnBrk="0" hangingPunct="1">
+        <a:defRPr kumimoji="0" kern="1200">
           <a:solidFill>
             <a:schemeClr val="tx1"/>
           </a:solidFill>
@@ -5744,8 +7268,8 @@
           <a:cs typeface="+mn-cs"/>
         </a:defRPr>
       </a:lvl3pPr>
-      <a:lvl4pPr marL="1371600" algn="l" defTabSz="914400" rtl="0" eaLnBrk="1" latinLnBrk="0" hangingPunct="1">
-        <a:defRPr sz="1800" kern="1200">
+      <a:lvl4pPr marL="1371600" algn="l" rtl="0" eaLnBrk="1" latinLnBrk="0" hangingPunct="1">
+        <a:defRPr kumimoji="0" kern="1200">
           <a:solidFill>
             <a:schemeClr val="tx1"/>
           </a:solidFill>
@@ -5754,8 +7278,8 @@
           <a:cs typeface="+mn-cs"/>
         </a:defRPr>
       </a:lvl4pPr>
-      <a:lvl5pPr marL="1828800" algn="l" defTabSz="914400" rtl="0" eaLnBrk="1" latinLnBrk="0" hangingPunct="1">
-        <a:defRPr sz="1800" kern="1200">
+      <a:lvl5pPr marL="1828800" algn="l" rtl="0" eaLnBrk="1" latinLnBrk="0" hangingPunct="1">
+        <a:defRPr kumimoji="0" kern="1200">
           <a:solidFill>
             <a:schemeClr val="tx1"/>
           </a:solidFill>
@@ -5764,8 +7288,8 @@
           <a:cs typeface="+mn-cs"/>
         </a:defRPr>
       </a:lvl5pPr>
-      <a:lvl6pPr marL="2286000" algn="l" defTabSz="914400" rtl="0" eaLnBrk="1" latinLnBrk="0" hangingPunct="1">
-        <a:defRPr sz="1800" kern="1200">
+      <a:lvl6pPr marL="2286000" algn="l" rtl="0" eaLnBrk="1" latinLnBrk="0" hangingPunct="1">
+        <a:defRPr kumimoji="0" kern="1200">
           <a:solidFill>
             <a:schemeClr val="tx1"/>
           </a:solidFill>
@@ -5774,8 +7298,8 @@
           <a:cs typeface="+mn-cs"/>
         </a:defRPr>
       </a:lvl6pPr>
-      <a:lvl7pPr marL="2743200" algn="l" defTabSz="914400" rtl="0" eaLnBrk="1" latinLnBrk="0" hangingPunct="1">
-        <a:defRPr sz="1800" kern="1200">
+      <a:lvl7pPr marL="2743200" algn="l" rtl="0" eaLnBrk="1" latinLnBrk="0" hangingPunct="1">
+        <a:defRPr kumimoji="0" kern="1200">
           <a:solidFill>
             <a:schemeClr val="tx1"/>
           </a:solidFill>
@@ -5784,8 +7308,8 @@
           <a:cs typeface="+mn-cs"/>
         </a:defRPr>
       </a:lvl7pPr>
-      <a:lvl8pPr marL="3200400" algn="l" defTabSz="914400" rtl="0" eaLnBrk="1" latinLnBrk="0" hangingPunct="1">
-        <a:defRPr sz="1800" kern="1200">
+      <a:lvl8pPr marL="3200400" algn="l" rtl="0" eaLnBrk="1" latinLnBrk="0" hangingPunct="1">
+        <a:defRPr kumimoji="0" kern="1200">
           <a:solidFill>
             <a:schemeClr val="tx1"/>
           </a:solidFill>
@@ -5794,8 +7318,8 @@
           <a:cs typeface="+mn-cs"/>
         </a:defRPr>
       </a:lvl8pPr>
-      <a:lvl9pPr marL="3657600" algn="l" defTabSz="914400" rtl="0" eaLnBrk="1" latinLnBrk="0" hangingPunct="1">
-        <a:defRPr sz="1800" kern="1200">
+      <a:lvl9pPr marL="3657600" algn="l" rtl="0" eaLnBrk="1" latinLnBrk="0" hangingPunct="1">
+        <a:defRPr kumimoji="0" kern="1200">
           <a:solidFill>
             <a:schemeClr val="tx1"/>
           </a:solidFill>
@@ -5804,6 +7328,7 @@
           <a:cs typeface="+mn-cs"/>
         </a:defRPr>
       </a:lvl9pPr>
+      <a:extLst/>
     </p:otherStyle>
   </p:txStyles>
 </p:sldMaster>
@@ -5922,14 +7447,14 @@
           <p:nvPr>
             <p:extLst>
               <p:ext uri="{D42A27DB-BD31-4B8C-83A1-F6EECF244321}">
-                <p14:modId xmlns:p14="http://schemas.microsoft.com/office/powerpoint/2010/main" val="16853586"/>
+                <p14:modId xmlns:p14="http://schemas.microsoft.com/office/powerpoint/2010/main" val="3492189811"/>
               </p:ext>
             </p:extLst>
           </p:nvPr>
         </p:nvGraphicFramePr>
         <p:xfrm>
-          <a:off x="460375" y="137561"/>
-          <a:ext cx="8011102" cy="6191972"/>
+          <a:off x="155576" y="137561"/>
+          <a:ext cx="8759824" cy="6191972"/>
         </p:xfrm>
         <a:graphic>
           <a:graphicData uri="http://schemas.openxmlformats.org/drawingml/2006/diagram">
@@ -5946,7 +7471,7 @@
         <p:spPr>
           <a:xfrm>
             <a:off x="304800" y="381000"/>
-            <a:ext cx="5638800" cy="609600"/>
+            <a:ext cx="8382000" cy="609600"/>
           </a:xfrm>
           <a:prstGeom prst="rect">
             <a:avLst/>
@@ -5975,6 +7500,7 @@
           <a:bodyPr rtlCol="0" anchor="ctr"/>
           <a:lstStyle/>
           <a:p>
+            <a:pPr algn="ctr"/>
             <a:r>
               <a:rPr lang="en-US" sz="2400" dirty="0" smtClean="0">
                 <a:ln>
@@ -5986,7 +7512,20 @@
                   <a:schemeClr val="tx1"/>
                 </a:solidFill>
               </a:rPr>
-              <a:t>HOW WE LOOK AT THE PROBLEM:</a:t>
+              <a:t>HOW WE LOOK AT THE </a:t>
+            </a:r>
+            <a:r>
+              <a:rPr lang="en-US" sz="2400" dirty="0" smtClean="0">
+                <a:ln>
+                  <a:solidFill>
+                    <a:schemeClr val="tx1"/>
+                  </a:solidFill>
+                </a:ln>
+                <a:solidFill>
+                  <a:schemeClr val="tx1"/>
+                </a:solidFill>
+              </a:rPr>
+              <a:t>PROBLEM</a:t>
             </a:r>
             <a:endParaRPr lang="en-US" sz="2400" dirty="0">
               <a:ln>
@@ -6288,8 +7827,8 @@
         </p:nvSpPr>
         <p:spPr>
           <a:xfrm>
-            <a:off x="838200" y="685800"/>
-            <a:ext cx="7620000" cy="1754326"/>
+            <a:off x="685800" y="838200"/>
+            <a:ext cx="7620000" cy="7232749"/>
           </a:xfrm>
           <a:prstGeom prst="rect">
             <a:avLst/>
@@ -6303,37 +7842,135 @@
           <a:lstStyle/>
           <a:p>
             <a:r>
-              <a:rPr lang="en-US" dirty="0" smtClean="0"/>
-              <a:t>1.</a:t>
-            </a:r>
-          </a:p>
-          <a:p>
-            <a:r>
-              <a:rPr lang="en-US" dirty="0" smtClean="0"/>
-              <a:t>2.</a:t>
-            </a:r>
-          </a:p>
-          <a:p>
-            <a:r>
-              <a:rPr lang="en-US" smtClean="0"/>
-              <a:t>3.</a:t>
-            </a:r>
-            <a:endParaRPr lang="en-US" dirty="0" smtClean="0"/>
-          </a:p>
-          <a:p>
-            <a:r>
-              <a:rPr lang="en-US" dirty="0" smtClean="0"/>
-              <a:t>4.</a:t>
-            </a:r>
-          </a:p>
-          <a:p>
-            <a:r>
-              <a:rPr lang="en-US" dirty="0" smtClean="0"/>
-              <a:t>5.</a:t>
-            </a:r>
-          </a:p>
-          <a:p>
-            <a:endParaRPr lang="en-US" dirty="0"/>
+              <a:rPr lang="en-US" sz="4000" dirty="0" smtClean="0"/>
+              <a:t>SURVEY</a:t>
+            </a:r>
+            <a:endParaRPr lang="en-US" sz="4000" dirty="0" smtClean="0"/>
+          </a:p>
+          <a:p>
+            <a:pPr marL="285750" indent="-285750">
+              <a:buFont typeface="Arial" pitchFamily="34" charset="0"/>
+              <a:buChar char="•"/>
+            </a:pPr>
+            <a:r>
+              <a:rPr lang="en-US" sz="3200" dirty="0" smtClean="0"/>
+              <a:t>Comprehensive</a:t>
+            </a:r>
+          </a:p>
+          <a:p>
+            <a:pPr marL="285750" indent="-285750">
+              <a:buFont typeface="Arial" pitchFamily="34" charset="0"/>
+              <a:buChar char="•"/>
+            </a:pPr>
+            <a:r>
+              <a:rPr lang="en-US" sz="3200" dirty="0" smtClean="0"/>
+              <a:t>Flexible Length</a:t>
+            </a:r>
+          </a:p>
+          <a:p>
+            <a:pPr marL="285750" indent="-285750">
+              <a:buFont typeface="Arial" pitchFamily="34" charset="0"/>
+              <a:buChar char="•"/>
+            </a:pPr>
+            <a:r>
+              <a:rPr lang="en-US" sz="3200" dirty="0" smtClean="0"/>
+              <a:t>Supports diverse </a:t>
+            </a:r>
+            <a:r>
+              <a:rPr lang="en-US" sz="3200" smtClean="0"/>
+              <a:t>Respondent group</a:t>
+            </a:r>
+          </a:p>
+          <a:p>
+            <a:endParaRPr lang="en-US" sz="4000" dirty="0" smtClean="0"/>
+          </a:p>
+          <a:p>
+            <a:r>
+              <a:rPr lang="en-US" sz="4000" dirty="0" smtClean="0"/>
+              <a:t>ANALYTICS</a:t>
+            </a:r>
+          </a:p>
+          <a:p>
+            <a:pPr marL="285750" indent="-285750">
+              <a:buFont typeface="Arial" pitchFamily="34" charset="0"/>
+              <a:buChar char="•"/>
+            </a:pPr>
+            <a:r>
+              <a:rPr lang="en-US" sz="3200" dirty="0"/>
+              <a:t>Prototyped an Algorithm</a:t>
+            </a:r>
+          </a:p>
+          <a:p>
+            <a:pPr marL="285750" indent="-285750">
+              <a:buFont typeface="Arial" pitchFamily="34" charset="0"/>
+              <a:buChar char="•"/>
+            </a:pPr>
+            <a:r>
+              <a:rPr lang="en-US" sz="3200" dirty="0"/>
+              <a:t>Formula subject to Configuration in future</a:t>
+            </a:r>
+            <a:r>
+              <a:rPr lang="en-US" sz="3200" dirty="0" smtClean="0"/>
+              <a:t>.</a:t>
+            </a:r>
+          </a:p>
+          <a:p>
+            <a:pPr marL="285750" indent="-285750">
+              <a:buFont typeface="Arial" pitchFamily="34" charset="0"/>
+              <a:buChar char="•"/>
+            </a:pPr>
+            <a:r>
+              <a:rPr lang="en-US" sz="3200" dirty="0" smtClean="0"/>
+              <a:t>Handles conflicting ranks</a:t>
+            </a:r>
+            <a:endParaRPr lang="en-US" sz="3200" dirty="0"/>
+          </a:p>
+          <a:p>
+            <a:pPr marL="285750" indent="-285750">
+              <a:buFont typeface="Arial" pitchFamily="34" charset="0"/>
+              <a:buChar char="•"/>
+            </a:pPr>
+            <a:endParaRPr lang="en-US" sz="4000" dirty="0" smtClean="0"/>
+          </a:p>
+          <a:p>
+            <a:endParaRPr lang="en-US" sz="4000" dirty="0"/>
+          </a:p>
+          <a:p>
+            <a:endParaRPr lang="en-US" sz="2000" dirty="0" smtClean="0"/>
+          </a:p>
+          <a:p>
+            <a:endParaRPr lang="en-US" sz="2000" dirty="0"/>
+          </a:p>
+        </p:txBody>
+      </p:sp>
+      <p:sp>
+        <p:nvSpPr>
+          <p:cNvPr id="2" name="TextBox 1"/>
+          <p:cNvSpPr txBox="1"/>
+          <p:nvPr/>
+        </p:nvSpPr>
+        <p:spPr>
+          <a:xfrm>
+            <a:off x="685800" y="228600"/>
+            <a:ext cx="7620000" cy="769441"/>
+          </a:xfrm>
+          <a:prstGeom prst="rect">
+            <a:avLst/>
+          </a:prstGeom>
+          <a:noFill/>
+        </p:spPr>
+        <p:txBody>
+          <a:bodyPr wrap="square" rtlCol="0">
+            <a:spAutoFit/>
+          </a:bodyPr>
+          <a:lstStyle/>
+          <a:p>
+            <a:pPr algn="ctr"/>
+            <a:r>
+              <a:rPr lang="en-US" sz="4400" b="1" dirty="0" smtClean="0"/>
+              <a:t>FEATURES</a:t>
+            </a:r>
+            <a:endParaRPr lang="en-US" sz="4400" b="1" dirty="0"/>
           </a:p>
         </p:txBody>
       </p:sp>
@@ -6374,43 +8011,6 @@
           <a:chExt cx="0" cy="0"/>
         </a:xfrm>
       </p:grpSpPr>
-    </p:spTree>
-    <p:extLst>
-      <p:ext uri="{BB962C8B-B14F-4D97-AF65-F5344CB8AC3E}">
-        <p14:creationId xmlns:p14="http://schemas.microsoft.com/office/powerpoint/2010/main" val="97281066"/>
-      </p:ext>
-    </p:extLst>
-  </p:cSld>
-  <p:clrMapOvr>
-    <a:masterClrMapping/>
-  </p:clrMapOvr>
-  <p:timing>
-    <p:tnLst>
-      <p:par>
-        <p:cTn id="1" dur="indefinite" restart="never" nodeType="tmRoot"/>
-      </p:par>
-    </p:tnLst>
-  </p:timing>
-</p:sld>
-</file>
-
-<file path=ppt/slides/slide5.xml><?xml version="1.0" encoding="utf-8"?>
-<p:sld xmlns:a="http://schemas.openxmlformats.org/drawingml/2006/main" xmlns:r="http://schemas.openxmlformats.org/officeDocument/2006/relationships" xmlns:p="http://schemas.openxmlformats.org/presentationml/2006/main">
-  <p:cSld>
-    <p:spTree>
-      <p:nvGrpSpPr>
-        <p:cNvPr id="1" name=""/>
-        <p:cNvGrpSpPr/>
-        <p:nvPr/>
-      </p:nvGrpSpPr>
-      <p:grpSpPr>
-        <a:xfrm>
-          <a:off x="0" y="0"/>
-          <a:ext cx="0" cy="0"/>
-          <a:chOff x="0" y="0"/>
-          <a:chExt cx="0" cy="0"/>
-        </a:xfrm>
-      </p:grpSpPr>
       <p:sp>
         <p:nvSpPr>
           <p:cNvPr id="2" name="Rectangle 1"/>
@@ -6419,8 +8019,8 @@
         </p:nvSpPr>
         <p:spPr>
           <a:xfrm>
-            <a:off x="533400" y="0"/>
-            <a:ext cx="7924800" cy="5262979"/>
+            <a:off x="533400" y="1447800"/>
+            <a:ext cx="7924800" cy="4832092"/>
           </a:xfrm>
           <a:prstGeom prst="rect">
             <a:avLst/>
@@ -6435,26 +8035,16 @@
             <a:endParaRPr lang="en-US" sz="2800" b="1" dirty="0" smtClean="0"/>
           </a:p>
           <a:p>
+            <a:endParaRPr lang="en-US" sz="2800" b="1" dirty="0" smtClean="0"/>
+          </a:p>
+          <a:p>
+            <a:pPr marL="457200" indent="-457200">
+              <a:buFont typeface="Arial" pitchFamily="34" charset="0"/>
+              <a:buChar char="•"/>
+            </a:pPr>
             <a:r>
               <a:rPr lang="en-US" sz="2800" b="1" dirty="0" smtClean="0"/>
-              <a:t>WHAT </a:t>
-            </a:r>
-            <a:r>
-              <a:rPr lang="en-US" sz="2800" b="1" dirty="0" smtClean="0"/>
-              <a:t>WE WANT TO DO:</a:t>
-            </a:r>
-          </a:p>
-          <a:p>
-            <a:endParaRPr lang="en-US" sz="2800" b="1" dirty="0" smtClean="0"/>
-          </a:p>
-          <a:p>
-            <a:r>
-              <a:rPr lang="en-US" sz="2800" b="1" dirty="0" smtClean="0"/>
-              <a:t>Inserting a rating or a credibility index for partners. Based on their previous work, user satisfaction, delivery etc</a:t>
-            </a:r>
-            <a:r>
-              <a:rPr lang="en-US" sz="2800" b="1" dirty="0" smtClean="0"/>
-              <a:t>.</a:t>
+              <a:t>Inserting a rating or a credibility index for partners. Based on their previous work, user satisfaction, delivery etc.</a:t>
             </a:r>
             <a:endParaRPr lang="en-US" sz="2800" b="1" dirty="0"/>
           </a:p>
@@ -6462,6 +8052,10 @@
             <a:endParaRPr lang="en-US" sz="2800" b="1" dirty="0"/>
           </a:p>
           <a:p>
+            <a:pPr marL="457200" indent="-457200">
+              <a:buFont typeface="Arial" pitchFamily="34" charset="0"/>
+              <a:buChar char="•"/>
+            </a:pPr>
             <a:r>
               <a:rPr lang="en-US" sz="2800" b="1" dirty="0" smtClean="0"/>
               <a:t>What </a:t>
@@ -6483,6 +8077,10 @@
             <a:endParaRPr lang="en-US" sz="2800" b="1" dirty="0"/>
           </a:p>
           <a:p>
+            <a:pPr marL="457200" indent="-457200">
+              <a:buFont typeface="Arial" pitchFamily="34" charset="0"/>
+              <a:buChar char="•"/>
+            </a:pPr>
             <a:r>
               <a:rPr lang="en-US" sz="2800" b="1" dirty="0" smtClean="0"/>
               <a:t>Damage </a:t>
@@ -6494,6 +8092,37 @@
           </a:p>
           <a:p>
             <a:endParaRPr lang="en-US" sz="2800" b="1" dirty="0" smtClean="0"/>
+          </a:p>
+        </p:txBody>
+      </p:sp>
+      <p:sp>
+        <p:nvSpPr>
+          <p:cNvPr id="3" name="TextBox 2"/>
+          <p:cNvSpPr txBox="1"/>
+          <p:nvPr/>
+        </p:nvSpPr>
+        <p:spPr>
+          <a:xfrm>
+            <a:off x="533400" y="838200"/>
+            <a:ext cx="7467600" cy="707886"/>
+          </a:xfrm>
+          <a:prstGeom prst="rect">
+            <a:avLst/>
+          </a:prstGeom>
+          <a:noFill/>
+        </p:spPr>
+        <p:txBody>
+          <a:bodyPr wrap="square" rtlCol="0">
+            <a:spAutoFit/>
+          </a:bodyPr>
+          <a:lstStyle/>
+          <a:p>
+            <a:pPr algn="ctr"/>
+            <a:r>
+              <a:rPr lang="en-US" sz="4000" b="1" dirty="0" smtClean="0"/>
+              <a:t>Next Steps..</a:t>
+            </a:r>
+            <a:endParaRPr lang="en-US" sz="4000" b="1" dirty="0"/>
           </a:p>
         </p:txBody>
       </p:sp>
@@ -6517,7 +8146,7 @@
 </p:sld>
 </file>
 
-<file path=ppt/slides/slide6.xml><?xml version="1.0" encoding="utf-8"?>
+<file path=ppt/slides/slide5.xml><?xml version="1.0" encoding="utf-8"?>
 <p:sld xmlns:a="http://schemas.openxmlformats.org/drawingml/2006/main" xmlns:r="http://schemas.openxmlformats.org/officeDocument/2006/relationships" xmlns:p="http://schemas.openxmlformats.org/presentationml/2006/main">
   <p:cSld>
     <p:spTree>
@@ -6555,9 +8184,9 @@
 </file>
 
 <file path=ppt/theme/theme1.xml><?xml version="1.0" encoding="utf-8"?>
-<a:theme xmlns:a="http://schemas.openxmlformats.org/drawingml/2006/main" name="Office Theme">
+<a:theme xmlns:a="http://schemas.openxmlformats.org/drawingml/2006/main" name="Concourse">
   <a:themeElements>
-    <a:clrScheme name="Office">
+    <a:clrScheme name="Concourse">
       <a:dk1>
         <a:sysClr val="windowText" lastClr="000000"/>
       </a:dk1>
@@ -6565,80 +8194,45 @@
         <a:sysClr val="window" lastClr="FFFFFF"/>
       </a:lt1>
       <a:dk2>
-        <a:srgbClr val="1F497D"/>
+        <a:srgbClr val="464646"/>
       </a:dk2>
       <a:lt2>
-        <a:srgbClr val="EEECE1"/>
+        <a:srgbClr val="DEF5FA"/>
       </a:lt2>
       <a:accent1>
-        <a:srgbClr val="4F81BD"/>
+        <a:srgbClr val="2DA2BF"/>
       </a:accent1>
       <a:accent2>
-        <a:srgbClr val="C0504D"/>
+        <a:srgbClr val="DA1F28"/>
       </a:accent2>
       <a:accent3>
-        <a:srgbClr val="9BBB59"/>
+        <a:srgbClr val="EB641B"/>
       </a:accent3>
       <a:accent4>
-        <a:srgbClr val="8064A2"/>
+        <a:srgbClr val="39639D"/>
       </a:accent4>
       <a:accent5>
-        <a:srgbClr val="4BACC6"/>
+        <a:srgbClr val="474B78"/>
       </a:accent5>
       <a:accent6>
-        <a:srgbClr val="F79646"/>
+        <a:srgbClr val="7D3C4A"/>
       </a:accent6>
       <a:hlink>
-        <a:srgbClr val="0000FF"/>
+        <a:srgbClr val="FF8119"/>
       </a:hlink>
       <a:folHlink>
-        <a:srgbClr val="800080"/>
+        <a:srgbClr val="44B9E8"/>
       </a:folHlink>
     </a:clrScheme>
-    <a:fontScheme name="Office">
+    <a:fontScheme name="Concourse">
       <a:majorFont>
-        <a:latin typeface="Calibri"/>
+        <a:latin typeface="Lucida Sans Unicode"/>
         <a:ea typeface=""/>
         <a:cs typeface=""/>
         <a:font script="Jpan" typeface="ＭＳ Ｐゴシック"/>
         <a:font script="Hang" typeface="맑은 고딕"/>
-        <a:font script="Hans" typeface="宋体"/>
-        <a:font script="Hant" typeface="新細明體"/>
-        <a:font script="Arab" typeface="Times New Roman"/>
-        <a:font script="Hebr" typeface="Times New Roman"/>
-        <a:font script="Thai" typeface="Angsana New"/>
-        <a:font script="Ethi" typeface="Nyala"/>
-        <a:font script="Beng" typeface="Vrinda"/>
-        <a:font script="Gujr" typeface="Shruti"/>
-        <a:font script="Khmr" typeface="MoolBoran"/>
-        <a:font script="Knda" typeface="Tunga"/>
-        <a:font script="Guru" typeface="Raavi"/>
-        <a:font script="Cans" typeface="Euphemia"/>
-        <a:font script="Cher" typeface="Plantagenet Cherokee"/>
-        <a:font script="Yiii" typeface="Microsoft Yi Baiti"/>
-        <a:font script="Tibt" typeface="Microsoft Himalaya"/>
-        <a:font script="Thaa" typeface="MV Boli"/>
-        <a:font script="Deva" typeface="Mangal"/>
-        <a:font script="Telu" typeface="Gautami"/>
-        <a:font script="Taml" typeface="Latha"/>
-        <a:font script="Syrc" typeface="Estrangelo Edessa"/>
-        <a:font script="Orya" typeface="Kalinga"/>
-        <a:font script="Mlym" typeface="Kartika"/>
-        <a:font script="Laoo" typeface="DokChampa"/>
-        <a:font script="Sinh" typeface="Iskoola Pota"/>
-        <a:font script="Mong" typeface="Mongolian Baiti"/>
-        <a:font script="Viet" typeface="Times New Roman"/>
-        <a:font script="Uigh" typeface="Microsoft Uighur"/>
-        <a:font script="Geor" typeface="Sylfaen"/>
-      </a:majorFont>
-      <a:minorFont>
-        <a:latin typeface="Calibri"/>
-        <a:ea typeface=""/>
-        <a:cs typeface=""/>
-        <a:font script="Jpan" typeface="ＭＳ Ｐゴシック"/>
-        <a:font script="Hang" typeface="맑은 고딕"/>
-        <a:font script="Hans" typeface="宋体"/>
-        <a:font script="Hant" typeface="新細明體"/>
+        <a:font script="Hans" typeface="黑体"/>
+        <a:font script="Hant" typeface="微軟正黑體"/>
         <a:font script="Arab" typeface="Arial"/>
         <a:font script="Hebr" typeface="Arial"/>
         <a:font script="Thai" typeface="Cordia New"/>
@@ -6662,12 +8256,45 @@
         <a:font script="Laoo" typeface="DokChampa"/>
         <a:font script="Sinh" typeface="Iskoola Pota"/>
         <a:font script="Mong" typeface="Mongolian Baiti"/>
-        <a:font script="Viet" typeface="Arial"/>
+        <a:font script="Uigh" typeface="Microsoft Uighur"/>
+        <a:font script="Geor" typeface="Sylfaen"/>
+      </a:majorFont>
+      <a:minorFont>
+        <a:latin typeface="Lucida Sans Unicode"/>
+        <a:ea typeface=""/>
+        <a:cs typeface=""/>
+        <a:font script="Jpan" typeface="ＭＳ Ｐゴシック"/>
+        <a:font script="Hang" typeface="맑은 고딕"/>
+        <a:font script="Hans" typeface="黑体"/>
+        <a:font script="Hant" typeface="微軟正黑體"/>
+        <a:font script="Arab" typeface="Arial"/>
+        <a:font script="Hebr" typeface="Arial"/>
+        <a:font script="Thai" typeface="Cordia New"/>
+        <a:font script="Ethi" typeface="Nyala"/>
+        <a:font script="Beng" typeface="Vrinda"/>
+        <a:font script="Gujr" typeface="Shruti"/>
+        <a:font script="Khmr" typeface="DaunPenh"/>
+        <a:font script="Knda" typeface="Tunga"/>
+        <a:font script="Guru" typeface="Raavi"/>
+        <a:font script="Cans" typeface="Euphemia"/>
+        <a:font script="Cher" typeface="Plantagenet Cherokee"/>
+        <a:font script="Yiii" typeface="Microsoft Yi Baiti"/>
+        <a:font script="Tibt" typeface="Microsoft Himalaya"/>
+        <a:font script="Thaa" typeface="MV Boli"/>
+        <a:font script="Deva" typeface="Mangal"/>
+        <a:font script="Telu" typeface="Gautami"/>
+        <a:font script="Taml" typeface="Latha"/>
+        <a:font script="Syrc" typeface="Estrangelo Edessa"/>
+        <a:font script="Orya" typeface="Kalinga"/>
+        <a:font script="Mlym" typeface="Kartika"/>
+        <a:font script="Laoo" typeface="DokChampa"/>
+        <a:font script="Sinh" typeface="Iskoola Pota"/>
+        <a:font script="Mong" typeface="Mongolian Baiti"/>
         <a:font script="Uigh" typeface="Microsoft Uighur"/>
         <a:font script="Geor" typeface="Sylfaen"/>
       </a:minorFont>
     </a:fontScheme>
-    <a:fmtScheme name="Office">
+    <a:fmtScheme name="Concourse">
       <a:fillStyleLst>
         <a:solidFill>
           <a:schemeClr val="phClr"/>
@@ -6676,43 +8303,51 @@
           <a:gsLst>
             <a:gs pos="0">
               <a:schemeClr val="phClr">
-                <a:tint val="50000"/>
-                <a:satMod val="300000"/>
+                <a:tint val="62000"/>
+                <a:satMod val="180000"/>
               </a:schemeClr>
             </a:gs>
-            <a:gs pos="35000">
+            <a:gs pos="65000">
               <a:schemeClr val="phClr">
-                <a:tint val="37000"/>
-                <a:satMod val="300000"/>
+                <a:tint val="32000"/>
+                <a:satMod val="250000"/>
               </a:schemeClr>
             </a:gs>
             <a:gs pos="100000">
               <a:schemeClr val="phClr">
-                <a:tint val="15000"/>
-                <a:satMod val="350000"/>
+                <a:tint val="23000"/>
+                <a:satMod val="300000"/>
               </a:schemeClr>
             </a:gs>
           </a:gsLst>
-          <a:lin ang="16200000" scaled="1"/>
+          <a:lin ang="16200000" scaled="0"/>
         </a:gradFill>
         <a:gradFill rotWithShape="1">
           <a:gsLst>
             <a:gs pos="0">
               <a:schemeClr val="phClr">
-                <a:shade val="51000"/>
-                <a:satMod val="130000"/>
+                <a:shade val="15000"/>
+                <a:satMod val="180000"/>
               </a:schemeClr>
             </a:gs>
-            <a:gs pos="80000">
+            <a:gs pos="50000">
               <a:schemeClr val="phClr">
-                <a:shade val="93000"/>
-                <a:satMod val="130000"/>
+                <a:shade val="45000"/>
+                <a:satMod val="170000"/>
+              </a:schemeClr>
+            </a:gs>
+            <a:gs pos="70000">
+              <a:schemeClr val="phClr">
+                <a:tint val="99000"/>
+                <a:shade val="65000"/>
+                <a:satMod val="155000"/>
               </a:schemeClr>
             </a:gs>
             <a:gs pos="100000">
               <a:schemeClr val="phClr">
-                <a:shade val="94000"/>
-                <a:satMod val="135000"/>
+                <a:tint val="95500"/>
+                <a:shade val="100000"/>
+                <a:satMod val="155000"/>
               </a:schemeClr>
             </a:gs>
           </a:gsLst>
@@ -6722,20 +8357,17 @@
       <a:lnStyleLst>
         <a:ln w="9525" cap="flat" cmpd="sng" algn="ctr">
           <a:solidFill>
-            <a:schemeClr val="phClr">
-              <a:shade val="95000"/>
-              <a:satMod val="105000"/>
-            </a:schemeClr>
+            <a:schemeClr val="phClr"/>
           </a:solidFill>
           <a:prstDash val="solid"/>
         </a:ln>
-        <a:ln w="25400" cap="flat" cmpd="sng" algn="ctr">
+        <a:ln w="55000" cap="flat" cmpd="thickThin" algn="ctr">
           <a:solidFill>
             <a:schemeClr val="phClr"/>
           </a:solidFill>
           <a:prstDash val="solid"/>
         </a:ln>
-        <a:ln w="38100" cap="flat" cmpd="sng" algn="ctr">
+        <a:ln w="63500" cap="flat" cmpd="thickThin" algn="ctr">
           <a:solidFill>
             <a:schemeClr val="phClr"/>
           </a:solidFill>
@@ -6745,16 +8377,7 @@
       <a:effectStyleLst>
         <a:effectStyle>
           <a:effectLst>
-            <a:outerShdw blurRad="40000" dist="20000" dir="5400000" rotWithShape="0">
-              <a:srgbClr val="000000">
-                <a:alpha val="38000"/>
-              </a:srgbClr>
-            </a:outerShdw>
-          </a:effectLst>
-        </a:effectStyle>
-        <a:effectStyle>
-          <a:effectLst>
-            <a:outerShdw blurRad="40000" dist="23000" dir="5400000" rotWithShape="0">
+            <a:outerShdw blurRad="50800" dist="38100" dir="5400000" rotWithShape="0">
               <a:srgbClr val="000000">
                 <a:alpha val="35000"/>
               </a:srgbClr>
@@ -6763,22 +8386,36 @@
         </a:effectStyle>
         <a:effectStyle>
           <a:effectLst>
-            <a:outerShdw blurRad="40000" dist="23000" dir="5400000" rotWithShape="0">
+            <a:outerShdw blurRad="50800" dist="38100" dir="5400000" rotWithShape="0">
               <a:srgbClr val="000000">
                 <a:alpha val="35000"/>
               </a:srgbClr>
             </a:outerShdw>
           </a:effectLst>
+        </a:effectStyle>
+        <a:effectStyle>
+          <a:effectLst>
+            <a:outerShdw blurRad="63500" dist="38100" dir="5400000" rotWithShape="0">
+              <a:srgbClr val="000000">
+                <a:alpha val="45000"/>
+              </a:srgbClr>
+            </a:outerShdw>
+          </a:effectLst>
           <a:scene3d>
-            <a:camera prst="orthographicFront">
+            <a:camera prst="orthographicFront" fov="0">
               <a:rot lat="0" lon="0" rev="0"/>
             </a:camera>
-            <a:lightRig rig="threePt" dir="t">
-              <a:rot lat="0" lon="0" rev="1200000"/>
+            <a:lightRig rig="glow" dir="t">
+              <a:rot lat="0" lon="0" rev="6360000"/>
             </a:lightRig>
           </a:scene3d>
-          <a:sp3d>
-            <a:bevelT w="63500" h="25400"/>
+          <a:sp3d contourW="1000" prstMaterial="flat">
+            <a:bevelT w="95250" h="101600"/>
+            <a:contourClr>
+              <a:schemeClr val="phClr">
+                <a:satMod val="300000"/>
+              </a:schemeClr>
+            </a:contourClr>
           </a:sp3d>
         </a:effectStyle>
       </a:effectStyleLst>
@@ -6790,47 +8427,41 @@
           <a:gsLst>
             <a:gs pos="0">
               <a:schemeClr val="phClr">
-                <a:tint val="40000"/>
-                <a:satMod val="350000"/>
+                <a:tint val="55000"/>
+                <a:satMod val="300000"/>
               </a:schemeClr>
             </a:gs>
             <a:gs pos="40000">
               <a:schemeClr val="phClr">
-                <a:tint val="45000"/>
-                <a:shade val="99000"/>
-                <a:satMod val="350000"/>
-              </a:schemeClr>
-            </a:gs>
-            <a:gs pos="100000">
-              <a:schemeClr val="phClr">
-                <a:shade val="20000"/>
-                <a:satMod val="255000"/>
-              </a:schemeClr>
-            </a:gs>
-          </a:gsLst>
-          <a:path path="circle">
-            <a:fillToRect l="50000" t="-80000" r="50000" b="180000"/>
-          </a:path>
-        </a:gradFill>
-        <a:gradFill rotWithShape="1">
-          <a:gsLst>
-            <a:gs pos="0">
-              <a:schemeClr val="phClr">
-                <a:tint val="80000"/>
+                <a:tint val="65000"/>
                 <a:satMod val="300000"/>
               </a:schemeClr>
             </a:gs>
             <a:gs pos="100000">
               <a:schemeClr val="phClr">
-                <a:shade val="30000"/>
-                <a:satMod val="200000"/>
+                <a:shade val="65000"/>
+                <a:satMod val="300000"/>
               </a:schemeClr>
             </a:gs>
           </a:gsLst>
           <a:path path="circle">
-            <a:fillToRect l="50000" t="50000" r="50000" b="50000"/>
+            <a:fillToRect l="65000" b="98000"/>
           </a:path>
         </a:gradFill>
+        <a:blipFill>
+          <a:blip xmlns:r="http://schemas.openxmlformats.org/officeDocument/2006/relationships" r:embed="rId1">
+            <a:duotone>
+              <a:schemeClr val="phClr">
+                <a:shade val="60000"/>
+                <a:satMod val="110000"/>
+              </a:schemeClr>
+              <a:schemeClr val="phClr">
+                <a:tint val="95000"/>
+              </a:schemeClr>
+            </a:duotone>
+          </a:blip>
+          <a:tile tx="0" ty="0" sx="50000" sy="50000" flip="none" algn="tl"/>
+        </a:blipFill>
       </a:bgFillStyleLst>
     </a:fmtScheme>
   </a:themeElements>
